--- a/강의자료_자바스크립트.pptx
+++ b/강의자료_자바스크립트.pptx
@@ -2,12 +2,12 @@
 <file path=ppt/presentation.xml><?xml version="1.0" encoding="utf-8"?>
 <p:presentation xmlns:a="http://schemas.openxmlformats.org/drawingml/2006/main" xmlns:r="http://schemas.openxmlformats.org/officeDocument/2006/relationships" xmlns:p="http://schemas.openxmlformats.org/presentationml/2006/main" xmlns:p14="http://schemas.microsoft.com/office/powerpoint/2010/main" saveSubsetFonts="1">
   <p:sldMasterIdLst>
-    <p:sldMasterId id="2147485567" r:id="rId68"/>
-    <p:sldMasterId id="2147485568" r:id="rId70"/>
-    <p:sldMasterId id="2147485569" r:id="rId72"/>
-    <p:sldMasterId id="2147485570" r:id="rId74"/>
-    <p:sldMasterId id="2147485571" r:id="rId76"/>
-    <p:sldMasterId id="2147485572" r:id="rId78"/>
+    <p:sldMasterId id="2147485603" r:id="rId68"/>
+    <p:sldMasterId id="2147485604" r:id="rId70"/>
+    <p:sldMasterId id="2147485605" r:id="rId72"/>
+    <p:sldMasterId id="2147485606" r:id="rId74"/>
+    <p:sldMasterId id="2147485607" r:id="rId76"/>
+    <p:sldMasterId id="2147485608" r:id="rId78"/>
   </p:sldMasterIdLst>
   <p:sldIdLst>
     <p:sldId id="368" r:id="rId80"/>
@@ -128,12 +128,12 @@
   <p:extLst>
     <p:ext uri="{EFAFB233-063F-42B5-8137-9DF3F51BA10A}">
       <p15:sldGuideLst xmlns:p15="http://schemas.microsoft.com/office/powerpoint/2012/main">
-        <p15:guide id="1" pos="402" userDrawn="1">
+        <p15:guide id="1" pos="401" userDrawn="1">
           <p15:clr>
             <a:srgbClr val="A4A3A4"/>
           </p15:clr>
         </p15:guide>
-        <p15:guide id="2" orient="horz" pos="2147" userDrawn="0">
+        <p15:guide id="2" orient="horz" pos="2146" userDrawn="0">
           <p15:clr>
             <a:srgbClr val="A4A3A4"/>
           </p15:clr>
@@ -22443,7 +22443,7 @@
 </file>
 
 <file path=ppt/slides/slide11.xml><?xml version="1.0" encoding="utf-8"?>
-<p:sld xmlns:a="http://schemas.openxmlformats.org/drawingml/2006/main" xmlns:r="http://schemas.openxmlformats.org/officeDocument/2006/relationships" xmlns:p="http://schemas.openxmlformats.org/presentationml/2006/main">
+<p:sld xmlns:a="http://schemas.openxmlformats.org/drawingml/2006/main" xmlns:r="http://schemas.openxmlformats.org/officeDocument/2006/relationships" xmlns:p="http://schemas.openxmlformats.org/presentationml/2006/main" xmlns:p14="http://schemas.microsoft.com/office/powerpoint/2010/main">
   <p:cSld>
     <p:spTree>
       <p:nvGrpSpPr>
@@ -23595,7 +23595,7 @@
       </p:sp>
       <mc:AlternateContent xmlns:mc="http://schemas.openxmlformats.org/markup-compatibility/2006" xmlns:p14="http://schemas.microsoft.com/office/powerpoint/2010/main">
         <mc:Choice Requires="p14">
-          <p:contentPart p14:bwMode="auto" r:id="rId2">
+          <p:contentPart p14:bwMode="auto" r:id="rId6">
             <p14:nvContentPartPr>
               <p14:cNvPr id="5" name="Ink 5"/>
               <p14:cNvContentPartPr/>
@@ -23615,7 +23615,7 @@
               <p:nvPr/>
             </p:nvPicPr>
             <p:blipFill>
-              <a:blip r:embed="rId3"/>
+              <a:blip r:embed="rId7"/>
               <a:stretch>
                 <a:fillRect/>
               </a:stretch>
@@ -23643,7 +23643,7 @@
         <p:spPr>
           <a:xfrm rot="0">
             <a:off x="659130" y="1633855"/>
-            <a:ext cx="7423150" cy="461010"/>
+            <a:ext cx="7423785" cy="461645"/>
           </a:xfrm>
           <a:prstGeom prst="rect"/>
           <a:noFill/>
@@ -23869,7 +23869,7 @@
       </p:sp>
       <p:pic>
         <p:nvPicPr>
-          <p:cNvPr id="35" name="그림 1" descr="C:/Users/dltjs/AppData/Roaming/PolarisOffice/ETemp/11000_8783216/fImage244735598467.png"/>
+          <p:cNvPr id="35" name="그림 1"/>
           <p:cNvPicPr>
             <a:picLocks noChangeAspect="1"/>
           </p:cNvPicPr>
@@ -23898,7 +23898,7 @@
       </p:pic>
       <p:pic>
         <p:nvPicPr>
-          <p:cNvPr id="36" name="그림 2" descr="C:/Users/dltjs/AppData/Roaming/PolarisOffice/ETemp/11000_8783216/fImage218985606334.png"/>
+          <p:cNvPr id="36" name="그림 2"/>
           <p:cNvPicPr>
             <a:picLocks noChangeAspect="1"/>
           </p:cNvPicPr>
@@ -25433,7 +25433,7 @@
 </file>
 
 <file path=ppt/slides/slide13.xml><?xml version="1.0" encoding="utf-8"?>
-<p:sld xmlns:a="http://schemas.openxmlformats.org/drawingml/2006/main" xmlns:r="http://schemas.openxmlformats.org/officeDocument/2006/relationships" xmlns:p="http://schemas.openxmlformats.org/presentationml/2006/main">
+<p:sld xmlns:a="http://schemas.openxmlformats.org/drawingml/2006/main" xmlns:r="http://schemas.openxmlformats.org/officeDocument/2006/relationships" xmlns:p="http://schemas.openxmlformats.org/presentationml/2006/main" xmlns:p14="http://schemas.microsoft.com/office/powerpoint/2010/main">
   <p:cSld>
     <p:spTree>
       <p:nvGrpSpPr>
@@ -26585,7 +26585,7 @@
       </p:sp>
       <mc:AlternateContent xmlns:mc="http://schemas.openxmlformats.org/markup-compatibility/2006" xmlns:p14="http://schemas.microsoft.com/office/powerpoint/2010/main">
         <mc:Choice Requires="p14">
-          <p:contentPart p14:bwMode="auto" r:id="rId2">
+          <p:contentPart p14:bwMode="auto" r:id="rId7">
             <p14:nvContentPartPr>
               <p14:cNvPr id="5" name="Ink 5"/>
               <p14:cNvContentPartPr/>
@@ -26605,7 +26605,7 @@
               <p:nvPr/>
             </p:nvPicPr>
             <p:blipFill>
-              <a:blip r:embed="rId3"/>
+              <a:blip r:embed="rId8"/>
               <a:stretch>
                 <a:fillRect/>
               </a:stretch>
@@ -26859,7 +26859,7 @@
       </p:sp>
       <p:pic>
         <p:nvPicPr>
-          <p:cNvPr id="35" name="Picture " descr="C:/Users/dltjs/AppData/Roaming/PolarisOffice/ETemp/11000_8783216/fImage47535586500.png"/>
+          <p:cNvPr id="35" name="Picture "/>
           <p:cNvPicPr>
             <a:picLocks noChangeAspect="1"/>
           </p:cNvPicPr>
@@ -26888,7 +26888,7 @@
       </p:pic>
       <p:pic>
         <p:nvPicPr>
-          <p:cNvPr id="36" name="Picture " descr="C:/Users/dltjs/AppData/Roaming/PolarisOffice/ETemp/11000_8783216/fImage41125599169.png"/>
+          <p:cNvPr id="36" name="Picture "/>
           <p:cNvPicPr>
             <a:picLocks noChangeAspect="1"/>
           </p:cNvPicPr>
@@ -26917,7 +26917,7 @@
       </p:pic>
       <p:pic>
         <p:nvPicPr>
-          <p:cNvPr id="37" name="Picture " descr="C:/Users/dltjs/AppData/Roaming/PolarisOffice/ETemp/11000_8783216/fImage62315605724.png"/>
+          <p:cNvPr id="37" name="Picture " descr="C:/Users/dltjs/AppData/Roaming/PolarisOffice/ETemp/19480_23206144/fImage62315605724.png"/>
           <p:cNvPicPr>
             <a:picLocks noChangeAspect="1"/>
           </p:cNvPicPr>
@@ -26937,8 +26937,8 @@
         </p:blipFill>
         <p:spPr>
           <a:xfrm rot="0">
-            <a:off x="5511165" y="3992880"/>
-            <a:ext cx="5821045" cy="1458595"/>
+            <a:off x="5498465" y="4138930"/>
+            <a:ext cx="5179695" cy="1296670"/>
           </a:xfrm>
           <a:prstGeom prst="rect"/>
           <a:noFill/>
@@ -37154,7 +37154,7 @@
       </p:sp>
       <mc:AlternateContent xmlns:mc="http://schemas.openxmlformats.org/markup-compatibility/2006" xmlns:p14="http://schemas.microsoft.com/office/powerpoint/2010/main">
         <mc:Choice Requires="p14">
-          <p:contentPart p14:bwMode="auto" r:id="rId8">
+          <p:contentPart p14:bwMode="auto" r:id="rId10">
             <p14:nvContentPartPr>
               <p14:cNvPr id="5" name="Ink 5"/>
               <p14:cNvContentPartPr/>
@@ -37174,7 +37174,7 @@
               <p:nvPr/>
             </p:nvPicPr>
             <p:blipFill>
-              <a:blip r:embed="rId9"/>
+              <a:blip r:embed="rId11"/>
               <a:stretch>
                 <a:fillRect/>
               </a:stretch>
@@ -37392,7 +37392,7 @@
         </p:nvGraphicFramePr>
         <p:xfrm>
           <a:off x="806450" y="4467860"/>
-          <a:ext cx="10276840" cy="1469390"/>
+          <a:ext cx="10276840" cy="1839595"/>
         </p:xfrm>
         <a:graphic>
           <a:graphicData uri="http://schemas.openxmlformats.org/drawingml/2006/table">
@@ -37410,7 +37410,7 @@
                     <a:bodyPr/>
                     <a:lstStyle/>
                     <a:p>
-                      <a:pPr marL="0" indent="0" algn="ctr" latinLnBrk="1">
+                      <a:pPr marL="0" indent="0" algn="ctr" latinLnBrk="1" lvl="1">
                         <a:buFontTx/>
                         <a:buNone/>
                       </a:pPr>
@@ -37481,7 +37481,7 @@
                     <a:bodyPr/>
                     <a:lstStyle/>
                     <a:p>
-                      <a:pPr marL="0" indent="0" algn="ctr" latinLnBrk="1">
+                      <a:pPr marL="0" indent="0" algn="ctr" latinLnBrk="1" lvl="1">
                         <a:buFontTx/>
                         <a:buNone/>
                       </a:pPr>
@@ -37548,13 +37548,13 @@
                   </a:tcPr>
                 </a:tc>
               </a:tr>
-              <a:tr h="367030">
+              <a:tr h="737235">
                 <a:tc>
                   <a:txBody>
                     <a:bodyPr/>
                     <a:lstStyle/>
                     <a:p>
-                      <a:pPr marL="0" indent="0" algn="ctr" latinLnBrk="1">
+                      <a:pPr marL="0" indent="0" algn="ctr" latinLnBrk="1" lvl="1">
                         <a:buFontTx/>
                         <a:buNone/>
                       </a:pPr>
@@ -37567,6 +37567,49 @@
                           <a:ea typeface="맑은 고딕" charset="0"/>
                         </a:rPr>
                         <a:t>컴파일 언어</a:t>
+                      </a:r>
+                      <a:endParaRPr lang="ko-KR" altLang="en-US" sz="1400" kern="1200">
+                        <a:solidFill>
+                          <a:srgbClr val="000000"/>
+                        </a:solidFill>
+                        <a:latin typeface="맑은 고딕" charset="0"/>
+                        <a:ea typeface="맑은 고딕" charset="0"/>
+                      </a:endParaRPr>
+                    </a:p>
+                    <a:p>
+                      <a:pPr marL="0" indent="0" algn="ctr" latinLnBrk="1" lvl="1">
+                        <a:buFontTx/>
+                        <a:buNone/>
+                      </a:pPr>
+                      <a:r>
+                        <a:rPr sz="1400" kern="1200">
+                          <a:solidFill>
+                            <a:srgbClr val="000000"/>
+                          </a:solidFill>
+                          <a:latin typeface="맑은 고딕" charset="0"/>
+                          <a:ea typeface="맑은 고딕" charset="0"/>
+                        </a:rPr>
+                        <a:t>(</a:t>
+                      </a:r>
+                      <a:r>
+                        <a:rPr sz="1200" kern="1200" i="0" b="0">
+                          <a:solidFill>
+                            <a:srgbClr val="666666"/>
+                          </a:solidFill>
+                          <a:latin typeface="Noto Sans" charset="0"/>
+                          <a:ea typeface="Noto Sans" charset="0"/>
+                        </a:rPr>
+                        <a:t>원시코드(프로그래머가 작성한 소스코드)를 모두 기계어로 변환한 후에 기계(JVM 같은 가상 머신)에 넣고 기계어 코드</a:t>
+                      </a:r>
+                      <a:r>
+                        <a:rPr sz="1400" kern="1200">
+                          <a:solidFill>
+                            <a:srgbClr val="000000"/>
+                          </a:solidFill>
+                          <a:latin typeface="맑은 고딕" charset="0"/>
+                          <a:ea typeface="맑은 고딕" charset="0"/>
+                        </a:rPr>
+                        <a:t>)</a:t>
                       </a:r>
                       <a:endParaRPr lang="ko-KR" altLang="en-US" sz="1400" kern="1200">
                         <a:solidFill>
@@ -37629,7 +37672,7 @@
                     <a:bodyPr/>
                     <a:lstStyle/>
                     <a:p>
-                      <a:pPr marL="0" indent="0" algn="ctr" latinLnBrk="1">
+                      <a:pPr marL="0" indent="0" algn="ctr" latinLnBrk="1" lvl="1">
                         <a:buFontTx/>
                         <a:buNone/>
                       </a:pPr>
@@ -37642,6 +37685,49 @@
                           <a:ea typeface="맑은 고딕" charset="0"/>
                         </a:rPr>
                         <a:t>인터프리터 언어</a:t>
+                      </a:r>
+                      <a:endParaRPr lang="ko-KR" altLang="en-US" sz="1400" kern="1200">
+                        <a:solidFill>
+                          <a:srgbClr val="000000"/>
+                        </a:solidFill>
+                        <a:latin typeface="맑은 고딕" charset="0"/>
+                        <a:ea typeface="맑은 고딕" charset="0"/>
+                      </a:endParaRPr>
+                    </a:p>
+                    <a:p>
+                      <a:pPr marL="0" indent="0" algn="ctr" latinLnBrk="1" lvl="1">
+                        <a:buFontTx/>
+                        <a:buNone/>
+                      </a:pPr>
+                      <a:r>
+                        <a:rPr sz="1400" kern="1200">
+                          <a:solidFill>
+                            <a:srgbClr val="000000"/>
+                          </a:solidFill>
+                          <a:latin typeface="맑은 고딕" charset="0"/>
+                          <a:ea typeface="맑은 고딕" charset="0"/>
+                        </a:rPr>
+                        <a:t>(</a:t>
+                      </a:r>
+                      <a:r>
+                        <a:rPr sz="1200" kern="1200" i="0" b="0">
+                          <a:solidFill>
+                            <a:srgbClr val="666666"/>
+                          </a:solidFill>
+                          <a:latin typeface="Noto Sans" charset="0"/>
+                          <a:ea typeface="Noto Sans" charset="0"/>
+                        </a:rPr>
+                        <a:t>원시코드(프로그래머가 작성한 소스코드)를 기계어로 변환하는 과정없이 한줄 한줄 해석하여 바로 명령어를 실행하는 언어</a:t>
+                      </a:r>
+                      <a:r>
+                        <a:rPr sz="1400" kern="1200">
+                          <a:solidFill>
+                            <a:srgbClr val="000000"/>
+                          </a:solidFill>
+                          <a:latin typeface="맑은 고딕" charset="0"/>
+                          <a:ea typeface="맑은 고딕" charset="0"/>
+                        </a:rPr>
+                        <a:t>)</a:t>
                       </a:r>
                       <a:endParaRPr lang="ko-KR" altLang="en-US" sz="1400" kern="1200">
                         <a:solidFill>
@@ -37706,7 +37792,7 @@
                     <a:bodyPr/>
                     <a:lstStyle/>
                     <a:p>
-                      <a:pPr marL="0" indent="0" algn="ctr" latinLnBrk="1">
+                      <a:pPr marL="0" indent="0" algn="ctr" latinLnBrk="1" lvl="1">
                         <a:buFontTx/>
                         <a:buNone/>
                       </a:pPr>
@@ -37718,17 +37804,7 @@
                           <a:latin typeface="맑은 고딕" charset="0"/>
                           <a:ea typeface="맑은 고딕" charset="0"/>
                         </a:rPr>
-                        <a:t>타입 검사를</a:t>
-                      </a:r>
-                      <a:r>
-                        <a:rPr sz="1400" kern="1200">
-                          <a:solidFill>
-                            <a:srgbClr val="000000"/>
-                          </a:solidFill>
-                          <a:latin typeface="맑은 고딕" charset="0"/>
-                          <a:ea typeface="맑은 고딕" charset="0"/>
-                        </a:rPr>
-                        <a:t> 엄격하게 함</a:t>
+                        <a:t>타입 검사를 엄격하게 함</a:t>
                       </a:r>
                       <a:endParaRPr lang="ko-KR" altLang="en-US" sz="1400" kern="1200">
                         <a:solidFill>
@@ -37783,7 +37859,7 @@
                     <a:bodyPr/>
                     <a:lstStyle/>
                     <a:p>
-                      <a:pPr marL="0" indent="0" algn="ctr" latinLnBrk="1">
+                      <a:pPr marL="0" indent="0" algn="ctr" latinLnBrk="1" lvl="1">
                         <a:buFontTx/>
                         <a:buNone/>
                       </a:pPr>
@@ -37852,7 +37928,7 @@
                     <a:bodyPr/>
                     <a:lstStyle/>
                     <a:p>
-                      <a:pPr marL="0" indent="0" algn="ctr" latinLnBrk="1">
+                      <a:pPr marL="0" indent="0" algn="ctr" latinLnBrk="1" lvl="1">
                         <a:buFontTx/>
                         <a:buNone/>
                       </a:pPr>
@@ -37927,7 +38003,7 @@
                     <a:bodyPr/>
                     <a:lstStyle/>
                     <a:p>
-                      <a:pPr marL="0" indent="0" algn="ctr" latinLnBrk="1">
+                      <a:pPr marL="0" indent="0" algn="ctr" latinLnBrk="1" lvl="1">
                         <a:buFontTx/>
                         <a:buNone/>
                       </a:pPr>

--- a/강의자료_자바스크립트.pptx
+++ b/강의자료_자바스크립트.pptx
@@ -2,12 +2,12 @@
 <file path=ppt/presentation.xml><?xml version="1.0" encoding="utf-8"?>
 <p:presentation xmlns:a="http://schemas.openxmlformats.org/drawingml/2006/main" xmlns:r="http://schemas.openxmlformats.org/officeDocument/2006/relationships" xmlns:p="http://schemas.openxmlformats.org/presentationml/2006/main" xmlns:p14="http://schemas.microsoft.com/office/powerpoint/2010/main" saveSubsetFonts="1">
   <p:sldMasterIdLst>
-    <p:sldMasterId id="2147485603" r:id="rId68"/>
-    <p:sldMasterId id="2147485604" r:id="rId70"/>
-    <p:sldMasterId id="2147485605" r:id="rId72"/>
-    <p:sldMasterId id="2147485606" r:id="rId74"/>
-    <p:sldMasterId id="2147485607" r:id="rId76"/>
-    <p:sldMasterId id="2147485608" r:id="rId78"/>
+    <p:sldMasterId id="2147485615" r:id="rId68"/>
+    <p:sldMasterId id="2147485616" r:id="rId70"/>
+    <p:sldMasterId id="2147485617" r:id="rId72"/>
+    <p:sldMasterId id="2147485618" r:id="rId74"/>
+    <p:sldMasterId id="2147485619" r:id="rId76"/>
+    <p:sldMasterId id="2147485620" r:id="rId78"/>
   </p:sldMasterIdLst>
   <p:sldIdLst>
     <p:sldId id="368" r:id="rId80"/>
@@ -23844,7 +23844,7 @@
         <p:spPr>
           <a:xfrm rot="0">
             <a:off x="381000" y="6182360"/>
-            <a:ext cx="8947150" cy="278765"/>
+            <a:ext cx="8947785" cy="279400"/>
           </a:xfrm>
           <a:prstGeom prst="rect"/>
           <a:noFill/>
@@ -23869,14 +23869,44 @@
       </p:sp>
       <p:pic>
         <p:nvPicPr>
-          <p:cNvPr id="35" name="그림 1"/>
+          <p:cNvPr id="36" name="그림 2" descr="C:/Users/dltjs/AppData/Roaming/PolarisOffice/ETemp/19480_23206144/fImage179974326334.png"/>
           <p:cNvPicPr>
             <a:picLocks noChangeAspect="1"/>
           </p:cNvPicPr>
           <p:nvPr/>
         </p:nvPicPr>
         <p:blipFill rotWithShape="1">
-          <a:blip r:embed="rId4" cstate="print">
+          <a:blip r:embed="rId8" cstate="print">
+            <a:extLst>
+              <a:ext uri="{28A0092B-C50C-407E-A947-70E740481C1C}">
+                <a14:useLocalDpi xmlns:a14="http://schemas.microsoft.com/office/drawing/2010/main" val="0"/>
+              </a:ext>
+            </a:extLst>
+          </a:blip>
+          <a:srcRect r="28901"/>
+          <a:stretch>
+            <a:fillRect/>
+          </a:stretch>
+        </p:blipFill>
+        <p:spPr>
+          <a:xfrm rot="0">
+            <a:off x="6354445" y="2870835"/>
+            <a:ext cx="4944745" cy="1393825"/>
+          </a:xfrm>
+          <a:prstGeom prst="rect"/>
+          <a:noFill/>
+        </p:spPr>
+      </p:pic>
+      <p:pic>
+        <p:nvPicPr>
+          <p:cNvPr id="37" name="그림 3" descr="C:/Users/dltjs/AppData/Roaming/PolarisOffice/ETemp/19480_23206144/fImage205354336500.png"/>
+          <p:cNvPicPr>
+            <a:picLocks noChangeAspect="1"/>
+          </p:cNvPicPr>
+          <p:nvPr/>
+        </p:nvPicPr>
+        <p:blipFill rotWithShape="1">
+          <a:blip r:embed="rId9" cstate="print">
             <a:extLst>
               <a:ext uri="{28A0092B-C50C-407E-A947-70E740481C1C}">
                 <a14:useLocalDpi xmlns:a14="http://schemas.microsoft.com/office/drawing/2010/main" val="0"/>
@@ -23889,37 +23919,8 @@
         </p:blipFill>
         <p:spPr>
           <a:xfrm rot="0">
-            <a:off x="710565" y="2924810"/>
-            <a:ext cx="4930775" cy="1944370"/>
-          </a:xfrm>
-          <a:prstGeom prst="rect"/>
-          <a:noFill/>
-        </p:spPr>
-      </p:pic>
-      <p:pic>
-        <p:nvPicPr>
-          <p:cNvPr id="36" name="그림 2"/>
-          <p:cNvPicPr>
-            <a:picLocks noChangeAspect="1"/>
-          </p:cNvPicPr>
-          <p:nvPr/>
-        </p:nvPicPr>
-        <p:blipFill rotWithShape="1">
-          <a:blip r:embed="rId5" cstate="print">
-            <a:extLst>
-              <a:ext uri="{28A0092B-C50C-407E-A947-70E740481C1C}">
-                <a14:useLocalDpi xmlns:a14="http://schemas.microsoft.com/office/drawing/2010/main" val="0"/>
-              </a:ext>
-            </a:extLst>
-          </a:blip>
-          <a:stretch>
-            <a:fillRect/>
-          </a:stretch>
-        </p:blipFill>
-        <p:spPr>
-          <a:xfrm rot="0">
-            <a:off x="6370955" y="2775585"/>
-            <a:ext cx="3994785" cy="2521585"/>
+            <a:off x="782955" y="2870835"/>
+            <a:ext cx="4556760" cy="1520190"/>
           </a:xfrm>
           <a:prstGeom prst="rect"/>
           <a:noFill/>

--- a/강의자료_자바스크립트.pptx
+++ b/강의자료_자바스크립트.pptx
@@ -2,12 +2,12 @@
 <file path=ppt/presentation.xml><?xml version="1.0" encoding="utf-8"?>
 <p:presentation xmlns:a="http://schemas.openxmlformats.org/drawingml/2006/main" xmlns:r="http://schemas.openxmlformats.org/officeDocument/2006/relationships" xmlns:p="http://schemas.openxmlformats.org/presentationml/2006/main" xmlns:p14="http://schemas.microsoft.com/office/powerpoint/2010/main" saveSubsetFonts="1">
   <p:sldMasterIdLst>
-    <p:sldMasterId id="2147485615" r:id="rId68"/>
-    <p:sldMasterId id="2147485616" r:id="rId70"/>
-    <p:sldMasterId id="2147485617" r:id="rId72"/>
-    <p:sldMasterId id="2147485618" r:id="rId74"/>
-    <p:sldMasterId id="2147485619" r:id="rId76"/>
-    <p:sldMasterId id="2147485620" r:id="rId78"/>
+    <p:sldMasterId id="2147485663" r:id="rId68"/>
+    <p:sldMasterId id="2147485664" r:id="rId70"/>
+    <p:sldMasterId id="2147485665" r:id="rId72"/>
+    <p:sldMasterId id="2147485666" r:id="rId74"/>
+    <p:sldMasterId id="2147485667" r:id="rId76"/>
+    <p:sldMasterId id="2147485668" r:id="rId78"/>
   </p:sldMasterIdLst>
   <p:sldIdLst>
     <p:sldId id="368" r:id="rId80"/>
@@ -21,12 +21,13 @@
     <p:sldId id="397" r:id="rId88"/>
     <p:sldId id="398" r:id="rId89"/>
     <p:sldId id="403" r:id="rId90"/>
-    <p:sldId id="401" r:id="rId91"/>
-    <p:sldId id="404" r:id="rId92"/>
+    <p:sldId id="404" r:id="rId91"/>
+    <p:sldId id="401" r:id="rId92"/>
     <p:sldId id="402" r:id="rId93"/>
     <p:sldId id="366" r:id="rId94"/>
     <p:sldId id="396" r:id="rId95"/>
-    <p:sldId id="400" r:id="rId96"/>
+    <p:sldId id="405" r:id="rId96"/>
+    <p:sldId id="400" r:id="rId97"/>
   </p:sldIdLst>
   <p:sldSz cx="12192000" cy="6858000"/>
   <p:notesSz cx="6858000" cy="9144000"/>
@@ -128,12 +129,12 @@
   <p:extLst>
     <p:ext uri="{EFAFB233-063F-42B5-8137-9DF3F51BA10A}">
       <p15:sldGuideLst xmlns:p15="http://schemas.microsoft.com/office/powerpoint/2012/main">
-        <p15:guide id="1" pos="401" userDrawn="1">
+        <p15:guide id="1" pos="400" userDrawn="1">
           <p15:clr>
             <a:srgbClr val="A4A3A4"/>
           </p15:clr>
         </p15:guide>
-        <p15:guide id="2" orient="horz" pos="2146" userDrawn="0">
+        <p15:guide id="2" orient="horz" pos="2145" userDrawn="0">
           <p15:clr>
             <a:srgbClr val="A4A3A4"/>
           </p15:clr>
@@ -327,6 +328,32 @@
 </file>
 
 <file path=ppt/ink/ink16.xml><?xml version="1.0" encoding="utf-8"?>
+<inkml:ink xmlns:inkml="http://www.w3.org/2003/InkML">
+  <inkml:definitions>
+    <inkml:context xml:id="ctx0">
+      <inkml:inkSource xml:id="inkSrc0">
+        <inkml:traceFormat>
+          <inkml:channel name="X" type="integer" max="2" units="cm"/>
+          <inkml:channel name="Y" type="integer" max="2" units="cm"/>
+        </inkml:traceFormat>
+        <inkml:channelProperties>
+          <inkml:channelProperty channel="X" name="resolution" value="1000.000000" units="1/cm"/>
+          <inkml:channelProperty channel="Y" name="resolution" value="1000.000000" units="1/cm"/>
+        </inkml:channelProperties>
+      </inkml:inkSource>
+    </inkml:context>
+    <inkml:brush xml:id="br0">
+      <inkml:brushProperty name="width" value="0.050000" units="cm"/>
+      <inkml:brushProperty name="height" value="0.050000" units="cm"/>
+      <inkml:brushProperty name="color" value="#e71224"/>
+      <inkml:brushProperty name="fitToCurve" value="1"/>
+    </inkml:brush>
+  </inkml:definitions>
+  <inkml:trace contextRef="#ctx0" brushRef="#br0">0 0,'0'0</inkml:trace>
+</inkml:ink>
+</file>
+
+<file path=ppt/ink/ink17.xml><?xml version="1.0" encoding="utf-8"?>
 <inkml:ink xmlns:inkml="http://www.w3.org/2003/InkML">
   <inkml:definitions>
     <inkml:context xml:id="ctx0">
@@ -23975,6 +24002,1541 @@
         <p:grpSpPr>
           <a:xfrm rot="0">
             <a:off x="145415" y="684530"/>
+            <a:ext cx="11824970" cy="6007100"/>
+            <a:chOff x="145415" y="684530"/>
+            <a:chExt cx="11824970" cy="6007100"/>
+          </a:xfrm>
+        </p:grpSpPr>
+        <p:sp>
+          <p:nvSpPr>
+            <p:cNvPr id="26" name="Rect 0"/>
+            <p:cNvSpPr>
+              <a:spLocks/>
+            </p:cNvSpPr>
+            <p:nvPr/>
+          </p:nvSpPr>
+          <p:spPr>
+            <a:xfrm rot="0">
+              <a:off x="145415" y="684530"/>
+              <a:ext cx="11763375" cy="5958840"/>
+            </a:xfrm>
+            <a:custGeom>
+              <a:gdLst>
+                <a:gd fmla="*/ 3574143 w 11760205" name="TX0"/>
+                <a:gd fmla="*/ 72571 h 5955851" name="TY0"/>
+                <a:gd fmla="*/ 11716657 w 11760205" name="TX1"/>
+                <a:gd fmla="*/ 72571 h 5955851" name="TY1"/>
+                <a:gd fmla="*/ 11760200 w 11760205" name="TX2"/>
+                <a:gd fmla="*/ 5936343 h 5955851" name="TY2"/>
+                <a:gd fmla="*/ 0 w 11760205" name="TX3"/>
+                <a:gd fmla="*/ 5955846 h 5955851" name="TY3"/>
+                <a:gd fmla="*/ 77107 w 11760205" name="TX4"/>
+                <a:gd fmla="*/ 0 h 5955851" name="TY4"/>
+                <a:gd fmla="*/ 206828 w 11760205" name="TX5"/>
+                <a:gd fmla="*/ 0 h 5955851" name="TY5"/>
+              </a:gdLst>
+              <a:cxnLst>
+                <a:cxn ang="0">
+                  <a:pos x="TX0" y="TY0"/>
+                </a:cxn>
+                <a:cxn ang="0">
+                  <a:pos x="TX1" y="TY1"/>
+                </a:cxn>
+                <a:cxn ang="0">
+                  <a:pos x="TX2" y="TY2"/>
+                </a:cxn>
+                <a:cxn ang="0">
+                  <a:pos x="TX3" y="TY3"/>
+                </a:cxn>
+                <a:cxn ang="0">
+                  <a:pos x="TX4" y="TY4"/>
+                </a:cxn>
+                <a:cxn ang="0">
+                  <a:pos x="TX5" y="TY5"/>
+                </a:cxn>
+              </a:cxnLst>
+              <a:rect l="l" t="t" r="r" b="b"/>
+              <a:pathLst>
+                <a:path w="11760205" h="5955851">
+                  <a:moveTo>
+                    <a:pt x="3574143" y="72571"/>
+                  </a:moveTo>
+                  <a:lnTo>
+                    <a:pt x="11716657" y="72571"/>
+                  </a:lnTo>
+                  <a:lnTo>
+                    <a:pt x="11760200" y="5936343"/>
+                  </a:lnTo>
+                  <a:lnTo>
+                    <a:pt x="0" y="5955846"/>
+                  </a:lnTo>
+                  <a:lnTo>
+                    <a:pt x="77107" y="0"/>
+                  </a:lnTo>
+                  <a:lnTo>
+                    <a:pt x="206828" y="0"/>
+                  </a:lnTo>
+                </a:path>
+              </a:pathLst>
+            </a:custGeom>
+            <a:solidFill>
+              <a:schemeClr val="bg1"/>
+            </a:solidFill>
+            <a:ln w="12700" cap="flat" cmpd="sng">
+              <a:solidFill>
+                <a:schemeClr val="tx1">
+                  <a:lumMod val="85000"/>
+                  <a:lumOff val="15000"/>
+                  <a:alpha val="100000"/>
+                </a:schemeClr>
+              </a:solidFill>
+              <a:prstDash val="solid"/>
+            </a:ln>
+          </p:spPr>
+          <p:style>
+            <a:lnRef idx="2">
+              <a:schemeClr val="accent1">
+                <a:shade val="50000"/>
+              </a:schemeClr>
+            </a:lnRef>
+            <a:fillRef idx="1">
+              <a:schemeClr val="accent1"/>
+            </a:fillRef>
+            <a:effectRef idx="0">
+              <a:schemeClr val="accent1"/>
+            </a:effectRef>
+            <a:fontRef idx="minor">
+              <a:schemeClr val="lt1"/>
+            </a:fontRef>
+          </p:style>
+          <p:txBody>
+            <a:bodyPr wrap="square" lIns="91440" tIns="45720" rIns="91440" bIns="45720" numCol="1" vert="horz" anchor="ctr">
+              <a:noAutofit/>
+            </a:bodyPr>
+            <a:lstStyle/>
+            <a:p>
+              <a:pPr marL="0" indent="0" rtl="0" algn="ctr" defTabSz="914400" eaLnBrk="1" latinLnBrk="0" hangingPunct="1">
+                <a:buFontTx/>
+                <a:buNone/>
+              </a:pPr>
+              <a:endParaRPr lang="ko-KR" altLang="en-US" sz="1800">
+                <a:solidFill>
+                  <a:srgbClr val="FFFFFF"/>
+                </a:solidFill>
+                <a:latin typeface="맑은 고딕" charset="0"/>
+                <a:ea typeface="맑은 고딕" charset="0"/>
+              </a:endParaRPr>
+            </a:p>
+          </p:txBody>
+        </p:sp>
+        <p:sp>
+          <p:nvSpPr>
+            <p:cNvPr id="27" name="Rect 0"/>
+            <p:cNvSpPr>
+              <a:spLocks/>
+            </p:cNvSpPr>
+            <p:nvPr/>
+          </p:nvSpPr>
+          <p:spPr>
+            <a:xfrm rot="0">
+              <a:off x="11634470" y="6376035"/>
+              <a:ext cx="336550" cy="315595"/>
+            </a:xfrm>
+            <a:custGeom>
+              <a:gdLst>
+                <a:gd fmla="*/ 333375 w 333380" name="TX0"/>
+                <a:gd fmla="*/ 0 h 312425" name="TY0"/>
+                <a:gd fmla="*/ 333375 w 333380" name="TX1"/>
+                <a:gd fmla="*/ 312420 h 312425" name="TY1"/>
+                <a:gd fmla="*/ 0 w 333380" name="TX2"/>
+                <a:gd fmla="*/ 309563 h 312425" name="TY2"/>
+              </a:gdLst>
+              <a:cxnLst>
+                <a:cxn ang="0">
+                  <a:pos x="TX0" y="TY0"/>
+                </a:cxn>
+                <a:cxn ang="0">
+                  <a:pos x="TX1" y="TY1"/>
+                </a:cxn>
+                <a:cxn ang="0">
+                  <a:pos x="TX2" y="TY2"/>
+                </a:cxn>
+              </a:cxnLst>
+              <a:rect l="l" t="t" r="r" b="b"/>
+              <a:pathLst>
+                <a:path w="333380" h="312425">
+                  <a:moveTo>
+                    <a:pt x="333375" y="0"/>
+                  </a:moveTo>
+                  <a:lnTo>
+                    <a:pt x="333375" y="312420"/>
+                  </a:lnTo>
+                  <a:lnTo>
+                    <a:pt x="0" y="309563"/>
+                  </a:lnTo>
+                </a:path>
+              </a:pathLst>
+            </a:custGeom>
+            <a:noFill/>
+            <a:ln w="12700" cap="flat" cmpd="sng">
+              <a:solidFill>
+                <a:schemeClr val="tx1">
+                  <a:lumMod val="85000"/>
+                  <a:lumOff val="15000"/>
+                  <a:alpha val="100000"/>
+                </a:schemeClr>
+              </a:solidFill>
+              <a:prstDash val="solid"/>
+            </a:ln>
+          </p:spPr>
+          <p:style>
+            <a:lnRef idx="2">
+              <a:schemeClr val="accent1">
+                <a:shade val="50000"/>
+              </a:schemeClr>
+            </a:lnRef>
+            <a:fillRef idx="1">
+              <a:schemeClr val="accent1"/>
+            </a:fillRef>
+            <a:effectRef idx="0">
+              <a:schemeClr val="accent1"/>
+            </a:effectRef>
+            <a:fontRef idx="minor">
+              <a:schemeClr val="lt1"/>
+            </a:fontRef>
+          </p:style>
+          <p:txBody>
+            <a:bodyPr wrap="square" lIns="91440" tIns="45720" rIns="91440" bIns="45720" numCol="1" vert="horz" anchor="ctr">
+              <a:noAutofit/>
+            </a:bodyPr>
+            <a:lstStyle/>
+            <a:p>
+              <a:pPr marL="0" indent="0" rtl="0" algn="ctr" defTabSz="914400" eaLnBrk="1" latinLnBrk="0" hangingPunct="1">
+                <a:buFontTx/>
+                <a:buNone/>
+              </a:pPr>
+              <a:endParaRPr lang="ko-KR" altLang="en-US" sz="1800">
+                <a:solidFill>
+                  <a:srgbClr val="FFFFFF"/>
+                </a:solidFill>
+                <a:latin typeface="맑은 고딕" charset="0"/>
+                <a:ea typeface="맑은 고딕" charset="0"/>
+              </a:endParaRPr>
+            </a:p>
+          </p:txBody>
+        </p:sp>
+      </p:grpSp>
+      <p:grpSp>
+        <p:nvGrpSpPr>
+          <p:cNvPr id="4" name="Group 5"/>
+          <p:cNvGrpSpPr/>
+          <p:nvPr/>
+        </p:nvGrpSpPr>
+        <p:grpSpPr>
+          <a:xfrm rot="0">
+            <a:off x="486410" y="121920"/>
+            <a:ext cx="3265170" cy="1022985"/>
+            <a:chOff x="486410" y="121920"/>
+            <a:chExt cx="3265170" cy="1022985"/>
+          </a:xfrm>
+        </p:grpSpPr>
+        <p:sp>
+          <p:nvSpPr>
+            <p:cNvPr id="16" name="Rect 0"/>
+            <p:cNvSpPr>
+              <a:spLocks/>
+            </p:cNvSpPr>
+            <p:nvPr/>
+          </p:nvSpPr>
+          <p:spPr>
+            <a:xfrm rot="10800000">
+              <a:off x="624840" y="902970"/>
+              <a:ext cx="934085" cy="236855"/>
+            </a:xfrm>
+            <a:prstGeom prst="triangle">
+              <a:avLst>
+                <a:gd name="adj" fmla="val 31437"/>
+              </a:avLst>
+            </a:prstGeom>
+            <a:solidFill>
+              <a:schemeClr val="tx2">
+                <a:lumMod val="75000"/>
+              </a:schemeClr>
+            </a:solidFill>
+            <a:ln w="0">
+              <a:noFill/>
+              <a:prstDash/>
+            </a:ln>
+          </p:spPr>
+          <p:style>
+            <a:lnRef idx="2">
+              <a:schemeClr val="accent1">
+                <a:shade val="50000"/>
+              </a:schemeClr>
+            </a:lnRef>
+            <a:fillRef idx="1">
+              <a:schemeClr val="accent1"/>
+            </a:fillRef>
+            <a:effectRef idx="0">
+              <a:schemeClr val="accent1"/>
+            </a:effectRef>
+            <a:fontRef idx="minor">
+              <a:schemeClr val="lt1"/>
+            </a:fontRef>
+          </p:style>
+          <p:txBody>
+            <a:bodyPr wrap="square" lIns="91440" tIns="45720" rIns="91440" bIns="45720" numCol="1" vert="horz" anchor="ctr">
+              <a:noAutofit/>
+            </a:bodyPr>
+            <a:lstStyle/>
+            <a:p>
+              <a:pPr marL="0" indent="0" rtl="0" algn="ctr" defTabSz="914400" eaLnBrk="1" latinLnBrk="0" hangingPunct="1">
+                <a:buFontTx/>
+                <a:buNone/>
+              </a:pPr>
+              <a:endParaRPr lang="ko-KR" altLang="en-US" sz="1800">
+                <a:solidFill>
+                  <a:srgbClr val="FFFFFF"/>
+                </a:solidFill>
+                <a:latin typeface="맑은 고딕" charset="0"/>
+                <a:ea typeface="맑은 고딕" charset="0"/>
+              </a:endParaRPr>
+            </a:p>
+          </p:txBody>
+        </p:sp>
+        <p:sp>
+          <p:nvSpPr>
+            <p:cNvPr id="2" name="Rect 0"/>
+            <p:cNvSpPr>
+              <a:spLocks/>
+            </p:cNvSpPr>
+            <p:nvPr/>
+          </p:nvSpPr>
+          <p:spPr>
+            <a:xfrm rot="16200000">
+              <a:off x="1745615" y="-894715"/>
+              <a:ext cx="752475" cy="2987675"/>
+            </a:xfrm>
+            <a:prstGeom prst="trapezoid">
+              <a:avLst>
+                <a:gd name="adj" fmla="val 8729"/>
+              </a:avLst>
+            </a:prstGeom>
+            <a:solidFill>
+              <a:srgbClr val="08CDD5"/>
+            </a:solidFill>
+            <a:ln w="0">
+              <a:noFill/>
+              <a:prstDash/>
+            </a:ln>
+          </p:spPr>
+          <p:style>
+            <a:lnRef idx="2">
+              <a:schemeClr val="accent1">
+                <a:shade val="50000"/>
+              </a:schemeClr>
+            </a:lnRef>
+            <a:fillRef idx="1">
+              <a:schemeClr val="accent1"/>
+            </a:fillRef>
+            <a:effectRef idx="0">
+              <a:schemeClr val="accent1"/>
+            </a:effectRef>
+            <a:fontRef idx="minor">
+              <a:schemeClr val="lt1"/>
+            </a:fontRef>
+          </p:style>
+          <p:txBody>
+            <a:bodyPr wrap="square" lIns="91440" tIns="45720" rIns="91440" bIns="45720" numCol="1" vert="horz" anchor="ctr">
+              <a:noAutofit/>
+            </a:bodyPr>
+            <a:lstStyle/>
+            <a:p>
+              <a:pPr marL="0" indent="0" rtl="0" algn="ctr" defTabSz="914400" eaLnBrk="1" latinLnBrk="0" hangingPunct="1">
+                <a:buFontTx/>
+                <a:buNone/>
+              </a:pPr>
+              <a:endParaRPr lang="ko-KR" altLang="en-US" sz="1800">
+                <a:solidFill>
+                  <a:srgbClr val="FFFFFF"/>
+                </a:solidFill>
+                <a:latin typeface="맑은 고딕" charset="0"/>
+                <a:ea typeface="맑은 고딕" charset="0"/>
+              </a:endParaRPr>
+            </a:p>
+          </p:txBody>
+        </p:sp>
+        <p:cxnSp>
+          <p:nvCxnSpPr>
+            <p:cNvPr id="6" name="Rect 0"/>
+            <p:cNvCxnSpPr/>
+            <p:nvPr/>
+          </p:nvCxnSpPr>
+          <p:spPr>
+            <a:xfrm rot="0" flipV="1">
+              <a:off x="628015" y="172085"/>
+              <a:ext cx="1717675" cy="27940"/>
+            </a:xfrm>
+            <a:prstGeom prst="line"/>
+            <a:ln w="12700" cap="flat" cmpd="sng">
+              <a:solidFill>
+                <a:schemeClr val="tx1">
+                  <a:lumMod val="85000"/>
+                  <a:lumOff val="15000"/>
+                  <a:alpha val="100000"/>
+                </a:schemeClr>
+              </a:solidFill>
+              <a:prstDash val="solid"/>
+            </a:ln>
+          </p:spPr>
+          <p:style>
+            <a:lnRef idx="1">
+              <a:schemeClr val="accent1"/>
+            </a:lnRef>
+            <a:fillRef idx="0">
+              <a:schemeClr val="accent1"/>
+            </a:fillRef>
+            <a:effectRef idx="0">
+              <a:schemeClr val="accent1"/>
+            </a:effectRef>
+            <a:fontRef idx="minor">
+              <a:schemeClr val="tx1"/>
+            </a:fontRef>
+          </p:style>
+        </p:cxnSp>
+        <p:cxnSp>
+          <p:nvCxnSpPr>
+            <p:cNvPr id="8" name="Rect 0"/>
+            <p:cNvCxnSpPr/>
+            <p:nvPr/>
+          </p:nvCxnSpPr>
+          <p:spPr>
+            <a:xfrm rot="0" flipV="1">
+              <a:off x="974090" y="121920"/>
+              <a:ext cx="828675" cy="12700"/>
+            </a:xfrm>
+            <a:prstGeom prst="line"/>
+            <a:ln w="12700" cap="flat" cmpd="sng">
+              <a:solidFill>
+                <a:schemeClr val="tx1">
+                  <a:lumMod val="85000"/>
+                  <a:lumOff val="15000"/>
+                  <a:alpha val="100000"/>
+                </a:schemeClr>
+              </a:solidFill>
+              <a:prstDash val="solid"/>
+            </a:ln>
+          </p:spPr>
+          <p:style>
+            <a:lnRef idx="1">
+              <a:schemeClr val="accent1"/>
+            </a:lnRef>
+            <a:fillRef idx="0">
+              <a:schemeClr val="accent1"/>
+            </a:fillRef>
+            <a:effectRef idx="0">
+              <a:schemeClr val="accent1"/>
+            </a:effectRef>
+            <a:fontRef idx="minor">
+              <a:schemeClr val="tx1"/>
+            </a:fontRef>
+          </p:style>
+        </p:cxnSp>
+        <p:sp>
+          <p:nvSpPr>
+            <p:cNvPr id="13" name="Rect 0"/>
+            <p:cNvSpPr>
+              <a:spLocks/>
+            </p:cNvSpPr>
+            <p:nvPr/>
+          </p:nvSpPr>
+          <p:spPr>
+            <a:xfrm rot="0">
+              <a:off x="2464435" y="121920"/>
+              <a:ext cx="74930" cy="74930"/>
+            </a:xfrm>
+            <a:prstGeom prst="ellipse"/>
+            <a:noFill/>
+            <a:ln w="12700" cap="flat" cmpd="sng">
+              <a:solidFill>
+                <a:schemeClr val="tx1">
+                  <a:lumMod val="85000"/>
+                  <a:lumOff val="15000"/>
+                  <a:alpha val="100000"/>
+                </a:schemeClr>
+              </a:solidFill>
+              <a:prstDash val="solid"/>
+            </a:ln>
+          </p:spPr>
+          <p:style>
+            <a:lnRef idx="2">
+              <a:schemeClr val="accent1">
+                <a:shade val="50000"/>
+              </a:schemeClr>
+            </a:lnRef>
+            <a:fillRef idx="1">
+              <a:schemeClr val="accent1"/>
+            </a:fillRef>
+            <a:effectRef idx="0">
+              <a:schemeClr val="accent1"/>
+            </a:effectRef>
+            <a:fontRef idx="minor">
+              <a:schemeClr val="lt1"/>
+            </a:fontRef>
+          </p:style>
+          <p:txBody>
+            <a:bodyPr wrap="square" lIns="91440" tIns="45720" rIns="91440" bIns="45720" numCol="1" vert="horz" anchor="ctr">
+              <a:noAutofit/>
+            </a:bodyPr>
+            <a:lstStyle/>
+            <a:p>
+              <a:pPr marL="0" indent="0" rtl="0" algn="ctr" defTabSz="914400" eaLnBrk="1" latinLnBrk="0" hangingPunct="1">
+                <a:buFontTx/>
+                <a:buNone/>
+              </a:pPr>
+              <a:endParaRPr lang="ko-KR" altLang="en-US" sz="1800">
+                <a:solidFill>
+                  <a:srgbClr val="FFFFFF"/>
+                </a:solidFill>
+                <a:latin typeface="맑은 고딕" charset="0"/>
+                <a:ea typeface="맑은 고딕" charset="0"/>
+              </a:endParaRPr>
+            </a:p>
+          </p:txBody>
+        </p:sp>
+        <p:sp>
+          <p:nvSpPr>
+            <p:cNvPr id="14" name="Rect 0"/>
+            <p:cNvSpPr>
+              <a:spLocks/>
+            </p:cNvSpPr>
+            <p:nvPr/>
+          </p:nvSpPr>
+          <p:spPr>
+            <a:xfrm rot="20700000">
+              <a:off x="3020695" y="1051560"/>
+              <a:ext cx="74930" cy="74930"/>
+            </a:xfrm>
+            <a:prstGeom prst="triangle"/>
+            <a:noFill/>
+            <a:ln w="12700" cap="flat" cmpd="sng">
+              <a:solidFill>
+                <a:schemeClr val="tx1">
+                  <a:lumMod val="85000"/>
+                  <a:lumOff val="15000"/>
+                  <a:alpha val="100000"/>
+                </a:schemeClr>
+              </a:solidFill>
+              <a:prstDash val="solid"/>
+            </a:ln>
+          </p:spPr>
+          <p:style>
+            <a:lnRef idx="2">
+              <a:schemeClr val="accent1">
+                <a:shade val="50000"/>
+              </a:schemeClr>
+            </a:lnRef>
+            <a:fillRef idx="1">
+              <a:schemeClr val="accent1"/>
+            </a:fillRef>
+            <a:effectRef idx="0">
+              <a:schemeClr val="accent1"/>
+            </a:effectRef>
+            <a:fontRef idx="minor">
+              <a:schemeClr val="lt1"/>
+            </a:fontRef>
+          </p:style>
+          <p:txBody>
+            <a:bodyPr wrap="square" lIns="91440" tIns="45720" rIns="91440" bIns="45720" numCol="1" vert="horz" anchor="ctr">
+              <a:noAutofit/>
+            </a:bodyPr>
+            <a:lstStyle/>
+            <a:p>
+              <a:pPr marL="0" indent="0" rtl="0" algn="ctr" defTabSz="914400" eaLnBrk="1" latinLnBrk="0" hangingPunct="1">
+                <a:buFontTx/>
+                <a:buNone/>
+              </a:pPr>
+              <a:endParaRPr lang="ko-KR" altLang="en-US" sz="1800">
+                <a:solidFill>
+                  <a:srgbClr val="FFFFFF"/>
+                </a:solidFill>
+                <a:latin typeface="맑은 고딕" charset="0"/>
+                <a:ea typeface="맑은 고딕" charset="0"/>
+              </a:endParaRPr>
+            </a:p>
+          </p:txBody>
+        </p:sp>
+        <p:sp>
+          <p:nvSpPr>
+            <p:cNvPr id="17" name="Rect 0"/>
+            <p:cNvSpPr>
+              <a:spLocks/>
+            </p:cNvSpPr>
+            <p:nvPr/>
+          </p:nvSpPr>
+          <p:spPr>
+            <a:xfrm rot="0">
+              <a:off x="574675" y="624205"/>
+              <a:ext cx="292735" cy="445135"/>
+            </a:xfrm>
+            <a:custGeom>
+              <a:gdLst>
+                <a:gd fmla="*/ 0 w 289565" name="TX0"/>
+                <a:gd fmla="*/ 0 h 441965" name="TY0"/>
+                <a:gd fmla="*/ 5715 w 289565" name="TX1"/>
+                <a:gd fmla="*/ 315754 h 441965" name="TY1"/>
+                <a:gd fmla="*/ 289560 w 289565" name="TX2"/>
+                <a:gd fmla="*/ 441960 h 441965" name="TY2"/>
+              </a:gdLst>
+              <a:cxnLst>
+                <a:cxn ang="0">
+                  <a:pos x="TX0" y="TY0"/>
+                </a:cxn>
+                <a:cxn ang="0">
+                  <a:pos x="TX1" y="TY1"/>
+                </a:cxn>
+                <a:cxn ang="0">
+                  <a:pos x="TX2" y="TY2"/>
+                </a:cxn>
+              </a:cxnLst>
+              <a:rect l="l" t="t" r="r" b="b"/>
+              <a:pathLst>
+                <a:path w="289565" h="441965">
+                  <a:moveTo>
+                    <a:pt x="0" y="0"/>
+                  </a:moveTo>
+                  <a:lnTo>
+                    <a:pt x="5715" y="315754"/>
+                  </a:lnTo>
+                  <a:lnTo>
+                    <a:pt x="289560" y="441960"/>
+                  </a:lnTo>
+                </a:path>
+              </a:pathLst>
+            </a:custGeom>
+            <a:noFill/>
+            <a:ln w="12700" cap="flat" cmpd="sng">
+              <a:solidFill>
+                <a:schemeClr val="tx1">
+                  <a:lumMod val="85000"/>
+                  <a:lumOff val="15000"/>
+                  <a:alpha val="100000"/>
+                </a:schemeClr>
+              </a:solidFill>
+              <a:prstDash val="solid"/>
+            </a:ln>
+          </p:spPr>
+          <p:style>
+            <a:lnRef idx="2">
+              <a:schemeClr val="accent1">
+                <a:shade val="50000"/>
+              </a:schemeClr>
+            </a:lnRef>
+            <a:fillRef idx="1">
+              <a:schemeClr val="accent1"/>
+            </a:fillRef>
+            <a:effectRef idx="0">
+              <a:schemeClr val="accent1"/>
+            </a:effectRef>
+            <a:fontRef idx="minor">
+              <a:schemeClr val="lt1"/>
+            </a:fontRef>
+          </p:style>
+          <p:txBody>
+            <a:bodyPr wrap="square" lIns="91440" tIns="45720" rIns="91440" bIns="45720" numCol="1" vert="horz" anchor="ctr">
+              <a:noAutofit/>
+            </a:bodyPr>
+            <a:lstStyle/>
+            <a:p>
+              <a:pPr marL="0" indent="0" rtl="0" algn="ctr" defTabSz="914400" eaLnBrk="1" latinLnBrk="0" hangingPunct="1">
+                <a:buFontTx/>
+                <a:buNone/>
+              </a:pPr>
+              <a:endParaRPr lang="ko-KR" altLang="en-US" sz="1800">
+                <a:solidFill>
+                  <a:srgbClr val="FFFFFF"/>
+                </a:solidFill>
+                <a:latin typeface="맑은 고딕" charset="0"/>
+                <a:ea typeface="맑은 고딕" charset="0"/>
+              </a:endParaRPr>
+            </a:p>
+          </p:txBody>
+        </p:sp>
+        <p:sp>
+          <p:nvSpPr>
+            <p:cNvPr id="18" name="Rect 0"/>
+            <p:cNvSpPr>
+              <a:spLocks/>
+            </p:cNvSpPr>
+            <p:nvPr/>
+          </p:nvSpPr>
+          <p:spPr>
+            <a:xfrm rot="0">
+              <a:off x="1359535" y="989965"/>
+              <a:ext cx="841375" cy="155575"/>
+            </a:xfrm>
+            <a:custGeom>
+              <a:gdLst>
+                <a:gd fmla="*/ 0 w 838205" name="TX0"/>
+                <a:gd fmla="*/ 152400 h 152405" name="TY0"/>
+                <a:gd fmla="*/ 182880 w 838205" name="TX1"/>
+                <a:gd fmla="*/ 0 h 152405" name="TY1"/>
+                <a:gd fmla="*/ 838200 w 838205" name="TX2"/>
+                <a:gd fmla="*/ 15240 h 152405" name="TY2"/>
+              </a:gdLst>
+              <a:cxnLst>
+                <a:cxn ang="0">
+                  <a:pos x="TX0" y="TY0"/>
+                </a:cxn>
+                <a:cxn ang="0">
+                  <a:pos x="TX1" y="TY1"/>
+                </a:cxn>
+                <a:cxn ang="0">
+                  <a:pos x="TX2" y="TY2"/>
+                </a:cxn>
+              </a:cxnLst>
+              <a:rect l="l" t="t" r="r" b="b"/>
+              <a:pathLst>
+                <a:path w="838205" h="152405">
+                  <a:moveTo>
+                    <a:pt x="0" y="152400"/>
+                  </a:moveTo>
+                  <a:lnTo>
+                    <a:pt x="182880" y="0"/>
+                  </a:lnTo>
+                  <a:lnTo>
+                    <a:pt x="838200" y="15240"/>
+                  </a:lnTo>
+                </a:path>
+              </a:pathLst>
+            </a:custGeom>
+            <a:noFill/>
+            <a:ln w="12700" cap="flat" cmpd="sng">
+              <a:solidFill>
+                <a:schemeClr val="tx1">
+                  <a:lumMod val="85000"/>
+                  <a:lumOff val="15000"/>
+                  <a:alpha val="100000"/>
+                </a:schemeClr>
+              </a:solidFill>
+              <a:prstDash val="solid"/>
+            </a:ln>
+          </p:spPr>
+          <p:style>
+            <a:lnRef idx="2">
+              <a:schemeClr val="accent1">
+                <a:shade val="50000"/>
+              </a:schemeClr>
+            </a:lnRef>
+            <a:fillRef idx="1">
+              <a:schemeClr val="accent1"/>
+            </a:fillRef>
+            <a:effectRef idx="0">
+              <a:schemeClr val="accent1"/>
+            </a:effectRef>
+            <a:fontRef idx="minor">
+              <a:schemeClr val="lt1"/>
+            </a:fontRef>
+          </p:style>
+          <p:txBody>
+            <a:bodyPr wrap="square" lIns="91440" tIns="45720" rIns="91440" bIns="45720" numCol="1" vert="horz" anchor="ctr">
+              <a:noAutofit/>
+            </a:bodyPr>
+            <a:lstStyle/>
+            <a:p>
+              <a:pPr marL="0" indent="0" rtl="0" algn="ctr" defTabSz="914400" eaLnBrk="1" latinLnBrk="0" hangingPunct="1">
+                <a:buFontTx/>
+                <a:buNone/>
+              </a:pPr>
+              <a:endParaRPr lang="ko-KR" altLang="en-US" sz="1800">
+                <a:solidFill>
+                  <a:srgbClr val="FFFFFF"/>
+                </a:solidFill>
+                <a:latin typeface="맑은 고딕" charset="0"/>
+                <a:ea typeface="맑은 고딕" charset="0"/>
+              </a:endParaRPr>
+            </a:p>
+          </p:txBody>
+        </p:sp>
+        <p:sp>
+          <p:nvSpPr>
+            <p:cNvPr id="19" name="Rect 0"/>
+            <p:cNvSpPr>
+              <a:spLocks/>
+            </p:cNvSpPr>
+            <p:nvPr/>
+          </p:nvSpPr>
+          <p:spPr>
+            <a:xfrm rot="0">
+              <a:off x="3325495" y="708025"/>
+              <a:ext cx="346075" cy="315595"/>
+            </a:xfrm>
+            <a:custGeom>
+              <a:gdLst>
+                <a:gd fmla="*/ 342900 w 342905" name="TX0"/>
+                <a:gd fmla="*/ 0 h 312425" name="TY0"/>
+                <a:gd fmla="*/ 342900 w 342905" name="TX1"/>
+                <a:gd fmla="*/ 312420 h 312425" name="TY1"/>
+                <a:gd fmla="*/ 0 w 342905" name="TX2"/>
+                <a:gd fmla="*/ 304800 h 312425" name="TY2"/>
+              </a:gdLst>
+              <a:cxnLst>
+                <a:cxn ang="0">
+                  <a:pos x="TX0" y="TY0"/>
+                </a:cxn>
+                <a:cxn ang="0">
+                  <a:pos x="TX1" y="TY1"/>
+                </a:cxn>
+                <a:cxn ang="0">
+                  <a:pos x="TX2" y="TY2"/>
+                </a:cxn>
+              </a:cxnLst>
+              <a:rect l="l" t="t" r="r" b="b"/>
+              <a:pathLst>
+                <a:path w="342905" h="312425">
+                  <a:moveTo>
+                    <a:pt x="342900" y="0"/>
+                  </a:moveTo>
+                  <a:lnTo>
+                    <a:pt x="342900" y="312420"/>
+                  </a:lnTo>
+                  <a:lnTo>
+                    <a:pt x="0" y="304800"/>
+                  </a:lnTo>
+                </a:path>
+              </a:pathLst>
+            </a:custGeom>
+            <a:noFill/>
+            <a:ln w="12700" cap="flat" cmpd="sng">
+              <a:solidFill>
+                <a:schemeClr val="tx1">
+                  <a:lumMod val="85000"/>
+                  <a:lumOff val="15000"/>
+                  <a:alpha val="100000"/>
+                </a:schemeClr>
+              </a:solidFill>
+              <a:prstDash val="solid"/>
+            </a:ln>
+          </p:spPr>
+          <p:style>
+            <a:lnRef idx="2">
+              <a:schemeClr val="accent1">
+                <a:shade val="50000"/>
+              </a:schemeClr>
+            </a:lnRef>
+            <a:fillRef idx="1">
+              <a:schemeClr val="accent1"/>
+            </a:fillRef>
+            <a:effectRef idx="0">
+              <a:schemeClr val="accent1"/>
+            </a:effectRef>
+            <a:fontRef idx="minor">
+              <a:schemeClr val="lt1"/>
+            </a:fontRef>
+          </p:style>
+          <p:txBody>
+            <a:bodyPr wrap="square" lIns="91440" tIns="45720" rIns="91440" bIns="45720" numCol="1" vert="horz" anchor="ctr">
+              <a:noAutofit/>
+            </a:bodyPr>
+            <a:lstStyle/>
+            <a:p>
+              <a:pPr marL="0" indent="0" rtl="0" algn="ctr" defTabSz="914400" eaLnBrk="1" latinLnBrk="0" hangingPunct="1">
+                <a:buFontTx/>
+                <a:buNone/>
+              </a:pPr>
+              <a:endParaRPr lang="ko-KR" altLang="en-US" sz="1800">
+                <a:solidFill>
+                  <a:srgbClr val="FFFFFF"/>
+                </a:solidFill>
+                <a:latin typeface="맑은 고딕" charset="0"/>
+                <a:ea typeface="맑은 고딕" charset="0"/>
+              </a:endParaRPr>
+            </a:p>
+          </p:txBody>
+        </p:sp>
+        <p:cxnSp>
+          <p:nvCxnSpPr>
+            <p:cNvPr id="20" name="Rect 0"/>
+            <p:cNvCxnSpPr/>
+            <p:nvPr/>
+          </p:nvCxnSpPr>
+          <p:spPr>
+            <a:xfrm rot="0">
+              <a:off x="1641475" y="1049655"/>
+              <a:ext cx="861695" cy="21590"/>
+            </a:xfrm>
+            <a:prstGeom prst="line"/>
+            <a:ln w="12700" cap="flat" cmpd="sng">
+              <a:solidFill>
+                <a:schemeClr val="tx1">
+                  <a:lumMod val="85000"/>
+                  <a:lumOff val="15000"/>
+                  <a:alpha val="100000"/>
+                </a:schemeClr>
+              </a:solidFill>
+              <a:prstDash val="solid"/>
+            </a:ln>
+          </p:spPr>
+          <p:style>
+            <a:lnRef idx="1">
+              <a:schemeClr val="accent1"/>
+            </a:lnRef>
+            <a:fillRef idx="0">
+              <a:schemeClr val="accent1"/>
+            </a:fillRef>
+            <a:effectRef idx="0">
+              <a:schemeClr val="accent1"/>
+            </a:effectRef>
+            <a:fontRef idx="minor">
+              <a:schemeClr val="tx1"/>
+            </a:fontRef>
+          </p:style>
+        </p:cxnSp>
+        <p:sp>
+          <p:nvSpPr>
+            <p:cNvPr id="22" name="Rect 0"/>
+            <p:cNvSpPr>
+              <a:spLocks/>
+            </p:cNvSpPr>
+            <p:nvPr/>
+          </p:nvSpPr>
+          <p:spPr>
+            <a:xfrm rot="20700000">
+              <a:off x="3676015" y="136525"/>
+              <a:ext cx="74930" cy="74930"/>
+            </a:xfrm>
+            <a:prstGeom prst="rect"/>
+            <a:noFill/>
+            <a:ln w="12700" cap="flat" cmpd="sng">
+              <a:solidFill>
+                <a:schemeClr val="tx1">
+                  <a:lumMod val="85000"/>
+                  <a:lumOff val="15000"/>
+                  <a:alpha val="100000"/>
+                </a:schemeClr>
+              </a:solidFill>
+              <a:prstDash val="solid"/>
+            </a:ln>
+          </p:spPr>
+          <p:style>
+            <a:lnRef idx="2">
+              <a:schemeClr val="accent1">
+                <a:shade val="50000"/>
+              </a:schemeClr>
+            </a:lnRef>
+            <a:fillRef idx="1">
+              <a:schemeClr val="accent1"/>
+            </a:fillRef>
+            <a:effectRef idx="0">
+              <a:schemeClr val="accent1"/>
+            </a:effectRef>
+            <a:fontRef idx="minor">
+              <a:schemeClr val="lt1"/>
+            </a:fontRef>
+          </p:style>
+          <p:txBody>
+            <a:bodyPr wrap="square" lIns="91440" tIns="45720" rIns="91440" bIns="45720" numCol="1" vert="horz" anchor="ctr">
+              <a:noAutofit/>
+            </a:bodyPr>
+            <a:lstStyle/>
+            <a:p>
+              <a:pPr marL="0" indent="0" rtl="0" algn="ctr" defTabSz="914400" eaLnBrk="1" latinLnBrk="0" hangingPunct="1">
+                <a:buFontTx/>
+                <a:buNone/>
+              </a:pPr>
+              <a:endParaRPr lang="ko-KR" altLang="en-US" sz="1800">
+                <a:solidFill>
+                  <a:srgbClr val="FFFFFF"/>
+                </a:solidFill>
+                <a:latin typeface="맑은 고딕" charset="0"/>
+                <a:ea typeface="맑은 고딕" charset="0"/>
+              </a:endParaRPr>
+            </a:p>
+          </p:txBody>
+        </p:sp>
+        <p:sp>
+          <p:nvSpPr>
+            <p:cNvPr id="23" name="Rect 0"/>
+            <p:cNvSpPr>
+              <a:spLocks/>
+            </p:cNvSpPr>
+            <p:nvPr/>
+          </p:nvSpPr>
+          <p:spPr>
+            <a:xfrm rot="7200000">
+              <a:off x="486410" y="454660"/>
+              <a:ext cx="74930" cy="74930"/>
+            </a:xfrm>
+            <a:prstGeom prst="triangle"/>
+            <a:noFill/>
+            <a:ln w="12700" cap="flat" cmpd="sng">
+              <a:solidFill>
+                <a:schemeClr val="tx1">
+                  <a:lumMod val="85000"/>
+                  <a:lumOff val="15000"/>
+                  <a:alpha val="100000"/>
+                </a:schemeClr>
+              </a:solidFill>
+              <a:prstDash val="solid"/>
+            </a:ln>
+          </p:spPr>
+          <p:style>
+            <a:lnRef idx="2">
+              <a:schemeClr val="accent1">
+                <a:shade val="50000"/>
+              </a:schemeClr>
+            </a:lnRef>
+            <a:fillRef idx="1">
+              <a:schemeClr val="accent1"/>
+            </a:fillRef>
+            <a:effectRef idx="0">
+              <a:schemeClr val="accent1"/>
+            </a:effectRef>
+            <a:fontRef idx="minor">
+              <a:schemeClr val="lt1"/>
+            </a:fontRef>
+          </p:style>
+          <p:txBody>
+            <a:bodyPr wrap="square" lIns="91440" tIns="45720" rIns="91440" bIns="45720" numCol="1" vert="horz" anchor="ctr">
+              <a:noAutofit/>
+            </a:bodyPr>
+            <a:lstStyle/>
+            <a:p>
+              <a:pPr marL="0" indent="0" rtl="0" algn="ctr" defTabSz="914400" eaLnBrk="1" latinLnBrk="0" hangingPunct="1">
+                <a:buFontTx/>
+                <a:buNone/>
+              </a:pPr>
+              <a:endParaRPr lang="ko-KR" altLang="en-US" sz="1800">
+                <a:solidFill>
+                  <a:srgbClr val="FFFFFF"/>
+                </a:solidFill>
+                <a:latin typeface="맑은 고딕" charset="0"/>
+                <a:ea typeface="맑은 고딕" charset="0"/>
+              </a:endParaRPr>
+            </a:p>
+          </p:txBody>
+        </p:sp>
+      </p:grpSp>
+      <p:sp>
+        <p:nvSpPr>
+          <p:cNvPr id="15" name="Rect 0"/>
+          <p:cNvSpPr>
+            <a:spLocks/>
+          </p:cNvSpPr>
+          <p:nvPr/>
+        </p:nvSpPr>
+        <p:spPr>
+          <a:xfrm rot="0">
+            <a:off x="940435" y="316230"/>
+            <a:ext cx="1404620" cy="457200"/>
+          </a:xfrm>
+          <a:prstGeom prst="rect"/>
+          <a:ln w="0">
+            <a:noFill/>
+            <a:prstDash/>
+          </a:ln>
+        </p:spPr>
+        <p:txBody>
+          <a:bodyPr wrap="none" lIns="91440" tIns="45720" rIns="91440" bIns="45720" numCol="1" vert="horz" anchor="t">
+            <a:spAutoFit/>
+          </a:bodyPr>
+          <a:lstStyle/>
+          <a:p>
+            <a:pPr marL="0" indent="0" rtl="0" algn="l" defTabSz="914400" eaLnBrk="1" latinLnBrk="0" hangingPunct="1">
+              <a:buFontTx/>
+              <a:buNone/>
+            </a:pPr>
+            <a:r>
+              <a:rPr sz="1800" b="1">
+                <a:solidFill>
+                  <a:srgbClr val="FFFFFF"/>
+                </a:solidFill>
+                <a:latin typeface="맑은 고딕" charset="0"/>
+                <a:ea typeface="맑은 고딕" charset="0"/>
+              </a:rPr>
+              <a:t>CONTENTS</a:t>
+            </a:r>
+            <a:endParaRPr lang="ko-KR" altLang="en-US" sz="1800" b="1">
+              <a:solidFill>
+                <a:srgbClr val="FFFFFF"/>
+              </a:solidFill>
+              <a:latin typeface="맑은 고딕" charset="0"/>
+              <a:ea typeface="맑은 고딕" charset="0"/>
+            </a:endParaRPr>
+          </a:p>
+        </p:txBody>
+      </p:sp>
+      <p:sp>
+        <p:nvSpPr>
+          <p:cNvPr id="24" name="Rect 0"/>
+          <p:cNvSpPr>
+            <a:spLocks/>
+          </p:cNvSpPr>
+          <p:nvPr/>
+        </p:nvSpPr>
+        <p:spPr>
+          <a:xfrm rot="0">
+            <a:off x="3914140" y="30480"/>
+            <a:ext cx="7468235" cy="658495"/>
+          </a:xfrm>
+          <a:prstGeom prst="rect"/>
+        </p:spPr>
+        <p:txBody>
+          <a:bodyPr wrap="square" lIns="91440" tIns="45720" rIns="91440" bIns="45720" numCol="1" vert="horz" anchor="t">
+            <a:spAutoFit/>
+          </a:bodyPr>
+          <a:lstStyle/>
+          <a:p>
+            <a:pPr marL="0" indent="0" rtl="0" algn="l" defTabSz="914400" eaLnBrk="1" latinLnBrk="0" hangingPunct="1">
+              <a:buFontTx/>
+              <a:buNone/>
+            </a:pPr>
+            <a:r>
+              <a:rPr sz="2800" i="1" b="1">
+                <a:solidFill>
+                  <a:srgbClr val="08CDD5"/>
+                </a:solidFill>
+                <a:latin typeface="맑은 고딕" charset="0"/>
+                <a:ea typeface="맑은 고딕" charset="0"/>
+              </a:rPr>
+              <a:t>HTML  </a:t>
+            </a:r>
+            <a:r>
+              <a:rPr sz="900">
+                <a:solidFill>
+                  <a:srgbClr val="000000">
+                    <a:lumMod val="75000"/>
+                    <a:lumOff val="25000"/>
+                  </a:srgbClr>
+                </a:solidFill>
+                <a:latin typeface="맑은 고딕" charset="0"/>
+                <a:ea typeface="맑은 고딕" charset="0"/>
+              </a:rPr>
+              <a:t>Welcome to HTML!! 3일차</a:t>
+            </a:r>
+            <a:endParaRPr lang="ko-KR" altLang="en-US" sz="900">
+              <a:solidFill>
+                <a:srgbClr val="000000">
+                  <a:lumMod val="75000"/>
+                  <a:lumOff val="25000"/>
+                </a:srgbClr>
+              </a:solidFill>
+              <a:latin typeface="맑은 고딕" charset="0"/>
+              <a:ea typeface="맑은 고딕" charset="0"/>
+            </a:endParaRPr>
+          </a:p>
+        </p:txBody>
+      </p:sp>
+      <mc:AlternateContent xmlns:mc="http://schemas.openxmlformats.org/markup-compatibility/2006" xmlns:p14="http://schemas.microsoft.com/office/powerpoint/2010/main">
+        <mc:Choice Requires="p14">
+          <p:contentPart p14:bwMode="auto" r:id="rId7">
+            <p14:nvContentPartPr>
+              <p14:cNvPr id="5" name="Ink 5"/>
+              <p14:cNvContentPartPr/>
+              <p14:nvPr/>
+            </p14:nvContentPartPr>
+            <p14:xfrm>
+              <a:off x="1115695" y="3001010"/>
+              <a:ext cx="635" cy="635"/>
+            </p14:xfrm>
+          </p:contentPart>
+        </mc:Choice>
+        <mc:Fallback>
+          <p:pic>
+            <p:nvPicPr>
+              <p:cNvPr id="5" name="Ink 5"/>
+              <p:cNvPicPr/>
+              <p:nvPr/>
+            </p:nvPicPr>
+            <p:blipFill>
+              <a:blip r:embed="rId8"/>
+              <a:stretch>
+                <a:fillRect/>
+              </a:stretch>
+            </p:blipFill>
+            <p:spPr>
+              <a:xfrm>
+                <a:off x="1115695" y="3001010"/>
+                <a:ext cx="635" cy="635"/>
+              </a:xfrm>
+              <a:prstGeom prst="rect">
+                <a:avLst/>
+              </a:prstGeom>
+            </p:spPr>
+          </p:pic>
+        </mc:Fallback>
+      </mc:AlternateContent>
+      <p:sp>
+        <p:nvSpPr>
+          <p:cNvPr id="32" name="Rect 0"/>
+          <p:cNvSpPr txBox="1">
+            <a:spLocks/>
+          </p:cNvSpPr>
+          <p:nvPr/>
+        </p:nvSpPr>
+        <p:spPr>
+          <a:xfrm rot="0">
+            <a:off x="659130" y="1633855"/>
+            <a:ext cx="7423150" cy="461645"/>
+          </a:xfrm>
+          <a:prstGeom prst="rect"/>
+          <a:noFill/>
+        </p:spPr>
+        <p:txBody>
+          <a:bodyPr wrap="square" lIns="91440" tIns="45720" rIns="91440" bIns="45720" numCol="1" vert="horz" anchor="t">
+            <a:spAutoFit/>
+          </a:bodyPr>
+          <a:lstStyle/>
+          <a:p>
+            <a:pPr marL="0" indent="0" rtl="0" algn="l" defTabSz="914400" eaLnBrk="1" latinLnBrk="0" hangingPunct="1">
+              <a:buFontTx/>
+              <a:buNone/>
+            </a:pPr>
+            <a:r>
+              <a:rPr sz="2400">
+                <a:latin typeface="맑은 고딕" charset="0"/>
+                <a:ea typeface="맑은 고딕" charset="0"/>
+              </a:rPr>
+              <a:t>if문</a:t>
+            </a:r>
+            <a:endParaRPr lang="ko-KR" altLang="en-US" sz="2400">
+              <a:latin typeface="맑은 고딕" charset="0"/>
+              <a:ea typeface="맑은 고딕" charset="0"/>
+            </a:endParaRPr>
+          </a:p>
+        </p:txBody>
+      </p:sp>
+      <p:sp>
+        <p:nvSpPr>
+          <p:cNvPr id="25" name="Rect 0"/>
+          <p:cNvSpPr txBox="1">
+            <a:spLocks/>
+          </p:cNvSpPr>
+          <p:nvPr/>
+        </p:nvSpPr>
+        <p:spPr>
+          <a:xfrm rot="0">
+            <a:off x="659130" y="2189480"/>
+            <a:ext cx="10870565" cy="3415030"/>
+          </a:xfrm>
+          <a:prstGeom prst="rect"/>
+          <a:noFill/>
+        </p:spPr>
+        <p:txBody>
+          <a:bodyPr wrap="square" lIns="91440" tIns="45720" rIns="91440" bIns="45720" numCol="1" vert="horz" anchor="t">
+            <a:spAutoFit/>
+          </a:bodyPr>
+          <a:lstStyle/>
+          <a:p>
+            <a:pPr marL="342900" indent="-342900" rtl="0" algn="l" defTabSz="914400" eaLnBrk="1" latinLnBrk="0" hangingPunct="1">
+              <a:lnSpc>
+                <a:spcPct val="150000"/>
+              </a:lnSpc>
+              <a:buFontTx/>
+              <a:buNone/>
+            </a:pPr>
+            <a:r>
+              <a:rPr sz="1800" i="0" b="0">
+                <a:solidFill>
+                  <a:schemeClr val="tx1"/>
+                </a:solidFill>
+                <a:latin typeface="NanumGothic" charset="0"/>
+                <a:ea typeface="NanumGothic" charset="0"/>
+              </a:rPr>
+              <a:t>- 조건식의 결과가 참(true)이면 주어진 명령문을 실행</a:t>
+            </a:r>
+            <a:endParaRPr lang="ko-KR" altLang="en-US" sz="1800" i="0" b="0">
+              <a:solidFill>
+                <a:schemeClr val="tx1"/>
+              </a:solidFill>
+              <a:latin typeface="NanumGothic" charset="0"/>
+              <a:ea typeface="NanumGothic" charset="0"/>
+            </a:endParaRPr>
+          </a:p>
+          <a:p>
+            <a:pPr marL="342900" indent="-342900" rtl="0" algn="l" defTabSz="914400" eaLnBrk="1" latinLnBrk="0" hangingPunct="1">
+              <a:lnSpc>
+                <a:spcPct val="150000"/>
+              </a:lnSpc>
+              <a:buFontTx/>
+              <a:buNone/>
+            </a:pPr>
+            <a:endParaRPr lang="ko-KR" altLang="en-US" sz="1800" i="0" b="0">
+              <a:solidFill>
+                <a:schemeClr val="tx1"/>
+              </a:solidFill>
+              <a:latin typeface="NanumGothic" charset="0"/>
+              <a:ea typeface="NanumGothic" charset="0"/>
+            </a:endParaRPr>
+          </a:p>
+          <a:p>
+            <a:pPr marL="342900" indent="-342900" rtl="0" algn="l" defTabSz="914400" eaLnBrk="1" latinLnBrk="0" hangingPunct="1">
+              <a:lnSpc>
+                <a:spcPct val="150000"/>
+              </a:lnSpc>
+              <a:buFontTx/>
+              <a:buNone/>
+            </a:pPr>
+            <a:endParaRPr lang="ko-KR" altLang="en-US" sz="1800" i="0" b="0">
+              <a:solidFill>
+                <a:schemeClr val="tx1"/>
+              </a:solidFill>
+              <a:latin typeface="NanumGothic" charset="0"/>
+              <a:ea typeface="NanumGothic" charset="0"/>
+            </a:endParaRPr>
+          </a:p>
+          <a:p>
+            <a:pPr marL="342900" indent="-342900" rtl="0" algn="l" defTabSz="914400" eaLnBrk="1" latinLnBrk="0" hangingPunct="1">
+              <a:lnSpc>
+                <a:spcPct val="150000"/>
+              </a:lnSpc>
+              <a:buFontTx/>
+              <a:buNone/>
+            </a:pPr>
+            <a:endParaRPr lang="ko-KR" altLang="en-US" sz="1800" i="0" b="0">
+              <a:solidFill>
+                <a:schemeClr val="tx1"/>
+              </a:solidFill>
+              <a:latin typeface="NanumGothic" charset="0"/>
+              <a:ea typeface="NanumGothic" charset="0"/>
+            </a:endParaRPr>
+          </a:p>
+          <a:p>
+            <a:pPr marL="342900" indent="-342900" rtl="0" algn="l" defTabSz="914400" eaLnBrk="1" latinLnBrk="0" hangingPunct="1">
+              <a:lnSpc>
+                <a:spcPct val="150000"/>
+              </a:lnSpc>
+              <a:buFontTx/>
+              <a:buNone/>
+            </a:pPr>
+            <a:endParaRPr lang="ko-KR" altLang="en-US" sz="1800" i="0" b="0">
+              <a:solidFill>
+                <a:schemeClr val="tx1"/>
+              </a:solidFill>
+              <a:latin typeface="NanumGothic" charset="0"/>
+              <a:ea typeface="NanumGothic" charset="0"/>
+            </a:endParaRPr>
+          </a:p>
+          <a:p>
+            <a:pPr marL="342900" indent="-342900" rtl="0" algn="l" defTabSz="914400" eaLnBrk="1" latinLnBrk="0" hangingPunct="1">
+              <a:lnSpc>
+                <a:spcPct val="150000"/>
+              </a:lnSpc>
+              <a:buFontTx/>
+              <a:buNone/>
+            </a:pPr>
+            <a:endParaRPr lang="ko-KR" altLang="en-US" sz="1800" i="0" b="0">
+              <a:solidFill>
+                <a:schemeClr val="tx1"/>
+              </a:solidFill>
+              <a:latin typeface="NanumGothic" charset="0"/>
+              <a:ea typeface="NanumGothic" charset="0"/>
+            </a:endParaRPr>
+          </a:p>
+          <a:p>
+            <a:pPr marL="342900" indent="-342900" rtl="0" algn="l" defTabSz="914400" eaLnBrk="1" latinLnBrk="0" hangingPunct="1">
+              <a:lnSpc>
+                <a:spcPct val="150000"/>
+              </a:lnSpc>
+              <a:buFontTx/>
+              <a:buNone/>
+            </a:pPr>
+            <a:endParaRPr lang="ko-KR" altLang="en-US" sz="1800" i="0" b="0">
+              <a:solidFill>
+                <a:schemeClr val="tx1"/>
+              </a:solidFill>
+              <a:latin typeface="NanumGothic" charset="0"/>
+              <a:ea typeface="NanumGothic" charset="0"/>
+            </a:endParaRPr>
+          </a:p>
+          <a:p>
+            <a:pPr marL="342900" indent="-342900" rtl="0" algn="l" defTabSz="914400" eaLnBrk="1" latinLnBrk="0" hangingPunct="1">
+              <a:lnSpc>
+                <a:spcPct val="150000"/>
+              </a:lnSpc>
+              <a:buFontTx/>
+              <a:buNone/>
+            </a:pPr>
+            <a:endParaRPr lang="ko-KR" altLang="en-US" sz="1800" i="0" b="0">
+              <a:solidFill>
+                <a:schemeClr val="tx1"/>
+              </a:solidFill>
+              <a:latin typeface="NanumGothic" charset="0"/>
+              <a:ea typeface="NanumGothic" charset="0"/>
+            </a:endParaRPr>
+          </a:p>
+        </p:txBody>
+      </p:sp>
+      <p:sp>
+        <p:nvSpPr>
+          <p:cNvPr id="34" name="Rect 0"/>
+          <p:cNvSpPr txBox="1">
+            <a:spLocks/>
+          </p:cNvSpPr>
+          <p:nvPr/>
+        </p:nvSpPr>
+        <p:spPr>
+          <a:xfrm rot="0">
+            <a:off x="381000" y="6182360"/>
+            <a:ext cx="8947150" cy="278765"/>
+          </a:xfrm>
+          <a:prstGeom prst="rect"/>
+          <a:noFill/>
+        </p:spPr>
+        <p:txBody>
+          <a:bodyPr wrap="square" lIns="0" tIns="0" rIns="0" bIns="0" numCol="1" vert="horz" anchor="t">
+            <a:noAutofit/>
+          </a:bodyPr>
+          <a:lstStyle/>
+          <a:p>
+            <a:pPr marL="0" indent="0" algn="l" latinLnBrk="0" hangingPunct="1">
+              <a:buFontTx/>
+              <a:buNone/>
+            </a:pPr>
+            <a:r>
+              <a:rPr/>
+              <a:t>http://www.tcpschool.com/cpp/cpp_control_condition</a:t>
+            </a:r>
+            <a:endParaRPr lang="ko-KR" altLang="en-US"/>
+          </a:p>
+        </p:txBody>
+      </p:sp>
+      <p:pic>
+        <p:nvPicPr>
+          <p:cNvPr id="35" name="Picture "/>
+          <p:cNvPicPr>
+            <a:picLocks noChangeAspect="1"/>
+          </p:cNvPicPr>
+          <p:nvPr/>
+        </p:nvPicPr>
+        <p:blipFill rotWithShape="1">
+          <a:blip r:embed="rId4" cstate="hqprint">
+            <a:extLst>
+              <a:ext uri="{28A0092B-C50C-407E-A947-70E740481C1C}">
+                <a14:useLocalDpi xmlns:a14="http://schemas.microsoft.com/office/drawing/2010/main"/>
+              </a:ext>
+            </a:extLst>
+          </a:blip>
+          <a:stretch>
+            <a:fillRect/>
+          </a:stretch>
+        </p:blipFill>
+        <p:spPr>
+          <a:xfrm rot="0">
+            <a:off x="812800" y="2777490"/>
+            <a:ext cx="4154170" cy="1220470"/>
+          </a:xfrm>
+          <a:prstGeom prst="rect"/>
+          <a:noFill/>
+        </p:spPr>
+      </p:pic>
+      <p:pic>
+        <p:nvPicPr>
+          <p:cNvPr id="36" name="Picture "/>
+          <p:cNvPicPr>
+            <a:picLocks noChangeAspect="1"/>
+          </p:cNvPicPr>
+          <p:nvPr/>
+        </p:nvPicPr>
+        <p:blipFill rotWithShape="1">
+          <a:blip r:embed="rId5" cstate="hqprint">
+            <a:extLst>
+              <a:ext uri="{28A0092B-C50C-407E-A947-70E740481C1C}">
+                <a14:useLocalDpi xmlns:a14="http://schemas.microsoft.com/office/drawing/2010/main"/>
+              </a:ext>
+            </a:extLst>
+          </a:blip>
+          <a:stretch>
+            <a:fillRect/>
+          </a:stretch>
+        </p:blipFill>
+        <p:spPr>
+          <a:xfrm rot="0">
+            <a:off x="814070" y="4133850"/>
+            <a:ext cx="4554220" cy="1344295"/>
+          </a:xfrm>
+          <a:prstGeom prst="rect"/>
+          <a:noFill/>
+        </p:spPr>
+      </p:pic>
+      <p:pic>
+        <p:nvPicPr>
+          <p:cNvPr id="37" name="Picture " descr="C:/Users/dltjs/AppData/Roaming/PolarisOffice/ETemp/19480_23206144/fImage62315605724.png"/>
+          <p:cNvPicPr>
+            <a:picLocks noChangeAspect="1"/>
+          </p:cNvPicPr>
+          <p:nvPr/>
+        </p:nvPicPr>
+        <p:blipFill rotWithShape="1">
+          <a:blip r:embed="rId6" cstate="hqprint">
+            <a:extLst>
+              <a:ext uri="{28A0092B-C50C-407E-A947-70E740481C1C}">
+                <a14:useLocalDpi xmlns:a14="http://schemas.microsoft.com/office/drawing/2010/main"/>
+              </a:ext>
+            </a:extLst>
+          </a:blip>
+          <a:stretch>
+            <a:fillRect/>
+          </a:stretch>
+        </p:blipFill>
+        <p:spPr>
+          <a:xfrm rot="0">
+            <a:off x="5498465" y="4138930"/>
+            <a:ext cx="5179695" cy="1296670"/>
+          </a:xfrm>
+          <a:prstGeom prst="rect"/>
+          <a:noFill/>
+        </p:spPr>
+      </p:pic>
+    </p:spTree>
+  </p:cSld>
+  <p:clrMapOvr>
+    <a:masterClrMapping/>
+  </p:clrMapOvr>
+  <mc:AlternateContent xmlns:mc="http://schemas.openxmlformats.org/markup-compatibility/2006">
+    <mc:Choice xmlns:p14="http://schemas.microsoft.com/office/powerpoint/2010/main" Requires="p14">
+      <p:transition spd="slow" p14:dur="2000"/>
+    </mc:Choice>
+    <mc:Fallback>
+      <p:transition spd="slow"/>
+    </mc:Fallback>
+  </mc:AlternateContent>
+  <p:timing>
+    <p:tnLst>
+      <p:par>
+        <p:cTn id="1" dur="indefinite" restart="never" nodeType="tmRoot"/>
+      </p:par>
+    </p:tnLst>
+  </p:timing>
+</p:sld>
+</file>
+
+<file path=ppt/slides/slide13.xml><?xml version="1.0" encoding="utf-8"?>
+<p:sld xmlns:a="http://schemas.openxmlformats.org/drawingml/2006/main" xmlns:r="http://schemas.openxmlformats.org/officeDocument/2006/relationships" xmlns:p="http://schemas.openxmlformats.org/presentationml/2006/main" xmlns:p14="http://schemas.microsoft.com/office/powerpoint/2010/main">
+  <p:cSld>
+    <p:spTree>
+      <p:nvGrpSpPr>
+        <p:cNvPr id="1" name=""/>
+        <p:cNvGrpSpPr/>
+        <p:nvPr/>
+      </p:nvGrpSpPr>
+      <p:grpSpPr>
+        <a:xfrm>
+          <a:off x="0" y="0"/>
+          <a:ext cx="0" cy="0"/>
+          <a:chOff x="0" y="0"/>
+          <a:chExt cx="0" cy="0"/>
+        </a:xfrm>
+      </p:grpSpPr>
+      <p:grpSp>
+        <p:nvGrpSpPr>
+          <p:cNvPr id="28" name="Group 5"/>
+          <p:cNvGrpSpPr/>
+          <p:nvPr/>
+        </p:nvGrpSpPr>
+        <p:grpSpPr>
+          <a:xfrm rot="0">
+            <a:off x="145415" y="684530"/>
             <a:ext cx="11824335" cy="6006465"/>
             <a:chOff x="145415" y="684530"/>
             <a:chExt cx="11824335" cy="6006465"/>
@@ -25405,1541 +26967,6 @@
           <a:xfrm rot="0">
             <a:off x="664845" y="3278505"/>
             <a:ext cx="7639685" cy="2181860"/>
-          </a:xfrm>
-          <a:prstGeom prst="rect"/>
-          <a:noFill/>
-        </p:spPr>
-      </p:pic>
-    </p:spTree>
-  </p:cSld>
-  <p:clrMapOvr>
-    <a:masterClrMapping/>
-  </p:clrMapOvr>
-  <mc:AlternateContent xmlns:mc="http://schemas.openxmlformats.org/markup-compatibility/2006">
-    <mc:Choice xmlns:p14="http://schemas.microsoft.com/office/powerpoint/2010/main" Requires="p14">
-      <p:transition spd="slow" p14:dur="2000"/>
-    </mc:Choice>
-    <mc:Fallback>
-      <p:transition spd="slow"/>
-    </mc:Fallback>
-  </mc:AlternateContent>
-  <p:timing>
-    <p:tnLst>
-      <p:par>
-        <p:cTn id="1" dur="indefinite" restart="never" nodeType="tmRoot"/>
-      </p:par>
-    </p:tnLst>
-  </p:timing>
-</p:sld>
-</file>
-
-<file path=ppt/slides/slide13.xml><?xml version="1.0" encoding="utf-8"?>
-<p:sld xmlns:a="http://schemas.openxmlformats.org/drawingml/2006/main" xmlns:r="http://schemas.openxmlformats.org/officeDocument/2006/relationships" xmlns:p="http://schemas.openxmlformats.org/presentationml/2006/main" xmlns:p14="http://schemas.microsoft.com/office/powerpoint/2010/main">
-  <p:cSld>
-    <p:spTree>
-      <p:nvGrpSpPr>
-        <p:cNvPr id="1" name=""/>
-        <p:cNvGrpSpPr/>
-        <p:nvPr/>
-      </p:nvGrpSpPr>
-      <p:grpSpPr>
-        <a:xfrm>
-          <a:off x="0" y="0"/>
-          <a:ext cx="0" cy="0"/>
-          <a:chOff x="0" y="0"/>
-          <a:chExt cx="0" cy="0"/>
-        </a:xfrm>
-      </p:grpSpPr>
-      <p:grpSp>
-        <p:nvGrpSpPr>
-          <p:cNvPr id="28" name="Group 5"/>
-          <p:cNvGrpSpPr/>
-          <p:nvPr/>
-        </p:nvGrpSpPr>
-        <p:grpSpPr>
-          <a:xfrm rot="0">
-            <a:off x="145415" y="684530"/>
-            <a:ext cx="11824970" cy="6007100"/>
-            <a:chOff x="145415" y="684530"/>
-            <a:chExt cx="11824970" cy="6007100"/>
-          </a:xfrm>
-        </p:grpSpPr>
-        <p:sp>
-          <p:nvSpPr>
-            <p:cNvPr id="26" name="Rect 0"/>
-            <p:cNvSpPr>
-              <a:spLocks/>
-            </p:cNvSpPr>
-            <p:nvPr/>
-          </p:nvSpPr>
-          <p:spPr>
-            <a:xfrm rot="0">
-              <a:off x="145415" y="684530"/>
-              <a:ext cx="11763375" cy="5958840"/>
-            </a:xfrm>
-            <a:custGeom>
-              <a:gdLst>
-                <a:gd fmla="*/ 3574143 w 11760205" name="TX0"/>
-                <a:gd fmla="*/ 72571 h 5955851" name="TY0"/>
-                <a:gd fmla="*/ 11716657 w 11760205" name="TX1"/>
-                <a:gd fmla="*/ 72571 h 5955851" name="TY1"/>
-                <a:gd fmla="*/ 11760200 w 11760205" name="TX2"/>
-                <a:gd fmla="*/ 5936343 h 5955851" name="TY2"/>
-                <a:gd fmla="*/ 0 w 11760205" name="TX3"/>
-                <a:gd fmla="*/ 5955846 h 5955851" name="TY3"/>
-                <a:gd fmla="*/ 77107 w 11760205" name="TX4"/>
-                <a:gd fmla="*/ 0 h 5955851" name="TY4"/>
-                <a:gd fmla="*/ 206828 w 11760205" name="TX5"/>
-                <a:gd fmla="*/ 0 h 5955851" name="TY5"/>
-              </a:gdLst>
-              <a:cxnLst>
-                <a:cxn ang="0">
-                  <a:pos x="TX0" y="TY0"/>
-                </a:cxn>
-                <a:cxn ang="0">
-                  <a:pos x="TX1" y="TY1"/>
-                </a:cxn>
-                <a:cxn ang="0">
-                  <a:pos x="TX2" y="TY2"/>
-                </a:cxn>
-                <a:cxn ang="0">
-                  <a:pos x="TX3" y="TY3"/>
-                </a:cxn>
-                <a:cxn ang="0">
-                  <a:pos x="TX4" y="TY4"/>
-                </a:cxn>
-                <a:cxn ang="0">
-                  <a:pos x="TX5" y="TY5"/>
-                </a:cxn>
-              </a:cxnLst>
-              <a:rect l="l" t="t" r="r" b="b"/>
-              <a:pathLst>
-                <a:path w="11760205" h="5955851">
-                  <a:moveTo>
-                    <a:pt x="3574143" y="72571"/>
-                  </a:moveTo>
-                  <a:lnTo>
-                    <a:pt x="11716657" y="72571"/>
-                  </a:lnTo>
-                  <a:lnTo>
-                    <a:pt x="11760200" y="5936343"/>
-                  </a:lnTo>
-                  <a:lnTo>
-                    <a:pt x="0" y="5955846"/>
-                  </a:lnTo>
-                  <a:lnTo>
-                    <a:pt x="77107" y="0"/>
-                  </a:lnTo>
-                  <a:lnTo>
-                    <a:pt x="206828" y="0"/>
-                  </a:lnTo>
-                </a:path>
-              </a:pathLst>
-            </a:custGeom>
-            <a:solidFill>
-              <a:schemeClr val="bg1"/>
-            </a:solidFill>
-            <a:ln w="12700" cap="flat" cmpd="sng">
-              <a:solidFill>
-                <a:schemeClr val="tx1">
-                  <a:lumMod val="85000"/>
-                  <a:lumOff val="15000"/>
-                  <a:alpha val="100000"/>
-                </a:schemeClr>
-              </a:solidFill>
-              <a:prstDash val="solid"/>
-            </a:ln>
-          </p:spPr>
-          <p:style>
-            <a:lnRef idx="2">
-              <a:schemeClr val="accent1">
-                <a:shade val="50000"/>
-              </a:schemeClr>
-            </a:lnRef>
-            <a:fillRef idx="1">
-              <a:schemeClr val="accent1"/>
-            </a:fillRef>
-            <a:effectRef idx="0">
-              <a:schemeClr val="accent1"/>
-            </a:effectRef>
-            <a:fontRef idx="minor">
-              <a:schemeClr val="lt1"/>
-            </a:fontRef>
-          </p:style>
-          <p:txBody>
-            <a:bodyPr wrap="square" lIns="91440" tIns="45720" rIns="91440" bIns="45720" numCol="1" vert="horz" anchor="ctr">
-              <a:noAutofit/>
-            </a:bodyPr>
-            <a:lstStyle/>
-            <a:p>
-              <a:pPr marL="0" indent="0" rtl="0" algn="ctr" defTabSz="914400" eaLnBrk="1" latinLnBrk="0" hangingPunct="1">
-                <a:buFontTx/>
-                <a:buNone/>
-              </a:pPr>
-              <a:endParaRPr lang="ko-KR" altLang="en-US" sz="1800">
-                <a:solidFill>
-                  <a:srgbClr val="FFFFFF"/>
-                </a:solidFill>
-                <a:latin typeface="맑은 고딕" charset="0"/>
-                <a:ea typeface="맑은 고딕" charset="0"/>
-              </a:endParaRPr>
-            </a:p>
-          </p:txBody>
-        </p:sp>
-        <p:sp>
-          <p:nvSpPr>
-            <p:cNvPr id="27" name="Rect 0"/>
-            <p:cNvSpPr>
-              <a:spLocks/>
-            </p:cNvSpPr>
-            <p:nvPr/>
-          </p:nvSpPr>
-          <p:spPr>
-            <a:xfrm rot="0">
-              <a:off x="11634470" y="6376035"/>
-              <a:ext cx="336550" cy="315595"/>
-            </a:xfrm>
-            <a:custGeom>
-              <a:gdLst>
-                <a:gd fmla="*/ 333375 w 333380" name="TX0"/>
-                <a:gd fmla="*/ 0 h 312425" name="TY0"/>
-                <a:gd fmla="*/ 333375 w 333380" name="TX1"/>
-                <a:gd fmla="*/ 312420 h 312425" name="TY1"/>
-                <a:gd fmla="*/ 0 w 333380" name="TX2"/>
-                <a:gd fmla="*/ 309563 h 312425" name="TY2"/>
-              </a:gdLst>
-              <a:cxnLst>
-                <a:cxn ang="0">
-                  <a:pos x="TX0" y="TY0"/>
-                </a:cxn>
-                <a:cxn ang="0">
-                  <a:pos x="TX1" y="TY1"/>
-                </a:cxn>
-                <a:cxn ang="0">
-                  <a:pos x="TX2" y="TY2"/>
-                </a:cxn>
-              </a:cxnLst>
-              <a:rect l="l" t="t" r="r" b="b"/>
-              <a:pathLst>
-                <a:path w="333380" h="312425">
-                  <a:moveTo>
-                    <a:pt x="333375" y="0"/>
-                  </a:moveTo>
-                  <a:lnTo>
-                    <a:pt x="333375" y="312420"/>
-                  </a:lnTo>
-                  <a:lnTo>
-                    <a:pt x="0" y="309563"/>
-                  </a:lnTo>
-                </a:path>
-              </a:pathLst>
-            </a:custGeom>
-            <a:noFill/>
-            <a:ln w="12700" cap="flat" cmpd="sng">
-              <a:solidFill>
-                <a:schemeClr val="tx1">
-                  <a:lumMod val="85000"/>
-                  <a:lumOff val="15000"/>
-                  <a:alpha val="100000"/>
-                </a:schemeClr>
-              </a:solidFill>
-              <a:prstDash val="solid"/>
-            </a:ln>
-          </p:spPr>
-          <p:style>
-            <a:lnRef idx="2">
-              <a:schemeClr val="accent1">
-                <a:shade val="50000"/>
-              </a:schemeClr>
-            </a:lnRef>
-            <a:fillRef idx="1">
-              <a:schemeClr val="accent1"/>
-            </a:fillRef>
-            <a:effectRef idx="0">
-              <a:schemeClr val="accent1"/>
-            </a:effectRef>
-            <a:fontRef idx="minor">
-              <a:schemeClr val="lt1"/>
-            </a:fontRef>
-          </p:style>
-          <p:txBody>
-            <a:bodyPr wrap="square" lIns="91440" tIns="45720" rIns="91440" bIns="45720" numCol="1" vert="horz" anchor="ctr">
-              <a:noAutofit/>
-            </a:bodyPr>
-            <a:lstStyle/>
-            <a:p>
-              <a:pPr marL="0" indent="0" rtl="0" algn="ctr" defTabSz="914400" eaLnBrk="1" latinLnBrk="0" hangingPunct="1">
-                <a:buFontTx/>
-                <a:buNone/>
-              </a:pPr>
-              <a:endParaRPr lang="ko-KR" altLang="en-US" sz="1800">
-                <a:solidFill>
-                  <a:srgbClr val="FFFFFF"/>
-                </a:solidFill>
-                <a:latin typeface="맑은 고딕" charset="0"/>
-                <a:ea typeface="맑은 고딕" charset="0"/>
-              </a:endParaRPr>
-            </a:p>
-          </p:txBody>
-        </p:sp>
-      </p:grpSp>
-      <p:grpSp>
-        <p:nvGrpSpPr>
-          <p:cNvPr id="4" name="Group 5"/>
-          <p:cNvGrpSpPr/>
-          <p:nvPr/>
-        </p:nvGrpSpPr>
-        <p:grpSpPr>
-          <a:xfrm rot="0">
-            <a:off x="486410" y="121920"/>
-            <a:ext cx="3265170" cy="1022985"/>
-            <a:chOff x="486410" y="121920"/>
-            <a:chExt cx="3265170" cy="1022985"/>
-          </a:xfrm>
-        </p:grpSpPr>
-        <p:sp>
-          <p:nvSpPr>
-            <p:cNvPr id="16" name="Rect 0"/>
-            <p:cNvSpPr>
-              <a:spLocks/>
-            </p:cNvSpPr>
-            <p:nvPr/>
-          </p:nvSpPr>
-          <p:spPr>
-            <a:xfrm rot="10800000">
-              <a:off x="624840" y="902970"/>
-              <a:ext cx="934085" cy="236855"/>
-            </a:xfrm>
-            <a:prstGeom prst="triangle">
-              <a:avLst>
-                <a:gd name="adj" fmla="val 31437"/>
-              </a:avLst>
-            </a:prstGeom>
-            <a:solidFill>
-              <a:schemeClr val="tx2">
-                <a:lumMod val="75000"/>
-              </a:schemeClr>
-            </a:solidFill>
-            <a:ln w="0">
-              <a:noFill/>
-              <a:prstDash/>
-            </a:ln>
-          </p:spPr>
-          <p:style>
-            <a:lnRef idx="2">
-              <a:schemeClr val="accent1">
-                <a:shade val="50000"/>
-              </a:schemeClr>
-            </a:lnRef>
-            <a:fillRef idx="1">
-              <a:schemeClr val="accent1"/>
-            </a:fillRef>
-            <a:effectRef idx="0">
-              <a:schemeClr val="accent1"/>
-            </a:effectRef>
-            <a:fontRef idx="minor">
-              <a:schemeClr val="lt1"/>
-            </a:fontRef>
-          </p:style>
-          <p:txBody>
-            <a:bodyPr wrap="square" lIns="91440" tIns="45720" rIns="91440" bIns="45720" numCol="1" vert="horz" anchor="ctr">
-              <a:noAutofit/>
-            </a:bodyPr>
-            <a:lstStyle/>
-            <a:p>
-              <a:pPr marL="0" indent="0" rtl="0" algn="ctr" defTabSz="914400" eaLnBrk="1" latinLnBrk="0" hangingPunct="1">
-                <a:buFontTx/>
-                <a:buNone/>
-              </a:pPr>
-              <a:endParaRPr lang="ko-KR" altLang="en-US" sz="1800">
-                <a:solidFill>
-                  <a:srgbClr val="FFFFFF"/>
-                </a:solidFill>
-                <a:latin typeface="맑은 고딕" charset="0"/>
-                <a:ea typeface="맑은 고딕" charset="0"/>
-              </a:endParaRPr>
-            </a:p>
-          </p:txBody>
-        </p:sp>
-        <p:sp>
-          <p:nvSpPr>
-            <p:cNvPr id="2" name="Rect 0"/>
-            <p:cNvSpPr>
-              <a:spLocks/>
-            </p:cNvSpPr>
-            <p:nvPr/>
-          </p:nvSpPr>
-          <p:spPr>
-            <a:xfrm rot="16200000">
-              <a:off x="1745615" y="-894715"/>
-              <a:ext cx="752475" cy="2987675"/>
-            </a:xfrm>
-            <a:prstGeom prst="trapezoid">
-              <a:avLst>
-                <a:gd name="adj" fmla="val 8729"/>
-              </a:avLst>
-            </a:prstGeom>
-            <a:solidFill>
-              <a:srgbClr val="08CDD5"/>
-            </a:solidFill>
-            <a:ln w="0">
-              <a:noFill/>
-              <a:prstDash/>
-            </a:ln>
-          </p:spPr>
-          <p:style>
-            <a:lnRef idx="2">
-              <a:schemeClr val="accent1">
-                <a:shade val="50000"/>
-              </a:schemeClr>
-            </a:lnRef>
-            <a:fillRef idx="1">
-              <a:schemeClr val="accent1"/>
-            </a:fillRef>
-            <a:effectRef idx="0">
-              <a:schemeClr val="accent1"/>
-            </a:effectRef>
-            <a:fontRef idx="minor">
-              <a:schemeClr val="lt1"/>
-            </a:fontRef>
-          </p:style>
-          <p:txBody>
-            <a:bodyPr wrap="square" lIns="91440" tIns="45720" rIns="91440" bIns="45720" numCol="1" vert="horz" anchor="ctr">
-              <a:noAutofit/>
-            </a:bodyPr>
-            <a:lstStyle/>
-            <a:p>
-              <a:pPr marL="0" indent="0" rtl="0" algn="ctr" defTabSz="914400" eaLnBrk="1" latinLnBrk="0" hangingPunct="1">
-                <a:buFontTx/>
-                <a:buNone/>
-              </a:pPr>
-              <a:endParaRPr lang="ko-KR" altLang="en-US" sz="1800">
-                <a:solidFill>
-                  <a:srgbClr val="FFFFFF"/>
-                </a:solidFill>
-                <a:latin typeface="맑은 고딕" charset="0"/>
-                <a:ea typeface="맑은 고딕" charset="0"/>
-              </a:endParaRPr>
-            </a:p>
-          </p:txBody>
-        </p:sp>
-        <p:cxnSp>
-          <p:nvCxnSpPr>
-            <p:cNvPr id="6" name="Rect 0"/>
-            <p:cNvCxnSpPr/>
-            <p:nvPr/>
-          </p:nvCxnSpPr>
-          <p:spPr>
-            <a:xfrm rot="0" flipV="1">
-              <a:off x="628015" y="172085"/>
-              <a:ext cx="1717675" cy="27940"/>
-            </a:xfrm>
-            <a:prstGeom prst="line"/>
-            <a:ln w="12700" cap="flat" cmpd="sng">
-              <a:solidFill>
-                <a:schemeClr val="tx1">
-                  <a:lumMod val="85000"/>
-                  <a:lumOff val="15000"/>
-                  <a:alpha val="100000"/>
-                </a:schemeClr>
-              </a:solidFill>
-              <a:prstDash val="solid"/>
-            </a:ln>
-          </p:spPr>
-          <p:style>
-            <a:lnRef idx="1">
-              <a:schemeClr val="accent1"/>
-            </a:lnRef>
-            <a:fillRef idx="0">
-              <a:schemeClr val="accent1"/>
-            </a:fillRef>
-            <a:effectRef idx="0">
-              <a:schemeClr val="accent1"/>
-            </a:effectRef>
-            <a:fontRef idx="minor">
-              <a:schemeClr val="tx1"/>
-            </a:fontRef>
-          </p:style>
-        </p:cxnSp>
-        <p:cxnSp>
-          <p:nvCxnSpPr>
-            <p:cNvPr id="8" name="Rect 0"/>
-            <p:cNvCxnSpPr/>
-            <p:nvPr/>
-          </p:nvCxnSpPr>
-          <p:spPr>
-            <a:xfrm rot="0" flipV="1">
-              <a:off x="974090" y="121920"/>
-              <a:ext cx="828675" cy="12700"/>
-            </a:xfrm>
-            <a:prstGeom prst="line"/>
-            <a:ln w="12700" cap="flat" cmpd="sng">
-              <a:solidFill>
-                <a:schemeClr val="tx1">
-                  <a:lumMod val="85000"/>
-                  <a:lumOff val="15000"/>
-                  <a:alpha val="100000"/>
-                </a:schemeClr>
-              </a:solidFill>
-              <a:prstDash val="solid"/>
-            </a:ln>
-          </p:spPr>
-          <p:style>
-            <a:lnRef idx="1">
-              <a:schemeClr val="accent1"/>
-            </a:lnRef>
-            <a:fillRef idx="0">
-              <a:schemeClr val="accent1"/>
-            </a:fillRef>
-            <a:effectRef idx="0">
-              <a:schemeClr val="accent1"/>
-            </a:effectRef>
-            <a:fontRef idx="minor">
-              <a:schemeClr val="tx1"/>
-            </a:fontRef>
-          </p:style>
-        </p:cxnSp>
-        <p:sp>
-          <p:nvSpPr>
-            <p:cNvPr id="13" name="Rect 0"/>
-            <p:cNvSpPr>
-              <a:spLocks/>
-            </p:cNvSpPr>
-            <p:nvPr/>
-          </p:nvSpPr>
-          <p:spPr>
-            <a:xfrm rot="0">
-              <a:off x="2464435" y="121920"/>
-              <a:ext cx="74930" cy="74930"/>
-            </a:xfrm>
-            <a:prstGeom prst="ellipse"/>
-            <a:noFill/>
-            <a:ln w="12700" cap="flat" cmpd="sng">
-              <a:solidFill>
-                <a:schemeClr val="tx1">
-                  <a:lumMod val="85000"/>
-                  <a:lumOff val="15000"/>
-                  <a:alpha val="100000"/>
-                </a:schemeClr>
-              </a:solidFill>
-              <a:prstDash val="solid"/>
-            </a:ln>
-          </p:spPr>
-          <p:style>
-            <a:lnRef idx="2">
-              <a:schemeClr val="accent1">
-                <a:shade val="50000"/>
-              </a:schemeClr>
-            </a:lnRef>
-            <a:fillRef idx="1">
-              <a:schemeClr val="accent1"/>
-            </a:fillRef>
-            <a:effectRef idx="0">
-              <a:schemeClr val="accent1"/>
-            </a:effectRef>
-            <a:fontRef idx="minor">
-              <a:schemeClr val="lt1"/>
-            </a:fontRef>
-          </p:style>
-          <p:txBody>
-            <a:bodyPr wrap="square" lIns="91440" tIns="45720" rIns="91440" bIns="45720" numCol="1" vert="horz" anchor="ctr">
-              <a:noAutofit/>
-            </a:bodyPr>
-            <a:lstStyle/>
-            <a:p>
-              <a:pPr marL="0" indent="0" rtl="0" algn="ctr" defTabSz="914400" eaLnBrk="1" latinLnBrk="0" hangingPunct="1">
-                <a:buFontTx/>
-                <a:buNone/>
-              </a:pPr>
-              <a:endParaRPr lang="ko-KR" altLang="en-US" sz="1800">
-                <a:solidFill>
-                  <a:srgbClr val="FFFFFF"/>
-                </a:solidFill>
-                <a:latin typeface="맑은 고딕" charset="0"/>
-                <a:ea typeface="맑은 고딕" charset="0"/>
-              </a:endParaRPr>
-            </a:p>
-          </p:txBody>
-        </p:sp>
-        <p:sp>
-          <p:nvSpPr>
-            <p:cNvPr id="14" name="Rect 0"/>
-            <p:cNvSpPr>
-              <a:spLocks/>
-            </p:cNvSpPr>
-            <p:nvPr/>
-          </p:nvSpPr>
-          <p:spPr>
-            <a:xfrm rot="20700000">
-              <a:off x="3020695" y="1051560"/>
-              <a:ext cx="74930" cy="74930"/>
-            </a:xfrm>
-            <a:prstGeom prst="triangle"/>
-            <a:noFill/>
-            <a:ln w="12700" cap="flat" cmpd="sng">
-              <a:solidFill>
-                <a:schemeClr val="tx1">
-                  <a:lumMod val="85000"/>
-                  <a:lumOff val="15000"/>
-                  <a:alpha val="100000"/>
-                </a:schemeClr>
-              </a:solidFill>
-              <a:prstDash val="solid"/>
-            </a:ln>
-          </p:spPr>
-          <p:style>
-            <a:lnRef idx="2">
-              <a:schemeClr val="accent1">
-                <a:shade val="50000"/>
-              </a:schemeClr>
-            </a:lnRef>
-            <a:fillRef idx="1">
-              <a:schemeClr val="accent1"/>
-            </a:fillRef>
-            <a:effectRef idx="0">
-              <a:schemeClr val="accent1"/>
-            </a:effectRef>
-            <a:fontRef idx="minor">
-              <a:schemeClr val="lt1"/>
-            </a:fontRef>
-          </p:style>
-          <p:txBody>
-            <a:bodyPr wrap="square" lIns="91440" tIns="45720" rIns="91440" bIns="45720" numCol="1" vert="horz" anchor="ctr">
-              <a:noAutofit/>
-            </a:bodyPr>
-            <a:lstStyle/>
-            <a:p>
-              <a:pPr marL="0" indent="0" rtl="0" algn="ctr" defTabSz="914400" eaLnBrk="1" latinLnBrk="0" hangingPunct="1">
-                <a:buFontTx/>
-                <a:buNone/>
-              </a:pPr>
-              <a:endParaRPr lang="ko-KR" altLang="en-US" sz="1800">
-                <a:solidFill>
-                  <a:srgbClr val="FFFFFF"/>
-                </a:solidFill>
-                <a:latin typeface="맑은 고딕" charset="0"/>
-                <a:ea typeface="맑은 고딕" charset="0"/>
-              </a:endParaRPr>
-            </a:p>
-          </p:txBody>
-        </p:sp>
-        <p:sp>
-          <p:nvSpPr>
-            <p:cNvPr id="17" name="Rect 0"/>
-            <p:cNvSpPr>
-              <a:spLocks/>
-            </p:cNvSpPr>
-            <p:nvPr/>
-          </p:nvSpPr>
-          <p:spPr>
-            <a:xfrm rot="0">
-              <a:off x="574675" y="624205"/>
-              <a:ext cx="292735" cy="445135"/>
-            </a:xfrm>
-            <a:custGeom>
-              <a:gdLst>
-                <a:gd fmla="*/ 0 w 289565" name="TX0"/>
-                <a:gd fmla="*/ 0 h 441965" name="TY0"/>
-                <a:gd fmla="*/ 5715 w 289565" name="TX1"/>
-                <a:gd fmla="*/ 315754 h 441965" name="TY1"/>
-                <a:gd fmla="*/ 289560 w 289565" name="TX2"/>
-                <a:gd fmla="*/ 441960 h 441965" name="TY2"/>
-              </a:gdLst>
-              <a:cxnLst>
-                <a:cxn ang="0">
-                  <a:pos x="TX0" y="TY0"/>
-                </a:cxn>
-                <a:cxn ang="0">
-                  <a:pos x="TX1" y="TY1"/>
-                </a:cxn>
-                <a:cxn ang="0">
-                  <a:pos x="TX2" y="TY2"/>
-                </a:cxn>
-              </a:cxnLst>
-              <a:rect l="l" t="t" r="r" b="b"/>
-              <a:pathLst>
-                <a:path w="289565" h="441965">
-                  <a:moveTo>
-                    <a:pt x="0" y="0"/>
-                  </a:moveTo>
-                  <a:lnTo>
-                    <a:pt x="5715" y="315754"/>
-                  </a:lnTo>
-                  <a:lnTo>
-                    <a:pt x="289560" y="441960"/>
-                  </a:lnTo>
-                </a:path>
-              </a:pathLst>
-            </a:custGeom>
-            <a:noFill/>
-            <a:ln w="12700" cap="flat" cmpd="sng">
-              <a:solidFill>
-                <a:schemeClr val="tx1">
-                  <a:lumMod val="85000"/>
-                  <a:lumOff val="15000"/>
-                  <a:alpha val="100000"/>
-                </a:schemeClr>
-              </a:solidFill>
-              <a:prstDash val="solid"/>
-            </a:ln>
-          </p:spPr>
-          <p:style>
-            <a:lnRef idx="2">
-              <a:schemeClr val="accent1">
-                <a:shade val="50000"/>
-              </a:schemeClr>
-            </a:lnRef>
-            <a:fillRef idx="1">
-              <a:schemeClr val="accent1"/>
-            </a:fillRef>
-            <a:effectRef idx="0">
-              <a:schemeClr val="accent1"/>
-            </a:effectRef>
-            <a:fontRef idx="minor">
-              <a:schemeClr val="lt1"/>
-            </a:fontRef>
-          </p:style>
-          <p:txBody>
-            <a:bodyPr wrap="square" lIns="91440" tIns="45720" rIns="91440" bIns="45720" numCol="1" vert="horz" anchor="ctr">
-              <a:noAutofit/>
-            </a:bodyPr>
-            <a:lstStyle/>
-            <a:p>
-              <a:pPr marL="0" indent="0" rtl="0" algn="ctr" defTabSz="914400" eaLnBrk="1" latinLnBrk="0" hangingPunct="1">
-                <a:buFontTx/>
-                <a:buNone/>
-              </a:pPr>
-              <a:endParaRPr lang="ko-KR" altLang="en-US" sz="1800">
-                <a:solidFill>
-                  <a:srgbClr val="FFFFFF"/>
-                </a:solidFill>
-                <a:latin typeface="맑은 고딕" charset="0"/>
-                <a:ea typeface="맑은 고딕" charset="0"/>
-              </a:endParaRPr>
-            </a:p>
-          </p:txBody>
-        </p:sp>
-        <p:sp>
-          <p:nvSpPr>
-            <p:cNvPr id="18" name="Rect 0"/>
-            <p:cNvSpPr>
-              <a:spLocks/>
-            </p:cNvSpPr>
-            <p:nvPr/>
-          </p:nvSpPr>
-          <p:spPr>
-            <a:xfrm rot="0">
-              <a:off x="1359535" y="989965"/>
-              <a:ext cx="841375" cy="155575"/>
-            </a:xfrm>
-            <a:custGeom>
-              <a:gdLst>
-                <a:gd fmla="*/ 0 w 838205" name="TX0"/>
-                <a:gd fmla="*/ 152400 h 152405" name="TY0"/>
-                <a:gd fmla="*/ 182880 w 838205" name="TX1"/>
-                <a:gd fmla="*/ 0 h 152405" name="TY1"/>
-                <a:gd fmla="*/ 838200 w 838205" name="TX2"/>
-                <a:gd fmla="*/ 15240 h 152405" name="TY2"/>
-              </a:gdLst>
-              <a:cxnLst>
-                <a:cxn ang="0">
-                  <a:pos x="TX0" y="TY0"/>
-                </a:cxn>
-                <a:cxn ang="0">
-                  <a:pos x="TX1" y="TY1"/>
-                </a:cxn>
-                <a:cxn ang="0">
-                  <a:pos x="TX2" y="TY2"/>
-                </a:cxn>
-              </a:cxnLst>
-              <a:rect l="l" t="t" r="r" b="b"/>
-              <a:pathLst>
-                <a:path w="838205" h="152405">
-                  <a:moveTo>
-                    <a:pt x="0" y="152400"/>
-                  </a:moveTo>
-                  <a:lnTo>
-                    <a:pt x="182880" y="0"/>
-                  </a:lnTo>
-                  <a:lnTo>
-                    <a:pt x="838200" y="15240"/>
-                  </a:lnTo>
-                </a:path>
-              </a:pathLst>
-            </a:custGeom>
-            <a:noFill/>
-            <a:ln w="12700" cap="flat" cmpd="sng">
-              <a:solidFill>
-                <a:schemeClr val="tx1">
-                  <a:lumMod val="85000"/>
-                  <a:lumOff val="15000"/>
-                  <a:alpha val="100000"/>
-                </a:schemeClr>
-              </a:solidFill>
-              <a:prstDash val="solid"/>
-            </a:ln>
-          </p:spPr>
-          <p:style>
-            <a:lnRef idx="2">
-              <a:schemeClr val="accent1">
-                <a:shade val="50000"/>
-              </a:schemeClr>
-            </a:lnRef>
-            <a:fillRef idx="1">
-              <a:schemeClr val="accent1"/>
-            </a:fillRef>
-            <a:effectRef idx="0">
-              <a:schemeClr val="accent1"/>
-            </a:effectRef>
-            <a:fontRef idx="minor">
-              <a:schemeClr val="lt1"/>
-            </a:fontRef>
-          </p:style>
-          <p:txBody>
-            <a:bodyPr wrap="square" lIns="91440" tIns="45720" rIns="91440" bIns="45720" numCol="1" vert="horz" anchor="ctr">
-              <a:noAutofit/>
-            </a:bodyPr>
-            <a:lstStyle/>
-            <a:p>
-              <a:pPr marL="0" indent="0" rtl="0" algn="ctr" defTabSz="914400" eaLnBrk="1" latinLnBrk="0" hangingPunct="1">
-                <a:buFontTx/>
-                <a:buNone/>
-              </a:pPr>
-              <a:endParaRPr lang="ko-KR" altLang="en-US" sz="1800">
-                <a:solidFill>
-                  <a:srgbClr val="FFFFFF"/>
-                </a:solidFill>
-                <a:latin typeface="맑은 고딕" charset="0"/>
-                <a:ea typeface="맑은 고딕" charset="0"/>
-              </a:endParaRPr>
-            </a:p>
-          </p:txBody>
-        </p:sp>
-        <p:sp>
-          <p:nvSpPr>
-            <p:cNvPr id="19" name="Rect 0"/>
-            <p:cNvSpPr>
-              <a:spLocks/>
-            </p:cNvSpPr>
-            <p:nvPr/>
-          </p:nvSpPr>
-          <p:spPr>
-            <a:xfrm rot="0">
-              <a:off x="3325495" y="708025"/>
-              <a:ext cx="346075" cy="315595"/>
-            </a:xfrm>
-            <a:custGeom>
-              <a:gdLst>
-                <a:gd fmla="*/ 342900 w 342905" name="TX0"/>
-                <a:gd fmla="*/ 0 h 312425" name="TY0"/>
-                <a:gd fmla="*/ 342900 w 342905" name="TX1"/>
-                <a:gd fmla="*/ 312420 h 312425" name="TY1"/>
-                <a:gd fmla="*/ 0 w 342905" name="TX2"/>
-                <a:gd fmla="*/ 304800 h 312425" name="TY2"/>
-              </a:gdLst>
-              <a:cxnLst>
-                <a:cxn ang="0">
-                  <a:pos x="TX0" y="TY0"/>
-                </a:cxn>
-                <a:cxn ang="0">
-                  <a:pos x="TX1" y="TY1"/>
-                </a:cxn>
-                <a:cxn ang="0">
-                  <a:pos x="TX2" y="TY2"/>
-                </a:cxn>
-              </a:cxnLst>
-              <a:rect l="l" t="t" r="r" b="b"/>
-              <a:pathLst>
-                <a:path w="342905" h="312425">
-                  <a:moveTo>
-                    <a:pt x="342900" y="0"/>
-                  </a:moveTo>
-                  <a:lnTo>
-                    <a:pt x="342900" y="312420"/>
-                  </a:lnTo>
-                  <a:lnTo>
-                    <a:pt x="0" y="304800"/>
-                  </a:lnTo>
-                </a:path>
-              </a:pathLst>
-            </a:custGeom>
-            <a:noFill/>
-            <a:ln w="12700" cap="flat" cmpd="sng">
-              <a:solidFill>
-                <a:schemeClr val="tx1">
-                  <a:lumMod val="85000"/>
-                  <a:lumOff val="15000"/>
-                  <a:alpha val="100000"/>
-                </a:schemeClr>
-              </a:solidFill>
-              <a:prstDash val="solid"/>
-            </a:ln>
-          </p:spPr>
-          <p:style>
-            <a:lnRef idx="2">
-              <a:schemeClr val="accent1">
-                <a:shade val="50000"/>
-              </a:schemeClr>
-            </a:lnRef>
-            <a:fillRef idx="1">
-              <a:schemeClr val="accent1"/>
-            </a:fillRef>
-            <a:effectRef idx="0">
-              <a:schemeClr val="accent1"/>
-            </a:effectRef>
-            <a:fontRef idx="minor">
-              <a:schemeClr val="lt1"/>
-            </a:fontRef>
-          </p:style>
-          <p:txBody>
-            <a:bodyPr wrap="square" lIns="91440" tIns="45720" rIns="91440" bIns="45720" numCol="1" vert="horz" anchor="ctr">
-              <a:noAutofit/>
-            </a:bodyPr>
-            <a:lstStyle/>
-            <a:p>
-              <a:pPr marL="0" indent="0" rtl="0" algn="ctr" defTabSz="914400" eaLnBrk="1" latinLnBrk="0" hangingPunct="1">
-                <a:buFontTx/>
-                <a:buNone/>
-              </a:pPr>
-              <a:endParaRPr lang="ko-KR" altLang="en-US" sz="1800">
-                <a:solidFill>
-                  <a:srgbClr val="FFFFFF"/>
-                </a:solidFill>
-                <a:latin typeface="맑은 고딕" charset="0"/>
-                <a:ea typeface="맑은 고딕" charset="0"/>
-              </a:endParaRPr>
-            </a:p>
-          </p:txBody>
-        </p:sp>
-        <p:cxnSp>
-          <p:nvCxnSpPr>
-            <p:cNvPr id="20" name="Rect 0"/>
-            <p:cNvCxnSpPr/>
-            <p:nvPr/>
-          </p:nvCxnSpPr>
-          <p:spPr>
-            <a:xfrm rot="0">
-              <a:off x="1641475" y="1049655"/>
-              <a:ext cx="861695" cy="21590"/>
-            </a:xfrm>
-            <a:prstGeom prst="line"/>
-            <a:ln w="12700" cap="flat" cmpd="sng">
-              <a:solidFill>
-                <a:schemeClr val="tx1">
-                  <a:lumMod val="85000"/>
-                  <a:lumOff val="15000"/>
-                  <a:alpha val="100000"/>
-                </a:schemeClr>
-              </a:solidFill>
-              <a:prstDash val="solid"/>
-            </a:ln>
-          </p:spPr>
-          <p:style>
-            <a:lnRef idx="1">
-              <a:schemeClr val="accent1"/>
-            </a:lnRef>
-            <a:fillRef idx="0">
-              <a:schemeClr val="accent1"/>
-            </a:fillRef>
-            <a:effectRef idx="0">
-              <a:schemeClr val="accent1"/>
-            </a:effectRef>
-            <a:fontRef idx="minor">
-              <a:schemeClr val="tx1"/>
-            </a:fontRef>
-          </p:style>
-        </p:cxnSp>
-        <p:sp>
-          <p:nvSpPr>
-            <p:cNvPr id="22" name="Rect 0"/>
-            <p:cNvSpPr>
-              <a:spLocks/>
-            </p:cNvSpPr>
-            <p:nvPr/>
-          </p:nvSpPr>
-          <p:spPr>
-            <a:xfrm rot="20700000">
-              <a:off x="3676015" y="136525"/>
-              <a:ext cx="74930" cy="74930"/>
-            </a:xfrm>
-            <a:prstGeom prst="rect"/>
-            <a:noFill/>
-            <a:ln w="12700" cap="flat" cmpd="sng">
-              <a:solidFill>
-                <a:schemeClr val="tx1">
-                  <a:lumMod val="85000"/>
-                  <a:lumOff val="15000"/>
-                  <a:alpha val="100000"/>
-                </a:schemeClr>
-              </a:solidFill>
-              <a:prstDash val="solid"/>
-            </a:ln>
-          </p:spPr>
-          <p:style>
-            <a:lnRef idx="2">
-              <a:schemeClr val="accent1">
-                <a:shade val="50000"/>
-              </a:schemeClr>
-            </a:lnRef>
-            <a:fillRef idx="1">
-              <a:schemeClr val="accent1"/>
-            </a:fillRef>
-            <a:effectRef idx="0">
-              <a:schemeClr val="accent1"/>
-            </a:effectRef>
-            <a:fontRef idx="minor">
-              <a:schemeClr val="lt1"/>
-            </a:fontRef>
-          </p:style>
-          <p:txBody>
-            <a:bodyPr wrap="square" lIns="91440" tIns="45720" rIns="91440" bIns="45720" numCol="1" vert="horz" anchor="ctr">
-              <a:noAutofit/>
-            </a:bodyPr>
-            <a:lstStyle/>
-            <a:p>
-              <a:pPr marL="0" indent="0" rtl="0" algn="ctr" defTabSz="914400" eaLnBrk="1" latinLnBrk="0" hangingPunct="1">
-                <a:buFontTx/>
-                <a:buNone/>
-              </a:pPr>
-              <a:endParaRPr lang="ko-KR" altLang="en-US" sz="1800">
-                <a:solidFill>
-                  <a:srgbClr val="FFFFFF"/>
-                </a:solidFill>
-                <a:latin typeface="맑은 고딕" charset="0"/>
-                <a:ea typeface="맑은 고딕" charset="0"/>
-              </a:endParaRPr>
-            </a:p>
-          </p:txBody>
-        </p:sp>
-        <p:sp>
-          <p:nvSpPr>
-            <p:cNvPr id="23" name="Rect 0"/>
-            <p:cNvSpPr>
-              <a:spLocks/>
-            </p:cNvSpPr>
-            <p:nvPr/>
-          </p:nvSpPr>
-          <p:spPr>
-            <a:xfrm rot="7200000">
-              <a:off x="486410" y="454660"/>
-              <a:ext cx="74930" cy="74930"/>
-            </a:xfrm>
-            <a:prstGeom prst="triangle"/>
-            <a:noFill/>
-            <a:ln w="12700" cap="flat" cmpd="sng">
-              <a:solidFill>
-                <a:schemeClr val="tx1">
-                  <a:lumMod val="85000"/>
-                  <a:lumOff val="15000"/>
-                  <a:alpha val="100000"/>
-                </a:schemeClr>
-              </a:solidFill>
-              <a:prstDash val="solid"/>
-            </a:ln>
-          </p:spPr>
-          <p:style>
-            <a:lnRef idx="2">
-              <a:schemeClr val="accent1">
-                <a:shade val="50000"/>
-              </a:schemeClr>
-            </a:lnRef>
-            <a:fillRef idx="1">
-              <a:schemeClr val="accent1"/>
-            </a:fillRef>
-            <a:effectRef idx="0">
-              <a:schemeClr val="accent1"/>
-            </a:effectRef>
-            <a:fontRef idx="minor">
-              <a:schemeClr val="lt1"/>
-            </a:fontRef>
-          </p:style>
-          <p:txBody>
-            <a:bodyPr wrap="square" lIns="91440" tIns="45720" rIns="91440" bIns="45720" numCol="1" vert="horz" anchor="ctr">
-              <a:noAutofit/>
-            </a:bodyPr>
-            <a:lstStyle/>
-            <a:p>
-              <a:pPr marL="0" indent="0" rtl="0" algn="ctr" defTabSz="914400" eaLnBrk="1" latinLnBrk="0" hangingPunct="1">
-                <a:buFontTx/>
-                <a:buNone/>
-              </a:pPr>
-              <a:endParaRPr lang="ko-KR" altLang="en-US" sz="1800">
-                <a:solidFill>
-                  <a:srgbClr val="FFFFFF"/>
-                </a:solidFill>
-                <a:latin typeface="맑은 고딕" charset="0"/>
-                <a:ea typeface="맑은 고딕" charset="0"/>
-              </a:endParaRPr>
-            </a:p>
-          </p:txBody>
-        </p:sp>
-      </p:grpSp>
-      <p:sp>
-        <p:nvSpPr>
-          <p:cNvPr id="15" name="Rect 0"/>
-          <p:cNvSpPr>
-            <a:spLocks/>
-          </p:cNvSpPr>
-          <p:nvPr/>
-        </p:nvSpPr>
-        <p:spPr>
-          <a:xfrm rot="0">
-            <a:off x="940435" y="316230"/>
-            <a:ext cx="1404620" cy="457200"/>
-          </a:xfrm>
-          <a:prstGeom prst="rect"/>
-          <a:ln w="0">
-            <a:noFill/>
-            <a:prstDash/>
-          </a:ln>
-        </p:spPr>
-        <p:txBody>
-          <a:bodyPr wrap="none" lIns="91440" tIns="45720" rIns="91440" bIns="45720" numCol="1" vert="horz" anchor="t">
-            <a:spAutoFit/>
-          </a:bodyPr>
-          <a:lstStyle/>
-          <a:p>
-            <a:pPr marL="0" indent="0" rtl="0" algn="l" defTabSz="914400" eaLnBrk="1" latinLnBrk="0" hangingPunct="1">
-              <a:buFontTx/>
-              <a:buNone/>
-            </a:pPr>
-            <a:r>
-              <a:rPr sz="1800" b="1">
-                <a:solidFill>
-                  <a:srgbClr val="FFFFFF"/>
-                </a:solidFill>
-                <a:latin typeface="맑은 고딕" charset="0"/>
-                <a:ea typeface="맑은 고딕" charset="0"/>
-              </a:rPr>
-              <a:t>CONTENTS</a:t>
-            </a:r>
-            <a:endParaRPr lang="ko-KR" altLang="en-US" sz="1800" b="1">
-              <a:solidFill>
-                <a:srgbClr val="FFFFFF"/>
-              </a:solidFill>
-              <a:latin typeface="맑은 고딕" charset="0"/>
-              <a:ea typeface="맑은 고딕" charset="0"/>
-            </a:endParaRPr>
-          </a:p>
-        </p:txBody>
-      </p:sp>
-      <p:sp>
-        <p:nvSpPr>
-          <p:cNvPr id="24" name="Rect 0"/>
-          <p:cNvSpPr>
-            <a:spLocks/>
-          </p:cNvSpPr>
-          <p:nvPr/>
-        </p:nvSpPr>
-        <p:spPr>
-          <a:xfrm rot="0">
-            <a:off x="3914140" y="30480"/>
-            <a:ext cx="7468235" cy="658495"/>
-          </a:xfrm>
-          <a:prstGeom prst="rect"/>
-        </p:spPr>
-        <p:txBody>
-          <a:bodyPr wrap="square" lIns="91440" tIns="45720" rIns="91440" bIns="45720" numCol="1" vert="horz" anchor="t">
-            <a:spAutoFit/>
-          </a:bodyPr>
-          <a:lstStyle/>
-          <a:p>
-            <a:pPr marL="0" indent="0" rtl="0" algn="l" defTabSz="914400" eaLnBrk="1" latinLnBrk="0" hangingPunct="1">
-              <a:buFontTx/>
-              <a:buNone/>
-            </a:pPr>
-            <a:r>
-              <a:rPr sz="2800" i="1" b="1">
-                <a:solidFill>
-                  <a:srgbClr val="08CDD5"/>
-                </a:solidFill>
-                <a:latin typeface="맑은 고딕" charset="0"/>
-                <a:ea typeface="맑은 고딕" charset="0"/>
-              </a:rPr>
-              <a:t>HTML  </a:t>
-            </a:r>
-            <a:r>
-              <a:rPr sz="900">
-                <a:solidFill>
-                  <a:srgbClr val="000000">
-                    <a:lumMod val="75000"/>
-                    <a:lumOff val="25000"/>
-                  </a:srgbClr>
-                </a:solidFill>
-                <a:latin typeface="맑은 고딕" charset="0"/>
-                <a:ea typeface="맑은 고딕" charset="0"/>
-              </a:rPr>
-              <a:t>Welcome to HTML!! 3일차</a:t>
-            </a:r>
-            <a:endParaRPr lang="ko-KR" altLang="en-US" sz="900">
-              <a:solidFill>
-                <a:srgbClr val="000000">
-                  <a:lumMod val="75000"/>
-                  <a:lumOff val="25000"/>
-                </a:srgbClr>
-              </a:solidFill>
-              <a:latin typeface="맑은 고딕" charset="0"/>
-              <a:ea typeface="맑은 고딕" charset="0"/>
-            </a:endParaRPr>
-          </a:p>
-        </p:txBody>
-      </p:sp>
-      <mc:AlternateContent xmlns:mc="http://schemas.openxmlformats.org/markup-compatibility/2006" xmlns:p14="http://schemas.microsoft.com/office/powerpoint/2010/main">
-        <mc:Choice Requires="p14">
-          <p:contentPart p14:bwMode="auto" r:id="rId7">
-            <p14:nvContentPartPr>
-              <p14:cNvPr id="5" name="Ink 5"/>
-              <p14:cNvContentPartPr/>
-              <p14:nvPr/>
-            </p14:nvContentPartPr>
-            <p14:xfrm>
-              <a:off x="1115695" y="3001010"/>
-              <a:ext cx="635" cy="635"/>
-            </p14:xfrm>
-          </p:contentPart>
-        </mc:Choice>
-        <mc:Fallback>
-          <p:pic>
-            <p:nvPicPr>
-              <p:cNvPr id="5" name="Ink 5"/>
-              <p:cNvPicPr/>
-              <p:nvPr/>
-            </p:nvPicPr>
-            <p:blipFill>
-              <a:blip r:embed="rId8"/>
-              <a:stretch>
-                <a:fillRect/>
-              </a:stretch>
-            </p:blipFill>
-            <p:spPr>
-              <a:xfrm>
-                <a:off x="1115695" y="3001010"/>
-                <a:ext cx="635" cy="635"/>
-              </a:xfrm>
-              <a:prstGeom prst="rect">
-                <a:avLst/>
-              </a:prstGeom>
-            </p:spPr>
-          </p:pic>
-        </mc:Fallback>
-      </mc:AlternateContent>
-      <p:sp>
-        <p:nvSpPr>
-          <p:cNvPr id="32" name="Rect 0"/>
-          <p:cNvSpPr txBox="1">
-            <a:spLocks/>
-          </p:cNvSpPr>
-          <p:nvPr/>
-        </p:nvSpPr>
-        <p:spPr>
-          <a:xfrm rot="0">
-            <a:off x="659130" y="1633855"/>
-            <a:ext cx="7423150" cy="461645"/>
-          </a:xfrm>
-          <a:prstGeom prst="rect"/>
-          <a:noFill/>
-        </p:spPr>
-        <p:txBody>
-          <a:bodyPr wrap="square" lIns="91440" tIns="45720" rIns="91440" bIns="45720" numCol="1" vert="horz" anchor="t">
-            <a:spAutoFit/>
-          </a:bodyPr>
-          <a:lstStyle/>
-          <a:p>
-            <a:pPr marL="0" indent="0" rtl="0" algn="l" defTabSz="914400" eaLnBrk="1" latinLnBrk="0" hangingPunct="1">
-              <a:buFontTx/>
-              <a:buNone/>
-            </a:pPr>
-            <a:r>
-              <a:rPr sz="2400">
-                <a:latin typeface="맑은 고딕" charset="0"/>
-                <a:ea typeface="맑은 고딕" charset="0"/>
-              </a:rPr>
-              <a:t>if문</a:t>
-            </a:r>
-            <a:endParaRPr lang="ko-KR" altLang="en-US" sz="2400">
-              <a:latin typeface="맑은 고딕" charset="0"/>
-              <a:ea typeface="맑은 고딕" charset="0"/>
-            </a:endParaRPr>
-          </a:p>
-        </p:txBody>
-      </p:sp>
-      <p:sp>
-        <p:nvSpPr>
-          <p:cNvPr id="25" name="Rect 0"/>
-          <p:cNvSpPr txBox="1">
-            <a:spLocks/>
-          </p:cNvSpPr>
-          <p:nvPr/>
-        </p:nvSpPr>
-        <p:spPr>
-          <a:xfrm rot="0">
-            <a:off x="659130" y="2189480"/>
-            <a:ext cx="10870565" cy="3415030"/>
-          </a:xfrm>
-          <a:prstGeom prst="rect"/>
-          <a:noFill/>
-        </p:spPr>
-        <p:txBody>
-          <a:bodyPr wrap="square" lIns="91440" tIns="45720" rIns="91440" bIns="45720" numCol="1" vert="horz" anchor="t">
-            <a:spAutoFit/>
-          </a:bodyPr>
-          <a:lstStyle/>
-          <a:p>
-            <a:pPr marL="342900" indent="-342900" rtl="0" algn="l" defTabSz="914400" eaLnBrk="1" latinLnBrk="0" hangingPunct="1">
-              <a:lnSpc>
-                <a:spcPct val="150000"/>
-              </a:lnSpc>
-              <a:buFontTx/>
-              <a:buNone/>
-            </a:pPr>
-            <a:r>
-              <a:rPr sz="1800" i="0" b="0">
-                <a:solidFill>
-                  <a:schemeClr val="tx1"/>
-                </a:solidFill>
-                <a:latin typeface="NanumGothic" charset="0"/>
-                <a:ea typeface="NanumGothic" charset="0"/>
-              </a:rPr>
-              <a:t>- 조건식의 결과가 참(true)이면 주어진 명령문을 실행</a:t>
-            </a:r>
-            <a:endParaRPr lang="ko-KR" altLang="en-US" sz="1800" i="0" b="0">
-              <a:solidFill>
-                <a:schemeClr val="tx1"/>
-              </a:solidFill>
-              <a:latin typeface="NanumGothic" charset="0"/>
-              <a:ea typeface="NanumGothic" charset="0"/>
-            </a:endParaRPr>
-          </a:p>
-          <a:p>
-            <a:pPr marL="342900" indent="-342900" rtl="0" algn="l" defTabSz="914400" eaLnBrk="1" latinLnBrk="0" hangingPunct="1">
-              <a:lnSpc>
-                <a:spcPct val="150000"/>
-              </a:lnSpc>
-              <a:buFontTx/>
-              <a:buNone/>
-            </a:pPr>
-            <a:endParaRPr lang="ko-KR" altLang="en-US" sz="1800" i="0" b="0">
-              <a:solidFill>
-                <a:schemeClr val="tx1"/>
-              </a:solidFill>
-              <a:latin typeface="NanumGothic" charset="0"/>
-              <a:ea typeface="NanumGothic" charset="0"/>
-            </a:endParaRPr>
-          </a:p>
-          <a:p>
-            <a:pPr marL="342900" indent="-342900" rtl="0" algn="l" defTabSz="914400" eaLnBrk="1" latinLnBrk="0" hangingPunct="1">
-              <a:lnSpc>
-                <a:spcPct val="150000"/>
-              </a:lnSpc>
-              <a:buFontTx/>
-              <a:buNone/>
-            </a:pPr>
-            <a:endParaRPr lang="ko-KR" altLang="en-US" sz="1800" i="0" b="0">
-              <a:solidFill>
-                <a:schemeClr val="tx1"/>
-              </a:solidFill>
-              <a:latin typeface="NanumGothic" charset="0"/>
-              <a:ea typeface="NanumGothic" charset="0"/>
-            </a:endParaRPr>
-          </a:p>
-          <a:p>
-            <a:pPr marL="342900" indent="-342900" rtl="0" algn="l" defTabSz="914400" eaLnBrk="1" latinLnBrk="0" hangingPunct="1">
-              <a:lnSpc>
-                <a:spcPct val="150000"/>
-              </a:lnSpc>
-              <a:buFontTx/>
-              <a:buNone/>
-            </a:pPr>
-            <a:endParaRPr lang="ko-KR" altLang="en-US" sz="1800" i="0" b="0">
-              <a:solidFill>
-                <a:schemeClr val="tx1"/>
-              </a:solidFill>
-              <a:latin typeface="NanumGothic" charset="0"/>
-              <a:ea typeface="NanumGothic" charset="0"/>
-            </a:endParaRPr>
-          </a:p>
-          <a:p>
-            <a:pPr marL="342900" indent="-342900" rtl="0" algn="l" defTabSz="914400" eaLnBrk="1" latinLnBrk="0" hangingPunct="1">
-              <a:lnSpc>
-                <a:spcPct val="150000"/>
-              </a:lnSpc>
-              <a:buFontTx/>
-              <a:buNone/>
-            </a:pPr>
-            <a:endParaRPr lang="ko-KR" altLang="en-US" sz="1800" i="0" b="0">
-              <a:solidFill>
-                <a:schemeClr val="tx1"/>
-              </a:solidFill>
-              <a:latin typeface="NanumGothic" charset="0"/>
-              <a:ea typeface="NanumGothic" charset="0"/>
-            </a:endParaRPr>
-          </a:p>
-          <a:p>
-            <a:pPr marL="342900" indent="-342900" rtl="0" algn="l" defTabSz="914400" eaLnBrk="1" latinLnBrk="0" hangingPunct="1">
-              <a:lnSpc>
-                <a:spcPct val="150000"/>
-              </a:lnSpc>
-              <a:buFontTx/>
-              <a:buNone/>
-            </a:pPr>
-            <a:endParaRPr lang="ko-KR" altLang="en-US" sz="1800" i="0" b="0">
-              <a:solidFill>
-                <a:schemeClr val="tx1"/>
-              </a:solidFill>
-              <a:latin typeface="NanumGothic" charset="0"/>
-              <a:ea typeface="NanumGothic" charset="0"/>
-            </a:endParaRPr>
-          </a:p>
-          <a:p>
-            <a:pPr marL="342900" indent="-342900" rtl="0" algn="l" defTabSz="914400" eaLnBrk="1" latinLnBrk="0" hangingPunct="1">
-              <a:lnSpc>
-                <a:spcPct val="150000"/>
-              </a:lnSpc>
-              <a:buFontTx/>
-              <a:buNone/>
-            </a:pPr>
-            <a:endParaRPr lang="ko-KR" altLang="en-US" sz="1800" i="0" b="0">
-              <a:solidFill>
-                <a:schemeClr val="tx1"/>
-              </a:solidFill>
-              <a:latin typeface="NanumGothic" charset="0"/>
-              <a:ea typeface="NanumGothic" charset="0"/>
-            </a:endParaRPr>
-          </a:p>
-          <a:p>
-            <a:pPr marL="342900" indent="-342900" rtl="0" algn="l" defTabSz="914400" eaLnBrk="1" latinLnBrk="0" hangingPunct="1">
-              <a:lnSpc>
-                <a:spcPct val="150000"/>
-              </a:lnSpc>
-              <a:buFontTx/>
-              <a:buNone/>
-            </a:pPr>
-            <a:endParaRPr lang="ko-KR" altLang="en-US" sz="1800" i="0" b="0">
-              <a:solidFill>
-                <a:schemeClr val="tx1"/>
-              </a:solidFill>
-              <a:latin typeface="NanumGothic" charset="0"/>
-              <a:ea typeface="NanumGothic" charset="0"/>
-            </a:endParaRPr>
-          </a:p>
-        </p:txBody>
-      </p:sp>
-      <p:sp>
-        <p:nvSpPr>
-          <p:cNvPr id="34" name="Rect 0"/>
-          <p:cNvSpPr txBox="1">
-            <a:spLocks/>
-          </p:cNvSpPr>
-          <p:nvPr/>
-        </p:nvSpPr>
-        <p:spPr>
-          <a:xfrm rot="0">
-            <a:off x="381000" y="6182360"/>
-            <a:ext cx="8947150" cy="278765"/>
-          </a:xfrm>
-          <a:prstGeom prst="rect"/>
-          <a:noFill/>
-        </p:spPr>
-        <p:txBody>
-          <a:bodyPr wrap="square" lIns="0" tIns="0" rIns="0" bIns="0" numCol="1" vert="horz" anchor="t">
-            <a:noAutofit/>
-          </a:bodyPr>
-          <a:lstStyle/>
-          <a:p>
-            <a:pPr marL="0" indent="0" algn="l" latinLnBrk="0" hangingPunct="1">
-              <a:buFontTx/>
-              <a:buNone/>
-            </a:pPr>
-            <a:r>
-              <a:rPr/>
-              <a:t>http://www.tcpschool.com/cpp/cpp_control_condition</a:t>
-            </a:r>
-            <a:endParaRPr lang="ko-KR" altLang="en-US"/>
-          </a:p>
-        </p:txBody>
-      </p:sp>
-      <p:pic>
-        <p:nvPicPr>
-          <p:cNvPr id="35" name="Picture "/>
-          <p:cNvPicPr>
-            <a:picLocks noChangeAspect="1"/>
-          </p:cNvPicPr>
-          <p:nvPr/>
-        </p:nvPicPr>
-        <p:blipFill rotWithShape="1">
-          <a:blip r:embed="rId4" cstate="hqprint">
-            <a:extLst>
-              <a:ext uri="{28A0092B-C50C-407E-A947-70E740481C1C}">
-                <a14:useLocalDpi xmlns:a14="http://schemas.microsoft.com/office/drawing/2010/main"/>
-              </a:ext>
-            </a:extLst>
-          </a:blip>
-          <a:stretch>
-            <a:fillRect/>
-          </a:stretch>
-        </p:blipFill>
-        <p:spPr>
-          <a:xfrm rot="0">
-            <a:off x="812800" y="2777490"/>
-            <a:ext cx="4154170" cy="1220470"/>
-          </a:xfrm>
-          <a:prstGeom prst="rect"/>
-          <a:noFill/>
-        </p:spPr>
-      </p:pic>
-      <p:pic>
-        <p:nvPicPr>
-          <p:cNvPr id="36" name="Picture "/>
-          <p:cNvPicPr>
-            <a:picLocks noChangeAspect="1"/>
-          </p:cNvPicPr>
-          <p:nvPr/>
-        </p:nvPicPr>
-        <p:blipFill rotWithShape="1">
-          <a:blip r:embed="rId5" cstate="hqprint">
-            <a:extLst>
-              <a:ext uri="{28A0092B-C50C-407E-A947-70E740481C1C}">
-                <a14:useLocalDpi xmlns:a14="http://schemas.microsoft.com/office/drawing/2010/main"/>
-              </a:ext>
-            </a:extLst>
-          </a:blip>
-          <a:stretch>
-            <a:fillRect/>
-          </a:stretch>
-        </p:blipFill>
-        <p:spPr>
-          <a:xfrm rot="0">
-            <a:off x="814070" y="4133850"/>
-            <a:ext cx="4554220" cy="1344295"/>
-          </a:xfrm>
-          <a:prstGeom prst="rect"/>
-          <a:noFill/>
-        </p:spPr>
-      </p:pic>
-      <p:pic>
-        <p:nvPicPr>
-          <p:cNvPr id="37" name="Picture " descr="C:/Users/dltjs/AppData/Roaming/PolarisOffice/ETemp/19480_23206144/fImage62315605724.png"/>
-          <p:cNvPicPr>
-            <a:picLocks noChangeAspect="1"/>
-          </p:cNvPicPr>
-          <p:nvPr/>
-        </p:nvPicPr>
-        <p:blipFill rotWithShape="1">
-          <a:blip r:embed="rId6" cstate="hqprint">
-            <a:extLst>
-              <a:ext uri="{28A0092B-C50C-407E-A947-70E740481C1C}">
-                <a14:useLocalDpi xmlns:a14="http://schemas.microsoft.com/office/drawing/2010/main"/>
-              </a:ext>
-            </a:extLst>
-          </a:blip>
-          <a:stretch>
-            <a:fillRect/>
-          </a:stretch>
-        </p:blipFill>
-        <p:spPr>
-          <a:xfrm rot="0">
-            <a:off x="5498465" y="4138930"/>
-            <a:ext cx="5179695" cy="1296670"/>
           </a:xfrm>
           <a:prstGeom prst="rect"/>
           <a:noFill/>
@@ -29702,21 +29729,21 @@
       </p:grpSpPr>
       <p:grpSp>
         <p:nvGrpSpPr>
-          <p:cNvPr id="28" name="Group 5"/>
+          <p:cNvPr id="28" name="그룹 4"/>
           <p:cNvGrpSpPr/>
           <p:nvPr/>
         </p:nvGrpSpPr>
         <p:grpSpPr>
           <a:xfrm rot="0">
             <a:off x="145415" y="684530"/>
-            <a:ext cx="11823700" cy="6005830"/>
+            <a:ext cx="11824335" cy="6006465"/>
             <a:chOff x="145415" y="684530"/>
-            <a:chExt cx="11823700" cy="6005830"/>
+            <a:chExt cx="11824335" cy="6006465"/>
           </a:xfrm>
         </p:grpSpPr>
         <p:sp>
           <p:nvSpPr>
-            <p:cNvPr id="26" name="Rect 0"/>
+            <p:cNvPr id="29" name="도형 2"/>
             <p:cNvSpPr>
               <a:spLocks/>
             </p:cNvSpPr>
@@ -29725,22 +29752,22 @@
           <p:spPr>
             <a:xfrm rot="0">
               <a:off x="145415" y="684530"/>
-              <a:ext cx="11762105" cy="5957570"/>
+              <a:ext cx="11762740" cy="5958205"/>
             </a:xfrm>
             <a:custGeom>
               <a:gdLst>
-                <a:gd fmla="*/ 3574143 w 11760203" name="TX0"/>
-                <a:gd fmla="*/ 72571 h 5955849" name="TY0"/>
-                <a:gd fmla="*/ 11716657 w 11760203" name="TX1"/>
-                <a:gd fmla="*/ 72571 h 5955849" name="TY1"/>
-                <a:gd fmla="*/ 11760200 w 11760203" name="TX2"/>
-                <a:gd fmla="*/ 5936343 h 5955849" name="TY2"/>
-                <a:gd fmla="*/ 0 w 11760203" name="TX3"/>
-                <a:gd fmla="*/ 5955846 h 5955849" name="TY3"/>
-                <a:gd fmla="*/ 77107 w 11760203" name="TX4"/>
-                <a:gd fmla="*/ 0 h 5955849" name="TY4"/>
-                <a:gd fmla="*/ 206828 w 11760203" name="TX5"/>
-                <a:gd fmla="*/ 0 h 5955849" name="TY5"/>
+                <a:gd fmla="*/ 3574143 w 11760204" name="TX0"/>
+                <a:gd fmla="*/ 72571 h 5955850" name="TY0"/>
+                <a:gd fmla="*/ 11716657 w 11760204" name="TX1"/>
+                <a:gd fmla="*/ 72571 h 5955850" name="TY1"/>
+                <a:gd fmla="*/ 11760200 w 11760204" name="TX2"/>
+                <a:gd fmla="*/ 5936343 h 5955850" name="TY2"/>
+                <a:gd fmla="*/ 0 w 11760204" name="TX3"/>
+                <a:gd fmla="*/ 5955846 h 5955850" name="TY3"/>
+                <a:gd fmla="*/ 77107 w 11760204" name="TX4"/>
+                <a:gd fmla="*/ 0 h 5955850" name="TY4"/>
+                <a:gd fmla="*/ 206828 w 11760204" name="TX5"/>
+                <a:gd fmla="*/ 0 h 5955850" name="TY5"/>
               </a:gdLst>
               <a:cxnLst>
                 <a:cxn ang="0">
@@ -29764,7 +29791,7 @@
               </a:cxnLst>
               <a:rect l="l" t="t" r="r" b="b"/>
               <a:pathLst>
-                <a:path w="11760203" h="5955849">
+                <a:path w="11760204" h="5955850">
                   <a:moveTo>
                     <a:pt x="3574143" y="72571"/>
                   </a:moveTo>
@@ -29817,7 +29844,7 @@
             </a:fontRef>
           </p:style>
           <p:txBody>
-            <a:bodyPr wrap="square" lIns="91440" tIns="45720" rIns="91440" bIns="45720" numCol="1" vert="horz" anchor="ctr">
+            <a:bodyPr wrap="square" lIns="91440" tIns="45720" rIns="91440" bIns="45720" vert="horz" anchor="ctr">
               <a:noAutofit/>
             </a:bodyPr>
             <a:lstStyle/>
@@ -29838,7 +29865,7 @@
         </p:sp>
         <p:sp>
           <p:nvSpPr>
-            <p:cNvPr id="27" name="Rect 0"/>
+            <p:cNvPr id="30" name="도형 3"/>
             <p:cNvSpPr>
               <a:spLocks/>
             </p:cNvSpPr>
@@ -29847,16 +29874,16 @@
           <p:spPr>
             <a:xfrm rot="0">
               <a:off x="11634470" y="6376035"/>
-              <a:ext cx="335280" cy="314325"/>
+              <a:ext cx="335915" cy="314960"/>
             </a:xfrm>
             <a:custGeom>
               <a:gdLst>
-                <a:gd fmla="*/ 333375 w 333378" name="TX0"/>
-                <a:gd fmla="*/ 0 h 312423" name="TY0"/>
-                <a:gd fmla="*/ 333375 w 333378" name="TX1"/>
-                <a:gd fmla="*/ 312420 h 312423" name="TY1"/>
-                <a:gd fmla="*/ 0 w 333378" name="TX2"/>
-                <a:gd fmla="*/ 309563 h 312423" name="TY2"/>
+                <a:gd fmla="*/ 333375 w 333379" name="TX0"/>
+                <a:gd fmla="*/ 0 h 312424" name="TY0"/>
+                <a:gd fmla="*/ 333375 w 333379" name="TX1"/>
+                <a:gd fmla="*/ 312420 h 312424" name="TY1"/>
+                <a:gd fmla="*/ 0 w 333379" name="TX2"/>
+                <a:gd fmla="*/ 309563 h 312424" name="TY2"/>
               </a:gdLst>
               <a:cxnLst>
                 <a:cxn ang="0">
@@ -29871,7 +29898,7 @@
               </a:cxnLst>
               <a:rect l="l" t="t" r="r" b="b"/>
               <a:pathLst>
-                <a:path w="333378" h="312423">
+                <a:path w="333379" h="312424">
                   <a:moveTo>
                     <a:pt x="333375" y="0"/>
                   </a:moveTo>
@@ -29913,7 +29940,7 @@
             </a:fontRef>
           </p:style>
           <p:txBody>
-            <a:bodyPr wrap="square" lIns="91440" tIns="45720" rIns="91440" bIns="45720" numCol="1" vert="horz" anchor="ctr">
+            <a:bodyPr wrap="square" lIns="91440" tIns="45720" rIns="91440" bIns="45720" vert="horz" anchor="ctr">
               <a:noAutofit/>
             </a:bodyPr>
             <a:lstStyle/>
@@ -29935,21 +29962,21 @@
       </p:grpSp>
       <p:grpSp>
         <p:nvGrpSpPr>
-          <p:cNvPr id="4" name="Group 5"/>
+          <p:cNvPr id="31" name="그룹 17"/>
           <p:cNvGrpSpPr/>
           <p:nvPr/>
         </p:nvGrpSpPr>
         <p:grpSpPr>
           <a:xfrm rot="0">
             <a:off x="486410" y="121920"/>
-            <a:ext cx="3263900" cy="1021715"/>
+            <a:ext cx="3264535" cy="1022350"/>
             <a:chOff x="486410" y="121920"/>
-            <a:chExt cx="3263900" cy="1021715"/>
+            <a:chExt cx="3264535" cy="1022350"/>
           </a:xfrm>
         </p:grpSpPr>
         <p:sp>
           <p:nvSpPr>
-            <p:cNvPr id="16" name="Rect 0"/>
+            <p:cNvPr id="32" name="도형 5"/>
             <p:cNvSpPr>
               <a:spLocks/>
             </p:cNvSpPr>
@@ -29958,7 +29985,7 @@
           <p:spPr>
             <a:xfrm rot="10800000">
               <a:off x="624840" y="902970"/>
-              <a:ext cx="932815" cy="235585"/>
+              <a:ext cx="933450" cy="236220"/>
             </a:xfrm>
             <a:prstGeom prst="triangle">
               <a:avLst>
@@ -29992,7 +30019,7 @@
             </a:fontRef>
           </p:style>
           <p:txBody>
-            <a:bodyPr wrap="square" lIns="91440" tIns="45720" rIns="91440" bIns="45720" numCol="1" vert="horz" anchor="ctr">
+            <a:bodyPr wrap="square" lIns="91440" tIns="45720" rIns="91440" bIns="45720" vert="horz" anchor="ctr">
               <a:noAutofit/>
             </a:bodyPr>
             <a:lstStyle/>
@@ -30013,7 +30040,7 @@
         </p:sp>
         <p:sp>
           <p:nvSpPr>
-            <p:cNvPr id="2" name="Rect 0"/>
+            <p:cNvPr id="33" name="도형 6"/>
             <p:cNvSpPr>
               <a:spLocks/>
             </p:cNvSpPr>
@@ -30022,7 +30049,7 @@
           <p:spPr>
             <a:xfrm rot="16200000">
               <a:off x="1745615" y="-894715"/>
-              <a:ext cx="751205" cy="2986405"/>
+              <a:ext cx="751840" cy="2987040"/>
             </a:xfrm>
             <a:prstGeom prst="trapezoid">
               <a:avLst>
@@ -30054,7 +30081,7 @@
             </a:fontRef>
           </p:style>
           <p:txBody>
-            <a:bodyPr wrap="square" lIns="91440" tIns="45720" rIns="91440" bIns="45720" numCol="1" vert="horz" anchor="ctr">
+            <a:bodyPr wrap="square" lIns="91440" tIns="45720" rIns="91440" bIns="45720" vert="horz" anchor="ctr">
               <a:noAutofit/>
             </a:bodyPr>
             <a:lstStyle/>
@@ -30075,14 +30102,14 @@
         </p:sp>
         <p:cxnSp>
           <p:nvCxnSpPr>
-            <p:cNvPr id="6" name="Rect 0"/>
+            <p:cNvPr id="34" name="도형 7"/>
             <p:cNvCxnSpPr/>
             <p:nvPr/>
           </p:nvCxnSpPr>
           <p:spPr>
             <a:xfrm rot="0" flipV="1">
               <a:off x="628015" y="172085"/>
-              <a:ext cx="1716405" cy="26670"/>
+              <a:ext cx="1717040" cy="27305"/>
             </a:xfrm>
             <a:prstGeom prst="line"/>
             <a:ln w="12700" cap="flat" cmpd="sng">
@@ -30113,14 +30140,14 @@
         </p:cxnSp>
         <p:cxnSp>
           <p:nvCxnSpPr>
-            <p:cNvPr id="8" name="Rect 0"/>
+            <p:cNvPr id="35" name="도형 8"/>
             <p:cNvCxnSpPr/>
             <p:nvPr/>
           </p:nvCxnSpPr>
           <p:spPr>
             <a:xfrm rot="0" flipV="1">
               <a:off x="974090" y="121920"/>
-              <a:ext cx="827405" cy="11430"/>
+              <a:ext cx="828040" cy="12065"/>
             </a:xfrm>
             <a:prstGeom prst="line"/>
             <a:ln w="12700" cap="flat" cmpd="sng">
@@ -30151,7 +30178,7 @@
         </p:cxnSp>
         <p:sp>
           <p:nvSpPr>
-            <p:cNvPr id="13" name="Rect 0"/>
+            <p:cNvPr id="36" name="도형 9"/>
             <p:cNvSpPr>
               <a:spLocks/>
             </p:cNvSpPr>
@@ -30160,7 +30187,7 @@
           <p:spPr>
             <a:xfrm rot="0">
               <a:off x="2464435" y="121920"/>
-              <a:ext cx="73660" cy="73660"/>
+              <a:ext cx="74295" cy="74295"/>
             </a:xfrm>
             <a:prstGeom prst="ellipse"/>
             <a:noFill/>
@@ -30192,7 +30219,7 @@
             </a:fontRef>
           </p:style>
           <p:txBody>
-            <a:bodyPr wrap="square" lIns="91440" tIns="45720" rIns="91440" bIns="45720" numCol="1" vert="horz" anchor="ctr">
+            <a:bodyPr wrap="square" lIns="91440" tIns="45720" rIns="91440" bIns="45720" vert="horz" anchor="ctr">
               <a:noAutofit/>
             </a:bodyPr>
             <a:lstStyle/>
@@ -30213,7 +30240,7 @@
         </p:sp>
         <p:sp>
           <p:nvSpPr>
-            <p:cNvPr id="14" name="Rect 0"/>
+            <p:cNvPr id="37" name="도형 10"/>
             <p:cNvSpPr>
               <a:spLocks/>
             </p:cNvSpPr>
@@ -30222,7 +30249,7 @@
           <p:spPr>
             <a:xfrm rot="20700000">
               <a:off x="3020695" y="1051560"/>
-              <a:ext cx="73660" cy="73660"/>
+              <a:ext cx="74295" cy="74295"/>
             </a:xfrm>
             <a:prstGeom prst="triangle"/>
             <a:noFill/>
@@ -30254,7 +30281,7 @@
             </a:fontRef>
           </p:style>
           <p:txBody>
-            <a:bodyPr wrap="square" lIns="91440" tIns="45720" rIns="91440" bIns="45720" numCol="1" vert="horz" anchor="ctr">
+            <a:bodyPr wrap="square" lIns="91440" tIns="45720" rIns="91440" bIns="45720" vert="horz" anchor="ctr">
               <a:noAutofit/>
             </a:bodyPr>
             <a:lstStyle/>
@@ -30275,7 +30302,7 @@
         </p:sp>
         <p:sp>
           <p:nvSpPr>
-            <p:cNvPr id="17" name="Rect 0"/>
+            <p:cNvPr id="38" name="도형 11"/>
             <p:cNvSpPr>
               <a:spLocks/>
             </p:cNvSpPr>
@@ -30284,16 +30311,16 @@
           <p:spPr>
             <a:xfrm rot="0">
               <a:off x="574675" y="624205"/>
-              <a:ext cx="291465" cy="443865"/>
+              <a:ext cx="292100" cy="444500"/>
             </a:xfrm>
             <a:custGeom>
               <a:gdLst>
-                <a:gd fmla="*/ 0 w 289563" name="TX0"/>
-                <a:gd fmla="*/ 0 h 441963" name="TY0"/>
-                <a:gd fmla="*/ 5715 w 289563" name="TX1"/>
-                <a:gd fmla="*/ 315754 h 441963" name="TY1"/>
-                <a:gd fmla="*/ 289560 w 289563" name="TX2"/>
-                <a:gd fmla="*/ 441960 h 441963" name="TY2"/>
+                <a:gd fmla="*/ 0 w 289564" name="TX0"/>
+                <a:gd fmla="*/ 0 h 441964" name="TY0"/>
+                <a:gd fmla="*/ 5715 w 289564" name="TX1"/>
+                <a:gd fmla="*/ 315754 h 441964" name="TY1"/>
+                <a:gd fmla="*/ 289560 w 289564" name="TX2"/>
+                <a:gd fmla="*/ 441960 h 441964" name="TY2"/>
               </a:gdLst>
               <a:cxnLst>
                 <a:cxn ang="0">
@@ -30308,7 +30335,7 @@
               </a:cxnLst>
               <a:rect l="l" t="t" r="r" b="b"/>
               <a:pathLst>
-                <a:path w="289563" h="441963">
+                <a:path w="289564" h="441964">
                   <a:moveTo>
                     <a:pt x="0" y="0"/>
                   </a:moveTo>
@@ -30350,7 +30377,7 @@
             </a:fontRef>
           </p:style>
           <p:txBody>
-            <a:bodyPr wrap="square" lIns="91440" tIns="45720" rIns="91440" bIns="45720" numCol="1" vert="horz" anchor="ctr">
+            <a:bodyPr wrap="square" lIns="91440" tIns="45720" rIns="91440" bIns="45720" vert="horz" anchor="ctr">
               <a:noAutofit/>
             </a:bodyPr>
             <a:lstStyle/>
@@ -30371,7 +30398,7 @@
         </p:sp>
         <p:sp>
           <p:nvSpPr>
-            <p:cNvPr id="18" name="Rect 0"/>
+            <p:cNvPr id="39" name="도형 12"/>
             <p:cNvSpPr>
               <a:spLocks/>
             </p:cNvSpPr>
@@ -30380,16 +30407,16 @@
           <p:spPr>
             <a:xfrm rot="0">
               <a:off x="1359535" y="989965"/>
-              <a:ext cx="840105" cy="154305"/>
+              <a:ext cx="840740" cy="154940"/>
             </a:xfrm>
             <a:custGeom>
               <a:gdLst>
-                <a:gd fmla="*/ 0 w 838203" name="TX0"/>
-                <a:gd fmla="*/ 152400 h 152403" name="TY0"/>
-                <a:gd fmla="*/ 182880 w 838203" name="TX1"/>
-                <a:gd fmla="*/ 0 h 152403" name="TY1"/>
-                <a:gd fmla="*/ 838200 w 838203" name="TX2"/>
-                <a:gd fmla="*/ 15240 h 152403" name="TY2"/>
+                <a:gd fmla="*/ 0 w 838204" name="TX0"/>
+                <a:gd fmla="*/ 152400 h 152404" name="TY0"/>
+                <a:gd fmla="*/ 182880 w 838204" name="TX1"/>
+                <a:gd fmla="*/ 0 h 152404" name="TY1"/>
+                <a:gd fmla="*/ 838200 w 838204" name="TX2"/>
+                <a:gd fmla="*/ 15240 h 152404" name="TY2"/>
               </a:gdLst>
               <a:cxnLst>
                 <a:cxn ang="0">
@@ -30404,7 +30431,7 @@
               </a:cxnLst>
               <a:rect l="l" t="t" r="r" b="b"/>
               <a:pathLst>
-                <a:path w="838203" h="152403">
+                <a:path w="838204" h="152404">
                   <a:moveTo>
                     <a:pt x="0" y="152400"/>
                   </a:moveTo>
@@ -30446,7 +30473,7 @@
             </a:fontRef>
           </p:style>
           <p:txBody>
-            <a:bodyPr wrap="square" lIns="91440" tIns="45720" rIns="91440" bIns="45720" numCol="1" vert="horz" anchor="ctr">
+            <a:bodyPr wrap="square" lIns="91440" tIns="45720" rIns="91440" bIns="45720" vert="horz" anchor="ctr">
               <a:noAutofit/>
             </a:bodyPr>
             <a:lstStyle/>
@@ -30467,7 +30494,7 @@
         </p:sp>
         <p:sp>
           <p:nvSpPr>
-            <p:cNvPr id="19" name="Rect 0"/>
+            <p:cNvPr id="40" name="도형 13"/>
             <p:cNvSpPr>
               <a:spLocks/>
             </p:cNvSpPr>
@@ -30476,16 +30503,16 @@
           <p:spPr>
             <a:xfrm rot="0">
               <a:off x="3325495" y="708025"/>
-              <a:ext cx="344805" cy="314325"/>
+              <a:ext cx="345440" cy="314960"/>
             </a:xfrm>
             <a:custGeom>
               <a:gdLst>
-                <a:gd fmla="*/ 342900 w 342903" name="TX0"/>
-                <a:gd fmla="*/ 0 h 312423" name="TY0"/>
-                <a:gd fmla="*/ 342900 w 342903" name="TX1"/>
-                <a:gd fmla="*/ 312420 h 312423" name="TY1"/>
-                <a:gd fmla="*/ 0 w 342903" name="TX2"/>
-                <a:gd fmla="*/ 304800 h 312423" name="TY2"/>
+                <a:gd fmla="*/ 342900 w 342904" name="TX0"/>
+                <a:gd fmla="*/ 0 h 312424" name="TY0"/>
+                <a:gd fmla="*/ 342900 w 342904" name="TX1"/>
+                <a:gd fmla="*/ 312420 h 312424" name="TY1"/>
+                <a:gd fmla="*/ 0 w 342904" name="TX2"/>
+                <a:gd fmla="*/ 304800 h 312424" name="TY2"/>
               </a:gdLst>
               <a:cxnLst>
                 <a:cxn ang="0">
@@ -30500,7 +30527,7 @@
               </a:cxnLst>
               <a:rect l="l" t="t" r="r" b="b"/>
               <a:pathLst>
-                <a:path w="342903" h="312423">
+                <a:path w="342904" h="312424">
                   <a:moveTo>
                     <a:pt x="342900" y="0"/>
                   </a:moveTo>
@@ -30542,7 +30569,7 @@
             </a:fontRef>
           </p:style>
           <p:txBody>
-            <a:bodyPr wrap="square" lIns="91440" tIns="45720" rIns="91440" bIns="45720" numCol="1" vert="horz" anchor="ctr">
+            <a:bodyPr wrap="square" lIns="91440" tIns="45720" rIns="91440" bIns="45720" vert="horz" anchor="ctr">
               <a:noAutofit/>
             </a:bodyPr>
             <a:lstStyle/>
@@ -30563,14 +30590,14 @@
         </p:sp>
         <p:cxnSp>
           <p:nvCxnSpPr>
-            <p:cNvPr id="20" name="Rect 0"/>
+            <p:cNvPr id="41" name="도형 14"/>
             <p:cNvCxnSpPr/>
             <p:nvPr/>
           </p:nvCxnSpPr>
           <p:spPr>
             <a:xfrm rot="0">
               <a:off x="1641475" y="1049655"/>
-              <a:ext cx="860425" cy="20320"/>
+              <a:ext cx="861060" cy="20955"/>
             </a:xfrm>
             <a:prstGeom prst="line"/>
             <a:ln w="12700" cap="flat" cmpd="sng">
@@ -30601,7 +30628,7 @@
         </p:cxnSp>
         <p:sp>
           <p:nvSpPr>
-            <p:cNvPr id="22" name="Rect 0"/>
+            <p:cNvPr id="42" name="도형 15"/>
             <p:cNvSpPr>
               <a:spLocks/>
             </p:cNvSpPr>
@@ -30610,7 +30637,7 @@
           <p:spPr>
             <a:xfrm rot="20700000">
               <a:off x="3676015" y="136525"/>
-              <a:ext cx="73660" cy="73660"/>
+              <a:ext cx="74295" cy="74295"/>
             </a:xfrm>
             <a:prstGeom prst="rect"/>
             <a:noFill/>
@@ -30642,7 +30669,7 @@
             </a:fontRef>
           </p:style>
           <p:txBody>
-            <a:bodyPr wrap="square" lIns="91440" tIns="45720" rIns="91440" bIns="45720" numCol="1" vert="horz" anchor="ctr">
+            <a:bodyPr wrap="square" lIns="91440" tIns="45720" rIns="91440" bIns="45720" vert="horz" anchor="ctr">
               <a:noAutofit/>
             </a:bodyPr>
             <a:lstStyle/>
@@ -30663,7 +30690,7 @@
         </p:sp>
         <p:sp>
           <p:nvSpPr>
-            <p:cNvPr id="23" name="Rect 0"/>
+            <p:cNvPr id="43" name="도형 16"/>
             <p:cNvSpPr>
               <a:spLocks/>
             </p:cNvSpPr>
@@ -30672,7 +30699,7 @@
           <p:spPr>
             <a:xfrm rot="7200000">
               <a:off x="486410" y="454660"/>
-              <a:ext cx="73660" cy="73660"/>
+              <a:ext cx="74295" cy="74295"/>
             </a:xfrm>
             <a:prstGeom prst="triangle"/>
             <a:noFill/>
@@ -30704,6 +30731,1555 @@
             </a:fontRef>
           </p:style>
           <p:txBody>
+            <a:bodyPr wrap="square" lIns="91440" tIns="45720" rIns="91440" bIns="45720" vert="horz" anchor="ctr">
+              <a:noAutofit/>
+            </a:bodyPr>
+            <a:lstStyle/>
+            <a:p>
+              <a:pPr marL="0" indent="0" rtl="0" algn="ctr" defTabSz="914400" eaLnBrk="1" latinLnBrk="0" hangingPunct="1">
+                <a:buFontTx/>
+                <a:buNone/>
+              </a:pPr>
+              <a:endParaRPr lang="ko-KR" altLang="en-US" sz="1800">
+                <a:solidFill>
+                  <a:srgbClr val="FFFFFF"/>
+                </a:solidFill>
+                <a:latin typeface="맑은 고딕" charset="0"/>
+                <a:ea typeface="맑은 고딕" charset="0"/>
+              </a:endParaRPr>
+            </a:p>
+          </p:txBody>
+        </p:sp>
+      </p:grpSp>
+      <p:sp>
+        <p:nvSpPr>
+          <p:cNvPr id="44" name="도형 18"/>
+          <p:cNvSpPr>
+            <a:spLocks/>
+          </p:cNvSpPr>
+          <p:nvPr/>
+        </p:nvSpPr>
+        <p:spPr>
+          <a:xfrm rot="0">
+            <a:off x="940435" y="316230"/>
+            <a:ext cx="1403985" cy="456565"/>
+          </a:xfrm>
+          <a:prstGeom prst="rect"/>
+          <a:ln w="0">
+            <a:noFill/>
+            <a:prstDash/>
+          </a:ln>
+        </p:spPr>
+        <p:txBody>
+          <a:bodyPr wrap="none" lIns="91440" tIns="45720" rIns="91440" bIns="45720" vert="horz" anchor="t">
+            <a:spAutoFit/>
+          </a:bodyPr>
+          <a:lstStyle/>
+          <a:p>
+            <a:pPr marL="0" indent="0" rtl="0" algn="l" defTabSz="914400" eaLnBrk="1" latinLnBrk="0" hangingPunct="1">
+              <a:buFontTx/>
+              <a:buNone/>
+            </a:pPr>
+            <a:r>
+              <a:rPr sz="1800" b="1">
+                <a:solidFill>
+                  <a:srgbClr val="FFFFFF"/>
+                </a:solidFill>
+                <a:latin typeface="맑은 고딕" charset="0"/>
+                <a:ea typeface="맑은 고딕" charset="0"/>
+              </a:rPr>
+              <a:t>CONTENTS</a:t>
+            </a:r>
+            <a:endParaRPr lang="ko-KR" altLang="en-US" sz="1800" b="1">
+              <a:solidFill>
+                <a:srgbClr val="FFFFFF"/>
+              </a:solidFill>
+              <a:latin typeface="맑은 고딕" charset="0"/>
+              <a:ea typeface="맑은 고딕" charset="0"/>
+            </a:endParaRPr>
+          </a:p>
+        </p:txBody>
+      </p:sp>
+      <p:sp>
+        <p:nvSpPr>
+          <p:cNvPr id="45" name="도형 19"/>
+          <p:cNvSpPr>
+            <a:spLocks/>
+          </p:cNvSpPr>
+          <p:nvPr/>
+        </p:nvSpPr>
+        <p:spPr>
+          <a:xfrm rot="0">
+            <a:off x="3914140" y="30480"/>
+            <a:ext cx="7467600" cy="657860"/>
+          </a:xfrm>
+          <a:prstGeom prst="rect"/>
+        </p:spPr>
+        <p:txBody>
+          <a:bodyPr wrap="square" lIns="91440" tIns="45720" rIns="91440" bIns="45720" vert="horz" anchor="t">
+            <a:spAutoFit/>
+          </a:bodyPr>
+          <a:lstStyle/>
+          <a:p>
+            <a:pPr marL="0" indent="0" rtl="0" algn="l" defTabSz="914400" eaLnBrk="1" latinLnBrk="0" hangingPunct="1">
+              <a:buFontTx/>
+              <a:buNone/>
+            </a:pPr>
+            <a:r>
+              <a:rPr sz="2800" i="1" b="1">
+                <a:solidFill>
+                  <a:srgbClr val="08CDD5"/>
+                </a:solidFill>
+                <a:latin typeface="맑은 고딕" charset="0"/>
+                <a:ea typeface="맑은 고딕" charset="0"/>
+              </a:rPr>
+              <a:t>HTML  </a:t>
+            </a:r>
+            <a:r>
+              <a:rPr sz="900">
+                <a:solidFill>
+                  <a:srgbClr val="000000">
+                    <a:lumMod val="75000"/>
+                    <a:lumOff val="25000"/>
+                  </a:srgbClr>
+                </a:solidFill>
+                <a:latin typeface="맑은 고딕" charset="0"/>
+                <a:ea typeface="맑은 고딕" charset="0"/>
+              </a:rPr>
+              <a:t>Welcome to HTML!! 3일차</a:t>
+            </a:r>
+            <a:endParaRPr lang="ko-KR" altLang="en-US" sz="900">
+              <a:solidFill>
+                <a:srgbClr val="000000">
+                  <a:lumMod val="75000"/>
+                  <a:lumOff val="25000"/>
+                </a:srgbClr>
+              </a:solidFill>
+              <a:latin typeface="맑은 고딕" charset="0"/>
+              <a:ea typeface="맑은 고딕" charset="0"/>
+            </a:endParaRPr>
+          </a:p>
+        </p:txBody>
+      </p:sp>
+      <mc:AlternateContent xmlns:mc="http://schemas.openxmlformats.org/markup-compatibility/2006" xmlns:p14="http://schemas.microsoft.com/office/powerpoint/2010/main">
+        <mc:Choice Requires="p14">
+          <p:contentPart p14:bwMode="auto" r:id="rId2">
+            <p14:nvContentPartPr>
+              <p14:cNvPr id="46" name="잉크 20"/>
+              <p14:cNvContentPartPr/>
+              <p14:nvPr/>
+            </p14:nvContentPartPr>
+            <p14:xfrm>
+              <a:off x="1115695" y="3001010"/>
+              <a:ext cx="635" cy="635"/>
+            </p14:xfrm>
+          </p:contentPart>
+        </mc:Choice>
+        <mc:Fallback>
+          <p:pic>
+            <p:nvPicPr>
+              <p:cNvPr id="46" name="잉크 20"/>
+              <p:cNvPicPr/>
+              <p:nvPr/>
+            </p:nvPicPr>
+            <p:blipFill>
+              <a:blip r:embed="rId3"/>
+              <a:stretch>
+                <a:fillRect/>
+              </a:stretch>
+            </p:blipFill>
+            <p:spPr>
+              <a:xfrm>
+                <a:off x="1115695" y="3001010"/>
+                <a:ext cx="635" cy="635"/>
+              </a:xfrm>
+              <a:prstGeom prst="rect">
+                <a:avLst/>
+              </a:prstGeom>
+            </p:spPr>
+          </p:pic>
+        </mc:Fallback>
+      </mc:AlternateContent>
+      <p:sp>
+        <p:nvSpPr>
+          <p:cNvPr id="47" name="텍스트 상자 21"/>
+          <p:cNvSpPr txBox="1">
+            <a:spLocks/>
+          </p:cNvSpPr>
+          <p:nvPr/>
+        </p:nvSpPr>
+        <p:spPr>
+          <a:xfrm rot="0">
+            <a:off x="659130" y="1633855"/>
+            <a:ext cx="7422515" cy="461645"/>
+          </a:xfrm>
+          <a:prstGeom prst="rect"/>
+          <a:noFill/>
+        </p:spPr>
+        <p:txBody>
+          <a:bodyPr wrap="square" lIns="91440" tIns="45720" rIns="91440" bIns="45720" vert="horz" anchor="t">
+            <a:spAutoFit/>
+          </a:bodyPr>
+          <a:lstStyle/>
+          <a:p>
+            <a:pPr marL="0" indent="0" rtl="0" algn="l" defTabSz="914400" eaLnBrk="1" latinLnBrk="0" hangingPunct="1">
+              <a:buFontTx/>
+              <a:buNone/>
+            </a:pPr>
+            <a:r>
+              <a:rPr sz="2400">
+                <a:latin typeface="맑은 고딕" charset="0"/>
+                <a:ea typeface="맑은 고딕" charset="0"/>
+              </a:rPr>
+              <a:t>함수</a:t>
+            </a:r>
+            <a:endParaRPr lang="ko-KR" altLang="en-US" sz="2400">
+              <a:latin typeface="맑은 고딕" charset="0"/>
+              <a:ea typeface="맑은 고딕" charset="0"/>
+            </a:endParaRPr>
+          </a:p>
+        </p:txBody>
+      </p:sp>
+      <p:sp>
+        <p:nvSpPr>
+          <p:cNvPr id="48" name="텍스트 상자 22"/>
+          <p:cNvSpPr txBox="1">
+            <a:spLocks/>
+          </p:cNvSpPr>
+          <p:nvPr/>
+        </p:nvSpPr>
+        <p:spPr>
+          <a:xfrm rot="0">
+            <a:off x="659130" y="2189480"/>
+            <a:ext cx="10869930" cy="4245610"/>
+          </a:xfrm>
+          <a:prstGeom prst="rect"/>
+          <a:noFill/>
+        </p:spPr>
+        <p:txBody>
+          <a:bodyPr wrap="square" lIns="91440" tIns="45720" rIns="91440" bIns="45720" vert="horz" anchor="t">
+            <a:spAutoFit/>
+          </a:bodyPr>
+          <a:lstStyle/>
+          <a:p>
+            <a:pPr marL="342900" indent="-342900" rtl="0" algn="l" defTabSz="914400" eaLnBrk="1" latinLnBrk="0" hangingPunct="1">
+              <a:buFontTx/>
+              <a:buNone/>
+            </a:pPr>
+            <a:r>
+              <a:rPr sz="1800" i="0" b="0">
+                <a:solidFill>
+                  <a:schemeClr val="tx1"/>
+                </a:solidFill>
+                <a:latin typeface="NanumGothic" charset="0"/>
+                <a:ea typeface="NanumGothic" charset="0"/>
+              </a:rPr>
+              <a:t> - 하나의 특별한 목적의 작업을 수행하도록 설계된 독립적인 블록   </a:t>
+            </a:r>
+            <a:endParaRPr lang="ko-KR" altLang="en-US" sz="1800" i="0" b="0">
+              <a:solidFill>
+                <a:schemeClr val="tx1"/>
+              </a:solidFill>
+              <a:latin typeface="NanumGothic" charset="0"/>
+              <a:ea typeface="NanumGothic" charset="0"/>
+            </a:endParaRPr>
+          </a:p>
+          <a:p>
+            <a:pPr marL="342900" indent="-342900" rtl="0" algn="l" defTabSz="914400" eaLnBrk="1" latinLnBrk="0" hangingPunct="1">
+              <a:buFontTx/>
+              <a:buNone/>
+            </a:pPr>
+            <a:r>
+              <a:rPr sz="1800" i="0" b="0">
+                <a:solidFill>
+                  <a:schemeClr val="tx1"/>
+                </a:solidFill>
+                <a:latin typeface="NanumGothic" charset="0"/>
+                <a:ea typeface="NanumGothic" charset="0"/>
+              </a:rPr>
+              <a:t>-  필요할 때마다 호출하여 해당 작업을 반복해서 수행할 수 있음</a:t>
+            </a:r>
+            <a:endParaRPr lang="ko-KR" altLang="en-US" sz="1800" i="0" b="0">
+              <a:solidFill>
+                <a:schemeClr val="tx1"/>
+              </a:solidFill>
+              <a:latin typeface="NanumGothic" charset="0"/>
+              <a:ea typeface="NanumGothic" charset="0"/>
+            </a:endParaRPr>
+          </a:p>
+          <a:p>
+            <a:pPr marL="342900" indent="-342900" rtl="0" algn="l" defTabSz="914400" eaLnBrk="1" latinLnBrk="0" hangingPunct="1">
+              <a:buFontTx/>
+              <a:buNone/>
+            </a:pPr>
+            <a:r>
+              <a:rPr sz="1800" i="0" b="0">
+                <a:solidFill>
+                  <a:schemeClr val="tx1"/>
+                </a:solidFill>
+                <a:latin typeface="NanumGothic" charset="0"/>
+                <a:ea typeface="NanumGothic" charset="0"/>
+              </a:rPr>
+              <a:t>- </a:t>
+            </a:r>
+            <a:r>
+              <a:rPr sz="1800">
+                <a:latin typeface="맑은 고딕" charset="0"/>
+                <a:ea typeface="맑은 고딕" charset="0"/>
+              </a:rPr>
+              <a:t>호출방법  : 함수명();   </a:t>
+            </a:r>
+            <a:r>
+              <a:rPr sz="1800" i="0" b="0">
+                <a:solidFill>
+                  <a:schemeClr val="tx1"/>
+                </a:solidFill>
+                <a:latin typeface="NanumGothic" charset="0"/>
+                <a:ea typeface="NanumGothic" charset="0"/>
+              </a:rPr>
+              <a:t>     </a:t>
+            </a:r>
+            <a:endParaRPr lang="ko-KR" altLang="en-US" sz="1800" i="0" b="0">
+              <a:solidFill>
+                <a:schemeClr val="tx1"/>
+              </a:solidFill>
+              <a:latin typeface="NanumGothic" charset="0"/>
+              <a:ea typeface="NanumGothic" charset="0"/>
+            </a:endParaRPr>
+          </a:p>
+          <a:p>
+            <a:pPr marL="342900" indent="-342900" rtl="0" algn="l" defTabSz="914400" eaLnBrk="1" latinLnBrk="0" hangingPunct="1">
+              <a:buFontTx/>
+              <a:buNone/>
+            </a:pPr>
+            <a:endParaRPr lang="ko-KR" altLang="en-US" sz="1800" i="0" b="0">
+              <a:solidFill>
+                <a:schemeClr val="tx1"/>
+              </a:solidFill>
+              <a:latin typeface="NanumGothic" charset="0"/>
+              <a:ea typeface="NanumGothic" charset="0"/>
+            </a:endParaRPr>
+          </a:p>
+          <a:p>
+            <a:pPr marL="342900" indent="-342900" rtl="0" algn="l" defTabSz="914400" eaLnBrk="1" latinLnBrk="0" hangingPunct="1">
+              <a:buFontTx/>
+              <a:buNone/>
+            </a:pPr>
+            <a:endParaRPr lang="ko-KR" altLang="en-US" sz="1800" i="0" b="0">
+              <a:solidFill>
+                <a:schemeClr val="tx1"/>
+              </a:solidFill>
+              <a:latin typeface="NanumGothic" charset="0"/>
+              <a:ea typeface="NanumGothic" charset="0"/>
+            </a:endParaRPr>
+          </a:p>
+          <a:p>
+            <a:pPr marL="342900" indent="-342900" rtl="0" algn="l" defTabSz="914400" eaLnBrk="1" latinLnBrk="0" hangingPunct="1">
+              <a:buFontTx/>
+              <a:buNone/>
+            </a:pPr>
+            <a:endParaRPr lang="ko-KR" altLang="en-US" sz="1800" i="0" b="0">
+              <a:solidFill>
+                <a:schemeClr val="tx1"/>
+              </a:solidFill>
+              <a:latin typeface="NanumGothic" charset="0"/>
+              <a:ea typeface="NanumGothic" charset="0"/>
+            </a:endParaRPr>
+          </a:p>
+          <a:p>
+            <a:pPr marL="342900" indent="-342900" rtl="0" algn="l" defTabSz="914400" eaLnBrk="1" latinLnBrk="0" hangingPunct="1">
+              <a:buFontTx/>
+              <a:buNone/>
+            </a:pPr>
+            <a:endParaRPr lang="ko-KR" altLang="en-US" sz="1800" i="0" b="0">
+              <a:solidFill>
+                <a:schemeClr val="tx1"/>
+              </a:solidFill>
+              <a:latin typeface="NanumGothic" charset="0"/>
+              <a:ea typeface="NanumGothic" charset="0"/>
+            </a:endParaRPr>
+          </a:p>
+          <a:p>
+            <a:pPr marL="342900" indent="-342900" rtl="0" algn="l" defTabSz="914400" eaLnBrk="1" latinLnBrk="0" hangingPunct="1">
+              <a:buFontTx/>
+              <a:buNone/>
+            </a:pPr>
+            <a:endParaRPr lang="ko-KR" altLang="en-US" sz="1800" i="0" b="0">
+              <a:solidFill>
+                <a:schemeClr val="tx1"/>
+              </a:solidFill>
+              <a:latin typeface="NanumGothic" charset="0"/>
+              <a:ea typeface="NanumGothic" charset="0"/>
+            </a:endParaRPr>
+          </a:p>
+          <a:p>
+            <a:pPr marL="342900" indent="-342900" rtl="0" algn="l" defTabSz="914400" eaLnBrk="1" latinLnBrk="0" hangingPunct="1">
+              <a:buFontTx/>
+              <a:buNone/>
+            </a:pPr>
+            <a:r>
+              <a:rPr sz="1800">
+                <a:latin typeface="맑은 고딕" charset="0"/>
+                <a:ea typeface="맑은 고딕" charset="0"/>
+              </a:rPr>
+              <a:t>                                              </a:t>
+            </a:r>
+            <a:endParaRPr lang="ko-KR" altLang="en-US" sz="1800">
+              <a:latin typeface="맑은 고딕" charset="0"/>
+              <a:ea typeface="맑은 고딕" charset="0"/>
+            </a:endParaRPr>
+          </a:p>
+          <a:p>
+            <a:pPr marL="342900" indent="-342900" rtl="0" algn="l" defTabSz="914400" eaLnBrk="1" latinLnBrk="0" hangingPunct="1">
+              <a:buFontTx/>
+              <a:buNone/>
+            </a:pPr>
+            <a:endParaRPr lang="ko-KR" altLang="en-US" sz="1800" i="0" b="0">
+              <a:solidFill>
+                <a:schemeClr val="tx1"/>
+              </a:solidFill>
+              <a:latin typeface="NanumGothic" charset="0"/>
+              <a:ea typeface="NanumGothic" charset="0"/>
+            </a:endParaRPr>
+          </a:p>
+        </p:txBody>
+      </p:sp>
+      <p:sp>
+        <p:nvSpPr>
+          <p:cNvPr id="49" name="텍스트 상자 23"/>
+          <p:cNvSpPr txBox="1">
+            <a:spLocks/>
+          </p:cNvSpPr>
+          <p:nvPr/>
+        </p:nvSpPr>
+        <p:spPr>
+          <a:xfrm rot="0">
+            <a:off x="346075" y="6191250"/>
+            <a:ext cx="8946515" cy="278130"/>
+          </a:xfrm>
+          <a:prstGeom prst="rect"/>
+          <a:noFill/>
+        </p:spPr>
+        <p:txBody>
+          <a:bodyPr wrap="square" lIns="0" tIns="0" rIns="0" bIns="0" vert="horz" anchor="t">
+            <a:noAutofit/>
+          </a:bodyPr>
+          <a:lstStyle/>
+          <a:p>
+            <a:pPr marL="0" indent="0" rtl="0" algn="l" defTabSz="914400" eaLnBrk="1" latinLnBrk="0" hangingPunct="1">
+              <a:buFontTx/>
+              <a:buNone/>
+            </a:pPr>
+            <a:r>
+              <a:rPr sz="1800">
+                <a:latin typeface="맑은 고딕" charset="0"/>
+                <a:ea typeface="맑은 고딕" charset="0"/>
+              </a:rPr>
+              <a:t>http://www.tcpschool.com/javascript/js_function_basic</a:t>
+            </a:r>
+            <a:endParaRPr lang="ko-KR" altLang="en-US" sz="1800">
+              <a:latin typeface="맑은 고딕" charset="0"/>
+              <a:ea typeface="맑은 고딕" charset="0"/>
+            </a:endParaRPr>
+          </a:p>
+        </p:txBody>
+      </p:sp>
+      <p:pic>
+        <p:nvPicPr>
+          <p:cNvPr id="50" name="그림 24" descr="C:/Users/dltjs/AppData/Roaming/PolarisOffice/ETemp/19584_15531400/fImage71134518467.png"/>
+          <p:cNvPicPr>
+            <a:picLocks noChangeAspect="1"/>
+          </p:cNvPicPr>
+          <p:nvPr/>
+        </p:nvPicPr>
+        <p:blipFill rotWithShape="1">
+          <a:blip r:embed="rId4" cstate="hqprint">
+            <a:extLst>
+              <a:ext uri="{28A0092B-C50C-407E-A947-70E740481C1C}">
+                <a14:useLocalDpi xmlns:a14="http://schemas.microsoft.com/office/drawing/2010/main"/>
+              </a:ext>
+            </a:extLst>
+          </a:blip>
+          <a:srcRect l="2990"/>
+          <a:stretch>
+            <a:fillRect/>
+          </a:stretch>
+        </p:blipFill>
+        <p:spPr>
+          <a:xfrm rot="0">
+            <a:off x="840105" y="3836670"/>
+            <a:ext cx="2699385" cy="1182370"/>
+          </a:xfrm>
+          <a:prstGeom prst="rect"/>
+          <a:noFill/>
+        </p:spPr>
+      </p:pic>
+      <p:pic>
+        <p:nvPicPr>
+          <p:cNvPr id="51" name="그림 25" descr="C:/Users/dltjs/AppData/Roaming/PolarisOffice/ETemp/19584_15531400/fImage159044526334.png"/>
+          <p:cNvPicPr>
+            <a:picLocks noChangeAspect="1"/>
+          </p:cNvPicPr>
+          <p:nvPr/>
+        </p:nvPicPr>
+        <p:blipFill rotWithShape="1">
+          <a:blip r:embed="rId5" cstate="hqprint">
+            <a:extLst>
+              <a:ext uri="{28A0092B-C50C-407E-A947-70E740481C1C}">
+                <a14:useLocalDpi xmlns:a14="http://schemas.microsoft.com/office/drawing/2010/main"/>
+              </a:ext>
+            </a:extLst>
+          </a:blip>
+          <a:stretch>
+            <a:fillRect/>
+          </a:stretch>
+        </p:blipFill>
+        <p:spPr>
+          <a:xfrm rot="0">
+            <a:off x="4892675" y="3728085"/>
+            <a:ext cx="6587490" cy="1401445"/>
+          </a:xfrm>
+          <a:prstGeom prst="rect"/>
+          <a:noFill/>
+        </p:spPr>
+      </p:pic>
+    </p:spTree>
+  </p:cSld>
+  <p:clrMapOvr>
+    <a:masterClrMapping/>
+  </p:clrMapOvr>
+  <mc:AlternateContent xmlns:mc="http://schemas.openxmlformats.org/markup-compatibility/2006">
+    <mc:Choice xmlns:p14="http://schemas.microsoft.com/office/powerpoint/2010/main" Requires="p14">
+      <p:transition spd="slow" p14:dur="0"/>
+    </mc:Choice>
+    <mc:Fallback>
+      <p:transition spd="slow"/>
+    </mc:Fallback>
+  </mc:AlternateContent>
+</p:sld>
+</file>
+
+<file path=ppt/slides/slide17.xml><?xml version="1.0" encoding="utf-8"?>
+<p:sld xmlns:a="http://schemas.openxmlformats.org/drawingml/2006/main" xmlns:r="http://schemas.openxmlformats.org/officeDocument/2006/relationships" xmlns:p="http://schemas.openxmlformats.org/presentationml/2006/main" xmlns:p14="http://schemas.microsoft.com/office/powerpoint/2010/main">
+  <p:cSld>
+    <p:spTree>
+      <p:nvGrpSpPr>
+        <p:cNvPr id="1" name=""/>
+        <p:cNvGrpSpPr/>
+        <p:nvPr/>
+      </p:nvGrpSpPr>
+      <p:grpSpPr>
+        <a:xfrm>
+          <a:off x="0" y="0"/>
+          <a:ext cx="0" cy="0"/>
+          <a:chOff x="0" y="0"/>
+          <a:chExt cx="0" cy="0"/>
+        </a:xfrm>
+      </p:grpSpPr>
+      <p:grpSp>
+        <p:nvGrpSpPr>
+          <p:cNvPr id="28" name="Group 5"/>
+          <p:cNvGrpSpPr/>
+          <p:nvPr/>
+        </p:nvGrpSpPr>
+        <p:grpSpPr>
+          <a:xfrm rot="0">
+            <a:off x="145415" y="684530"/>
+            <a:ext cx="11824335" cy="6006465"/>
+            <a:chOff x="145415" y="684530"/>
+            <a:chExt cx="11824335" cy="6006465"/>
+          </a:xfrm>
+        </p:grpSpPr>
+        <p:sp>
+          <p:nvSpPr>
+            <p:cNvPr id="26" name="Rect 0"/>
+            <p:cNvSpPr>
+              <a:spLocks/>
+            </p:cNvSpPr>
+            <p:nvPr/>
+          </p:nvSpPr>
+          <p:spPr>
+            <a:xfrm rot="0">
+              <a:off x="145415" y="684530"/>
+              <a:ext cx="11762740" cy="5958205"/>
+            </a:xfrm>
+            <a:custGeom>
+              <a:gdLst>
+                <a:gd fmla="*/ 3574143 w 11760204" name="TX0"/>
+                <a:gd fmla="*/ 72571 h 5955850" name="TY0"/>
+                <a:gd fmla="*/ 11716657 w 11760204" name="TX1"/>
+                <a:gd fmla="*/ 72571 h 5955850" name="TY1"/>
+                <a:gd fmla="*/ 11760200 w 11760204" name="TX2"/>
+                <a:gd fmla="*/ 5936343 h 5955850" name="TY2"/>
+                <a:gd fmla="*/ 0 w 11760204" name="TX3"/>
+                <a:gd fmla="*/ 5955846 h 5955850" name="TY3"/>
+                <a:gd fmla="*/ 77107 w 11760204" name="TX4"/>
+                <a:gd fmla="*/ 0 h 5955850" name="TY4"/>
+                <a:gd fmla="*/ 206828 w 11760204" name="TX5"/>
+                <a:gd fmla="*/ 0 h 5955850" name="TY5"/>
+              </a:gdLst>
+              <a:cxnLst>
+                <a:cxn ang="0">
+                  <a:pos x="TX0" y="TY0"/>
+                </a:cxn>
+                <a:cxn ang="0">
+                  <a:pos x="TX1" y="TY1"/>
+                </a:cxn>
+                <a:cxn ang="0">
+                  <a:pos x="TX2" y="TY2"/>
+                </a:cxn>
+                <a:cxn ang="0">
+                  <a:pos x="TX3" y="TY3"/>
+                </a:cxn>
+                <a:cxn ang="0">
+                  <a:pos x="TX4" y="TY4"/>
+                </a:cxn>
+                <a:cxn ang="0">
+                  <a:pos x="TX5" y="TY5"/>
+                </a:cxn>
+              </a:cxnLst>
+              <a:rect l="l" t="t" r="r" b="b"/>
+              <a:pathLst>
+                <a:path w="11760204" h="5955850">
+                  <a:moveTo>
+                    <a:pt x="3574143" y="72571"/>
+                  </a:moveTo>
+                  <a:lnTo>
+                    <a:pt x="11716657" y="72571"/>
+                  </a:lnTo>
+                  <a:lnTo>
+                    <a:pt x="11760200" y="5936343"/>
+                  </a:lnTo>
+                  <a:lnTo>
+                    <a:pt x="0" y="5955846"/>
+                  </a:lnTo>
+                  <a:lnTo>
+                    <a:pt x="77107" y="0"/>
+                  </a:lnTo>
+                  <a:lnTo>
+                    <a:pt x="206828" y="0"/>
+                  </a:lnTo>
+                </a:path>
+              </a:pathLst>
+            </a:custGeom>
+            <a:solidFill>
+              <a:schemeClr val="bg1"/>
+            </a:solidFill>
+            <a:ln w="12700" cap="flat" cmpd="sng">
+              <a:solidFill>
+                <a:schemeClr val="tx1">
+                  <a:lumMod val="85000"/>
+                  <a:lumOff val="15000"/>
+                  <a:alpha val="100000"/>
+                </a:schemeClr>
+              </a:solidFill>
+              <a:prstDash val="solid"/>
+            </a:ln>
+          </p:spPr>
+          <p:style>
+            <a:lnRef idx="2">
+              <a:schemeClr val="accent1">
+                <a:shade val="50000"/>
+              </a:schemeClr>
+            </a:lnRef>
+            <a:fillRef idx="1">
+              <a:schemeClr val="accent1"/>
+            </a:fillRef>
+            <a:effectRef idx="0">
+              <a:schemeClr val="accent1"/>
+            </a:effectRef>
+            <a:fontRef idx="minor">
+              <a:schemeClr val="lt1"/>
+            </a:fontRef>
+          </p:style>
+          <p:txBody>
+            <a:bodyPr wrap="square" lIns="91440" tIns="45720" rIns="91440" bIns="45720" numCol="1" vert="horz" anchor="ctr">
+              <a:noAutofit/>
+            </a:bodyPr>
+            <a:lstStyle/>
+            <a:p>
+              <a:pPr marL="0" indent="0" rtl="0" algn="ctr" defTabSz="914400" eaLnBrk="1" latinLnBrk="0" hangingPunct="1">
+                <a:buFontTx/>
+                <a:buNone/>
+              </a:pPr>
+              <a:endParaRPr lang="ko-KR" altLang="en-US" sz="1800">
+                <a:solidFill>
+                  <a:srgbClr val="FFFFFF"/>
+                </a:solidFill>
+                <a:latin typeface="맑은 고딕" charset="0"/>
+                <a:ea typeface="맑은 고딕" charset="0"/>
+              </a:endParaRPr>
+            </a:p>
+          </p:txBody>
+        </p:sp>
+        <p:sp>
+          <p:nvSpPr>
+            <p:cNvPr id="27" name="Rect 0"/>
+            <p:cNvSpPr>
+              <a:spLocks/>
+            </p:cNvSpPr>
+            <p:nvPr/>
+          </p:nvSpPr>
+          <p:spPr>
+            <a:xfrm rot="0">
+              <a:off x="11634470" y="6376035"/>
+              <a:ext cx="335915" cy="314960"/>
+            </a:xfrm>
+            <a:custGeom>
+              <a:gdLst>
+                <a:gd fmla="*/ 333375 w 333379" name="TX0"/>
+                <a:gd fmla="*/ 0 h 312424" name="TY0"/>
+                <a:gd fmla="*/ 333375 w 333379" name="TX1"/>
+                <a:gd fmla="*/ 312420 h 312424" name="TY1"/>
+                <a:gd fmla="*/ 0 w 333379" name="TX2"/>
+                <a:gd fmla="*/ 309563 h 312424" name="TY2"/>
+              </a:gdLst>
+              <a:cxnLst>
+                <a:cxn ang="0">
+                  <a:pos x="TX0" y="TY0"/>
+                </a:cxn>
+                <a:cxn ang="0">
+                  <a:pos x="TX1" y="TY1"/>
+                </a:cxn>
+                <a:cxn ang="0">
+                  <a:pos x="TX2" y="TY2"/>
+                </a:cxn>
+              </a:cxnLst>
+              <a:rect l="l" t="t" r="r" b="b"/>
+              <a:pathLst>
+                <a:path w="333379" h="312424">
+                  <a:moveTo>
+                    <a:pt x="333375" y="0"/>
+                  </a:moveTo>
+                  <a:lnTo>
+                    <a:pt x="333375" y="312420"/>
+                  </a:lnTo>
+                  <a:lnTo>
+                    <a:pt x="0" y="309563"/>
+                  </a:lnTo>
+                </a:path>
+              </a:pathLst>
+            </a:custGeom>
+            <a:noFill/>
+            <a:ln w="12700" cap="flat" cmpd="sng">
+              <a:solidFill>
+                <a:schemeClr val="tx1">
+                  <a:lumMod val="85000"/>
+                  <a:lumOff val="15000"/>
+                  <a:alpha val="100000"/>
+                </a:schemeClr>
+              </a:solidFill>
+              <a:prstDash val="solid"/>
+            </a:ln>
+          </p:spPr>
+          <p:style>
+            <a:lnRef idx="2">
+              <a:schemeClr val="accent1">
+                <a:shade val="50000"/>
+              </a:schemeClr>
+            </a:lnRef>
+            <a:fillRef idx="1">
+              <a:schemeClr val="accent1"/>
+            </a:fillRef>
+            <a:effectRef idx="0">
+              <a:schemeClr val="accent1"/>
+            </a:effectRef>
+            <a:fontRef idx="minor">
+              <a:schemeClr val="lt1"/>
+            </a:fontRef>
+          </p:style>
+          <p:txBody>
+            <a:bodyPr wrap="square" lIns="91440" tIns="45720" rIns="91440" bIns="45720" numCol="1" vert="horz" anchor="ctr">
+              <a:noAutofit/>
+            </a:bodyPr>
+            <a:lstStyle/>
+            <a:p>
+              <a:pPr marL="0" indent="0" rtl="0" algn="ctr" defTabSz="914400" eaLnBrk="1" latinLnBrk="0" hangingPunct="1">
+                <a:buFontTx/>
+                <a:buNone/>
+              </a:pPr>
+              <a:endParaRPr lang="ko-KR" altLang="en-US" sz="1800">
+                <a:solidFill>
+                  <a:srgbClr val="FFFFFF"/>
+                </a:solidFill>
+                <a:latin typeface="맑은 고딕" charset="0"/>
+                <a:ea typeface="맑은 고딕" charset="0"/>
+              </a:endParaRPr>
+            </a:p>
+          </p:txBody>
+        </p:sp>
+      </p:grpSp>
+      <p:grpSp>
+        <p:nvGrpSpPr>
+          <p:cNvPr id="4" name="Group 5"/>
+          <p:cNvGrpSpPr/>
+          <p:nvPr/>
+        </p:nvGrpSpPr>
+        <p:grpSpPr>
+          <a:xfrm rot="0">
+            <a:off x="486410" y="121920"/>
+            <a:ext cx="3264535" cy="1022350"/>
+            <a:chOff x="486410" y="121920"/>
+            <a:chExt cx="3264535" cy="1022350"/>
+          </a:xfrm>
+        </p:grpSpPr>
+        <p:sp>
+          <p:nvSpPr>
+            <p:cNvPr id="16" name="Rect 0"/>
+            <p:cNvSpPr>
+              <a:spLocks/>
+            </p:cNvSpPr>
+            <p:nvPr/>
+          </p:nvSpPr>
+          <p:spPr>
+            <a:xfrm rot="10800000">
+              <a:off x="624840" y="902970"/>
+              <a:ext cx="933450" cy="236220"/>
+            </a:xfrm>
+            <a:prstGeom prst="triangle">
+              <a:avLst>
+                <a:gd name="adj" fmla="val 31437"/>
+              </a:avLst>
+            </a:prstGeom>
+            <a:solidFill>
+              <a:schemeClr val="tx2">
+                <a:lumMod val="75000"/>
+              </a:schemeClr>
+            </a:solidFill>
+            <a:ln w="0">
+              <a:noFill/>
+              <a:prstDash/>
+            </a:ln>
+          </p:spPr>
+          <p:style>
+            <a:lnRef idx="2">
+              <a:schemeClr val="accent1">
+                <a:shade val="50000"/>
+              </a:schemeClr>
+            </a:lnRef>
+            <a:fillRef idx="1">
+              <a:schemeClr val="accent1"/>
+            </a:fillRef>
+            <a:effectRef idx="0">
+              <a:schemeClr val="accent1"/>
+            </a:effectRef>
+            <a:fontRef idx="minor">
+              <a:schemeClr val="lt1"/>
+            </a:fontRef>
+          </p:style>
+          <p:txBody>
+            <a:bodyPr wrap="square" lIns="91440" tIns="45720" rIns="91440" bIns="45720" numCol="1" vert="horz" anchor="ctr">
+              <a:noAutofit/>
+            </a:bodyPr>
+            <a:lstStyle/>
+            <a:p>
+              <a:pPr marL="0" indent="0" rtl="0" algn="ctr" defTabSz="914400" eaLnBrk="1" latinLnBrk="0" hangingPunct="1">
+                <a:buFontTx/>
+                <a:buNone/>
+              </a:pPr>
+              <a:endParaRPr lang="ko-KR" altLang="en-US" sz="1800">
+                <a:solidFill>
+                  <a:srgbClr val="FFFFFF"/>
+                </a:solidFill>
+                <a:latin typeface="맑은 고딕" charset="0"/>
+                <a:ea typeface="맑은 고딕" charset="0"/>
+              </a:endParaRPr>
+            </a:p>
+          </p:txBody>
+        </p:sp>
+        <p:sp>
+          <p:nvSpPr>
+            <p:cNvPr id="2" name="Rect 0"/>
+            <p:cNvSpPr>
+              <a:spLocks/>
+            </p:cNvSpPr>
+            <p:nvPr/>
+          </p:nvSpPr>
+          <p:spPr>
+            <a:xfrm rot="16200000">
+              <a:off x="1745615" y="-894715"/>
+              <a:ext cx="751840" cy="2987040"/>
+            </a:xfrm>
+            <a:prstGeom prst="trapezoid">
+              <a:avLst>
+                <a:gd name="adj" fmla="val 8729"/>
+              </a:avLst>
+            </a:prstGeom>
+            <a:solidFill>
+              <a:srgbClr val="08CDD5"/>
+            </a:solidFill>
+            <a:ln w="0">
+              <a:noFill/>
+              <a:prstDash/>
+            </a:ln>
+          </p:spPr>
+          <p:style>
+            <a:lnRef idx="2">
+              <a:schemeClr val="accent1">
+                <a:shade val="50000"/>
+              </a:schemeClr>
+            </a:lnRef>
+            <a:fillRef idx="1">
+              <a:schemeClr val="accent1"/>
+            </a:fillRef>
+            <a:effectRef idx="0">
+              <a:schemeClr val="accent1"/>
+            </a:effectRef>
+            <a:fontRef idx="minor">
+              <a:schemeClr val="lt1"/>
+            </a:fontRef>
+          </p:style>
+          <p:txBody>
+            <a:bodyPr wrap="square" lIns="91440" tIns="45720" rIns="91440" bIns="45720" numCol="1" vert="horz" anchor="ctr">
+              <a:noAutofit/>
+            </a:bodyPr>
+            <a:lstStyle/>
+            <a:p>
+              <a:pPr marL="0" indent="0" rtl="0" algn="ctr" defTabSz="914400" eaLnBrk="1" latinLnBrk="0" hangingPunct="1">
+                <a:buFontTx/>
+                <a:buNone/>
+              </a:pPr>
+              <a:endParaRPr lang="ko-KR" altLang="en-US" sz="1800">
+                <a:solidFill>
+                  <a:srgbClr val="FFFFFF"/>
+                </a:solidFill>
+                <a:latin typeface="맑은 고딕" charset="0"/>
+                <a:ea typeface="맑은 고딕" charset="0"/>
+              </a:endParaRPr>
+            </a:p>
+          </p:txBody>
+        </p:sp>
+        <p:cxnSp>
+          <p:nvCxnSpPr>
+            <p:cNvPr id="6" name="Rect 0"/>
+            <p:cNvCxnSpPr/>
+            <p:nvPr/>
+          </p:nvCxnSpPr>
+          <p:spPr>
+            <a:xfrm rot="0" flipV="1">
+              <a:off x="628015" y="172085"/>
+              <a:ext cx="1717040" cy="27305"/>
+            </a:xfrm>
+            <a:prstGeom prst="line"/>
+            <a:ln w="12700" cap="flat" cmpd="sng">
+              <a:solidFill>
+                <a:schemeClr val="tx1">
+                  <a:lumMod val="85000"/>
+                  <a:lumOff val="15000"/>
+                  <a:alpha val="100000"/>
+                </a:schemeClr>
+              </a:solidFill>
+              <a:prstDash val="solid"/>
+            </a:ln>
+          </p:spPr>
+          <p:style>
+            <a:lnRef idx="1">
+              <a:schemeClr val="accent1"/>
+            </a:lnRef>
+            <a:fillRef idx="0">
+              <a:schemeClr val="accent1"/>
+            </a:fillRef>
+            <a:effectRef idx="0">
+              <a:schemeClr val="accent1"/>
+            </a:effectRef>
+            <a:fontRef idx="minor">
+              <a:schemeClr val="tx1"/>
+            </a:fontRef>
+          </p:style>
+        </p:cxnSp>
+        <p:cxnSp>
+          <p:nvCxnSpPr>
+            <p:cNvPr id="8" name="Rect 0"/>
+            <p:cNvCxnSpPr/>
+            <p:nvPr/>
+          </p:nvCxnSpPr>
+          <p:spPr>
+            <a:xfrm rot="0" flipV="1">
+              <a:off x="974090" y="121920"/>
+              <a:ext cx="828040" cy="12065"/>
+            </a:xfrm>
+            <a:prstGeom prst="line"/>
+            <a:ln w="12700" cap="flat" cmpd="sng">
+              <a:solidFill>
+                <a:schemeClr val="tx1">
+                  <a:lumMod val="85000"/>
+                  <a:lumOff val="15000"/>
+                  <a:alpha val="100000"/>
+                </a:schemeClr>
+              </a:solidFill>
+              <a:prstDash val="solid"/>
+            </a:ln>
+          </p:spPr>
+          <p:style>
+            <a:lnRef idx="1">
+              <a:schemeClr val="accent1"/>
+            </a:lnRef>
+            <a:fillRef idx="0">
+              <a:schemeClr val="accent1"/>
+            </a:fillRef>
+            <a:effectRef idx="0">
+              <a:schemeClr val="accent1"/>
+            </a:effectRef>
+            <a:fontRef idx="minor">
+              <a:schemeClr val="tx1"/>
+            </a:fontRef>
+          </p:style>
+        </p:cxnSp>
+        <p:sp>
+          <p:nvSpPr>
+            <p:cNvPr id="13" name="Rect 0"/>
+            <p:cNvSpPr>
+              <a:spLocks/>
+            </p:cNvSpPr>
+            <p:nvPr/>
+          </p:nvSpPr>
+          <p:spPr>
+            <a:xfrm rot="0">
+              <a:off x="2464435" y="121920"/>
+              <a:ext cx="74295" cy="74295"/>
+            </a:xfrm>
+            <a:prstGeom prst="ellipse"/>
+            <a:noFill/>
+            <a:ln w="12700" cap="flat" cmpd="sng">
+              <a:solidFill>
+                <a:schemeClr val="tx1">
+                  <a:lumMod val="85000"/>
+                  <a:lumOff val="15000"/>
+                  <a:alpha val="100000"/>
+                </a:schemeClr>
+              </a:solidFill>
+              <a:prstDash val="solid"/>
+            </a:ln>
+          </p:spPr>
+          <p:style>
+            <a:lnRef idx="2">
+              <a:schemeClr val="accent1">
+                <a:shade val="50000"/>
+              </a:schemeClr>
+            </a:lnRef>
+            <a:fillRef idx="1">
+              <a:schemeClr val="accent1"/>
+            </a:fillRef>
+            <a:effectRef idx="0">
+              <a:schemeClr val="accent1"/>
+            </a:effectRef>
+            <a:fontRef idx="minor">
+              <a:schemeClr val="lt1"/>
+            </a:fontRef>
+          </p:style>
+          <p:txBody>
+            <a:bodyPr wrap="square" lIns="91440" tIns="45720" rIns="91440" bIns="45720" numCol="1" vert="horz" anchor="ctr">
+              <a:noAutofit/>
+            </a:bodyPr>
+            <a:lstStyle/>
+            <a:p>
+              <a:pPr marL="0" indent="0" rtl="0" algn="ctr" defTabSz="914400" eaLnBrk="1" latinLnBrk="0" hangingPunct="1">
+                <a:buFontTx/>
+                <a:buNone/>
+              </a:pPr>
+              <a:endParaRPr lang="ko-KR" altLang="en-US" sz="1800">
+                <a:solidFill>
+                  <a:srgbClr val="FFFFFF"/>
+                </a:solidFill>
+                <a:latin typeface="맑은 고딕" charset="0"/>
+                <a:ea typeface="맑은 고딕" charset="0"/>
+              </a:endParaRPr>
+            </a:p>
+          </p:txBody>
+        </p:sp>
+        <p:sp>
+          <p:nvSpPr>
+            <p:cNvPr id="14" name="Rect 0"/>
+            <p:cNvSpPr>
+              <a:spLocks/>
+            </p:cNvSpPr>
+            <p:nvPr/>
+          </p:nvSpPr>
+          <p:spPr>
+            <a:xfrm rot="20700000">
+              <a:off x="3020695" y="1051560"/>
+              <a:ext cx="74295" cy="74295"/>
+            </a:xfrm>
+            <a:prstGeom prst="triangle"/>
+            <a:noFill/>
+            <a:ln w="12700" cap="flat" cmpd="sng">
+              <a:solidFill>
+                <a:schemeClr val="tx1">
+                  <a:lumMod val="85000"/>
+                  <a:lumOff val="15000"/>
+                  <a:alpha val="100000"/>
+                </a:schemeClr>
+              </a:solidFill>
+              <a:prstDash val="solid"/>
+            </a:ln>
+          </p:spPr>
+          <p:style>
+            <a:lnRef idx="2">
+              <a:schemeClr val="accent1">
+                <a:shade val="50000"/>
+              </a:schemeClr>
+            </a:lnRef>
+            <a:fillRef idx="1">
+              <a:schemeClr val="accent1"/>
+            </a:fillRef>
+            <a:effectRef idx="0">
+              <a:schemeClr val="accent1"/>
+            </a:effectRef>
+            <a:fontRef idx="minor">
+              <a:schemeClr val="lt1"/>
+            </a:fontRef>
+          </p:style>
+          <p:txBody>
+            <a:bodyPr wrap="square" lIns="91440" tIns="45720" rIns="91440" bIns="45720" numCol="1" vert="horz" anchor="ctr">
+              <a:noAutofit/>
+            </a:bodyPr>
+            <a:lstStyle/>
+            <a:p>
+              <a:pPr marL="0" indent="0" rtl="0" algn="ctr" defTabSz="914400" eaLnBrk="1" latinLnBrk="0" hangingPunct="1">
+                <a:buFontTx/>
+                <a:buNone/>
+              </a:pPr>
+              <a:endParaRPr lang="ko-KR" altLang="en-US" sz="1800">
+                <a:solidFill>
+                  <a:srgbClr val="FFFFFF"/>
+                </a:solidFill>
+                <a:latin typeface="맑은 고딕" charset="0"/>
+                <a:ea typeface="맑은 고딕" charset="0"/>
+              </a:endParaRPr>
+            </a:p>
+          </p:txBody>
+        </p:sp>
+        <p:sp>
+          <p:nvSpPr>
+            <p:cNvPr id="17" name="Rect 0"/>
+            <p:cNvSpPr>
+              <a:spLocks/>
+            </p:cNvSpPr>
+            <p:nvPr/>
+          </p:nvSpPr>
+          <p:spPr>
+            <a:xfrm rot="0">
+              <a:off x="574675" y="624205"/>
+              <a:ext cx="292100" cy="444500"/>
+            </a:xfrm>
+            <a:custGeom>
+              <a:gdLst>
+                <a:gd fmla="*/ 0 w 289564" name="TX0"/>
+                <a:gd fmla="*/ 0 h 441964" name="TY0"/>
+                <a:gd fmla="*/ 5715 w 289564" name="TX1"/>
+                <a:gd fmla="*/ 315754 h 441964" name="TY1"/>
+                <a:gd fmla="*/ 289560 w 289564" name="TX2"/>
+                <a:gd fmla="*/ 441960 h 441964" name="TY2"/>
+              </a:gdLst>
+              <a:cxnLst>
+                <a:cxn ang="0">
+                  <a:pos x="TX0" y="TY0"/>
+                </a:cxn>
+                <a:cxn ang="0">
+                  <a:pos x="TX1" y="TY1"/>
+                </a:cxn>
+                <a:cxn ang="0">
+                  <a:pos x="TX2" y="TY2"/>
+                </a:cxn>
+              </a:cxnLst>
+              <a:rect l="l" t="t" r="r" b="b"/>
+              <a:pathLst>
+                <a:path w="289564" h="441964">
+                  <a:moveTo>
+                    <a:pt x="0" y="0"/>
+                  </a:moveTo>
+                  <a:lnTo>
+                    <a:pt x="5715" y="315754"/>
+                  </a:lnTo>
+                  <a:lnTo>
+                    <a:pt x="289560" y="441960"/>
+                  </a:lnTo>
+                </a:path>
+              </a:pathLst>
+            </a:custGeom>
+            <a:noFill/>
+            <a:ln w="12700" cap="flat" cmpd="sng">
+              <a:solidFill>
+                <a:schemeClr val="tx1">
+                  <a:lumMod val="85000"/>
+                  <a:lumOff val="15000"/>
+                  <a:alpha val="100000"/>
+                </a:schemeClr>
+              </a:solidFill>
+              <a:prstDash val="solid"/>
+            </a:ln>
+          </p:spPr>
+          <p:style>
+            <a:lnRef idx="2">
+              <a:schemeClr val="accent1">
+                <a:shade val="50000"/>
+              </a:schemeClr>
+            </a:lnRef>
+            <a:fillRef idx="1">
+              <a:schemeClr val="accent1"/>
+            </a:fillRef>
+            <a:effectRef idx="0">
+              <a:schemeClr val="accent1"/>
+            </a:effectRef>
+            <a:fontRef idx="minor">
+              <a:schemeClr val="lt1"/>
+            </a:fontRef>
+          </p:style>
+          <p:txBody>
+            <a:bodyPr wrap="square" lIns="91440" tIns="45720" rIns="91440" bIns="45720" numCol="1" vert="horz" anchor="ctr">
+              <a:noAutofit/>
+            </a:bodyPr>
+            <a:lstStyle/>
+            <a:p>
+              <a:pPr marL="0" indent="0" rtl="0" algn="ctr" defTabSz="914400" eaLnBrk="1" latinLnBrk="0" hangingPunct="1">
+                <a:buFontTx/>
+                <a:buNone/>
+              </a:pPr>
+              <a:endParaRPr lang="ko-KR" altLang="en-US" sz="1800">
+                <a:solidFill>
+                  <a:srgbClr val="FFFFFF"/>
+                </a:solidFill>
+                <a:latin typeface="맑은 고딕" charset="0"/>
+                <a:ea typeface="맑은 고딕" charset="0"/>
+              </a:endParaRPr>
+            </a:p>
+          </p:txBody>
+        </p:sp>
+        <p:sp>
+          <p:nvSpPr>
+            <p:cNvPr id="18" name="Rect 0"/>
+            <p:cNvSpPr>
+              <a:spLocks/>
+            </p:cNvSpPr>
+            <p:nvPr/>
+          </p:nvSpPr>
+          <p:spPr>
+            <a:xfrm rot="0">
+              <a:off x="1359535" y="989965"/>
+              <a:ext cx="840740" cy="154940"/>
+            </a:xfrm>
+            <a:custGeom>
+              <a:gdLst>
+                <a:gd fmla="*/ 0 w 838204" name="TX0"/>
+                <a:gd fmla="*/ 152400 h 152404" name="TY0"/>
+                <a:gd fmla="*/ 182880 w 838204" name="TX1"/>
+                <a:gd fmla="*/ 0 h 152404" name="TY1"/>
+                <a:gd fmla="*/ 838200 w 838204" name="TX2"/>
+                <a:gd fmla="*/ 15240 h 152404" name="TY2"/>
+              </a:gdLst>
+              <a:cxnLst>
+                <a:cxn ang="0">
+                  <a:pos x="TX0" y="TY0"/>
+                </a:cxn>
+                <a:cxn ang="0">
+                  <a:pos x="TX1" y="TY1"/>
+                </a:cxn>
+                <a:cxn ang="0">
+                  <a:pos x="TX2" y="TY2"/>
+                </a:cxn>
+              </a:cxnLst>
+              <a:rect l="l" t="t" r="r" b="b"/>
+              <a:pathLst>
+                <a:path w="838204" h="152404">
+                  <a:moveTo>
+                    <a:pt x="0" y="152400"/>
+                  </a:moveTo>
+                  <a:lnTo>
+                    <a:pt x="182880" y="0"/>
+                  </a:lnTo>
+                  <a:lnTo>
+                    <a:pt x="838200" y="15240"/>
+                  </a:lnTo>
+                </a:path>
+              </a:pathLst>
+            </a:custGeom>
+            <a:noFill/>
+            <a:ln w="12700" cap="flat" cmpd="sng">
+              <a:solidFill>
+                <a:schemeClr val="tx1">
+                  <a:lumMod val="85000"/>
+                  <a:lumOff val="15000"/>
+                  <a:alpha val="100000"/>
+                </a:schemeClr>
+              </a:solidFill>
+              <a:prstDash val="solid"/>
+            </a:ln>
+          </p:spPr>
+          <p:style>
+            <a:lnRef idx="2">
+              <a:schemeClr val="accent1">
+                <a:shade val="50000"/>
+              </a:schemeClr>
+            </a:lnRef>
+            <a:fillRef idx="1">
+              <a:schemeClr val="accent1"/>
+            </a:fillRef>
+            <a:effectRef idx="0">
+              <a:schemeClr val="accent1"/>
+            </a:effectRef>
+            <a:fontRef idx="minor">
+              <a:schemeClr val="lt1"/>
+            </a:fontRef>
+          </p:style>
+          <p:txBody>
+            <a:bodyPr wrap="square" lIns="91440" tIns="45720" rIns="91440" bIns="45720" numCol="1" vert="horz" anchor="ctr">
+              <a:noAutofit/>
+            </a:bodyPr>
+            <a:lstStyle/>
+            <a:p>
+              <a:pPr marL="0" indent="0" rtl="0" algn="ctr" defTabSz="914400" eaLnBrk="1" latinLnBrk="0" hangingPunct="1">
+                <a:buFontTx/>
+                <a:buNone/>
+              </a:pPr>
+              <a:endParaRPr lang="ko-KR" altLang="en-US" sz="1800">
+                <a:solidFill>
+                  <a:srgbClr val="FFFFFF"/>
+                </a:solidFill>
+                <a:latin typeface="맑은 고딕" charset="0"/>
+                <a:ea typeface="맑은 고딕" charset="0"/>
+              </a:endParaRPr>
+            </a:p>
+          </p:txBody>
+        </p:sp>
+        <p:sp>
+          <p:nvSpPr>
+            <p:cNvPr id="19" name="Rect 0"/>
+            <p:cNvSpPr>
+              <a:spLocks/>
+            </p:cNvSpPr>
+            <p:nvPr/>
+          </p:nvSpPr>
+          <p:spPr>
+            <a:xfrm rot="0">
+              <a:off x="3325495" y="708025"/>
+              <a:ext cx="345440" cy="314960"/>
+            </a:xfrm>
+            <a:custGeom>
+              <a:gdLst>
+                <a:gd fmla="*/ 342900 w 342904" name="TX0"/>
+                <a:gd fmla="*/ 0 h 312424" name="TY0"/>
+                <a:gd fmla="*/ 342900 w 342904" name="TX1"/>
+                <a:gd fmla="*/ 312420 h 312424" name="TY1"/>
+                <a:gd fmla="*/ 0 w 342904" name="TX2"/>
+                <a:gd fmla="*/ 304800 h 312424" name="TY2"/>
+              </a:gdLst>
+              <a:cxnLst>
+                <a:cxn ang="0">
+                  <a:pos x="TX0" y="TY0"/>
+                </a:cxn>
+                <a:cxn ang="0">
+                  <a:pos x="TX1" y="TY1"/>
+                </a:cxn>
+                <a:cxn ang="0">
+                  <a:pos x="TX2" y="TY2"/>
+                </a:cxn>
+              </a:cxnLst>
+              <a:rect l="l" t="t" r="r" b="b"/>
+              <a:pathLst>
+                <a:path w="342904" h="312424">
+                  <a:moveTo>
+                    <a:pt x="342900" y="0"/>
+                  </a:moveTo>
+                  <a:lnTo>
+                    <a:pt x="342900" y="312420"/>
+                  </a:lnTo>
+                  <a:lnTo>
+                    <a:pt x="0" y="304800"/>
+                  </a:lnTo>
+                </a:path>
+              </a:pathLst>
+            </a:custGeom>
+            <a:noFill/>
+            <a:ln w="12700" cap="flat" cmpd="sng">
+              <a:solidFill>
+                <a:schemeClr val="tx1">
+                  <a:lumMod val="85000"/>
+                  <a:lumOff val="15000"/>
+                  <a:alpha val="100000"/>
+                </a:schemeClr>
+              </a:solidFill>
+              <a:prstDash val="solid"/>
+            </a:ln>
+          </p:spPr>
+          <p:style>
+            <a:lnRef idx="2">
+              <a:schemeClr val="accent1">
+                <a:shade val="50000"/>
+              </a:schemeClr>
+            </a:lnRef>
+            <a:fillRef idx="1">
+              <a:schemeClr val="accent1"/>
+            </a:fillRef>
+            <a:effectRef idx="0">
+              <a:schemeClr val="accent1"/>
+            </a:effectRef>
+            <a:fontRef idx="minor">
+              <a:schemeClr val="lt1"/>
+            </a:fontRef>
+          </p:style>
+          <p:txBody>
+            <a:bodyPr wrap="square" lIns="91440" tIns="45720" rIns="91440" bIns="45720" numCol="1" vert="horz" anchor="ctr">
+              <a:noAutofit/>
+            </a:bodyPr>
+            <a:lstStyle/>
+            <a:p>
+              <a:pPr marL="0" indent="0" rtl="0" algn="ctr" defTabSz="914400" eaLnBrk="1" latinLnBrk="0" hangingPunct="1">
+                <a:buFontTx/>
+                <a:buNone/>
+              </a:pPr>
+              <a:endParaRPr lang="ko-KR" altLang="en-US" sz="1800">
+                <a:solidFill>
+                  <a:srgbClr val="FFFFFF"/>
+                </a:solidFill>
+                <a:latin typeface="맑은 고딕" charset="0"/>
+                <a:ea typeface="맑은 고딕" charset="0"/>
+              </a:endParaRPr>
+            </a:p>
+          </p:txBody>
+        </p:sp>
+        <p:cxnSp>
+          <p:nvCxnSpPr>
+            <p:cNvPr id="20" name="Rect 0"/>
+            <p:cNvCxnSpPr/>
+            <p:nvPr/>
+          </p:nvCxnSpPr>
+          <p:spPr>
+            <a:xfrm rot="0">
+              <a:off x="1641475" y="1049655"/>
+              <a:ext cx="861060" cy="20955"/>
+            </a:xfrm>
+            <a:prstGeom prst="line"/>
+            <a:ln w="12700" cap="flat" cmpd="sng">
+              <a:solidFill>
+                <a:schemeClr val="tx1">
+                  <a:lumMod val="85000"/>
+                  <a:lumOff val="15000"/>
+                  <a:alpha val="100000"/>
+                </a:schemeClr>
+              </a:solidFill>
+              <a:prstDash val="solid"/>
+            </a:ln>
+          </p:spPr>
+          <p:style>
+            <a:lnRef idx="1">
+              <a:schemeClr val="accent1"/>
+            </a:lnRef>
+            <a:fillRef idx="0">
+              <a:schemeClr val="accent1"/>
+            </a:fillRef>
+            <a:effectRef idx="0">
+              <a:schemeClr val="accent1"/>
+            </a:effectRef>
+            <a:fontRef idx="minor">
+              <a:schemeClr val="tx1"/>
+            </a:fontRef>
+          </p:style>
+        </p:cxnSp>
+        <p:sp>
+          <p:nvSpPr>
+            <p:cNvPr id="22" name="Rect 0"/>
+            <p:cNvSpPr>
+              <a:spLocks/>
+            </p:cNvSpPr>
+            <p:nvPr/>
+          </p:nvSpPr>
+          <p:spPr>
+            <a:xfrm rot="20700000">
+              <a:off x="3676015" y="136525"/>
+              <a:ext cx="74295" cy="74295"/>
+            </a:xfrm>
+            <a:prstGeom prst="rect"/>
+            <a:noFill/>
+            <a:ln w="12700" cap="flat" cmpd="sng">
+              <a:solidFill>
+                <a:schemeClr val="tx1">
+                  <a:lumMod val="85000"/>
+                  <a:lumOff val="15000"/>
+                  <a:alpha val="100000"/>
+                </a:schemeClr>
+              </a:solidFill>
+              <a:prstDash val="solid"/>
+            </a:ln>
+          </p:spPr>
+          <p:style>
+            <a:lnRef idx="2">
+              <a:schemeClr val="accent1">
+                <a:shade val="50000"/>
+              </a:schemeClr>
+            </a:lnRef>
+            <a:fillRef idx="1">
+              <a:schemeClr val="accent1"/>
+            </a:fillRef>
+            <a:effectRef idx="0">
+              <a:schemeClr val="accent1"/>
+            </a:effectRef>
+            <a:fontRef idx="minor">
+              <a:schemeClr val="lt1"/>
+            </a:fontRef>
+          </p:style>
+          <p:txBody>
+            <a:bodyPr wrap="square" lIns="91440" tIns="45720" rIns="91440" bIns="45720" numCol="1" vert="horz" anchor="ctr">
+              <a:noAutofit/>
+            </a:bodyPr>
+            <a:lstStyle/>
+            <a:p>
+              <a:pPr marL="0" indent="0" rtl="0" algn="ctr" defTabSz="914400" eaLnBrk="1" latinLnBrk="0" hangingPunct="1">
+                <a:buFontTx/>
+                <a:buNone/>
+              </a:pPr>
+              <a:endParaRPr lang="ko-KR" altLang="en-US" sz="1800">
+                <a:solidFill>
+                  <a:srgbClr val="FFFFFF"/>
+                </a:solidFill>
+                <a:latin typeface="맑은 고딕" charset="0"/>
+                <a:ea typeface="맑은 고딕" charset="0"/>
+              </a:endParaRPr>
+            </a:p>
+          </p:txBody>
+        </p:sp>
+        <p:sp>
+          <p:nvSpPr>
+            <p:cNvPr id="23" name="Rect 0"/>
+            <p:cNvSpPr>
+              <a:spLocks/>
+            </p:cNvSpPr>
+            <p:nvPr/>
+          </p:nvSpPr>
+          <p:spPr>
+            <a:xfrm rot="7200000">
+              <a:off x="486410" y="454660"/>
+              <a:ext cx="74295" cy="74295"/>
+            </a:xfrm>
+            <a:prstGeom prst="triangle"/>
+            <a:noFill/>
+            <a:ln w="12700" cap="flat" cmpd="sng">
+              <a:solidFill>
+                <a:schemeClr val="tx1">
+                  <a:lumMod val="85000"/>
+                  <a:lumOff val="15000"/>
+                  <a:alpha val="100000"/>
+                </a:schemeClr>
+              </a:solidFill>
+              <a:prstDash val="solid"/>
+            </a:ln>
+          </p:spPr>
+          <p:style>
+            <a:lnRef idx="2">
+              <a:schemeClr val="accent1">
+                <a:shade val="50000"/>
+              </a:schemeClr>
+            </a:lnRef>
+            <a:fillRef idx="1">
+              <a:schemeClr val="accent1"/>
+            </a:fillRef>
+            <a:effectRef idx="0">
+              <a:schemeClr val="accent1"/>
+            </a:effectRef>
+            <a:fontRef idx="minor">
+              <a:schemeClr val="lt1"/>
+            </a:fontRef>
+          </p:style>
+          <p:txBody>
             <a:bodyPr wrap="square" lIns="91440" tIns="45720" rIns="91440" bIns="45720" numCol="1" vert="horz" anchor="ctr">
               <a:noAutofit/>
             </a:bodyPr>
@@ -30735,7 +32311,7 @@
         <p:spPr>
           <a:xfrm rot="0">
             <a:off x="940435" y="316230"/>
-            <a:ext cx="1403350" cy="455930"/>
+            <a:ext cx="1403985" cy="456565"/>
           </a:xfrm>
           <a:prstGeom prst="rect"/>
           <a:ln w="0">
@@ -30784,7 +32360,7 @@
         <p:spPr>
           <a:xfrm rot="0">
             <a:off x="3914140" y="30480"/>
-            <a:ext cx="7466965" cy="657225"/>
+            <a:ext cx="7467600" cy="657860"/>
           </a:xfrm>
           <a:prstGeom prst="rect"/>
         </p:spPr>
@@ -30836,7 +32412,7 @@
       </p:sp>
       <mc:AlternateContent xmlns:mc="http://schemas.openxmlformats.org/markup-compatibility/2006" xmlns:p14="http://schemas.microsoft.com/office/powerpoint/2010/main">
         <mc:Choice Requires="p14">
-          <p:contentPart p14:bwMode="auto" r:id="rId2">
+          <p:contentPart p14:bwMode="auto" r:id="rId4">
             <p14:nvContentPartPr>
               <p14:cNvPr id="5" name="Ink 5"/>
               <p14:cNvContentPartPr/>
@@ -30856,7 +32432,7 @@
               <p:nvPr/>
             </p:nvPicPr>
             <p:blipFill>
-              <a:blip r:embed="rId3"/>
+              <a:blip r:embed="rId5"/>
               <a:stretch>
                 <a:fillRect/>
               </a:stretch>
@@ -30884,7 +32460,7 @@
         <p:spPr>
           <a:xfrm rot="0">
             <a:off x="659130" y="1633855"/>
-            <a:ext cx="7421880" cy="461010"/>
+            <a:ext cx="7422515" cy="461010"/>
           </a:xfrm>
           <a:prstGeom prst="rect"/>
           <a:noFill/>
@@ -30904,311 +32480,22 @@
                 <a:latin typeface="맑은 고딕" charset="0"/>
                 <a:ea typeface="맑은 고딕" charset="0"/>
               </a:rPr>
-              <a:t>함수</a:t>
+              <a:t>구구단만들기</a:t>
             </a:r>
             <a:endParaRPr lang="ko-KR" altLang="en-US"/>
-          </a:p>
-        </p:txBody>
-      </p:sp>
-      <p:sp>
-        <p:nvSpPr>
-          <p:cNvPr id="25" name="Rect 0"/>
-          <p:cNvSpPr txBox="1">
-            <a:spLocks/>
-          </p:cNvSpPr>
-          <p:nvPr/>
-        </p:nvSpPr>
-        <p:spPr>
-          <a:xfrm rot="0">
-            <a:off x="659130" y="2189480"/>
-            <a:ext cx="10869295" cy="4244975"/>
-          </a:xfrm>
-          <a:prstGeom prst="rect"/>
-          <a:noFill/>
-        </p:spPr>
-        <p:txBody>
-          <a:bodyPr wrap="square" lIns="91440" tIns="45720" rIns="91440" bIns="45720" numCol="1" vert="horz" anchor="t">
-            <a:spAutoFit/>
-          </a:bodyPr>
-          <a:lstStyle/>
-          <a:p>
-            <a:pPr marL="342900" indent="-342900" rtl="0" algn="l" defTabSz="914400" eaLnBrk="1" latinLnBrk="0" hangingPunct="1">
-              <a:lnSpc>
-                <a:spcPct val="150000"/>
-              </a:lnSpc>
-              <a:buFontTx/>
-              <a:buNone/>
-            </a:pPr>
-            <a:r>
-              <a:rPr sz="1800" i="0" b="0">
-                <a:solidFill>
-                  <a:schemeClr val="tx1"/>
-                </a:solidFill>
-                <a:latin typeface="NanumGothic" charset="0"/>
-                <a:ea typeface="NanumGothic" charset="0"/>
-              </a:rPr>
-              <a:t> - 하나의 특별한 목적의 작업을 수행하도록 설계된 독립적인 블록   </a:t>
-            </a:r>
-            <a:endParaRPr lang="ko-KR" altLang="en-US" sz="1800" i="0" b="0">
-              <a:solidFill>
-                <a:schemeClr val="tx1"/>
-              </a:solidFill>
-              <a:latin typeface="NanumGothic" charset="0"/>
-              <a:ea typeface="NanumGothic" charset="0"/>
-            </a:endParaRPr>
-          </a:p>
-          <a:p>
-            <a:pPr marL="342900" indent="-342900" rtl="0" algn="l" defTabSz="914400" eaLnBrk="1" latinLnBrk="0" hangingPunct="1">
-              <a:lnSpc>
-                <a:spcPct val="150000"/>
-              </a:lnSpc>
-              <a:buFontTx/>
-              <a:buNone/>
-            </a:pPr>
-            <a:r>
-              <a:rPr sz="1800" i="0" b="0">
-                <a:solidFill>
-                  <a:schemeClr val="tx1"/>
-                </a:solidFill>
-                <a:latin typeface="NanumGothic" charset="0"/>
-                <a:ea typeface="NanumGothic" charset="0"/>
-              </a:rPr>
-              <a:t>-  필요할 때마다 호출하여 해당 작업을 반복해서 수행할 수 있음</a:t>
-            </a:r>
-            <a:endParaRPr lang="ko-KR" altLang="en-US" sz="1800" i="0" b="0">
-              <a:solidFill>
-                <a:schemeClr val="tx1"/>
-              </a:solidFill>
-              <a:latin typeface="NanumGothic" charset="0"/>
-              <a:ea typeface="NanumGothic" charset="0"/>
-            </a:endParaRPr>
-          </a:p>
-          <a:p>
-            <a:pPr marL="342900" indent="-342900" rtl="0" algn="l" defTabSz="914400" eaLnBrk="1" latinLnBrk="0" hangingPunct="1">
-              <a:lnSpc>
-                <a:spcPct val="150000"/>
-              </a:lnSpc>
-              <a:buFontTx/>
-              <a:buNone/>
-            </a:pPr>
-            <a:r>
-              <a:rPr sz="1800" i="0" b="0">
-                <a:solidFill>
-                  <a:schemeClr val="tx1"/>
-                </a:solidFill>
-                <a:latin typeface="NanumGothic" charset="0"/>
-                <a:ea typeface="NanumGothic" charset="0"/>
-              </a:rPr>
-              <a:t>- </a:t>
-            </a:r>
-            <a:r>
-              <a:rPr/>
-              <a:t>호출방법  : 함수명();   </a:t>
-            </a:r>
-            <a:r>
-              <a:rPr sz="1800" i="0" b="0">
-                <a:solidFill>
-                  <a:schemeClr val="tx1"/>
-                </a:solidFill>
-                <a:latin typeface="NanumGothic" charset="0"/>
-                <a:ea typeface="NanumGothic" charset="0"/>
-              </a:rPr>
-              <a:t>     </a:t>
-            </a:r>
-            <a:endParaRPr lang="ko-KR" altLang="en-US" sz="1800" i="0" b="0">
-              <a:solidFill>
-                <a:schemeClr val="tx1"/>
-              </a:solidFill>
-              <a:latin typeface="NanumGothic" charset="0"/>
-              <a:ea typeface="NanumGothic" charset="0"/>
-            </a:endParaRPr>
-          </a:p>
-          <a:p>
-            <a:pPr marL="342900" indent="-342900" rtl="0" algn="l" defTabSz="914400" eaLnBrk="1" latinLnBrk="0" hangingPunct="1">
-              <a:lnSpc>
-                <a:spcPct val="150000"/>
-              </a:lnSpc>
-              <a:buFontTx/>
-              <a:buNone/>
-            </a:pPr>
-            <a:endParaRPr lang="ko-KR" altLang="en-US" sz="1800" i="0" b="0">
-              <a:solidFill>
-                <a:schemeClr val="tx1"/>
-              </a:solidFill>
-              <a:latin typeface="NanumGothic" charset="0"/>
-              <a:ea typeface="NanumGothic" charset="0"/>
-            </a:endParaRPr>
-          </a:p>
-          <a:p>
-            <a:pPr marL="342900" indent="-342900" rtl="0" algn="l" defTabSz="914400" eaLnBrk="1" latinLnBrk="0" hangingPunct="1">
-              <a:lnSpc>
-                <a:spcPct val="150000"/>
-              </a:lnSpc>
-              <a:buFontTx/>
-              <a:buNone/>
-            </a:pPr>
-            <a:endParaRPr lang="ko-KR" altLang="en-US" sz="1800" i="0" b="0">
-              <a:solidFill>
-                <a:schemeClr val="tx1"/>
-              </a:solidFill>
-              <a:latin typeface="NanumGothic" charset="0"/>
-              <a:ea typeface="NanumGothic" charset="0"/>
-            </a:endParaRPr>
-          </a:p>
-          <a:p>
-            <a:pPr marL="342900" indent="-342900" rtl="0" algn="l" defTabSz="914400" eaLnBrk="1" latinLnBrk="0" hangingPunct="1">
-              <a:lnSpc>
-                <a:spcPct val="150000"/>
-              </a:lnSpc>
-              <a:buFontTx/>
-              <a:buNone/>
-            </a:pPr>
-            <a:endParaRPr lang="ko-KR" altLang="en-US" sz="1800" i="0" b="0">
-              <a:solidFill>
-                <a:schemeClr val="tx1"/>
-              </a:solidFill>
-              <a:latin typeface="NanumGothic" charset="0"/>
-              <a:ea typeface="NanumGothic" charset="0"/>
-            </a:endParaRPr>
-          </a:p>
-          <a:p>
-            <a:pPr marL="342900" indent="-342900" rtl="0" algn="l" defTabSz="914400" eaLnBrk="1" latinLnBrk="0" hangingPunct="1">
-              <a:lnSpc>
-                <a:spcPct val="150000"/>
-              </a:lnSpc>
-              <a:buFontTx/>
-              <a:buNone/>
-            </a:pPr>
-            <a:endParaRPr lang="ko-KR" altLang="en-US" sz="1800" i="0" b="0">
-              <a:solidFill>
-                <a:schemeClr val="tx1"/>
-              </a:solidFill>
-              <a:latin typeface="NanumGothic" charset="0"/>
-              <a:ea typeface="NanumGothic" charset="0"/>
-            </a:endParaRPr>
-          </a:p>
-          <a:p>
-            <a:pPr marL="342900" indent="-342900" rtl="0" algn="l" defTabSz="914400" eaLnBrk="1" latinLnBrk="0" hangingPunct="1">
-              <a:lnSpc>
-                <a:spcPct val="150000"/>
-              </a:lnSpc>
-              <a:buFontTx/>
-              <a:buNone/>
-            </a:pPr>
-            <a:endParaRPr lang="ko-KR" altLang="en-US" sz="1800" i="0" b="0">
-              <a:solidFill>
-                <a:schemeClr val="tx1"/>
-              </a:solidFill>
-              <a:latin typeface="NanumGothic" charset="0"/>
-              <a:ea typeface="NanumGothic" charset="0"/>
-            </a:endParaRPr>
-          </a:p>
-          <a:p>
-            <a:pPr marL="342900" indent="-342900" rtl="0" algn="l" defTabSz="914400" eaLnBrk="1" latinLnBrk="0" hangingPunct="1">
-              <a:lnSpc>
-                <a:spcPct val="150000"/>
-              </a:lnSpc>
-              <a:buFontTx/>
-              <a:buNone/>
-            </a:pPr>
-            <a:r>
-              <a:rPr/>
-              <a:t>                                              </a:t>
-            </a:r>
-            <a:endParaRPr lang="ko-KR" altLang="en-US"/>
-          </a:p>
-          <a:p>
-            <a:pPr marL="342900" indent="-342900" rtl="0" algn="l" defTabSz="914400" eaLnBrk="1" latinLnBrk="0" hangingPunct="1">
-              <a:lnSpc>
-                <a:spcPct val="150000"/>
-              </a:lnSpc>
-              <a:buFontTx/>
-              <a:buNone/>
-            </a:pPr>
-            <a:endParaRPr lang="ko-KR" altLang="en-US" sz="1800" i="0" b="0">
-              <a:solidFill>
-                <a:schemeClr val="tx1"/>
-              </a:solidFill>
-              <a:latin typeface="NanumGothic" charset="0"/>
-              <a:ea typeface="NanumGothic" charset="0"/>
-            </a:endParaRPr>
-          </a:p>
-        </p:txBody>
-      </p:sp>
-      <p:sp>
-        <p:nvSpPr>
-          <p:cNvPr id="34" name="Rect 0"/>
-          <p:cNvSpPr txBox="1">
-            <a:spLocks/>
-          </p:cNvSpPr>
-          <p:nvPr/>
-        </p:nvSpPr>
-        <p:spPr>
-          <a:xfrm rot="0">
-            <a:off x="346075" y="6191250"/>
-            <a:ext cx="8945880" cy="277495"/>
-          </a:xfrm>
-          <a:prstGeom prst="rect"/>
-          <a:noFill/>
-        </p:spPr>
-        <p:txBody>
-          <a:bodyPr wrap="square" lIns="0" tIns="0" rIns="0" bIns="0" vert="horz" anchor="t">
-            <a:noAutofit/>
-          </a:bodyPr>
-          <a:lstStyle/>
-          <a:p>
-            <a:pPr marL="0" indent="0" algn="l" hangingPunct="1"/>
-            <a:r>
-              <a:rPr/>
-              <a:t>http://www.tcpschool.com/javascript/js_function_basic</a:t>
-            </a:r>
-            <a:endParaRPr lang="ko-KR" altLang="en-US" sz="1800">
-              <a:latin typeface="맑은 고딕" charset="0"/>
-              <a:ea typeface="맑은 고딕" charset="0"/>
-            </a:endParaRPr>
           </a:p>
         </p:txBody>
       </p:sp>
       <p:pic>
         <p:nvPicPr>
-          <p:cNvPr id="35" name="그림 14" descr="C:/Users/dltjs/AppData/Roaming/PolarisOffice/ETemp/17744_15756320/fImage711324112391.png"/>
+          <p:cNvPr id="33" name="그림 1" descr="C:/Users/dltjs/AppData/Roaming/PolarisOffice/ETemp/19584_15531400/fImage130454289169.png"/>
           <p:cNvPicPr>
             <a:picLocks noChangeAspect="1"/>
           </p:cNvPicPr>
           <p:nvPr/>
         </p:nvPicPr>
         <p:blipFill rotWithShape="1">
-          <a:blip r:embed="rId4" cstate="print">
-            <a:extLst>
-              <a:ext uri="{28A0092B-C50C-407E-A947-70E740481C1C}">
-                <a14:useLocalDpi xmlns:a14="http://schemas.microsoft.com/office/drawing/2010/main" val="0"/>
-              </a:ext>
-            </a:extLst>
-          </a:blip>
-          <a:srcRect l="2990"/>
-          <a:stretch>
-            <a:fillRect/>
-          </a:stretch>
-        </p:blipFill>
-        <p:spPr>
-          <a:xfrm rot="0">
-            <a:off x="840105" y="3836670"/>
-            <a:ext cx="2698750" cy="1181735"/>
-          </a:xfrm>
-          <a:prstGeom prst="rect"/>
-          <a:noFill/>
-        </p:spPr>
-      </p:pic>
-      <p:pic>
-        <p:nvPicPr>
-          <p:cNvPr id="36" name="그림 15" descr="C:/Users/dltjs/AppData/Roaming/PolarisOffice/ETemp/17744_15756320/fImage1590424124604.png"/>
-          <p:cNvPicPr>
-            <a:picLocks noChangeAspect="1"/>
-          </p:cNvPicPr>
-          <p:nvPr/>
-        </p:nvPicPr>
-        <p:blipFill rotWithShape="1">
-          <a:blip r:embed="rId5" cstate="print">
+          <a:blip r:embed="rId6" cstate="print">
             <a:extLst>
               <a:ext uri="{28A0092B-C50C-407E-A947-70E740481C1C}">
                 <a14:useLocalDpi xmlns:a14="http://schemas.microsoft.com/office/drawing/2010/main" val="0"/>
@@ -31221,8 +32508,8 @@
         </p:blipFill>
         <p:spPr>
           <a:xfrm rot="0">
-            <a:off x="4892675" y="3728085"/>
-            <a:ext cx="6586855" cy="1400810"/>
+            <a:off x="790575" y="2195830"/>
+            <a:ext cx="6715760" cy="2534285"/>
           </a:xfrm>
           <a:prstGeom prst="rect"/>
           <a:noFill/>
@@ -31251,7 +32538,7 @@
 </p:sld>
 </file>
 
-<file path=ppt/slides/slide17.xml><?xml version="1.0" encoding="utf-8"?>
+<file path=ppt/slides/slide18.xml><?xml version="1.0" encoding="utf-8"?>
 <p:sld xmlns:a="http://schemas.openxmlformats.org/drawingml/2006/main" xmlns:r="http://schemas.openxmlformats.org/officeDocument/2006/relationships" xmlns:p="http://schemas.openxmlformats.org/presentationml/2006/main" xmlns:p14="http://schemas.microsoft.com/office/powerpoint/2010/main">
   <p:cSld>
     <p:spTree>

--- a/강의자료_자바스크립트.pptx
+++ b/강의자료_자바스크립트.pptx
@@ -2,12 +2,12 @@
 <file path=ppt/presentation.xml><?xml version="1.0" encoding="utf-8"?>
 <p:presentation xmlns:a="http://schemas.openxmlformats.org/drawingml/2006/main" xmlns:r="http://schemas.openxmlformats.org/officeDocument/2006/relationships" xmlns:p="http://schemas.openxmlformats.org/presentationml/2006/main" xmlns:p14="http://schemas.microsoft.com/office/powerpoint/2010/main" saveSubsetFonts="1">
   <p:sldMasterIdLst>
-    <p:sldMasterId id="2147485663" r:id="rId68"/>
-    <p:sldMasterId id="2147485664" r:id="rId70"/>
-    <p:sldMasterId id="2147485665" r:id="rId72"/>
-    <p:sldMasterId id="2147485666" r:id="rId74"/>
-    <p:sldMasterId id="2147485667" r:id="rId76"/>
-    <p:sldMasterId id="2147485668" r:id="rId78"/>
+    <p:sldMasterId id="2147485669" r:id="rId68"/>
+    <p:sldMasterId id="2147485670" r:id="rId70"/>
+    <p:sldMasterId id="2147485671" r:id="rId72"/>
+    <p:sldMasterId id="2147485672" r:id="rId74"/>
+    <p:sldMasterId id="2147485673" r:id="rId76"/>
+    <p:sldMasterId id="2147485674" r:id="rId78"/>
   </p:sldMasterIdLst>
   <p:sldIdLst>
     <p:sldId id="368" r:id="rId80"/>
@@ -129,12 +129,12 @@
   <p:extLst>
     <p:ext uri="{EFAFB233-063F-42B5-8137-9DF3F51BA10A}">
       <p15:sldGuideLst xmlns:p15="http://schemas.microsoft.com/office/powerpoint/2012/main">
-        <p15:guide id="1" pos="400" userDrawn="1">
+        <p15:guide id="1" pos="399" userDrawn="1">
           <p15:clr>
             <a:srgbClr val="A4A3A4"/>
           </p15:clr>
         </p15:guide>
-        <p15:guide id="2" orient="horz" pos="2145" userDrawn="0">
+        <p15:guide id="2" orient="horz" pos="2144" userDrawn="0">
           <p15:clr>
             <a:srgbClr val="A4A3A4"/>
           </p15:clr>
@@ -35516,7 +35516,7 @@
       </p:sp>
       <mc:AlternateContent xmlns:mc="http://schemas.openxmlformats.org/markup-compatibility/2006" xmlns:p14="http://schemas.microsoft.com/office/powerpoint/2010/main">
         <mc:Choice Requires="p14">
-          <p:contentPart p14:bwMode="auto" r:id="rId7">
+          <p:contentPart p14:bwMode="auto" r:id="rId9">
             <p14:nvContentPartPr>
               <p14:cNvPr id="5" name="Ink 5"/>
               <p14:cNvContentPartPr/>
@@ -35536,7 +35536,7 @@
               <p:nvPr/>
             </p:nvPicPr>
             <p:blipFill>
-              <a:blip r:embed="rId8"/>
+              <a:blip r:embed="rId10"/>
               <a:stretch>
                 <a:fillRect/>
               </a:stretch>
@@ -35553,35 +35553,6 @@
           </p:pic>
         </mc:Fallback>
       </mc:AlternateContent>
-      <p:pic>
-        <p:nvPicPr>
-          <p:cNvPr id="29" name="그림 1"/>
-          <p:cNvPicPr>
-            <a:picLocks noChangeAspect="1"/>
-          </p:cNvPicPr>
-          <p:nvPr/>
-        </p:nvPicPr>
-        <p:blipFill rotWithShape="1">
-          <a:blip r:embed="rId4" cstate="print">
-            <a:extLst>
-              <a:ext uri="{28A0092B-C50C-407E-A947-70E740481C1C}">
-                <a14:useLocalDpi xmlns:a14="http://schemas.microsoft.com/office/drawing/2010/main" val="0"/>
-              </a:ext>
-            </a:extLst>
-          </a:blip>
-          <a:stretch>
-            <a:fillRect/>
-          </a:stretch>
-        </p:blipFill>
-        <p:spPr>
-          <a:xfrm rot="0">
-            <a:off x="487045" y="1428750"/>
-            <a:ext cx="8820785" cy="4667885"/>
-          </a:xfrm>
-          <a:prstGeom prst="rect"/>
-          <a:noFill/>
-        </p:spPr>
-      </p:pic>
       <p:sp>
         <p:nvSpPr>
           <p:cNvPr id="30" name="텍스트 상자 2"/>
@@ -35773,6 +35744,35 @@
           </a:p>
         </p:txBody>
       </p:sp>
+      <p:pic>
+        <p:nvPicPr>
+          <p:cNvPr id="31" name="그림 1" descr="C:/Users/dltjs/AppData/Roaming/PolarisOffice/ETemp/11292_20976416/fImage217724598467.png"/>
+          <p:cNvPicPr>
+            <a:picLocks noChangeAspect="1"/>
+          </p:cNvPicPr>
+          <p:nvPr/>
+        </p:nvPicPr>
+        <p:blipFill rotWithShape="1">
+          <a:blip r:embed="rId11" cstate="print">
+            <a:extLst>
+              <a:ext uri="{28A0092B-C50C-407E-A947-70E740481C1C}">
+                <a14:useLocalDpi xmlns:a14="http://schemas.microsoft.com/office/drawing/2010/main" val="0"/>
+              </a:ext>
+            </a:extLst>
+          </a:blip>
+          <a:stretch>
+            <a:fillRect/>
+          </a:stretch>
+        </p:blipFill>
+        <p:spPr>
+          <a:xfrm rot="0">
+            <a:off x="556895" y="1418590"/>
+            <a:ext cx="8979535" cy="4522470"/>
+          </a:xfrm>
+          <a:prstGeom prst="rect"/>
+          <a:noFill/>
+        </p:spPr>
+      </p:pic>
     </p:spTree>
   </p:cSld>
   <p:clrMapOvr>

--- a/강의자료_자바스크립트.pptx
+++ b/강의자료_자바스크립트.pptx
@@ -2,12 +2,12 @@
 <file path=ppt/presentation.xml><?xml version="1.0" encoding="utf-8"?>
 <p:presentation xmlns:a="http://schemas.openxmlformats.org/drawingml/2006/main" xmlns:r="http://schemas.openxmlformats.org/officeDocument/2006/relationships" xmlns:p="http://schemas.openxmlformats.org/presentationml/2006/main" xmlns:p14="http://schemas.microsoft.com/office/powerpoint/2010/main" saveSubsetFonts="1">
   <p:sldMasterIdLst>
-    <p:sldMasterId id="2147485669" r:id="rId68"/>
-    <p:sldMasterId id="2147485670" r:id="rId70"/>
-    <p:sldMasterId id="2147485671" r:id="rId72"/>
-    <p:sldMasterId id="2147485672" r:id="rId74"/>
-    <p:sldMasterId id="2147485673" r:id="rId76"/>
-    <p:sldMasterId id="2147485674" r:id="rId78"/>
+    <p:sldMasterId id="2147485699" r:id="rId68"/>
+    <p:sldMasterId id="2147485700" r:id="rId70"/>
+    <p:sldMasterId id="2147485701" r:id="rId72"/>
+    <p:sldMasterId id="2147485702" r:id="rId74"/>
+    <p:sldMasterId id="2147485703" r:id="rId76"/>
+    <p:sldMasterId id="2147485704" r:id="rId78"/>
   </p:sldMasterIdLst>
   <p:sldIdLst>
     <p:sldId id="368" r:id="rId80"/>
@@ -22,12 +22,13 @@
     <p:sldId id="398" r:id="rId89"/>
     <p:sldId id="403" r:id="rId90"/>
     <p:sldId id="404" r:id="rId91"/>
-    <p:sldId id="401" r:id="rId92"/>
-    <p:sldId id="402" r:id="rId93"/>
-    <p:sldId id="366" r:id="rId94"/>
-    <p:sldId id="396" r:id="rId95"/>
-    <p:sldId id="405" r:id="rId96"/>
-    <p:sldId id="400" r:id="rId97"/>
+    <p:sldId id="406" r:id="rId92"/>
+    <p:sldId id="401" r:id="rId93"/>
+    <p:sldId id="402" r:id="rId94"/>
+    <p:sldId id="366" r:id="rId95"/>
+    <p:sldId id="396" r:id="rId96"/>
+    <p:sldId id="405" r:id="rId97"/>
+    <p:sldId id="400" r:id="rId98"/>
   </p:sldIdLst>
   <p:sldSz cx="12192000" cy="6858000"/>
   <p:notesSz cx="6858000" cy="9144000"/>
@@ -129,12 +130,12 @@
   <p:extLst>
     <p:ext uri="{EFAFB233-063F-42B5-8137-9DF3F51BA10A}">
       <p15:sldGuideLst xmlns:p15="http://schemas.microsoft.com/office/powerpoint/2012/main">
-        <p15:guide id="1" pos="399" userDrawn="1">
+        <p15:guide id="1" pos="398" userDrawn="1">
           <p15:clr>
             <a:srgbClr val="A4A3A4"/>
           </p15:clr>
         </p15:guide>
-        <p15:guide id="2" orient="horz" pos="2144" userDrawn="0">
+        <p15:guide id="2" orient="horz" pos="2143" userDrawn="0">
           <p15:clr>
             <a:srgbClr val="A4A3A4"/>
           </p15:clr>
@@ -354,6 +355,32 @@
 </file>
 
 <file path=ppt/ink/ink17.xml><?xml version="1.0" encoding="utf-8"?>
+<inkml:ink xmlns:inkml="http://www.w3.org/2003/InkML">
+  <inkml:definitions>
+    <inkml:context xml:id="ctx0">
+      <inkml:inkSource xml:id="inkSrc0">
+        <inkml:traceFormat>
+          <inkml:channel name="X" type="integer" max="2" units="cm"/>
+          <inkml:channel name="Y" type="integer" max="2" units="cm"/>
+        </inkml:traceFormat>
+        <inkml:channelProperties>
+          <inkml:channelProperty channel="X" name="resolution" value="1000.000000" units="1/cm"/>
+          <inkml:channelProperty channel="Y" name="resolution" value="1000.000000" units="1/cm"/>
+        </inkml:channelProperties>
+      </inkml:inkSource>
+    </inkml:context>
+    <inkml:brush xml:id="br0">
+      <inkml:brushProperty name="width" value="0.050000" units="cm"/>
+      <inkml:brushProperty name="height" value="0.050000" units="cm"/>
+      <inkml:brushProperty name="color" value="#e71224"/>
+      <inkml:brushProperty name="fitToCurve" value="1"/>
+    </inkml:brush>
+  </inkml:definitions>
+  <inkml:trace contextRef="#ctx0" brushRef="#br0">0 0,'0'0</inkml:trace>
+</inkml:ink>
+</file>
+
+<file path=ppt/ink/ink18.xml><?xml version="1.0" encoding="utf-8"?>
 <inkml:ink xmlns:inkml="http://www.w3.org/2003/InkML">
   <inkml:definitions>
     <inkml:context xml:id="ctx0">
@@ -23976,8 +24003,8 @@
 </p:sld>
 </file>
 
-<file path=ppt/slides/slide12.xml><?xml version="1.0" encoding="utf-8"?>
-<p:sld xmlns:a="http://schemas.openxmlformats.org/drawingml/2006/main" xmlns:r="http://schemas.openxmlformats.org/officeDocument/2006/relationships" xmlns:p="http://schemas.openxmlformats.org/presentationml/2006/main" xmlns:p14="http://schemas.microsoft.com/office/powerpoint/2010/main">
+<file path=ppt/slides/slide13.xml><?xml version="1.0" encoding="utf-8"?>
+<p:sld xmlns:a="http://schemas.openxmlformats.org/drawingml/2006/main" xmlns:r="http://schemas.openxmlformats.org/officeDocument/2006/relationships" xmlns:p="http://schemas.openxmlformats.org/presentationml/2006/main">
   <p:cSld>
     <p:spTree>
       <p:nvGrpSpPr>
@@ -24002,9 +24029,9 @@
         <p:grpSpPr>
           <a:xfrm rot="0">
             <a:off x="145415" y="684530"/>
-            <a:ext cx="11824970" cy="6007100"/>
+            <a:ext cx="11825605" cy="6007735"/>
             <a:chOff x="145415" y="684530"/>
-            <a:chExt cx="11824970" cy="6007100"/>
+            <a:chExt cx="11825605" cy="6007735"/>
           </a:xfrm>
         </p:grpSpPr>
         <p:sp>
@@ -24018,22 +24045,22 @@
           <p:spPr>
             <a:xfrm rot="0">
               <a:off x="145415" y="684530"/>
-              <a:ext cx="11763375" cy="5958840"/>
+              <a:ext cx="11764010" cy="5959475"/>
             </a:xfrm>
             <a:custGeom>
               <a:gdLst>
-                <a:gd fmla="*/ 3574143 w 11760205" name="TX0"/>
-                <a:gd fmla="*/ 72571 h 5955851" name="TY0"/>
-                <a:gd fmla="*/ 11716657 w 11760205" name="TX1"/>
-                <a:gd fmla="*/ 72571 h 5955851" name="TY1"/>
-                <a:gd fmla="*/ 11760200 w 11760205" name="TX2"/>
-                <a:gd fmla="*/ 5936343 h 5955851" name="TY2"/>
-                <a:gd fmla="*/ 0 w 11760205" name="TX3"/>
-                <a:gd fmla="*/ 5955846 h 5955851" name="TY3"/>
-                <a:gd fmla="*/ 77107 w 11760205" name="TX4"/>
-                <a:gd fmla="*/ 0 h 5955851" name="TY4"/>
-                <a:gd fmla="*/ 206828 w 11760205" name="TX5"/>
-                <a:gd fmla="*/ 0 h 5955851" name="TY5"/>
+                <a:gd fmla="*/ 3574143 w 11760206" name="TX0"/>
+                <a:gd fmla="*/ 72571 h 5955852" name="TY0"/>
+                <a:gd fmla="*/ 11716657 w 11760206" name="TX1"/>
+                <a:gd fmla="*/ 72571 h 5955852" name="TY1"/>
+                <a:gd fmla="*/ 11760200 w 11760206" name="TX2"/>
+                <a:gd fmla="*/ 5936343 h 5955852" name="TY2"/>
+                <a:gd fmla="*/ 0 w 11760206" name="TX3"/>
+                <a:gd fmla="*/ 5955846 h 5955852" name="TY3"/>
+                <a:gd fmla="*/ 77107 w 11760206" name="TX4"/>
+                <a:gd fmla="*/ 0 h 5955852" name="TY4"/>
+                <a:gd fmla="*/ 206828 w 11760206" name="TX5"/>
+                <a:gd fmla="*/ 0 h 5955852" name="TY5"/>
               </a:gdLst>
               <a:cxnLst>
                 <a:cxn ang="0">
@@ -24057,7 +24084,7 @@
               </a:cxnLst>
               <a:rect l="l" t="t" r="r" b="b"/>
               <a:pathLst>
-                <a:path w="11760205" h="5955851">
+                <a:path w="11760206" h="5955852">
                   <a:moveTo>
                     <a:pt x="3574143" y="72571"/>
                   </a:moveTo>
@@ -24140,16 +24167,16 @@
           <p:spPr>
             <a:xfrm rot="0">
               <a:off x="11634470" y="6376035"/>
-              <a:ext cx="336550" cy="315595"/>
+              <a:ext cx="337185" cy="316230"/>
             </a:xfrm>
             <a:custGeom>
               <a:gdLst>
-                <a:gd fmla="*/ 333375 w 333380" name="TX0"/>
-                <a:gd fmla="*/ 0 h 312425" name="TY0"/>
-                <a:gd fmla="*/ 333375 w 333380" name="TX1"/>
-                <a:gd fmla="*/ 312420 h 312425" name="TY1"/>
-                <a:gd fmla="*/ 0 w 333380" name="TX2"/>
-                <a:gd fmla="*/ 309563 h 312425" name="TY2"/>
+                <a:gd fmla="*/ 333375 w 333381" name="TX0"/>
+                <a:gd fmla="*/ 0 h 312426" name="TY0"/>
+                <a:gd fmla="*/ 333375 w 333381" name="TX1"/>
+                <a:gd fmla="*/ 312420 h 312426" name="TY1"/>
+                <a:gd fmla="*/ 0 w 333381" name="TX2"/>
+                <a:gd fmla="*/ 309563 h 312426" name="TY2"/>
               </a:gdLst>
               <a:cxnLst>
                 <a:cxn ang="0">
@@ -24164,7 +24191,7 @@
               </a:cxnLst>
               <a:rect l="l" t="t" r="r" b="b"/>
               <a:pathLst>
-                <a:path w="333380" h="312425">
+                <a:path w="333381" h="312426">
                   <a:moveTo>
                     <a:pt x="333375" y="0"/>
                   </a:moveTo>
@@ -24235,9 +24262,9 @@
         <p:grpSpPr>
           <a:xfrm rot="0">
             <a:off x="486410" y="121920"/>
-            <a:ext cx="3265170" cy="1022985"/>
+            <a:ext cx="3265805" cy="1023620"/>
             <a:chOff x="486410" y="121920"/>
-            <a:chExt cx="3265170" cy="1022985"/>
+            <a:chExt cx="3265805" cy="1023620"/>
           </a:xfrm>
         </p:grpSpPr>
         <p:sp>
@@ -24251,7 +24278,7 @@
           <p:spPr>
             <a:xfrm rot="10800000">
               <a:off x="624840" y="902970"/>
-              <a:ext cx="934085" cy="236855"/>
+              <a:ext cx="934720" cy="237490"/>
             </a:xfrm>
             <a:prstGeom prst="triangle">
               <a:avLst>
@@ -24315,7 +24342,7 @@
           <p:spPr>
             <a:xfrm rot="16200000">
               <a:off x="1745615" y="-894715"/>
-              <a:ext cx="752475" cy="2987675"/>
+              <a:ext cx="753110" cy="2988310"/>
             </a:xfrm>
             <a:prstGeom prst="trapezoid">
               <a:avLst>
@@ -24375,7 +24402,7 @@
           <p:spPr>
             <a:xfrm rot="0" flipV="1">
               <a:off x="628015" y="172085"/>
-              <a:ext cx="1717675" cy="27940"/>
+              <a:ext cx="1718310" cy="28575"/>
             </a:xfrm>
             <a:prstGeom prst="line"/>
             <a:ln w="12700" cap="flat" cmpd="sng">
@@ -24413,7 +24440,7 @@
           <p:spPr>
             <a:xfrm rot="0" flipV="1">
               <a:off x="974090" y="121920"/>
-              <a:ext cx="828675" cy="12700"/>
+              <a:ext cx="829310" cy="13335"/>
             </a:xfrm>
             <a:prstGeom prst="line"/>
             <a:ln w="12700" cap="flat" cmpd="sng">
@@ -24453,7 +24480,7 @@
           <p:spPr>
             <a:xfrm rot="0">
               <a:off x="2464435" y="121920"/>
-              <a:ext cx="74930" cy="74930"/>
+              <a:ext cx="75565" cy="75565"/>
             </a:xfrm>
             <a:prstGeom prst="ellipse"/>
             <a:noFill/>
@@ -24515,7 +24542,7 @@
           <p:spPr>
             <a:xfrm rot="20700000">
               <a:off x="3020695" y="1051560"/>
-              <a:ext cx="74930" cy="74930"/>
+              <a:ext cx="75565" cy="75565"/>
             </a:xfrm>
             <a:prstGeom prst="triangle"/>
             <a:noFill/>
@@ -24577,16 +24604,16 @@
           <p:spPr>
             <a:xfrm rot="0">
               <a:off x="574675" y="624205"/>
-              <a:ext cx="292735" cy="445135"/>
+              <a:ext cx="293370" cy="445770"/>
             </a:xfrm>
             <a:custGeom>
               <a:gdLst>
-                <a:gd fmla="*/ 0 w 289565" name="TX0"/>
-                <a:gd fmla="*/ 0 h 441965" name="TY0"/>
-                <a:gd fmla="*/ 5715 w 289565" name="TX1"/>
-                <a:gd fmla="*/ 315754 h 441965" name="TY1"/>
-                <a:gd fmla="*/ 289560 w 289565" name="TX2"/>
-                <a:gd fmla="*/ 441960 h 441965" name="TY2"/>
+                <a:gd fmla="*/ 0 w 289566" name="TX0"/>
+                <a:gd fmla="*/ 0 h 441966" name="TY0"/>
+                <a:gd fmla="*/ 5715 w 289566" name="TX1"/>
+                <a:gd fmla="*/ 315754 h 441966" name="TY1"/>
+                <a:gd fmla="*/ 289560 w 289566" name="TX2"/>
+                <a:gd fmla="*/ 441960 h 441966" name="TY2"/>
               </a:gdLst>
               <a:cxnLst>
                 <a:cxn ang="0">
@@ -24601,7 +24628,7 @@
               </a:cxnLst>
               <a:rect l="l" t="t" r="r" b="b"/>
               <a:pathLst>
-                <a:path w="289565" h="441965">
+                <a:path w="289566" h="441966">
                   <a:moveTo>
                     <a:pt x="0" y="0"/>
                   </a:moveTo>
@@ -24673,16 +24700,16 @@
           <p:spPr>
             <a:xfrm rot="0">
               <a:off x="1359535" y="989965"/>
-              <a:ext cx="841375" cy="155575"/>
+              <a:ext cx="842010" cy="156210"/>
             </a:xfrm>
             <a:custGeom>
               <a:gdLst>
-                <a:gd fmla="*/ 0 w 838205" name="TX0"/>
-                <a:gd fmla="*/ 152400 h 152405" name="TY0"/>
-                <a:gd fmla="*/ 182880 w 838205" name="TX1"/>
-                <a:gd fmla="*/ 0 h 152405" name="TY1"/>
-                <a:gd fmla="*/ 838200 w 838205" name="TX2"/>
-                <a:gd fmla="*/ 15240 h 152405" name="TY2"/>
+                <a:gd fmla="*/ 0 w 838206" name="TX0"/>
+                <a:gd fmla="*/ 152400 h 152406" name="TY0"/>
+                <a:gd fmla="*/ 182880 w 838206" name="TX1"/>
+                <a:gd fmla="*/ 0 h 152406" name="TY1"/>
+                <a:gd fmla="*/ 838200 w 838206" name="TX2"/>
+                <a:gd fmla="*/ 15240 h 152406" name="TY2"/>
               </a:gdLst>
               <a:cxnLst>
                 <a:cxn ang="0">
@@ -24697,7 +24724,7 @@
               </a:cxnLst>
               <a:rect l="l" t="t" r="r" b="b"/>
               <a:pathLst>
-                <a:path w="838205" h="152405">
+                <a:path w="838206" h="152406">
                   <a:moveTo>
                     <a:pt x="0" y="152400"/>
                   </a:moveTo>
@@ -24769,16 +24796,16 @@
           <p:spPr>
             <a:xfrm rot="0">
               <a:off x="3325495" y="708025"/>
-              <a:ext cx="346075" cy="315595"/>
+              <a:ext cx="346710" cy="316230"/>
             </a:xfrm>
             <a:custGeom>
               <a:gdLst>
-                <a:gd fmla="*/ 342900 w 342905" name="TX0"/>
-                <a:gd fmla="*/ 0 h 312425" name="TY0"/>
-                <a:gd fmla="*/ 342900 w 342905" name="TX1"/>
-                <a:gd fmla="*/ 312420 h 312425" name="TY1"/>
-                <a:gd fmla="*/ 0 w 342905" name="TX2"/>
-                <a:gd fmla="*/ 304800 h 312425" name="TY2"/>
+                <a:gd fmla="*/ 342900 w 342906" name="TX0"/>
+                <a:gd fmla="*/ 0 h 312426" name="TY0"/>
+                <a:gd fmla="*/ 342900 w 342906" name="TX1"/>
+                <a:gd fmla="*/ 312420 h 312426" name="TY1"/>
+                <a:gd fmla="*/ 0 w 342906" name="TX2"/>
+                <a:gd fmla="*/ 304800 h 312426" name="TY2"/>
               </a:gdLst>
               <a:cxnLst>
                 <a:cxn ang="0">
@@ -24793,7 +24820,7 @@
               </a:cxnLst>
               <a:rect l="l" t="t" r="r" b="b"/>
               <a:pathLst>
-                <a:path w="342905" h="312425">
+                <a:path w="342906" h="312426">
                   <a:moveTo>
                     <a:pt x="342900" y="0"/>
                   </a:moveTo>
@@ -24863,7 +24890,7 @@
           <p:spPr>
             <a:xfrm rot="0">
               <a:off x="1641475" y="1049655"/>
-              <a:ext cx="861695" cy="21590"/>
+              <a:ext cx="862330" cy="22225"/>
             </a:xfrm>
             <a:prstGeom prst="line"/>
             <a:ln w="12700" cap="flat" cmpd="sng">
@@ -24903,7 +24930,7 @@
           <p:spPr>
             <a:xfrm rot="20700000">
               <a:off x="3676015" y="136525"/>
-              <a:ext cx="74930" cy="74930"/>
+              <a:ext cx="75565" cy="75565"/>
             </a:xfrm>
             <a:prstGeom prst="rect"/>
             <a:noFill/>
@@ -24965,7 +24992,7 @@
           <p:spPr>
             <a:xfrm rot="7200000">
               <a:off x="486410" y="454660"/>
-              <a:ext cx="74930" cy="74930"/>
+              <a:ext cx="75565" cy="75565"/>
             </a:xfrm>
             <a:prstGeom prst="triangle"/>
             <a:noFill/>
@@ -25028,7 +25055,7 @@
         <p:spPr>
           <a:xfrm rot="0">
             <a:off x="940435" y="316230"/>
-            <a:ext cx="1404620" cy="457200"/>
+            <a:ext cx="1405255" cy="457835"/>
           </a:xfrm>
           <a:prstGeom prst="rect"/>
           <a:ln w="0">
@@ -25077,7 +25104,7 @@
         <p:spPr>
           <a:xfrm rot="0">
             <a:off x="3914140" y="30480"/>
-            <a:ext cx="7468235" cy="658495"/>
+            <a:ext cx="7468870" cy="659130"/>
           </a:xfrm>
           <a:prstGeom prst="rect"/>
         </p:spPr>
@@ -25129,7 +25156,7 @@
       </p:sp>
       <mc:AlternateContent xmlns:mc="http://schemas.openxmlformats.org/markup-compatibility/2006" xmlns:p14="http://schemas.microsoft.com/office/powerpoint/2010/main">
         <mc:Choice Requires="p14">
-          <p:contentPart p14:bwMode="auto" r:id="rId7">
+          <p:contentPart p14:bwMode="auto" r:id="rId2">
             <p14:nvContentPartPr>
               <p14:cNvPr id="5" name="Ink 5"/>
               <p14:cNvContentPartPr/>
@@ -25149,7 +25176,7 @@
               <p:nvPr/>
             </p:nvPicPr>
             <p:blipFill>
-              <a:blip r:embed="rId8"/>
+              <a:blip r:embed="rId3"/>
               <a:stretch>
                 <a:fillRect/>
               </a:stretch>
@@ -25177,7 +25204,7 @@
         <p:spPr>
           <a:xfrm rot="0">
             <a:off x="659130" y="1633855"/>
-            <a:ext cx="7423150" cy="461645"/>
+            <a:ext cx="7423785" cy="461010"/>
           </a:xfrm>
           <a:prstGeom prst="rect"/>
           <a:noFill/>
@@ -25197,7 +25224,7 @@
                 <a:latin typeface="맑은 고딕" charset="0"/>
                 <a:ea typeface="맑은 고딕" charset="0"/>
               </a:rPr>
-              <a:t>if문</a:t>
+              <a:t>var vs const vs let </a:t>
             </a:r>
             <a:endParaRPr lang="ko-KR" altLang="en-US" sz="2400">
               <a:latin typeface="맑은 고딕" charset="0"/>
@@ -25217,7 +25244,7 @@
         <p:spPr>
           <a:xfrm rot="0">
             <a:off x="659130" y="2189480"/>
-            <a:ext cx="10870565" cy="3415030"/>
+            <a:ext cx="10871200" cy="3829685"/>
           </a:xfrm>
           <a:prstGeom prst="rect"/>
           <a:noFill/>
@@ -25243,7 +25270,33 @@
                 <a:latin typeface="NanumGothic" charset="0"/>
                 <a:ea typeface="NanumGothic" charset="0"/>
               </a:rPr>
-              <a:t>- 조건식의 결과가 참(true)이면 주어진 명령문을 실행</a:t>
+              <a:t>- var : 중복선언, 재할당 모두 가능          - let : 재할당만 가능                         - const: 모두 불가능 </a:t>
+            </a:r>
+            <a:endParaRPr lang="ko-KR" altLang="en-US" sz="1800" i="0" b="0">
+              <a:solidFill>
+                <a:schemeClr val="tx1"/>
+              </a:solidFill>
+              <a:latin typeface="NanumGothic" charset="0"/>
+              <a:ea typeface="NanumGothic" charset="0"/>
+            </a:endParaRPr>
+          </a:p>
+          <a:p>
+            <a:pPr marL="342900" indent="-342900" rtl="0" algn="l" defTabSz="914400" eaLnBrk="1" latinLnBrk="0" hangingPunct="1">
+              <a:lnSpc>
+                <a:spcPct val="150000"/>
+              </a:lnSpc>
+              <a:buFontTx/>
+              <a:buNone/>
+            </a:pPr>
+            <a:r>
+              <a:rPr sz="1800" i="0" b="0">
+                <a:solidFill>
+                  <a:schemeClr val="tx1"/>
+                </a:solidFill>
+                <a:latin typeface="NanumGothic" charset="0"/>
+                <a:ea typeface="NanumGothic" charset="0"/>
+              </a:rPr>
+              <a:t>          (중복선언의 위험 큼)</a:t>
             </a:r>
             <a:endParaRPr lang="ko-KR" altLang="en-US" sz="1800" i="0" b="0">
               <a:solidFill>
@@ -25378,7 +25431,7 @@
         <p:spPr>
           <a:xfrm rot="0">
             <a:off x="381000" y="6182360"/>
-            <a:ext cx="8947150" cy="278765"/>
+            <a:ext cx="8947785" cy="279400"/>
           </a:xfrm>
           <a:prstGeom prst="rect"/>
           <a:noFill/>
@@ -25403,17 +25456,17 @@
       </p:sp>
       <p:pic>
         <p:nvPicPr>
-          <p:cNvPr id="35" name="Picture "/>
+          <p:cNvPr id="35" name="그림 1" descr="C:/Users/dltjs/AppData/Roaming/PolarisOffice/ETemp/17828_14344032/fImage34066288467.png"/>
           <p:cNvPicPr>
             <a:picLocks noChangeAspect="1"/>
           </p:cNvPicPr>
           <p:nvPr/>
         </p:nvPicPr>
         <p:blipFill rotWithShape="1">
-          <a:blip r:embed="rId4" cstate="hqprint">
+          <a:blip r:embed="rId4" cstate="print">
             <a:extLst>
               <a:ext uri="{28A0092B-C50C-407E-A947-70E740481C1C}">
-                <a14:useLocalDpi xmlns:a14="http://schemas.microsoft.com/office/drawing/2010/main"/>
+                <a14:useLocalDpi xmlns:a14="http://schemas.microsoft.com/office/drawing/2010/main" val="0"/>
               </a:ext>
             </a:extLst>
           </a:blip>
@@ -25423,8 +25476,8 @@
         </p:blipFill>
         <p:spPr>
           <a:xfrm rot="0">
-            <a:off x="812800" y="2777490"/>
-            <a:ext cx="4154170" cy="1220470"/>
+            <a:off x="732790" y="3260090"/>
+            <a:ext cx="3458210" cy="1781810"/>
           </a:xfrm>
           <a:prstGeom prst="rect"/>
           <a:noFill/>
@@ -25432,17 +25485,47 @@
       </p:pic>
       <p:pic>
         <p:nvPicPr>
-          <p:cNvPr id="36" name="Picture "/>
+          <p:cNvPr id="36" name="그림 2" descr="C:/Users/dltjs/AppData/Roaming/PolarisOffice/ETemp/17828_14344032/fImage61976296334.png"/>
           <p:cNvPicPr>
             <a:picLocks noChangeAspect="1"/>
           </p:cNvPicPr>
           <p:nvPr/>
         </p:nvPicPr>
         <p:blipFill rotWithShape="1">
-          <a:blip r:embed="rId5" cstate="hqprint">
+          <a:blip r:embed="rId5" cstate="print">
             <a:extLst>
               <a:ext uri="{28A0092B-C50C-407E-A947-70E740481C1C}">
-                <a14:useLocalDpi xmlns:a14="http://schemas.microsoft.com/office/drawing/2010/main"/>
+                <a14:useLocalDpi xmlns:a14="http://schemas.microsoft.com/office/drawing/2010/main" val="0"/>
+              </a:ext>
+            </a:extLst>
+          </a:blip>
+          <a:srcRect r="14917"/>
+          <a:stretch>
+            <a:fillRect/>
+          </a:stretch>
+        </p:blipFill>
+        <p:spPr>
+          <a:xfrm rot="0">
+            <a:off x="4669155" y="3208655"/>
+            <a:ext cx="3361690" cy="1785620"/>
+          </a:xfrm>
+          <a:prstGeom prst="rect"/>
+          <a:noFill/>
+        </p:spPr>
+      </p:pic>
+      <p:pic>
+        <p:nvPicPr>
+          <p:cNvPr id="37" name="그림 3" descr="C:/Users/dltjs/AppData/Roaming/PolarisOffice/ETemp/17828_14344032/fImage63106306500.png"/>
+          <p:cNvPicPr>
+            <a:picLocks noChangeAspect="1"/>
+          </p:cNvPicPr>
+          <p:nvPr/>
+        </p:nvPicPr>
+        <p:blipFill rotWithShape="1">
+          <a:blip r:embed="rId6" cstate="print">
+            <a:extLst>
+              <a:ext uri="{28A0092B-C50C-407E-A947-70E740481C1C}">
+                <a14:useLocalDpi xmlns:a14="http://schemas.microsoft.com/office/drawing/2010/main" val="0"/>
               </a:ext>
             </a:extLst>
           </a:blip>
@@ -25452,37 +25535,8 @@
         </p:blipFill>
         <p:spPr>
           <a:xfrm rot="0">
-            <a:off x="814070" y="4133850"/>
-            <a:ext cx="4554220" cy="1344295"/>
-          </a:xfrm>
-          <a:prstGeom prst="rect"/>
-          <a:noFill/>
-        </p:spPr>
-      </p:pic>
-      <p:pic>
-        <p:nvPicPr>
-          <p:cNvPr id="37" name="Picture " descr="C:/Users/dltjs/AppData/Roaming/PolarisOffice/ETemp/19480_23206144/fImage62315605724.png"/>
-          <p:cNvPicPr>
-            <a:picLocks noChangeAspect="1"/>
-          </p:cNvPicPr>
-          <p:nvPr/>
-        </p:nvPicPr>
-        <p:blipFill rotWithShape="1">
-          <a:blip r:embed="rId6" cstate="hqprint">
-            <a:extLst>
-              <a:ext uri="{28A0092B-C50C-407E-A947-70E740481C1C}">
-                <a14:useLocalDpi xmlns:a14="http://schemas.microsoft.com/office/drawing/2010/main"/>
-              </a:ext>
-            </a:extLst>
-          </a:blip>
-          <a:stretch>
-            <a:fillRect/>
-          </a:stretch>
-        </p:blipFill>
-        <p:spPr>
-          <a:xfrm rot="0">
-            <a:off x="5498465" y="4138930"/>
-            <a:ext cx="5179695" cy="1296670"/>
+            <a:off x="8227695" y="3201670"/>
+            <a:ext cx="3511550" cy="1836420"/>
           </a:xfrm>
           <a:prstGeom prst="rect"/>
           <a:noFill/>
@@ -25511,7 +25565,7 @@
 </p:sld>
 </file>
 
-<file path=ppt/slides/slide13.xml><?xml version="1.0" encoding="utf-8"?>
+<file path=ppt/slides/slide14.xml><?xml version="1.0" encoding="utf-8"?>
 <p:sld xmlns:a="http://schemas.openxmlformats.org/drawingml/2006/main" xmlns:r="http://schemas.openxmlformats.org/officeDocument/2006/relationships" xmlns:p="http://schemas.openxmlformats.org/presentationml/2006/main" xmlns:p14="http://schemas.microsoft.com/office/powerpoint/2010/main">
   <p:cSld>
     <p:spTree>
@@ -26995,7 +27049,7 @@
 </p:sld>
 </file>
 
-<file path=ppt/slides/slide14.xml><?xml version="1.0" encoding="utf-8"?>
+<file path=ppt/slides/slide15.xml><?xml version="1.0" encoding="utf-8"?>
 <p:sld xmlns:a="http://schemas.openxmlformats.org/drawingml/2006/main" xmlns:r="http://schemas.openxmlformats.org/officeDocument/2006/relationships" xmlns:p="http://schemas.openxmlformats.org/presentationml/2006/main">
   <p:cSld>
     <p:spTree>
@@ -28326,7 +28380,7 @@
 </p:sld>
 </file>
 
-<file path=ppt/slides/slide15.xml><?xml version="1.0" encoding="utf-8"?>
+<file path=ppt/slides/slide16.xml><?xml version="1.0" encoding="utf-8"?>
 <p:sld xmlns:a="http://schemas.openxmlformats.org/drawingml/2006/main" xmlns:r="http://schemas.openxmlformats.org/officeDocument/2006/relationships" xmlns:p="http://schemas.openxmlformats.org/presentationml/2006/main" xmlns:p14="http://schemas.microsoft.com/office/powerpoint/2010/main">
   <p:cSld>
     <p:spTree>
@@ -29710,7 +29764,7 @@
 </p:sld>
 </file>
 
-<file path=ppt/slides/slide16.xml><?xml version="1.0" encoding="utf-8"?>
+<file path=ppt/slides/slide17.xml><?xml version="1.0" encoding="utf-8"?>
 <p:sld xmlns:a="http://schemas.openxmlformats.org/drawingml/2006/main" xmlns:r="http://schemas.openxmlformats.org/officeDocument/2006/relationships" xmlns:p="http://schemas.openxmlformats.org/presentationml/2006/main">
   <p:cSld>
     <p:spTree>
@@ -31259,7 +31313,7 @@
 </p:sld>
 </file>
 
-<file path=ppt/slides/slide17.xml><?xml version="1.0" encoding="utf-8"?>
+<file path=ppt/slides/slide18.xml><?xml version="1.0" encoding="utf-8"?>
 <p:sld xmlns:a="http://schemas.openxmlformats.org/drawingml/2006/main" xmlns:r="http://schemas.openxmlformats.org/officeDocument/2006/relationships" xmlns:p="http://schemas.openxmlformats.org/presentationml/2006/main" xmlns:p14="http://schemas.microsoft.com/office/powerpoint/2010/main">
   <p:cSld>
     <p:spTree>
@@ -32538,7 +32592,7 @@
 </p:sld>
 </file>
 
-<file path=ppt/slides/slide18.xml><?xml version="1.0" encoding="utf-8"?>
+<file path=ppt/slides/slide19.xml><?xml version="1.0" encoding="utf-8"?>
 <p:sld xmlns:a="http://schemas.openxmlformats.org/drawingml/2006/main" xmlns:r="http://schemas.openxmlformats.org/officeDocument/2006/relationships" xmlns:p="http://schemas.openxmlformats.org/presentationml/2006/main" xmlns:p14="http://schemas.microsoft.com/office/powerpoint/2010/main">
   <p:cSld>
     <p:spTree>

--- a/강의자료_자바스크립트.pptx
+++ b/강의자료_자바스크립트.pptx
@@ -2,12 +2,12 @@
 <file path=ppt/presentation.xml><?xml version="1.0" encoding="utf-8"?>
 <p:presentation xmlns:a="http://schemas.openxmlformats.org/drawingml/2006/main" xmlns:r="http://schemas.openxmlformats.org/officeDocument/2006/relationships" xmlns:p="http://schemas.openxmlformats.org/presentationml/2006/main" xmlns:p14="http://schemas.microsoft.com/office/powerpoint/2010/main" saveSubsetFonts="1">
   <p:sldMasterIdLst>
-    <p:sldMasterId id="2147485699" r:id="rId68"/>
-    <p:sldMasterId id="2147485700" r:id="rId70"/>
-    <p:sldMasterId id="2147485701" r:id="rId72"/>
-    <p:sldMasterId id="2147485702" r:id="rId74"/>
-    <p:sldMasterId id="2147485703" r:id="rId76"/>
-    <p:sldMasterId id="2147485704" r:id="rId78"/>
+    <p:sldMasterId id="2147485717" r:id="rId68"/>
+    <p:sldMasterId id="2147485718" r:id="rId70"/>
+    <p:sldMasterId id="2147485719" r:id="rId72"/>
+    <p:sldMasterId id="2147485720" r:id="rId74"/>
+    <p:sldMasterId id="2147485721" r:id="rId76"/>
+    <p:sldMasterId id="2147485722" r:id="rId78"/>
   </p:sldMasterIdLst>
   <p:sldIdLst>
     <p:sldId id="368" r:id="rId80"/>
@@ -23,12 +23,12 @@
     <p:sldId id="403" r:id="rId90"/>
     <p:sldId id="404" r:id="rId91"/>
     <p:sldId id="406" r:id="rId92"/>
-    <p:sldId id="401" r:id="rId93"/>
-    <p:sldId id="402" r:id="rId94"/>
-    <p:sldId id="366" r:id="rId95"/>
-    <p:sldId id="396" r:id="rId96"/>
-    <p:sldId id="405" r:id="rId97"/>
-    <p:sldId id="400" r:id="rId98"/>
+    <p:sldId id="396" r:id="rId93"/>
+    <p:sldId id="401" r:id="rId94"/>
+    <p:sldId id="405" r:id="rId95"/>
+    <p:sldId id="400" r:id="rId96"/>
+    <p:sldId id="402" r:id="rId97"/>
+    <p:sldId id="366" r:id="rId98"/>
   </p:sldIdLst>
   <p:sldSz cx="12192000" cy="6858000"/>
   <p:notesSz cx="6858000" cy="9144000"/>
@@ -25203,7 +25203,7 @@
         </p:nvSpPr>
         <p:spPr>
           <a:xfrm rot="0">
-            <a:off x="659130" y="1633855"/>
+            <a:off x="659130" y="1616710"/>
             <a:ext cx="7423785" cy="461010"/>
           </a:xfrm>
           <a:prstGeom prst="rect"/>
@@ -25566,6 +25566,1555 @@
 </file>
 
 <file path=ppt/slides/slide14.xml><?xml version="1.0" encoding="utf-8"?>
+<p:sld xmlns:a="http://schemas.openxmlformats.org/drawingml/2006/main" xmlns:r="http://schemas.openxmlformats.org/officeDocument/2006/relationships" xmlns:p="http://schemas.openxmlformats.org/presentationml/2006/main">
+  <p:cSld>
+    <p:spTree>
+      <p:nvGrpSpPr>
+        <p:cNvPr id="1" name=""/>
+        <p:cNvGrpSpPr/>
+        <p:nvPr/>
+      </p:nvGrpSpPr>
+      <p:grpSpPr>
+        <a:xfrm>
+          <a:off x="0" y="0"/>
+          <a:ext cx="0" cy="0"/>
+          <a:chOff x="0" y="0"/>
+          <a:chExt cx="0" cy="0"/>
+        </a:xfrm>
+      </p:grpSpPr>
+      <p:grpSp>
+        <p:nvGrpSpPr>
+          <p:cNvPr id="28" name="그룹 4"/>
+          <p:cNvGrpSpPr/>
+          <p:nvPr/>
+        </p:nvGrpSpPr>
+        <p:grpSpPr>
+          <a:xfrm rot="0">
+            <a:off x="145415" y="684530"/>
+            <a:ext cx="11824335" cy="6006465"/>
+            <a:chOff x="145415" y="684530"/>
+            <a:chExt cx="11824335" cy="6006465"/>
+          </a:xfrm>
+        </p:grpSpPr>
+        <p:sp>
+          <p:nvSpPr>
+            <p:cNvPr id="29" name="도형 2"/>
+            <p:cNvSpPr>
+              <a:spLocks/>
+            </p:cNvSpPr>
+            <p:nvPr/>
+          </p:nvSpPr>
+          <p:spPr>
+            <a:xfrm rot="0">
+              <a:off x="145415" y="684530"/>
+              <a:ext cx="11762740" cy="5958205"/>
+            </a:xfrm>
+            <a:custGeom>
+              <a:gdLst>
+                <a:gd fmla="*/ 3574143 w 11760204" name="TX0"/>
+                <a:gd fmla="*/ 72571 h 5955850" name="TY0"/>
+                <a:gd fmla="*/ 11716657 w 11760204" name="TX1"/>
+                <a:gd fmla="*/ 72571 h 5955850" name="TY1"/>
+                <a:gd fmla="*/ 11760200 w 11760204" name="TX2"/>
+                <a:gd fmla="*/ 5936343 h 5955850" name="TY2"/>
+                <a:gd fmla="*/ 0 w 11760204" name="TX3"/>
+                <a:gd fmla="*/ 5955846 h 5955850" name="TY3"/>
+                <a:gd fmla="*/ 77107 w 11760204" name="TX4"/>
+                <a:gd fmla="*/ 0 h 5955850" name="TY4"/>
+                <a:gd fmla="*/ 206828 w 11760204" name="TX5"/>
+                <a:gd fmla="*/ 0 h 5955850" name="TY5"/>
+              </a:gdLst>
+              <a:cxnLst>
+                <a:cxn ang="0">
+                  <a:pos x="TX0" y="TY0"/>
+                </a:cxn>
+                <a:cxn ang="0">
+                  <a:pos x="TX1" y="TY1"/>
+                </a:cxn>
+                <a:cxn ang="0">
+                  <a:pos x="TX2" y="TY2"/>
+                </a:cxn>
+                <a:cxn ang="0">
+                  <a:pos x="TX3" y="TY3"/>
+                </a:cxn>
+                <a:cxn ang="0">
+                  <a:pos x="TX4" y="TY4"/>
+                </a:cxn>
+                <a:cxn ang="0">
+                  <a:pos x="TX5" y="TY5"/>
+                </a:cxn>
+              </a:cxnLst>
+              <a:rect l="l" t="t" r="r" b="b"/>
+              <a:pathLst>
+                <a:path w="11760204" h="5955850">
+                  <a:moveTo>
+                    <a:pt x="3574143" y="72571"/>
+                  </a:moveTo>
+                  <a:lnTo>
+                    <a:pt x="11716657" y="72571"/>
+                  </a:lnTo>
+                  <a:lnTo>
+                    <a:pt x="11760200" y="5936343"/>
+                  </a:lnTo>
+                  <a:lnTo>
+                    <a:pt x="0" y="5955846"/>
+                  </a:lnTo>
+                  <a:lnTo>
+                    <a:pt x="77107" y="0"/>
+                  </a:lnTo>
+                  <a:lnTo>
+                    <a:pt x="206828" y="0"/>
+                  </a:lnTo>
+                </a:path>
+              </a:pathLst>
+            </a:custGeom>
+            <a:solidFill>
+              <a:schemeClr val="bg1"/>
+            </a:solidFill>
+            <a:ln w="12700" cap="flat" cmpd="sng">
+              <a:solidFill>
+                <a:schemeClr val="tx1">
+                  <a:lumMod val="85000"/>
+                  <a:lumOff val="15000"/>
+                  <a:alpha val="100000"/>
+                </a:schemeClr>
+              </a:solidFill>
+              <a:prstDash val="solid"/>
+            </a:ln>
+          </p:spPr>
+          <p:style>
+            <a:lnRef idx="2">
+              <a:schemeClr val="accent1">
+                <a:shade val="50000"/>
+              </a:schemeClr>
+            </a:lnRef>
+            <a:fillRef idx="1">
+              <a:schemeClr val="accent1"/>
+            </a:fillRef>
+            <a:effectRef idx="0">
+              <a:schemeClr val="accent1"/>
+            </a:effectRef>
+            <a:fontRef idx="minor">
+              <a:schemeClr val="lt1"/>
+            </a:fontRef>
+          </p:style>
+          <p:txBody>
+            <a:bodyPr wrap="square" lIns="91440" tIns="45720" rIns="91440" bIns="45720" vert="horz" anchor="ctr">
+              <a:noAutofit/>
+            </a:bodyPr>
+            <a:lstStyle/>
+            <a:p>
+              <a:pPr marL="0" indent="0" rtl="0" algn="ctr" defTabSz="914400" eaLnBrk="1" latinLnBrk="0" hangingPunct="1">
+                <a:buFontTx/>
+                <a:buNone/>
+              </a:pPr>
+              <a:endParaRPr lang="ko-KR" altLang="en-US" sz="1800">
+                <a:solidFill>
+                  <a:srgbClr val="FFFFFF"/>
+                </a:solidFill>
+                <a:latin typeface="맑은 고딕" charset="0"/>
+                <a:ea typeface="맑은 고딕" charset="0"/>
+              </a:endParaRPr>
+            </a:p>
+          </p:txBody>
+        </p:sp>
+        <p:sp>
+          <p:nvSpPr>
+            <p:cNvPr id="30" name="도형 3"/>
+            <p:cNvSpPr>
+              <a:spLocks/>
+            </p:cNvSpPr>
+            <p:nvPr/>
+          </p:nvSpPr>
+          <p:spPr>
+            <a:xfrm rot="0">
+              <a:off x="11634470" y="6376035"/>
+              <a:ext cx="335915" cy="314960"/>
+            </a:xfrm>
+            <a:custGeom>
+              <a:gdLst>
+                <a:gd fmla="*/ 333375 w 333379" name="TX0"/>
+                <a:gd fmla="*/ 0 h 312424" name="TY0"/>
+                <a:gd fmla="*/ 333375 w 333379" name="TX1"/>
+                <a:gd fmla="*/ 312420 h 312424" name="TY1"/>
+                <a:gd fmla="*/ 0 w 333379" name="TX2"/>
+                <a:gd fmla="*/ 309563 h 312424" name="TY2"/>
+              </a:gdLst>
+              <a:cxnLst>
+                <a:cxn ang="0">
+                  <a:pos x="TX0" y="TY0"/>
+                </a:cxn>
+                <a:cxn ang="0">
+                  <a:pos x="TX1" y="TY1"/>
+                </a:cxn>
+                <a:cxn ang="0">
+                  <a:pos x="TX2" y="TY2"/>
+                </a:cxn>
+              </a:cxnLst>
+              <a:rect l="l" t="t" r="r" b="b"/>
+              <a:pathLst>
+                <a:path w="333379" h="312424">
+                  <a:moveTo>
+                    <a:pt x="333375" y="0"/>
+                  </a:moveTo>
+                  <a:lnTo>
+                    <a:pt x="333375" y="312420"/>
+                  </a:lnTo>
+                  <a:lnTo>
+                    <a:pt x="0" y="309563"/>
+                  </a:lnTo>
+                </a:path>
+              </a:pathLst>
+            </a:custGeom>
+            <a:noFill/>
+            <a:ln w="12700" cap="flat" cmpd="sng">
+              <a:solidFill>
+                <a:schemeClr val="tx1">
+                  <a:lumMod val="85000"/>
+                  <a:lumOff val="15000"/>
+                  <a:alpha val="100000"/>
+                </a:schemeClr>
+              </a:solidFill>
+              <a:prstDash val="solid"/>
+            </a:ln>
+          </p:spPr>
+          <p:style>
+            <a:lnRef idx="2">
+              <a:schemeClr val="accent1">
+                <a:shade val="50000"/>
+              </a:schemeClr>
+            </a:lnRef>
+            <a:fillRef idx="1">
+              <a:schemeClr val="accent1"/>
+            </a:fillRef>
+            <a:effectRef idx="0">
+              <a:schemeClr val="accent1"/>
+            </a:effectRef>
+            <a:fontRef idx="minor">
+              <a:schemeClr val="lt1"/>
+            </a:fontRef>
+          </p:style>
+          <p:txBody>
+            <a:bodyPr wrap="square" lIns="91440" tIns="45720" rIns="91440" bIns="45720" vert="horz" anchor="ctr">
+              <a:noAutofit/>
+            </a:bodyPr>
+            <a:lstStyle/>
+            <a:p>
+              <a:pPr marL="0" indent="0" rtl="0" algn="ctr" defTabSz="914400" eaLnBrk="1" latinLnBrk="0" hangingPunct="1">
+                <a:buFontTx/>
+                <a:buNone/>
+              </a:pPr>
+              <a:endParaRPr lang="ko-KR" altLang="en-US" sz="1800">
+                <a:solidFill>
+                  <a:srgbClr val="FFFFFF"/>
+                </a:solidFill>
+                <a:latin typeface="맑은 고딕" charset="0"/>
+                <a:ea typeface="맑은 고딕" charset="0"/>
+              </a:endParaRPr>
+            </a:p>
+          </p:txBody>
+        </p:sp>
+      </p:grpSp>
+      <p:grpSp>
+        <p:nvGrpSpPr>
+          <p:cNvPr id="31" name="그룹 17"/>
+          <p:cNvGrpSpPr/>
+          <p:nvPr/>
+        </p:nvGrpSpPr>
+        <p:grpSpPr>
+          <a:xfrm rot="0">
+            <a:off x="486410" y="121920"/>
+            <a:ext cx="3264535" cy="1022350"/>
+            <a:chOff x="486410" y="121920"/>
+            <a:chExt cx="3264535" cy="1022350"/>
+          </a:xfrm>
+        </p:grpSpPr>
+        <p:sp>
+          <p:nvSpPr>
+            <p:cNvPr id="32" name="도형 5"/>
+            <p:cNvSpPr>
+              <a:spLocks/>
+            </p:cNvSpPr>
+            <p:nvPr/>
+          </p:nvSpPr>
+          <p:spPr>
+            <a:xfrm rot="10800000">
+              <a:off x="624840" y="902970"/>
+              <a:ext cx="933450" cy="236220"/>
+            </a:xfrm>
+            <a:prstGeom prst="triangle">
+              <a:avLst>
+                <a:gd name="adj" fmla="val 31437"/>
+              </a:avLst>
+            </a:prstGeom>
+            <a:solidFill>
+              <a:schemeClr val="tx2">
+                <a:lumMod val="75000"/>
+              </a:schemeClr>
+            </a:solidFill>
+            <a:ln w="0">
+              <a:noFill/>
+              <a:prstDash/>
+            </a:ln>
+          </p:spPr>
+          <p:style>
+            <a:lnRef idx="2">
+              <a:schemeClr val="accent1">
+                <a:shade val="50000"/>
+              </a:schemeClr>
+            </a:lnRef>
+            <a:fillRef idx="1">
+              <a:schemeClr val="accent1"/>
+            </a:fillRef>
+            <a:effectRef idx="0">
+              <a:schemeClr val="accent1"/>
+            </a:effectRef>
+            <a:fontRef idx="minor">
+              <a:schemeClr val="lt1"/>
+            </a:fontRef>
+          </p:style>
+          <p:txBody>
+            <a:bodyPr wrap="square" lIns="91440" tIns="45720" rIns="91440" bIns="45720" vert="horz" anchor="ctr">
+              <a:noAutofit/>
+            </a:bodyPr>
+            <a:lstStyle/>
+            <a:p>
+              <a:pPr marL="0" indent="0" rtl="0" algn="ctr" defTabSz="914400" eaLnBrk="1" latinLnBrk="0" hangingPunct="1">
+                <a:buFontTx/>
+                <a:buNone/>
+              </a:pPr>
+              <a:endParaRPr lang="ko-KR" altLang="en-US" sz="1800">
+                <a:solidFill>
+                  <a:srgbClr val="FFFFFF"/>
+                </a:solidFill>
+                <a:latin typeface="맑은 고딕" charset="0"/>
+                <a:ea typeface="맑은 고딕" charset="0"/>
+              </a:endParaRPr>
+            </a:p>
+          </p:txBody>
+        </p:sp>
+        <p:sp>
+          <p:nvSpPr>
+            <p:cNvPr id="33" name="도형 6"/>
+            <p:cNvSpPr>
+              <a:spLocks/>
+            </p:cNvSpPr>
+            <p:nvPr/>
+          </p:nvSpPr>
+          <p:spPr>
+            <a:xfrm rot="16200000">
+              <a:off x="1745615" y="-894715"/>
+              <a:ext cx="751840" cy="2987040"/>
+            </a:xfrm>
+            <a:prstGeom prst="trapezoid">
+              <a:avLst>
+                <a:gd name="adj" fmla="val 8729"/>
+              </a:avLst>
+            </a:prstGeom>
+            <a:solidFill>
+              <a:srgbClr val="08CDD5"/>
+            </a:solidFill>
+            <a:ln w="0">
+              <a:noFill/>
+              <a:prstDash/>
+            </a:ln>
+          </p:spPr>
+          <p:style>
+            <a:lnRef idx="2">
+              <a:schemeClr val="accent1">
+                <a:shade val="50000"/>
+              </a:schemeClr>
+            </a:lnRef>
+            <a:fillRef idx="1">
+              <a:schemeClr val="accent1"/>
+            </a:fillRef>
+            <a:effectRef idx="0">
+              <a:schemeClr val="accent1"/>
+            </a:effectRef>
+            <a:fontRef idx="minor">
+              <a:schemeClr val="lt1"/>
+            </a:fontRef>
+          </p:style>
+          <p:txBody>
+            <a:bodyPr wrap="square" lIns="91440" tIns="45720" rIns="91440" bIns="45720" vert="horz" anchor="ctr">
+              <a:noAutofit/>
+            </a:bodyPr>
+            <a:lstStyle/>
+            <a:p>
+              <a:pPr marL="0" indent="0" rtl="0" algn="ctr" defTabSz="914400" eaLnBrk="1" latinLnBrk="0" hangingPunct="1">
+                <a:buFontTx/>
+                <a:buNone/>
+              </a:pPr>
+              <a:endParaRPr lang="ko-KR" altLang="en-US" sz="1800">
+                <a:solidFill>
+                  <a:srgbClr val="FFFFFF"/>
+                </a:solidFill>
+                <a:latin typeface="맑은 고딕" charset="0"/>
+                <a:ea typeface="맑은 고딕" charset="0"/>
+              </a:endParaRPr>
+            </a:p>
+          </p:txBody>
+        </p:sp>
+        <p:cxnSp>
+          <p:nvCxnSpPr>
+            <p:cNvPr id="34" name="도형 7"/>
+            <p:cNvCxnSpPr/>
+            <p:nvPr/>
+          </p:nvCxnSpPr>
+          <p:spPr>
+            <a:xfrm rot="0" flipV="1">
+              <a:off x="628015" y="172085"/>
+              <a:ext cx="1717040" cy="27305"/>
+            </a:xfrm>
+            <a:prstGeom prst="line"/>
+            <a:ln w="12700" cap="flat" cmpd="sng">
+              <a:solidFill>
+                <a:schemeClr val="tx1">
+                  <a:lumMod val="85000"/>
+                  <a:lumOff val="15000"/>
+                  <a:alpha val="100000"/>
+                </a:schemeClr>
+              </a:solidFill>
+              <a:prstDash val="solid"/>
+            </a:ln>
+          </p:spPr>
+          <p:style>
+            <a:lnRef idx="1">
+              <a:schemeClr val="accent1"/>
+            </a:lnRef>
+            <a:fillRef idx="0">
+              <a:schemeClr val="accent1"/>
+            </a:fillRef>
+            <a:effectRef idx="0">
+              <a:schemeClr val="accent1"/>
+            </a:effectRef>
+            <a:fontRef idx="minor">
+              <a:schemeClr val="tx1"/>
+            </a:fontRef>
+          </p:style>
+        </p:cxnSp>
+        <p:cxnSp>
+          <p:nvCxnSpPr>
+            <p:cNvPr id="35" name="도형 8"/>
+            <p:cNvCxnSpPr/>
+            <p:nvPr/>
+          </p:nvCxnSpPr>
+          <p:spPr>
+            <a:xfrm rot="0" flipV="1">
+              <a:off x="974090" y="121920"/>
+              <a:ext cx="828040" cy="12065"/>
+            </a:xfrm>
+            <a:prstGeom prst="line"/>
+            <a:ln w="12700" cap="flat" cmpd="sng">
+              <a:solidFill>
+                <a:schemeClr val="tx1">
+                  <a:lumMod val="85000"/>
+                  <a:lumOff val="15000"/>
+                  <a:alpha val="100000"/>
+                </a:schemeClr>
+              </a:solidFill>
+              <a:prstDash val="solid"/>
+            </a:ln>
+          </p:spPr>
+          <p:style>
+            <a:lnRef idx="1">
+              <a:schemeClr val="accent1"/>
+            </a:lnRef>
+            <a:fillRef idx="0">
+              <a:schemeClr val="accent1"/>
+            </a:fillRef>
+            <a:effectRef idx="0">
+              <a:schemeClr val="accent1"/>
+            </a:effectRef>
+            <a:fontRef idx="minor">
+              <a:schemeClr val="tx1"/>
+            </a:fontRef>
+          </p:style>
+        </p:cxnSp>
+        <p:sp>
+          <p:nvSpPr>
+            <p:cNvPr id="36" name="도형 9"/>
+            <p:cNvSpPr>
+              <a:spLocks/>
+            </p:cNvSpPr>
+            <p:nvPr/>
+          </p:nvSpPr>
+          <p:spPr>
+            <a:xfrm rot="0">
+              <a:off x="2464435" y="121920"/>
+              <a:ext cx="74295" cy="74295"/>
+            </a:xfrm>
+            <a:prstGeom prst="ellipse"/>
+            <a:noFill/>
+            <a:ln w="12700" cap="flat" cmpd="sng">
+              <a:solidFill>
+                <a:schemeClr val="tx1">
+                  <a:lumMod val="85000"/>
+                  <a:lumOff val="15000"/>
+                  <a:alpha val="100000"/>
+                </a:schemeClr>
+              </a:solidFill>
+              <a:prstDash val="solid"/>
+            </a:ln>
+          </p:spPr>
+          <p:style>
+            <a:lnRef idx="2">
+              <a:schemeClr val="accent1">
+                <a:shade val="50000"/>
+              </a:schemeClr>
+            </a:lnRef>
+            <a:fillRef idx="1">
+              <a:schemeClr val="accent1"/>
+            </a:fillRef>
+            <a:effectRef idx="0">
+              <a:schemeClr val="accent1"/>
+            </a:effectRef>
+            <a:fontRef idx="minor">
+              <a:schemeClr val="lt1"/>
+            </a:fontRef>
+          </p:style>
+          <p:txBody>
+            <a:bodyPr wrap="square" lIns="91440" tIns="45720" rIns="91440" bIns="45720" vert="horz" anchor="ctr">
+              <a:noAutofit/>
+            </a:bodyPr>
+            <a:lstStyle/>
+            <a:p>
+              <a:pPr marL="0" indent="0" rtl="0" algn="ctr" defTabSz="914400" eaLnBrk="1" latinLnBrk="0" hangingPunct="1">
+                <a:buFontTx/>
+                <a:buNone/>
+              </a:pPr>
+              <a:endParaRPr lang="ko-KR" altLang="en-US" sz="1800">
+                <a:solidFill>
+                  <a:srgbClr val="FFFFFF"/>
+                </a:solidFill>
+                <a:latin typeface="맑은 고딕" charset="0"/>
+                <a:ea typeface="맑은 고딕" charset="0"/>
+              </a:endParaRPr>
+            </a:p>
+          </p:txBody>
+        </p:sp>
+        <p:sp>
+          <p:nvSpPr>
+            <p:cNvPr id="37" name="도형 10"/>
+            <p:cNvSpPr>
+              <a:spLocks/>
+            </p:cNvSpPr>
+            <p:nvPr/>
+          </p:nvSpPr>
+          <p:spPr>
+            <a:xfrm rot="20700000">
+              <a:off x="3020695" y="1051560"/>
+              <a:ext cx="74295" cy="74295"/>
+            </a:xfrm>
+            <a:prstGeom prst="triangle"/>
+            <a:noFill/>
+            <a:ln w="12700" cap="flat" cmpd="sng">
+              <a:solidFill>
+                <a:schemeClr val="tx1">
+                  <a:lumMod val="85000"/>
+                  <a:lumOff val="15000"/>
+                  <a:alpha val="100000"/>
+                </a:schemeClr>
+              </a:solidFill>
+              <a:prstDash val="solid"/>
+            </a:ln>
+          </p:spPr>
+          <p:style>
+            <a:lnRef idx="2">
+              <a:schemeClr val="accent1">
+                <a:shade val="50000"/>
+              </a:schemeClr>
+            </a:lnRef>
+            <a:fillRef idx="1">
+              <a:schemeClr val="accent1"/>
+            </a:fillRef>
+            <a:effectRef idx="0">
+              <a:schemeClr val="accent1"/>
+            </a:effectRef>
+            <a:fontRef idx="minor">
+              <a:schemeClr val="lt1"/>
+            </a:fontRef>
+          </p:style>
+          <p:txBody>
+            <a:bodyPr wrap="square" lIns="91440" tIns="45720" rIns="91440" bIns="45720" vert="horz" anchor="ctr">
+              <a:noAutofit/>
+            </a:bodyPr>
+            <a:lstStyle/>
+            <a:p>
+              <a:pPr marL="0" indent="0" rtl="0" algn="ctr" defTabSz="914400" eaLnBrk="1" latinLnBrk="0" hangingPunct="1">
+                <a:buFontTx/>
+                <a:buNone/>
+              </a:pPr>
+              <a:endParaRPr lang="ko-KR" altLang="en-US" sz="1800">
+                <a:solidFill>
+                  <a:srgbClr val="FFFFFF"/>
+                </a:solidFill>
+                <a:latin typeface="맑은 고딕" charset="0"/>
+                <a:ea typeface="맑은 고딕" charset="0"/>
+              </a:endParaRPr>
+            </a:p>
+          </p:txBody>
+        </p:sp>
+        <p:sp>
+          <p:nvSpPr>
+            <p:cNvPr id="38" name="도형 11"/>
+            <p:cNvSpPr>
+              <a:spLocks/>
+            </p:cNvSpPr>
+            <p:nvPr/>
+          </p:nvSpPr>
+          <p:spPr>
+            <a:xfrm rot="0">
+              <a:off x="574675" y="624205"/>
+              <a:ext cx="292100" cy="444500"/>
+            </a:xfrm>
+            <a:custGeom>
+              <a:gdLst>
+                <a:gd fmla="*/ 0 w 289564" name="TX0"/>
+                <a:gd fmla="*/ 0 h 441964" name="TY0"/>
+                <a:gd fmla="*/ 5715 w 289564" name="TX1"/>
+                <a:gd fmla="*/ 315754 h 441964" name="TY1"/>
+                <a:gd fmla="*/ 289560 w 289564" name="TX2"/>
+                <a:gd fmla="*/ 441960 h 441964" name="TY2"/>
+              </a:gdLst>
+              <a:cxnLst>
+                <a:cxn ang="0">
+                  <a:pos x="TX0" y="TY0"/>
+                </a:cxn>
+                <a:cxn ang="0">
+                  <a:pos x="TX1" y="TY1"/>
+                </a:cxn>
+                <a:cxn ang="0">
+                  <a:pos x="TX2" y="TY2"/>
+                </a:cxn>
+              </a:cxnLst>
+              <a:rect l="l" t="t" r="r" b="b"/>
+              <a:pathLst>
+                <a:path w="289564" h="441964">
+                  <a:moveTo>
+                    <a:pt x="0" y="0"/>
+                  </a:moveTo>
+                  <a:lnTo>
+                    <a:pt x="5715" y="315754"/>
+                  </a:lnTo>
+                  <a:lnTo>
+                    <a:pt x="289560" y="441960"/>
+                  </a:lnTo>
+                </a:path>
+              </a:pathLst>
+            </a:custGeom>
+            <a:noFill/>
+            <a:ln w="12700" cap="flat" cmpd="sng">
+              <a:solidFill>
+                <a:schemeClr val="tx1">
+                  <a:lumMod val="85000"/>
+                  <a:lumOff val="15000"/>
+                  <a:alpha val="100000"/>
+                </a:schemeClr>
+              </a:solidFill>
+              <a:prstDash val="solid"/>
+            </a:ln>
+          </p:spPr>
+          <p:style>
+            <a:lnRef idx="2">
+              <a:schemeClr val="accent1">
+                <a:shade val="50000"/>
+              </a:schemeClr>
+            </a:lnRef>
+            <a:fillRef idx="1">
+              <a:schemeClr val="accent1"/>
+            </a:fillRef>
+            <a:effectRef idx="0">
+              <a:schemeClr val="accent1"/>
+            </a:effectRef>
+            <a:fontRef idx="minor">
+              <a:schemeClr val="lt1"/>
+            </a:fontRef>
+          </p:style>
+          <p:txBody>
+            <a:bodyPr wrap="square" lIns="91440" tIns="45720" rIns="91440" bIns="45720" vert="horz" anchor="ctr">
+              <a:noAutofit/>
+            </a:bodyPr>
+            <a:lstStyle/>
+            <a:p>
+              <a:pPr marL="0" indent="0" rtl="0" algn="ctr" defTabSz="914400" eaLnBrk="1" latinLnBrk="0" hangingPunct="1">
+                <a:buFontTx/>
+                <a:buNone/>
+              </a:pPr>
+              <a:endParaRPr lang="ko-KR" altLang="en-US" sz="1800">
+                <a:solidFill>
+                  <a:srgbClr val="FFFFFF"/>
+                </a:solidFill>
+                <a:latin typeface="맑은 고딕" charset="0"/>
+                <a:ea typeface="맑은 고딕" charset="0"/>
+              </a:endParaRPr>
+            </a:p>
+          </p:txBody>
+        </p:sp>
+        <p:sp>
+          <p:nvSpPr>
+            <p:cNvPr id="39" name="도형 12"/>
+            <p:cNvSpPr>
+              <a:spLocks/>
+            </p:cNvSpPr>
+            <p:nvPr/>
+          </p:nvSpPr>
+          <p:spPr>
+            <a:xfrm rot="0">
+              <a:off x="1359535" y="989965"/>
+              <a:ext cx="840740" cy="154940"/>
+            </a:xfrm>
+            <a:custGeom>
+              <a:gdLst>
+                <a:gd fmla="*/ 0 w 838204" name="TX0"/>
+                <a:gd fmla="*/ 152400 h 152404" name="TY0"/>
+                <a:gd fmla="*/ 182880 w 838204" name="TX1"/>
+                <a:gd fmla="*/ 0 h 152404" name="TY1"/>
+                <a:gd fmla="*/ 838200 w 838204" name="TX2"/>
+                <a:gd fmla="*/ 15240 h 152404" name="TY2"/>
+              </a:gdLst>
+              <a:cxnLst>
+                <a:cxn ang="0">
+                  <a:pos x="TX0" y="TY0"/>
+                </a:cxn>
+                <a:cxn ang="0">
+                  <a:pos x="TX1" y="TY1"/>
+                </a:cxn>
+                <a:cxn ang="0">
+                  <a:pos x="TX2" y="TY2"/>
+                </a:cxn>
+              </a:cxnLst>
+              <a:rect l="l" t="t" r="r" b="b"/>
+              <a:pathLst>
+                <a:path w="838204" h="152404">
+                  <a:moveTo>
+                    <a:pt x="0" y="152400"/>
+                  </a:moveTo>
+                  <a:lnTo>
+                    <a:pt x="182880" y="0"/>
+                  </a:lnTo>
+                  <a:lnTo>
+                    <a:pt x="838200" y="15240"/>
+                  </a:lnTo>
+                </a:path>
+              </a:pathLst>
+            </a:custGeom>
+            <a:noFill/>
+            <a:ln w="12700" cap="flat" cmpd="sng">
+              <a:solidFill>
+                <a:schemeClr val="tx1">
+                  <a:lumMod val="85000"/>
+                  <a:lumOff val="15000"/>
+                  <a:alpha val="100000"/>
+                </a:schemeClr>
+              </a:solidFill>
+              <a:prstDash val="solid"/>
+            </a:ln>
+          </p:spPr>
+          <p:style>
+            <a:lnRef idx="2">
+              <a:schemeClr val="accent1">
+                <a:shade val="50000"/>
+              </a:schemeClr>
+            </a:lnRef>
+            <a:fillRef idx="1">
+              <a:schemeClr val="accent1"/>
+            </a:fillRef>
+            <a:effectRef idx="0">
+              <a:schemeClr val="accent1"/>
+            </a:effectRef>
+            <a:fontRef idx="minor">
+              <a:schemeClr val="lt1"/>
+            </a:fontRef>
+          </p:style>
+          <p:txBody>
+            <a:bodyPr wrap="square" lIns="91440" tIns="45720" rIns="91440" bIns="45720" vert="horz" anchor="ctr">
+              <a:noAutofit/>
+            </a:bodyPr>
+            <a:lstStyle/>
+            <a:p>
+              <a:pPr marL="0" indent="0" rtl="0" algn="ctr" defTabSz="914400" eaLnBrk="1" latinLnBrk="0" hangingPunct="1">
+                <a:buFontTx/>
+                <a:buNone/>
+              </a:pPr>
+              <a:endParaRPr lang="ko-KR" altLang="en-US" sz="1800">
+                <a:solidFill>
+                  <a:srgbClr val="FFFFFF"/>
+                </a:solidFill>
+                <a:latin typeface="맑은 고딕" charset="0"/>
+                <a:ea typeface="맑은 고딕" charset="0"/>
+              </a:endParaRPr>
+            </a:p>
+          </p:txBody>
+        </p:sp>
+        <p:sp>
+          <p:nvSpPr>
+            <p:cNvPr id="40" name="도형 13"/>
+            <p:cNvSpPr>
+              <a:spLocks/>
+            </p:cNvSpPr>
+            <p:nvPr/>
+          </p:nvSpPr>
+          <p:spPr>
+            <a:xfrm rot="0">
+              <a:off x="3325495" y="708025"/>
+              <a:ext cx="345440" cy="314960"/>
+            </a:xfrm>
+            <a:custGeom>
+              <a:gdLst>
+                <a:gd fmla="*/ 342900 w 342904" name="TX0"/>
+                <a:gd fmla="*/ 0 h 312424" name="TY0"/>
+                <a:gd fmla="*/ 342900 w 342904" name="TX1"/>
+                <a:gd fmla="*/ 312420 h 312424" name="TY1"/>
+                <a:gd fmla="*/ 0 w 342904" name="TX2"/>
+                <a:gd fmla="*/ 304800 h 312424" name="TY2"/>
+              </a:gdLst>
+              <a:cxnLst>
+                <a:cxn ang="0">
+                  <a:pos x="TX0" y="TY0"/>
+                </a:cxn>
+                <a:cxn ang="0">
+                  <a:pos x="TX1" y="TY1"/>
+                </a:cxn>
+                <a:cxn ang="0">
+                  <a:pos x="TX2" y="TY2"/>
+                </a:cxn>
+              </a:cxnLst>
+              <a:rect l="l" t="t" r="r" b="b"/>
+              <a:pathLst>
+                <a:path w="342904" h="312424">
+                  <a:moveTo>
+                    <a:pt x="342900" y="0"/>
+                  </a:moveTo>
+                  <a:lnTo>
+                    <a:pt x="342900" y="312420"/>
+                  </a:lnTo>
+                  <a:lnTo>
+                    <a:pt x="0" y="304800"/>
+                  </a:lnTo>
+                </a:path>
+              </a:pathLst>
+            </a:custGeom>
+            <a:noFill/>
+            <a:ln w="12700" cap="flat" cmpd="sng">
+              <a:solidFill>
+                <a:schemeClr val="tx1">
+                  <a:lumMod val="85000"/>
+                  <a:lumOff val="15000"/>
+                  <a:alpha val="100000"/>
+                </a:schemeClr>
+              </a:solidFill>
+              <a:prstDash val="solid"/>
+            </a:ln>
+          </p:spPr>
+          <p:style>
+            <a:lnRef idx="2">
+              <a:schemeClr val="accent1">
+                <a:shade val="50000"/>
+              </a:schemeClr>
+            </a:lnRef>
+            <a:fillRef idx="1">
+              <a:schemeClr val="accent1"/>
+            </a:fillRef>
+            <a:effectRef idx="0">
+              <a:schemeClr val="accent1"/>
+            </a:effectRef>
+            <a:fontRef idx="minor">
+              <a:schemeClr val="lt1"/>
+            </a:fontRef>
+          </p:style>
+          <p:txBody>
+            <a:bodyPr wrap="square" lIns="91440" tIns="45720" rIns="91440" bIns="45720" vert="horz" anchor="ctr">
+              <a:noAutofit/>
+            </a:bodyPr>
+            <a:lstStyle/>
+            <a:p>
+              <a:pPr marL="0" indent="0" rtl="0" algn="ctr" defTabSz="914400" eaLnBrk="1" latinLnBrk="0" hangingPunct="1">
+                <a:buFontTx/>
+                <a:buNone/>
+              </a:pPr>
+              <a:endParaRPr lang="ko-KR" altLang="en-US" sz="1800">
+                <a:solidFill>
+                  <a:srgbClr val="FFFFFF"/>
+                </a:solidFill>
+                <a:latin typeface="맑은 고딕" charset="0"/>
+                <a:ea typeface="맑은 고딕" charset="0"/>
+              </a:endParaRPr>
+            </a:p>
+          </p:txBody>
+        </p:sp>
+        <p:cxnSp>
+          <p:nvCxnSpPr>
+            <p:cNvPr id="41" name="도형 14"/>
+            <p:cNvCxnSpPr/>
+            <p:nvPr/>
+          </p:nvCxnSpPr>
+          <p:spPr>
+            <a:xfrm rot="0">
+              <a:off x="1641475" y="1049655"/>
+              <a:ext cx="861060" cy="20955"/>
+            </a:xfrm>
+            <a:prstGeom prst="line"/>
+            <a:ln w="12700" cap="flat" cmpd="sng">
+              <a:solidFill>
+                <a:schemeClr val="tx1">
+                  <a:lumMod val="85000"/>
+                  <a:lumOff val="15000"/>
+                  <a:alpha val="100000"/>
+                </a:schemeClr>
+              </a:solidFill>
+              <a:prstDash val="solid"/>
+            </a:ln>
+          </p:spPr>
+          <p:style>
+            <a:lnRef idx="1">
+              <a:schemeClr val="accent1"/>
+            </a:lnRef>
+            <a:fillRef idx="0">
+              <a:schemeClr val="accent1"/>
+            </a:fillRef>
+            <a:effectRef idx="0">
+              <a:schemeClr val="accent1"/>
+            </a:effectRef>
+            <a:fontRef idx="minor">
+              <a:schemeClr val="tx1"/>
+            </a:fontRef>
+          </p:style>
+        </p:cxnSp>
+        <p:sp>
+          <p:nvSpPr>
+            <p:cNvPr id="42" name="도형 15"/>
+            <p:cNvSpPr>
+              <a:spLocks/>
+            </p:cNvSpPr>
+            <p:nvPr/>
+          </p:nvSpPr>
+          <p:spPr>
+            <a:xfrm rot="20700000">
+              <a:off x="3676015" y="136525"/>
+              <a:ext cx="74295" cy="74295"/>
+            </a:xfrm>
+            <a:prstGeom prst="rect"/>
+            <a:noFill/>
+            <a:ln w="12700" cap="flat" cmpd="sng">
+              <a:solidFill>
+                <a:schemeClr val="tx1">
+                  <a:lumMod val="85000"/>
+                  <a:lumOff val="15000"/>
+                  <a:alpha val="100000"/>
+                </a:schemeClr>
+              </a:solidFill>
+              <a:prstDash val="solid"/>
+            </a:ln>
+          </p:spPr>
+          <p:style>
+            <a:lnRef idx="2">
+              <a:schemeClr val="accent1">
+                <a:shade val="50000"/>
+              </a:schemeClr>
+            </a:lnRef>
+            <a:fillRef idx="1">
+              <a:schemeClr val="accent1"/>
+            </a:fillRef>
+            <a:effectRef idx="0">
+              <a:schemeClr val="accent1"/>
+            </a:effectRef>
+            <a:fontRef idx="minor">
+              <a:schemeClr val="lt1"/>
+            </a:fontRef>
+          </p:style>
+          <p:txBody>
+            <a:bodyPr wrap="square" lIns="91440" tIns="45720" rIns="91440" bIns="45720" vert="horz" anchor="ctr">
+              <a:noAutofit/>
+            </a:bodyPr>
+            <a:lstStyle/>
+            <a:p>
+              <a:pPr marL="0" indent="0" rtl="0" algn="ctr" defTabSz="914400" eaLnBrk="1" latinLnBrk="0" hangingPunct="1">
+                <a:buFontTx/>
+                <a:buNone/>
+              </a:pPr>
+              <a:endParaRPr lang="ko-KR" altLang="en-US" sz="1800">
+                <a:solidFill>
+                  <a:srgbClr val="FFFFFF"/>
+                </a:solidFill>
+                <a:latin typeface="맑은 고딕" charset="0"/>
+                <a:ea typeface="맑은 고딕" charset="0"/>
+              </a:endParaRPr>
+            </a:p>
+          </p:txBody>
+        </p:sp>
+        <p:sp>
+          <p:nvSpPr>
+            <p:cNvPr id="43" name="도형 16"/>
+            <p:cNvSpPr>
+              <a:spLocks/>
+            </p:cNvSpPr>
+            <p:nvPr/>
+          </p:nvSpPr>
+          <p:spPr>
+            <a:xfrm rot="7200000">
+              <a:off x="486410" y="454660"/>
+              <a:ext cx="74295" cy="74295"/>
+            </a:xfrm>
+            <a:prstGeom prst="triangle"/>
+            <a:noFill/>
+            <a:ln w="12700" cap="flat" cmpd="sng">
+              <a:solidFill>
+                <a:schemeClr val="tx1">
+                  <a:lumMod val="85000"/>
+                  <a:lumOff val="15000"/>
+                  <a:alpha val="100000"/>
+                </a:schemeClr>
+              </a:solidFill>
+              <a:prstDash val="solid"/>
+            </a:ln>
+          </p:spPr>
+          <p:style>
+            <a:lnRef idx="2">
+              <a:schemeClr val="accent1">
+                <a:shade val="50000"/>
+              </a:schemeClr>
+            </a:lnRef>
+            <a:fillRef idx="1">
+              <a:schemeClr val="accent1"/>
+            </a:fillRef>
+            <a:effectRef idx="0">
+              <a:schemeClr val="accent1"/>
+            </a:effectRef>
+            <a:fontRef idx="minor">
+              <a:schemeClr val="lt1"/>
+            </a:fontRef>
+          </p:style>
+          <p:txBody>
+            <a:bodyPr wrap="square" lIns="91440" tIns="45720" rIns="91440" bIns="45720" vert="horz" anchor="ctr">
+              <a:noAutofit/>
+            </a:bodyPr>
+            <a:lstStyle/>
+            <a:p>
+              <a:pPr marL="0" indent="0" rtl="0" algn="ctr" defTabSz="914400" eaLnBrk="1" latinLnBrk="0" hangingPunct="1">
+                <a:buFontTx/>
+                <a:buNone/>
+              </a:pPr>
+              <a:endParaRPr lang="ko-KR" altLang="en-US" sz="1800">
+                <a:solidFill>
+                  <a:srgbClr val="FFFFFF"/>
+                </a:solidFill>
+                <a:latin typeface="맑은 고딕" charset="0"/>
+                <a:ea typeface="맑은 고딕" charset="0"/>
+              </a:endParaRPr>
+            </a:p>
+          </p:txBody>
+        </p:sp>
+      </p:grpSp>
+      <p:sp>
+        <p:nvSpPr>
+          <p:cNvPr id="44" name="도형 18"/>
+          <p:cNvSpPr>
+            <a:spLocks/>
+          </p:cNvSpPr>
+          <p:nvPr/>
+        </p:nvSpPr>
+        <p:spPr>
+          <a:xfrm rot="0">
+            <a:off x="940435" y="316230"/>
+            <a:ext cx="1403985" cy="456565"/>
+          </a:xfrm>
+          <a:prstGeom prst="rect"/>
+          <a:ln w="0">
+            <a:noFill/>
+            <a:prstDash/>
+          </a:ln>
+        </p:spPr>
+        <p:txBody>
+          <a:bodyPr wrap="none" lIns="91440" tIns="45720" rIns="91440" bIns="45720" vert="horz" anchor="t">
+            <a:spAutoFit/>
+          </a:bodyPr>
+          <a:lstStyle/>
+          <a:p>
+            <a:pPr marL="0" indent="0" rtl="0" algn="l" defTabSz="914400" eaLnBrk="1" latinLnBrk="0" hangingPunct="1">
+              <a:buFontTx/>
+              <a:buNone/>
+            </a:pPr>
+            <a:r>
+              <a:rPr sz="1800" b="1">
+                <a:solidFill>
+                  <a:srgbClr val="FFFFFF"/>
+                </a:solidFill>
+                <a:latin typeface="맑은 고딕" charset="0"/>
+                <a:ea typeface="맑은 고딕" charset="0"/>
+              </a:rPr>
+              <a:t>CONTENTS</a:t>
+            </a:r>
+            <a:endParaRPr lang="ko-KR" altLang="en-US" sz="1800" b="1">
+              <a:solidFill>
+                <a:srgbClr val="FFFFFF"/>
+              </a:solidFill>
+              <a:latin typeface="맑은 고딕" charset="0"/>
+              <a:ea typeface="맑은 고딕" charset="0"/>
+            </a:endParaRPr>
+          </a:p>
+        </p:txBody>
+      </p:sp>
+      <p:sp>
+        <p:nvSpPr>
+          <p:cNvPr id="45" name="도형 19"/>
+          <p:cNvSpPr>
+            <a:spLocks/>
+          </p:cNvSpPr>
+          <p:nvPr/>
+        </p:nvSpPr>
+        <p:spPr>
+          <a:xfrm rot="0">
+            <a:off x="3914140" y="30480"/>
+            <a:ext cx="7467600" cy="657860"/>
+          </a:xfrm>
+          <a:prstGeom prst="rect"/>
+        </p:spPr>
+        <p:txBody>
+          <a:bodyPr wrap="square" lIns="91440" tIns="45720" rIns="91440" bIns="45720" vert="horz" anchor="t">
+            <a:spAutoFit/>
+          </a:bodyPr>
+          <a:lstStyle/>
+          <a:p>
+            <a:pPr marL="0" indent="0" rtl="0" algn="l" defTabSz="914400" eaLnBrk="1" latinLnBrk="0" hangingPunct="1">
+              <a:buFontTx/>
+              <a:buNone/>
+            </a:pPr>
+            <a:r>
+              <a:rPr sz="2800" i="1" b="1">
+                <a:solidFill>
+                  <a:srgbClr val="08CDD5"/>
+                </a:solidFill>
+                <a:latin typeface="맑은 고딕" charset="0"/>
+                <a:ea typeface="맑은 고딕" charset="0"/>
+              </a:rPr>
+              <a:t>HTML  </a:t>
+            </a:r>
+            <a:r>
+              <a:rPr sz="900">
+                <a:solidFill>
+                  <a:srgbClr val="000000">
+                    <a:lumMod val="75000"/>
+                    <a:lumOff val="25000"/>
+                  </a:srgbClr>
+                </a:solidFill>
+                <a:latin typeface="맑은 고딕" charset="0"/>
+                <a:ea typeface="맑은 고딕" charset="0"/>
+              </a:rPr>
+              <a:t>Welcome to HTML!! 3일차</a:t>
+            </a:r>
+            <a:endParaRPr lang="ko-KR" altLang="en-US" sz="900">
+              <a:solidFill>
+                <a:srgbClr val="000000">
+                  <a:lumMod val="75000"/>
+                  <a:lumOff val="25000"/>
+                </a:srgbClr>
+              </a:solidFill>
+              <a:latin typeface="맑은 고딕" charset="0"/>
+              <a:ea typeface="맑은 고딕" charset="0"/>
+            </a:endParaRPr>
+          </a:p>
+        </p:txBody>
+      </p:sp>
+      <mc:AlternateContent xmlns:mc="http://schemas.openxmlformats.org/markup-compatibility/2006" xmlns:p14="http://schemas.microsoft.com/office/powerpoint/2010/main">
+        <mc:Choice Requires="p14">
+          <p:contentPart p14:bwMode="auto" r:id="rId2">
+            <p14:nvContentPartPr>
+              <p14:cNvPr id="46" name="잉크 20"/>
+              <p14:cNvContentPartPr/>
+              <p14:nvPr/>
+            </p14:nvContentPartPr>
+            <p14:xfrm>
+              <a:off x="1115695" y="3001010"/>
+              <a:ext cx="635" cy="635"/>
+            </p14:xfrm>
+          </p:contentPart>
+        </mc:Choice>
+        <mc:Fallback>
+          <p:pic>
+            <p:nvPicPr>
+              <p:cNvPr id="46" name="잉크 20"/>
+              <p:cNvPicPr/>
+              <p:nvPr/>
+            </p:nvPicPr>
+            <p:blipFill>
+              <a:blip r:embed="rId3"/>
+              <a:stretch>
+                <a:fillRect/>
+              </a:stretch>
+            </p:blipFill>
+            <p:spPr>
+              <a:xfrm>
+                <a:off x="1115695" y="3001010"/>
+                <a:ext cx="635" cy="635"/>
+              </a:xfrm>
+              <a:prstGeom prst="rect">
+                <a:avLst/>
+              </a:prstGeom>
+            </p:spPr>
+          </p:pic>
+        </mc:Fallback>
+      </mc:AlternateContent>
+      <p:sp>
+        <p:nvSpPr>
+          <p:cNvPr id="47" name="텍스트 상자 21"/>
+          <p:cNvSpPr txBox="1">
+            <a:spLocks/>
+          </p:cNvSpPr>
+          <p:nvPr/>
+        </p:nvSpPr>
+        <p:spPr>
+          <a:xfrm rot="0">
+            <a:off x="659130" y="1633855"/>
+            <a:ext cx="7422515" cy="461645"/>
+          </a:xfrm>
+          <a:prstGeom prst="rect"/>
+          <a:noFill/>
+        </p:spPr>
+        <p:txBody>
+          <a:bodyPr wrap="square" lIns="91440" tIns="45720" rIns="91440" bIns="45720" vert="horz" anchor="t">
+            <a:spAutoFit/>
+          </a:bodyPr>
+          <a:lstStyle/>
+          <a:p>
+            <a:pPr marL="0" indent="0" rtl="0" algn="l" defTabSz="914400" eaLnBrk="1" latinLnBrk="0" hangingPunct="1">
+              <a:buFontTx/>
+              <a:buNone/>
+            </a:pPr>
+            <a:r>
+              <a:rPr sz="2400">
+                <a:latin typeface="맑은 고딕" charset="0"/>
+                <a:ea typeface="맑은 고딕" charset="0"/>
+              </a:rPr>
+              <a:t>함수</a:t>
+            </a:r>
+            <a:endParaRPr lang="ko-KR" altLang="en-US" sz="2400">
+              <a:latin typeface="맑은 고딕" charset="0"/>
+              <a:ea typeface="맑은 고딕" charset="0"/>
+            </a:endParaRPr>
+          </a:p>
+        </p:txBody>
+      </p:sp>
+      <p:sp>
+        <p:nvSpPr>
+          <p:cNvPr id="48" name="텍스트 상자 22"/>
+          <p:cNvSpPr txBox="1">
+            <a:spLocks/>
+          </p:cNvSpPr>
+          <p:nvPr/>
+        </p:nvSpPr>
+        <p:spPr>
+          <a:xfrm rot="0">
+            <a:off x="659130" y="2189480"/>
+            <a:ext cx="10869930" cy="4245610"/>
+          </a:xfrm>
+          <a:prstGeom prst="rect"/>
+          <a:noFill/>
+        </p:spPr>
+        <p:txBody>
+          <a:bodyPr wrap="square" lIns="91440" tIns="45720" rIns="91440" bIns="45720" vert="horz" anchor="t">
+            <a:spAutoFit/>
+          </a:bodyPr>
+          <a:lstStyle/>
+          <a:p>
+            <a:pPr marL="342900" indent="-342900" rtl="0" algn="l" defTabSz="914400" eaLnBrk="1" latinLnBrk="0" hangingPunct="1">
+              <a:buFontTx/>
+              <a:buNone/>
+            </a:pPr>
+            <a:r>
+              <a:rPr sz="1800" i="0" b="0">
+                <a:solidFill>
+                  <a:schemeClr val="tx1"/>
+                </a:solidFill>
+                <a:latin typeface="NanumGothic" charset="0"/>
+                <a:ea typeface="NanumGothic" charset="0"/>
+              </a:rPr>
+              <a:t> - 하나의 특별한 목적의 작업을 수행하도록 설계된 독립적인 블록   </a:t>
+            </a:r>
+            <a:endParaRPr lang="ko-KR" altLang="en-US" sz="1800" i="0" b="0">
+              <a:solidFill>
+                <a:schemeClr val="tx1"/>
+              </a:solidFill>
+              <a:latin typeface="NanumGothic" charset="0"/>
+              <a:ea typeface="NanumGothic" charset="0"/>
+            </a:endParaRPr>
+          </a:p>
+          <a:p>
+            <a:pPr marL="342900" indent="-342900" rtl="0" algn="l" defTabSz="914400" eaLnBrk="1" latinLnBrk="0" hangingPunct="1">
+              <a:buFontTx/>
+              <a:buNone/>
+            </a:pPr>
+            <a:r>
+              <a:rPr sz="1800" i="0" b="0">
+                <a:solidFill>
+                  <a:schemeClr val="tx1"/>
+                </a:solidFill>
+                <a:latin typeface="NanumGothic" charset="0"/>
+                <a:ea typeface="NanumGothic" charset="0"/>
+              </a:rPr>
+              <a:t>-  필요할 때마다 호출하여 해당 작업을 반복해서 수행할 수 있음</a:t>
+            </a:r>
+            <a:endParaRPr lang="ko-KR" altLang="en-US" sz="1800" i="0" b="0">
+              <a:solidFill>
+                <a:schemeClr val="tx1"/>
+              </a:solidFill>
+              <a:latin typeface="NanumGothic" charset="0"/>
+              <a:ea typeface="NanumGothic" charset="0"/>
+            </a:endParaRPr>
+          </a:p>
+          <a:p>
+            <a:pPr marL="342900" indent="-342900" rtl="0" algn="l" defTabSz="914400" eaLnBrk="1" latinLnBrk="0" hangingPunct="1">
+              <a:buFontTx/>
+              <a:buNone/>
+            </a:pPr>
+            <a:r>
+              <a:rPr sz="1800" i="0" b="0">
+                <a:solidFill>
+                  <a:schemeClr val="tx1"/>
+                </a:solidFill>
+                <a:latin typeface="NanumGothic" charset="0"/>
+                <a:ea typeface="NanumGothic" charset="0"/>
+              </a:rPr>
+              <a:t>- </a:t>
+            </a:r>
+            <a:r>
+              <a:rPr sz="1800">
+                <a:latin typeface="맑은 고딕" charset="0"/>
+                <a:ea typeface="맑은 고딕" charset="0"/>
+              </a:rPr>
+              <a:t>호출방법  : 함수명();   </a:t>
+            </a:r>
+            <a:r>
+              <a:rPr sz="1800" i="0" b="0">
+                <a:solidFill>
+                  <a:schemeClr val="tx1"/>
+                </a:solidFill>
+                <a:latin typeface="NanumGothic" charset="0"/>
+                <a:ea typeface="NanumGothic" charset="0"/>
+              </a:rPr>
+              <a:t>     </a:t>
+            </a:r>
+            <a:endParaRPr lang="ko-KR" altLang="en-US" sz="1800" i="0" b="0">
+              <a:solidFill>
+                <a:schemeClr val="tx1"/>
+              </a:solidFill>
+              <a:latin typeface="NanumGothic" charset="0"/>
+              <a:ea typeface="NanumGothic" charset="0"/>
+            </a:endParaRPr>
+          </a:p>
+          <a:p>
+            <a:pPr marL="342900" indent="-342900" rtl="0" algn="l" defTabSz="914400" eaLnBrk="1" latinLnBrk="0" hangingPunct="1">
+              <a:buFontTx/>
+              <a:buNone/>
+            </a:pPr>
+            <a:endParaRPr lang="ko-KR" altLang="en-US" sz="1800" i="0" b="0">
+              <a:solidFill>
+                <a:schemeClr val="tx1"/>
+              </a:solidFill>
+              <a:latin typeface="NanumGothic" charset="0"/>
+              <a:ea typeface="NanumGothic" charset="0"/>
+            </a:endParaRPr>
+          </a:p>
+          <a:p>
+            <a:pPr marL="342900" indent="-342900" rtl="0" algn="l" defTabSz="914400" eaLnBrk="1" latinLnBrk="0" hangingPunct="1">
+              <a:buFontTx/>
+              <a:buNone/>
+            </a:pPr>
+            <a:endParaRPr lang="ko-KR" altLang="en-US" sz="1800" i="0" b="0">
+              <a:solidFill>
+                <a:schemeClr val="tx1"/>
+              </a:solidFill>
+              <a:latin typeface="NanumGothic" charset="0"/>
+              <a:ea typeface="NanumGothic" charset="0"/>
+            </a:endParaRPr>
+          </a:p>
+          <a:p>
+            <a:pPr marL="342900" indent="-342900" rtl="0" algn="l" defTabSz="914400" eaLnBrk="1" latinLnBrk="0" hangingPunct="1">
+              <a:buFontTx/>
+              <a:buNone/>
+            </a:pPr>
+            <a:endParaRPr lang="ko-KR" altLang="en-US" sz="1800" i="0" b="0">
+              <a:solidFill>
+                <a:schemeClr val="tx1"/>
+              </a:solidFill>
+              <a:latin typeface="NanumGothic" charset="0"/>
+              <a:ea typeface="NanumGothic" charset="0"/>
+            </a:endParaRPr>
+          </a:p>
+          <a:p>
+            <a:pPr marL="342900" indent="-342900" rtl="0" algn="l" defTabSz="914400" eaLnBrk="1" latinLnBrk="0" hangingPunct="1">
+              <a:buFontTx/>
+              <a:buNone/>
+            </a:pPr>
+            <a:endParaRPr lang="ko-KR" altLang="en-US" sz="1800" i="0" b="0">
+              <a:solidFill>
+                <a:schemeClr val="tx1"/>
+              </a:solidFill>
+              <a:latin typeface="NanumGothic" charset="0"/>
+              <a:ea typeface="NanumGothic" charset="0"/>
+            </a:endParaRPr>
+          </a:p>
+          <a:p>
+            <a:pPr marL="342900" indent="-342900" rtl="0" algn="l" defTabSz="914400" eaLnBrk="1" latinLnBrk="0" hangingPunct="1">
+              <a:buFontTx/>
+              <a:buNone/>
+            </a:pPr>
+            <a:endParaRPr lang="ko-KR" altLang="en-US" sz="1800" i="0" b="0">
+              <a:solidFill>
+                <a:schemeClr val="tx1"/>
+              </a:solidFill>
+              <a:latin typeface="NanumGothic" charset="0"/>
+              <a:ea typeface="NanumGothic" charset="0"/>
+            </a:endParaRPr>
+          </a:p>
+          <a:p>
+            <a:pPr marL="342900" indent="-342900" rtl="0" algn="l" defTabSz="914400" eaLnBrk="1" latinLnBrk="0" hangingPunct="1">
+              <a:buFontTx/>
+              <a:buNone/>
+            </a:pPr>
+            <a:r>
+              <a:rPr sz="1800">
+                <a:latin typeface="맑은 고딕" charset="0"/>
+                <a:ea typeface="맑은 고딕" charset="0"/>
+              </a:rPr>
+              <a:t>                                              </a:t>
+            </a:r>
+            <a:endParaRPr lang="ko-KR" altLang="en-US" sz="1800">
+              <a:latin typeface="맑은 고딕" charset="0"/>
+              <a:ea typeface="맑은 고딕" charset="0"/>
+            </a:endParaRPr>
+          </a:p>
+          <a:p>
+            <a:pPr marL="342900" indent="-342900" rtl="0" algn="l" defTabSz="914400" eaLnBrk="1" latinLnBrk="0" hangingPunct="1">
+              <a:buFontTx/>
+              <a:buNone/>
+            </a:pPr>
+            <a:endParaRPr lang="ko-KR" altLang="en-US" sz="1800" i="0" b="0">
+              <a:solidFill>
+                <a:schemeClr val="tx1"/>
+              </a:solidFill>
+              <a:latin typeface="NanumGothic" charset="0"/>
+              <a:ea typeface="NanumGothic" charset="0"/>
+            </a:endParaRPr>
+          </a:p>
+        </p:txBody>
+      </p:sp>
+      <p:sp>
+        <p:nvSpPr>
+          <p:cNvPr id="49" name="텍스트 상자 23"/>
+          <p:cNvSpPr txBox="1">
+            <a:spLocks/>
+          </p:cNvSpPr>
+          <p:nvPr/>
+        </p:nvSpPr>
+        <p:spPr>
+          <a:xfrm rot="0">
+            <a:off x="346075" y="6191250"/>
+            <a:ext cx="8946515" cy="278130"/>
+          </a:xfrm>
+          <a:prstGeom prst="rect"/>
+          <a:noFill/>
+        </p:spPr>
+        <p:txBody>
+          <a:bodyPr wrap="square" lIns="0" tIns="0" rIns="0" bIns="0" vert="horz" anchor="t">
+            <a:noAutofit/>
+          </a:bodyPr>
+          <a:lstStyle/>
+          <a:p>
+            <a:pPr marL="0" indent="0" rtl="0" algn="l" defTabSz="914400" eaLnBrk="1" latinLnBrk="0" hangingPunct="1">
+              <a:buFontTx/>
+              <a:buNone/>
+            </a:pPr>
+            <a:r>
+              <a:rPr sz="1800">
+                <a:latin typeface="맑은 고딕" charset="0"/>
+                <a:ea typeface="맑은 고딕" charset="0"/>
+              </a:rPr>
+              <a:t>http://www.tcpschool.com/javascript/js_function_basic</a:t>
+            </a:r>
+            <a:endParaRPr lang="ko-KR" altLang="en-US" sz="1800">
+              <a:latin typeface="맑은 고딕" charset="0"/>
+              <a:ea typeface="맑은 고딕" charset="0"/>
+            </a:endParaRPr>
+          </a:p>
+        </p:txBody>
+      </p:sp>
+      <p:pic>
+        <p:nvPicPr>
+          <p:cNvPr id="50" name="그림 24" descr="C:/Users/dltjs/AppData/Roaming/PolarisOffice/ETemp/19584_15531400/fImage71134518467.png"/>
+          <p:cNvPicPr>
+            <a:picLocks noChangeAspect="1"/>
+          </p:cNvPicPr>
+          <p:nvPr/>
+        </p:nvPicPr>
+        <p:blipFill rotWithShape="1">
+          <a:blip r:embed="rId4" cstate="hqprint">
+            <a:extLst>
+              <a:ext uri="{28A0092B-C50C-407E-A947-70E740481C1C}">
+                <a14:useLocalDpi xmlns:a14="http://schemas.microsoft.com/office/drawing/2010/main"/>
+              </a:ext>
+            </a:extLst>
+          </a:blip>
+          <a:srcRect l="2990"/>
+          <a:stretch>
+            <a:fillRect/>
+          </a:stretch>
+        </p:blipFill>
+        <p:spPr>
+          <a:xfrm rot="0">
+            <a:off x="840105" y="3836670"/>
+            <a:ext cx="2699385" cy="1182370"/>
+          </a:xfrm>
+          <a:prstGeom prst="rect"/>
+          <a:noFill/>
+        </p:spPr>
+      </p:pic>
+      <p:pic>
+        <p:nvPicPr>
+          <p:cNvPr id="51" name="그림 25" descr="C:/Users/dltjs/AppData/Roaming/PolarisOffice/ETemp/19584_15531400/fImage159044526334.png"/>
+          <p:cNvPicPr>
+            <a:picLocks noChangeAspect="1"/>
+          </p:cNvPicPr>
+          <p:nvPr/>
+        </p:nvPicPr>
+        <p:blipFill rotWithShape="1">
+          <a:blip r:embed="rId5" cstate="hqprint">
+            <a:extLst>
+              <a:ext uri="{28A0092B-C50C-407E-A947-70E740481C1C}">
+                <a14:useLocalDpi xmlns:a14="http://schemas.microsoft.com/office/drawing/2010/main"/>
+              </a:ext>
+            </a:extLst>
+          </a:blip>
+          <a:stretch>
+            <a:fillRect/>
+          </a:stretch>
+        </p:blipFill>
+        <p:spPr>
+          <a:xfrm rot="0">
+            <a:off x="4892675" y="3728085"/>
+            <a:ext cx="6587490" cy="1401445"/>
+          </a:xfrm>
+          <a:prstGeom prst="rect"/>
+          <a:noFill/>
+        </p:spPr>
+      </p:pic>
+    </p:spTree>
+  </p:cSld>
+  <p:clrMapOvr>
+    <a:masterClrMapping/>
+  </p:clrMapOvr>
+  <mc:AlternateContent xmlns:mc="http://schemas.openxmlformats.org/markup-compatibility/2006">
+    <mc:Choice xmlns:p14="http://schemas.microsoft.com/office/powerpoint/2010/main" Requires="p14">
+      <p:transition spd="slow" p14:dur="0"/>
+    </mc:Choice>
+    <mc:Fallback>
+      <p:transition spd="slow"/>
+    </mc:Fallback>
+  </mc:AlternateContent>
+</p:sld>
+</file>
+
+<file path=ppt/slides/slide15.xml><?xml version="1.0" encoding="utf-8"?>
 <p:sld xmlns:a="http://schemas.openxmlformats.org/drawingml/2006/main" xmlns:r="http://schemas.openxmlformats.org/officeDocument/2006/relationships" xmlns:p="http://schemas.openxmlformats.org/presentationml/2006/main" xmlns:p14="http://schemas.microsoft.com/office/powerpoint/2010/main">
   <p:cSld>
     <p:spTree>
@@ -27049,7 +28598,3111 @@
 </p:sld>
 </file>
 
-<file path=ppt/slides/slide15.xml><?xml version="1.0" encoding="utf-8"?>
+<file path=ppt/slides/slide16.xml><?xml version="1.0" encoding="utf-8"?>
+<p:sld xmlns:a="http://schemas.openxmlformats.org/drawingml/2006/main" xmlns:r="http://schemas.openxmlformats.org/officeDocument/2006/relationships" xmlns:p="http://schemas.openxmlformats.org/presentationml/2006/main" xmlns:p14="http://schemas.microsoft.com/office/powerpoint/2010/main">
+  <p:cSld>
+    <p:spTree>
+      <p:nvGrpSpPr>
+        <p:cNvPr id="1" name=""/>
+        <p:cNvGrpSpPr/>
+        <p:nvPr/>
+      </p:nvGrpSpPr>
+      <p:grpSpPr>
+        <a:xfrm>
+          <a:off x="0" y="0"/>
+          <a:ext cx="0" cy="0"/>
+          <a:chOff x="0" y="0"/>
+          <a:chExt cx="0" cy="0"/>
+        </a:xfrm>
+      </p:grpSpPr>
+      <p:grpSp>
+        <p:nvGrpSpPr>
+          <p:cNvPr id="28" name="Group 5"/>
+          <p:cNvGrpSpPr/>
+          <p:nvPr/>
+        </p:nvGrpSpPr>
+        <p:grpSpPr>
+          <a:xfrm rot="0">
+            <a:off x="145415" y="684530"/>
+            <a:ext cx="11824335" cy="6006465"/>
+            <a:chOff x="145415" y="684530"/>
+            <a:chExt cx="11824335" cy="6006465"/>
+          </a:xfrm>
+        </p:grpSpPr>
+        <p:sp>
+          <p:nvSpPr>
+            <p:cNvPr id="26" name="Rect 0"/>
+            <p:cNvSpPr>
+              <a:spLocks/>
+            </p:cNvSpPr>
+            <p:nvPr/>
+          </p:nvSpPr>
+          <p:spPr>
+            <a:xfrm rot="0">
+              <a:off x="145415" y="684530"/>
+              <a:ext cx="11762740" cy="5958205"/>
+            </a:xfrm>
+            <a:custGeom>
+              <a:gdLst>
+                <a:gd fmla="*/ 3574143 w 11760204" name="TX0"/>
+                <a:gd fmla="*/ 72571 h 5955850" name="TY0"/>
+                <a:gd fmla="*/ 11716657 w 11760204" name="TX1"/>
+                <a:gd fmla="*/ 72571 h 5955850" name="TY1"/>
+                <a:gd fmla="*/ 11760200 w 11760204" name="TX2"/>
+                <a:gd fmla="*/ 5936343 h 5955850" name="TY2"/>
+                <a:gd fmla="*/ 0 w 11760204" name="TX3"/>
+                <a:gd fmla="*/ 5955846 h 5955850" name="TY3"/>
+                <a:gd fmla="*/ 77107 w 11760204" name="TX4"/>
+                <a:gd fmla="*/ 0 h 5955850" name="TY4"/>
+                <a:gd fmla="*/ 206828 w 11760204" name="TX5"/>
+                <a:gd fmla="*/ 0 h 5955850" name="TY5"/>
+              </a:gdLst>
+              <a:cxnLst>
+                <a:cxn ang="0">
+                  <a:pos x="TX0" y="TY0"/>
+                </a:cxn>
+                <a:cxn ang="0">
+                  <a:pos x="TX1" y="TY1"/>
+                </a:cxn>
+                <a:cxn ang="0">
+                  <a:pos x="TX2" y="TY2"/>
+                </a:cxn>
+                <a:cxn ang="0">
+                  <a:pos x="TX3" y="TY3"/>
+                </a:cxn>
+                <a:cxn ang="0">
+                  <a:pos x="TX4" y="TY4"/>
+                </a:cxn>
+                <a:cxn ang="0">
+                  <a:pos x="TX5" y="TY5"/>
+                </a:cxn>
+              </a:cxnLst>
+              <a:rect l="l" t="t" r="r" b="b"/>
+              <a:pathLst>
+                <a:path w="11760204" h="5955850">
+                  <a:moveTo>
+                    <a:pt x="3574143" y="72571"/>
+                  </a:moveTo>
+                  <a:lnTo>
+                    <a:pt x="11716657" y="72571"/>
+                  </a:lnTo>
+                  <a:lnTo>
+                    <a:pt x="11760200" y="5936343"/>
+                  </a:lnTo>
+                  <a:lnTo>
+                    <a:pt x="0" y="5955846"/>
+                  </a:lnTo>
+                  <a:lnTo>
+                    <a:pt x="77107" y="0"/>
+                  </a:lnTo>
+                  <a:lnTo>
+                    <a:pt x="206828" y="0"/>
+                  </a:lnTo>
+                </a:path>
+              </a:pathLst>
+            </a:custGeom>
+            <a:solidFill>
+              <a:schemeClr val="bg1"/>
+            </a:solidFill>
+            <a:ln w="12700" cap="flat" cmpd="sng">
+              <a:solidFill>
+                <a:schemeClr val="tx1">
+                  <a:lumMod val="85000"/>
+                  <a:lumOff val="15000"/>
+                  <a:alpha val="100000"/>
+                </a:schemeClr>
+              </a:solidFill>
+              <a:prstDash val="solid"/>
+            </a:ln>
+          </p:spPr>
+          <p:style>
+            <a:lnRef idx="2">
+              <a:schemeClr val="accent1">
+                <a:shade val="50000"/>
+              </a:schemeClr>
+            </a:lnRef>
+            <a:fillRef idx="1">
+              <a:schemeClr val="accent1"/>
+            </a:fillRef>
+            <a:effectRef idx="0">
+              <a:schemeClr val="accent1"/>
+            </a:effectRef>
+            <a:fontRef idx="minor">
+              <a:schemeClr val="lt1"/>
+            </a:fontRef>
+          </p:style>
+          <p:txBody>
+            <a:bodyPr wrap="square" lIns="91440" tIns="45720" rIns="91440" bIns="45720" numCol="1" vert="horz" anchor="ctr">
+              <a:noAutofit/>
+            </a:bodyPr>
+            <a:lstStyle/>
+            <a:p>
+              <a:pPr marL="0" indent="0" rtl="0" algn="ctr" defTabSz="914400" eaLnBrk="1" latinLnBrk="0" hangingPunct="1">
+                <a:buFontTx/>
+                <a:buNone/>
+              </a:pPr>
+              <a:endParaRPr lang="ko-KR" altLang="en-US" sz="1800">
+                <a:solidFill>
+                  <a:srgbClr val="FFFFFF"/>
+                </a:solidFill>
+                <a:latin typeface="맑은 고딕" charset="0"/>
+                <a:ea typeface="맑은 고딕" charset="0"/>
+              </a:endParaRPr>
+            </a:p>
+          </p:txBody>
+        </p:sp>
+        <p:sp>
+          <p:nvSpPr>
+            <p:cNvPr id="27" name="Rect 0"/>
+            <p:cNvSpPr>
+              <a:spLocks/>
+            </p:cNvSpPr>
+            <p:nvPr/>
+          </p:nvSpPr>
+          <p:spPr>
+            <a:xfrm rot="0">
+              <a:off x="11634470" y="6376035"/>
+              <a:ext cx="335915" cy="314960"/>
+            </a:xfrm>
+            <a:custGeom>
+              <a:gdLst>
+                <a:gd fmla="*/ 333375 w 333379" name="TX0"/>
+                <a:gd fmla="*/ 0 h 312424" name="TY0"/>
+                <a:gd fmla="*/ 333375 w 333379" name="TX1"/>
+                <a:gd fmla="*/ 312420 h 312424" name="TY1"/>
+                <a:gd fmla="*/ 0 w 333379" name="TX2"/>
+                <a:gd fmla="*/ 309563 h 312424" name="TY2"/>
+              </a:gdLst>
+              <a:cxnLst>
+                <a:cxn ang="0">
+                  <a:pos x="TX0" y="TY0"/>
+                </a:cxn>
+                <a:cxn ang="0">
+                  <a:pos x="TX1" y="TY1"/>
+                </a:cxn>
+                <a:cxn ang="0">
+                  <a:pos x="TX2" y="TY2"/>
+                </a:cxn>
+              </a:cxnLst>
+              <a:rect l="l" t="t" r="r" b="b"/>
+              <a:pathLst>
+                <a:path w="333379" h="312424">
+                  <a:moveTo>
+                    <a:pt x="333375" y="0"/>
+                  </a:moveTo>
+                  <a:lnTo>
+                    <a:pt x="333375" y="312420"/>
+                  </a:lnTo>
+                  <a:lnTo>
+                    <a:pt x="0" y="309563"/>
+                  </a:lnTo>
+                </a:path>
+              </a:pathLst>
+            </a:custGeom>
+            <a:noFill/>
+            <a:ln w="12700" cap="flat" cmpd="sng">
+              <a:solidFill>
+                <a:schemeClr val="tx1">
+                  <a:lumMod val="85000"/>
+                  <a:lumOff val="15000"/>
+                  <a:alpha val="100000"/>
+                </a:schemeClr>
+              </a:solidFill>
+              <a:prstDash val="solid"/>
+            </a:ln>
+          </p:spPr>
+          <p:style>
+            <a:lnRef idx="2">
+              <a:schemeClr val="accent1">
+                <a:shade val="50000"/>
+              </a:schemeClr>
+            </a:lnRef>
+            <a:fillRef idx="1">
+              <a:schemeClr val="accent1"/>
+            </a:fillRef>
+            <a:effectRef idx="0">
+              <a:schemeClr val="accent1"/>
+            </a:effectRef>
+            <a:fontRef idx="minor">
+              <a:schemeClr val="lt1"/>
+            </a:fontRef>
+          </p:style>
+          <p:txBody>
+            <a:bodyPr wrap="square" lIns="91440" tIns="45720" rIns="91440" bIns="45720" numCol="1" vert="horz" anchor="ctr">
+              <a:noAutofit/>
+            </a:bodyPr>
+            <a:lstStyle/>
+            <a:p>
+              <a:pPr marL="0" indent="0" rtl="0" algn="ctr" defTabSz="914400" eaLnBrk="1" latinLnBrk="0" hangingPunct="1">
+                <a:buFontTx/>
+                <a:buNone/>
+              </a:pPr>
+              <a:endParaRPr lang="ko-KR" altLang="en-US" sz="1800">
+                <a:solidFill>
+                  <a:srgbClr val="FFFFFF"/>
+                </a:solidFill>
+                <a:latin typeface="맑은 고딕" charset="0"/>
+                <a:ea typeface="맑은 고딕" charset="0"/>
+              </a:endParaRPr>
+            </a:p>
+          </p:txBody>
+        </p:sp>
+      </p:grpSp>
+      <p:grpSp>
+        <p:nvGrpSpPr>
+          <p:cNvPr id="4" name="Group 5"/>
+          <p:cNvGrpSpPr/>
+          <p:nvPr/>
+        </p:nvGrpSpPr>
+        <p:grpSpPr>
+          <a:xfrm rot="0">
+            <a:off x="486410" y="121920"/>
+            <a:ext cx="3264535" cy="1022350"/>
+            <a:chOff x="486410" y="121920"/>
+            <a:chExt cx="3264535" cy="1022350"/>
+          </a:xfrm>
+        </p:grpSpPr>
+        <p:sp>
+          <p:nvSpPr>
+            <p:cNvPr id="16" name="Rect 0"/>
+            <p:cNvSpPr>
+              <a:spLocks/>
+            </p:cNvSpPr>
+            <p:nvPr/>
+          </p:nvSpPr>
+          <p:spPr>
+            <a:xfrm rot="10800000">
+              <a:off x="624840" y="902970"/>
+              <a:ext cx="933450" cy="236220"/>
+            </a:xfrm>
+            <a:prstGeom prst="triangle">
+              <a:avLst>
+                <a:gd name="adj" fmla="val 31437"/>
+              </a:avLst>
+            </a:prstGeom>
+            <a:solidFill>
+              <a:schemeClr val="tx2">
+                <a:lumMod val="75000"/>
+              </a:schemeClr>
+            </a:solidFill>
+            <a:ln w="0">
+              <a:noFill/>
+              <a:prstDash/>
+            </a:ln>
+          </p:spPr>
+          <p:style>
+            <a:lnRef idx="2">
+              <a:schemeClr val="accent1">
+                <a:shade val="50000"/>
+              </a:schemeClr>
+            </a:lnRef>
+            <a:fillRef idx="1">
+              <a:schemeClr val="accent1"/>
+            </a:fillRef>
+            <a:effectRef idx="0">
+              <a:schemeClr val="accent1"/>
+            </a:effectRef>
+            <a:fontRef idx="minor">
+              <a:schemeClr val="lt1"/>
+            </a:fontRef>
+          </p:style>
+          <p:txBody>
+            <a:bodyPr wrap="square" lIns="91440" tIns="45720" rIns="91440" bIns="45720" numCol="1" vert="horz" anchor="ctr">
+              <a:noAutofit/>
+            </a:bodyPr>
+            <a:lstStyle/>
+            <a:p>
+              <a:pPr marL="0" indent="0" rtl="0" algn="ctr" defTabSz="914400" eaLnBrk="1" latinLnBrk="0" hangingPunct="1">
+                <a:buFontTx/>
+                <a:buNone/>
+              </a:pPr>
+              <a:endParaRPr lang="ko-KR" altLang="en-US" sz="1800">
+                <a:solidFill>
+                  <a:srgbClr val="FFFFFF"/>
+                </a:solidFill>
+                <a:latin typeface="맑은 고딕" charset="0"/>
+                <a:ea typeface="맑은 고딕" charset="0"/>
+              </a:endParaRPr>
+            </a:p>
+          </p:txBody>
+        </p:sp>
+        <p:sp>
+          <p:nvSpPr>
+            <p:cNvPr id="2" name="Rect 0"/>
+            <p:cNvSpPr>
+              <a:spLocks/>
+            </p:cNvSpPr>
+            <p:nvPr/>
+          </p:nvSpPr>
+          <p:spPr>
+            <a:xfrm rot="16200000">
+              <a:off x="1745615" y="-894715"/>
+              <a:ext cx="751840" cy="2987040"/>
+            </a:xfrm>
+            <a:prstGeom prst="trapezoid">
+              <a:avLst>
+                <a:gd name="adj" fmla="val 8729"/>
+              </a:avLst>
+            </a:prstGeom>
+            <a:solidFill>
+              <a:srgbClr val="08CDD5"/>
+            </a:solidFill>
+            <a:ln w="0">
+              <a:noFill/>
+              <a:prstDash/>
+            </a:ln>
+          </p:spPr>
+          <p:style>
+            <a:lnRef idx="2">
+              <a:schemeClr val="accent1">
+                <a:shade val="50000"/>
+              </a:schemeClr>
+            </a:lnRef>
+            <a:fillRef idx="1">
+              <a:schemeClr val="accent1"/>
+            </a:fillRef>
+            <a:effectRef idx="0">
+              <a:schemeClr val="accent1"/>
+            </a:effectRef>
+            <a:fontRef idx="minor">
+              <a:schemeClr val="lt1"/>
+            </a:fontRef>
+          </p:style>
+          <p:txBody>
+            <a:bodyPr wrap="square" lIns="91440" tIns="45720" rIns="91440" bIns="45720" numCol="1" vert="horz" anchor="ctr">
+              <a:noAutofit/>
+            </a:bodyPr>
+            <a:lstStyle/>
+            <a:p>
+              <a:pPr marL="0" indent="0" rtl="0" algn="ctr" defTabSz="914400" eaLnBrk="1" latinLnBrk="0" hangingPunct="1">
+                <a:buFontTx/>
+                <a:buNone/>
+              </a:pPr>
+              <a:endParaRPr lang="ko-KR" altLang="en-US" sz="1800">
+                <a:solidFill>
+                  <a:srgbClr val="FFFFFF"/>
+                </a:solidFill>
+                <a:latin typeface="맑은 고딕" charset="0"/>
+                <a:ea typeface="맑은 고딕" charset="0"/>
+              </a:endParaRPr>
+            </a:p>
+          </p:txBody>
+        </p:sp>
+        <p:cxnSp>
+          <p:nvCxnSpPr>
+            <p:cNvPr id="6" name="Rect 0"/>
+            <p:cNvCxnSpPr/>
+            <p:nvPr/>
+          </p:nvCxnSpPr>
+          <p:spPr>
+            <a:xfrm rot="0" flipV="1">
+              <a:off x="628015" y="172085"/>
+              <a:ext cx="1717040" cy="27305"/>
+            </a:xfrm>
+            <a:prstGeom prst="line"/>
+            <a:ln w="12700" cap="flat" cmpd="sng">
+              <a:solidFill>
+                <a:schemeClr val="tx1">
+                  <a:lumMod val="85000"/>
+                  <a:lumOff val="15000"/>
+                  <a:alpha val="100000"/>
+                </a:schemeClr>
+              </a:solidFill>
+              <a:prstDash val="solid"/>
+            </a:ln>
+          </p:spPr>
+          <p:style>
+            <a:lnRef idx="1">
+              <a:schemeClr val="accent1"/>
+            </a:lnRef>
+            <a:fillRef idx="0">
+              <a:schemeClr val="accent1"/>
+            </a:fillRef>
+            <a:effectRef idx="0">
+              <a:schemeClr val="accent1"/>
+            </a:effectRef>
+            <a:fontRef idx="minor">
+              <a:schemeClr val="tx1"/>
+            </a:fontRef>
+          </p:style>
+        </p:cxnSp>
+        <p:cxnSp>
+          <p:nvCxnSpPr>
+            <p:cNvPr id="8" name="Rect 0"/>
+            <p:cNvCxnSpPr/>
+            <p:nvPr/>
+          </p:nvCxnSpPr>
+          <p:spPr>
+            <a:xfrm rot="0" flipV="1">
+              <a:off x="974090" y="121920"/>
+              <a:ext cx="828040" cy="12065"/>
+            </a:xfrm>
+            <a:prstGeom prst="line"/>
+            <a:ln w="12700" cap="flat" cmpd="sng">
+              <a:solidFill>
+                <a:schemeClr val="tx1">
+                  <a:lumMod val="85000"/>
+                  <a:lumOff val="15000"/>
+                  <a:alpha val="100000"/>
+                </a:schemeClr>
+              </a:solidFill>
+              <a:prstDash val="solid"/>
+            </a:ln>
+          </p:spPr>
+          <p:style>
+            <a:lnRef idx="1">
+              <a:schemeClr val="accent1"/>
+            </a:lnRef>
+            <a:fillRef idx="0">
+              <a:schemeClr val="accent1"/>
+            </a:fillRef>
+            <a:effectRef idx="0">
+              <a:schemeClr val="accent1"/>
+            </a:effectRef>
+            <a:fontRef idx="minor">
+              <a:schemeClr val="tx1"/>
+            </a:fontRef>
+          </p:style>
+        </p:cxnSp>
+        <p:sp>
+          <p:nvSpPr>
+            <p:cNvPr id="13" name="Rect 0"/>
+            <p:cNvSpPr>
+              <a:spLocks/>
+            </p:cNvSpPr>
+            <p:nvPr/>
+          </p:nvSpPr>
+          <p:spPr>
+            <a:xfrm rot="0">
+              <a:off x="2464435" y="121920"/>
+              <a:ext cx="74295" cy="74295"/>
+            </a:xfrm>
+            <a:prstGeom prst="ellipse"/>
+            <a:noFill/>
+            <a:ln w="12700" cap="flat" cmpd="sng">
+              <a:solidFill>
+                <a:schemeClr val="tx1">
+                  <a:lumMod val="85000"/>
+                  <a:lumOff val="15000"/>
+                  <a:alpha val="100000"/>
+                </a:schemeClr>
+              </a:solidFill>
+              <a:prstDash val="solid"/>
+            </a:ln>
+          </p:spPr>
+          <p:style>
+            <a:lnRef idx="2">
+              <a:schemeClr val="accent1">
+                <a:shade val="50000"/>
+              </a:schemeClr>
+            </a:lnRef>
+            <a:fillRef idx="1">
+              <a:schemeClr val="accent1"/>
+            </a:fillRef>
+            <a:effectRef idx="0">
+              <a:schemeClr val="accent1"/>
+            </a:effectRef>
+            <a:fontRef idx="minor">
+              <a:schemeClr val="lt1"/>
+            </a:fontRef>
+          </p:style>
+          <p:txBody>
+            <a:bodyPr wrap="square" lIns="91440" tIns="45720" rIns="91440" bIns="45720" numCol="1" vert="horz" anchor="ctr">
+              <a:noAutofit/>
+            </a:bodyPr>
+            <a:lstStyle/>
+            <a:p>
+              <a:pPr marL="0" indent="0" rtl="0" algn="ctr" defTabSz="914400" eaLnBrk="1" latinLnBrk="0" hangingPunct="1">
+                <a:buFontTx/>
+                <a:buNone/>
+              </a:pPr>
+              <a:endParaRPr lang="ko-KR" altLang="en-US" sz="1800">
+                <a:solidFill>
+                  <a:srgbClr val="FFFFFF"/>
+                </a:solidFill>
+                <a:latin typeface="맑은 고딕" charset="0"/>
+                <a:ea typeface="맑은 고딕" charset="0"/>
+              </a:endParaRPr>
+            </a:p>
+          </p:txBody>
+        </p:sp>
+        <p:sp>
+          <p:nvSpPr>
+            <p:cNvPr id="14" name="Rect 0"/>
+            <p:cNvSpPr>
+              <a:spLocks/>
+            </p:cNvSpPr>
+            <p:nvPr/>
+          </p:nvSpPr>
+          <p:spPr>
+            <a:xfrm rot="20700000">
+              <a:off x="3020695" y="1051560"/>
+              <a:ext cx="74295" cy="74295"/>
+            </a:xfrm>
+            <a:prstGeom prst="triangle"/>
+            <a:noFill/>
+            <a:ln w="12700" cap="flat" cmpd="sng">
+              <a:solidFill>
+                <a:schemeClr val="tx1">
+                  <a:lumMod val="85000"/>
+                  <a:lumOff val="15000"/>
+                  <a:alpha val="100000"/>
+                </a:schemeClr>
+              </a:solidFill>
+              <a:prstDash val="solid"/>
+            </a:ln>
+          </p:spPr>
+          <p:style>
+            <a:lnRef idx="2">
+              <a:schemeClr val="accent1">
+                <a:shade val="50000"/>
+              </a:schemeClr>
+            </a:lnRef>
+            <a:fillRef idx="1">
+              <a:schemeClr val="accent1"/>
+            </a:fillRef>
+            <a:effectRef idx="0">
+              <a:schemeClr val="accent1"/>
+            </a:effectRef>
+            <a:fontRef idx="minor">
+              <a:schemeClr val="lt1"/>
+            </a:fontRef>
+          </p:style>
+          <p:txBody>
+            <a:bodyPr wrap="square" lIns="91440" tIns="45720" rIns="91440" bIns="45720" numCol="1" vert="horz" anchor="ctr">
+              <a:noAutofit/>
+            </a:bodyPr>
+            <a:lstStyle/>
+            <a:p>
+              <a:pPr marL="0" indent="0" rtl="0" algn="ctr" defTabSz="914400" eaLnBrk="1" latinLnBrk="0" hangingPunct="1">
+                <a:buFontTx/>
+                <a:buNone/>
+              </a:pPr>
+              <a:endParaRPr lang="ko-KR" altLang="en-US" sz="1800">
+                <a:solidFill>
+                  <a:srgbClr val="FFFFFF"/>
+                </a:solidFill>
+                <a:latin typeface="맑은 고딕" charset="0"/>
+                <a:ea typeface="맑은 고딕" charset="0"/>
+              </a:endParaRPr>
+            </a:p>
+          </p:txBody>
+        </p:sp>
+        <p:sp>
+          <p:nvSpPr>
+            <p:cNvPr id="17" name="Rect 0"/>
+            <p:cNvSpPr>
+              <a:spLocks/>
+            </p:cNvSpPr>
+            <p:nvPr/>
+          </p:nvSpPr>
+          <p:spPr>
+            <a:xfrm rot="0">
+              <a:off x="574675" y="624205"/>
+              <a:ext cx="292100" cy="444500"/>
+            </a:xfrm>
+            <a:custGeom>
+              <a:gdLst>
+                <a:gd fmla="*/ 0 w 289564" name="TX0"/>
+                <a:gd fmla="*/ 0 h 441964" name="TY0"/>
+                <a:gd fmla="*/ 5715 w 289564" name="TX1"/>
+                <a:gd fmla="*/ 315754 h 441964" name="TY1"/>
+                <a:gd fmla="*/ 289560 w 289564" name="TX2"/>
+                <a:gd fmla="*/ 441960 h 441964" name="TY2"/>
+              </a:gdLst>
+              <a:cxnLst>
+                <a:cxn ang="0">
+                  <a:pos x="TX0" y="TY0"/>
+                </a:cxn>
+                <a:cxn ang="0">
+                  <a:pos x="TX1" y="TY1"/>
+                </a:cxn>
+                <a:cxn ang="0">
+                  <a:pos x="TX2" y="TY2"/>
+                </a:cxn>
+              </a:cxnLst>
+              <a:rect l="l" t="t" r="r" b="b"/>
+              <a:pathLst>
+                <a:path w="289564" h="441964">
+                  <a:moveTo>
+                    <a:pt x="0" y="0"/>
+                  </a:moveTo>
+                  <a:lnTo>
+                    <a:pt x="5715" y="315754"/>
+                  </a:lnTo>
+                  <a:lnTo>
+                    <a:pt x="289560" y="441960"/>
+                  </a:lnTo>
+                </a:path>
+              </a:pathLst>
+            </a:custGeom>
+            <a:noFill/>
+            <a:ln w="12700" cap="flat" cmpd="sng">
+              <a:solidFill>
+                <a:schemeClr val="tx1">
+                  <a:lumMod val="85000"/>
+                  <a:lumOff val="15000"/>
+                  <a:alpha val="100000"/>
+                </a:schemeClr>
+              </a:solidFill>
+              <a:prstDash val="solid"/>
+            </a:ln>
+          </p:spPr>
+          <p:style>
+            <a:lnRef idx="2">
+              <a:schemeClr val="accent1">
+                <a:shade val="50000"/>
+              </a:schemeClr>
+            </a:lnRef>
+            <a:fillRef idx="1">
+              <a:schemeClr val="accent1"/>
+            </a:fillRef>
+            <a:effectRef idx="0">
+              <a:schemeClr val="accent1"/>
+            </a:effectRef>
+            <a:fontRef idx="minor">
+              <a:schemeClr val="lt1"/>
+            </a:fontRef>
+          </p:style>
+          <p:txBody>
+            <a:bodyPr wrap="square" lIns="91440" tIns="45720" rIns="91440" bIns="45720" numCol="1" vert="horz" anchor="ctr">
+              <a:noAutofit/>
+            </a:bodyPr>
+            <a:lstStyle/>
+            <a:p>
+              <a:pPr marL="0" indent="0" rtl="0" algn="ctr" defTabSz="914400" eaLnBrk="1" latinLnBrk="0" hangingPunct="1">
+                <a:buFontTx/>
+                <a:buNone/>
+              </a:pPr>
+              <a:endParaRPr lang="ko-KR" altLang="en-US" sz="1800">
+                <a:solidFill>
+                  <a:srgbClr val="FFFFFF"/>
+                </a:solidFill>
+                <a:latin typeface="맑은 고딕" charset="0"/>
+                <a:ea typeface="맑은 고딕" charset="0"/>
+              </a:endParaRPr>
+            </a:p>
+          </p:txBody>
+        </p:sp>
+        <p:sp>
+          <p:nvSpPr>
+            <p:cNvPr id="18" name="Rect 0"/>
+            <p:cNvSpPr>
+              <a:spLocks/>
+            </p:cNvSpPr>
+            <p:nvPr/>
+          </p:nvSpPr>
+          <p:spPr>
+            <a:xfrm rot="0">
+              <a:off x="1359535" y="989965"/>
+              <a:ext cx="840740" cy="154940"/>
+            </a:xfrm>
+            <a:custGeom>
+              <a:gdLst>
+                <a:gd fmla="*/ 0 w 838204" name="TX0"/>
+                <a:gd fmla="*/ 152400 h 152404" name="TY0"/>
+                <a:gd fmla="*/ 182880 w 838204" name="TX1"/>
+                <a:gd fmla="*/ 0 h 152404" name="TY1"/>
+                <a:gd fmla="*/ 838200 w 838204" name="TX2"/>
+                <a:gd fmla="*/ 15240 h 152404" name="TY2"/>
+              </a:gdLst>
+              <a:cxnLst>
+                <a:cxn ang="0">
+                  <a:pos x="TX0" y="TY0"/>
+                </a:cxn>
+                <a:cxn ang="0">
+                  <a:pos x="TX1" y="TY1"/>
+                </a:cxn>
+                <a:cxn ang="0">
+                  <a:pos x="TX2" y="TY2"/>
+                </a:cxn>
+              </a:cxnLst>
+              <a:rect l="l" t="t" r="r" b="b"/>
+              <a:pathLst>
+                <a:path w="838204" h="152404">
+                  <a:moveTo>
+                    <a:pt x="0" y="152400"/>
+                  </a:moveTo>
+                  <a:lnTo>
+                    <a:pt x="182880" y="0"/>
+                  </a:lnTo>
+                  <a:lnTo>
+                    <a:pt x="838200" y="15240"/>
+                  </a:lnTo>
+                </a:path>
+              </a:pathLst>
+            </a:custGeom>
+            <a:noFill/>
+            <a:ln w="12700" cap="flat" cmpd="sng">
+              <a:solidFill>
+                <a:schemeClr val="tx1">
+                  <a:lumMod val="85000"/>
+                  <a:lumOff val="15000"/>
+                  <a:alpha val="100000"/>
+                </a:schemeClr>
+              </a:solidFill>
+              <a:prstDash val="solid"/>
+            </a:ln>
+          </p:spPr>
+          <p:style>
+            <a:lnRef idx="2">
+              <a:schemeClr val="accent1">
+                <a:shade val="50000"/>
+              </a:schemeClr>
+            </a:lnRef>
+            <a:fillRef idx="1">
+              <a:schemeClr val="accent1"/>
+            </a:fillRef>
+            <a:effectRef idx="0">
+              <a:schemeClr val="accent1"/>
+            </a:effectRef>
+            <a:fontRef idx="minor">
+              <a:schemeClr val="lt1"/>
+            </a:fontRef>
+          </p:style>
+          <p:txBody>
+            <a:bodyPr wrap="square" lIns="91440" tIns="45720" rIns="91440" bIns="45720" numCol="1" vert="horz" anchor="ctr">
+              <a:noAutofit/>
+            </a:bodyPr>
+            <a:lstStyle/>
+            <a:p>
+              <a:pPr marL="0" indent="0" rtl="0" algn="ctr" defTabSz="914400" eaLnBrk="1" latinLnBrk="0" hangingPunct="1">
+                <a:buFontTx/>
+                <a:buNone/>
+              </a:pPr>
+              <a:endParaRPr lang="ko-KR" altLang="en-US" sz="1800">
+                <a:solidFill>
+                  <a:srgbClr val="FFFFFF"/>
+                </a:solidFill>
+                <a:latin typeface="맑은 고딕" charset="0"/>
+                <a:ea typeface="맑은 고딕" charset="0"/>
+              </a:endParaRPr>
+            </a:p>
+          </p:txBody>
+        </p:sp>
+        <p:sp>
+          <p:nvSpPr>
+            <p:cNvPr id="19" name="Rect 0"/>
+            <p:cNvSpPr>
+              <a:spLocks/>
+            </p:cNvSpPr>
+            <p:nvPr/>
+          </p:nvSpPr>
+          <p:spPr>
+            <a:xfrm rot="0">
+              <a:off x="3325495" y="708025"/>
+              <a:ext cx="345440" cy="314960"/>
+            </a:xfrm>
+            <a:custGeom>
+              <a:gdLst>
+                <a:gd fmla="*/ 342900 w 342904" name="TX0"/>
+                <a:gd fmla="*/ 0 h 312424" name="TY0"/>
+                <a:gd fmla="*/ 342900 w 342904" name="TX1"/>
+                <a:gd fmla="*/ 312420 h 312424" name="TY1"/>
+                <a:gd fmla="*/ 0 w 342904" name="TX2"/>
+                <a:gd fmla="*/ 304800 h 312424" name="TY2"/>
+              </a:gdLst>
+              <a:cxnLst>
+                <a:cxn ang="0">
+                  <a:pos x="TX0" y="TY0"/>
+                </a:cxn>
+                <a:cxn ang="0">
+                  <a:pos x="TX1" y="TY1"/>
+                </a:cxn>
+                <a:cxn ang="0">
+                  <a:pos x="TX2" y="TY2"/>
+                </a:cxn>
+              </a:cxnLst>
+              <a:rect l="l" t="t" r="r" b="b"/>
+              <a:pathLst>
+                <a:path w="342904" h="312424">
+                  <a:moveTo>
+                    <a:pt x="342900" y="0"/>
+                  </a:moveTo>
+                  <a:lnTo>
+                    <a:pt x="342900" y="312420"/>
+                  </a:lnTo>
+                  <a:lnTo>
+                    <a:pt x="0" y="304800"/>
+                  </a:lnTo>
+                </a:path>
+              </a:pathLst>
+            </a:custGeom>
+            <a:noFill/>
+            <a:ln w="12700" cap="flat" cmpd="sng">
+              <a:solidFill>
+                <a:schemeClr val="tx1">
+                  <a:lumMod val="85000"/>
+                  <a:lumOff val="15000"/>
+                  <a:alpha val="100000"/>
+                </a:schemeClr>
+              </a:solidFill>
+              <a:prstDash val="solid"/>
+            </a:ln>
+          </p:spPr>
+          <p:style>
+            <a:lnRef idx="2">
+              <a:schemeClr val="accent1">
+                <a:shade val="50000"/>
+              </a:schemeClr>
+            </a:lnRef>
+            <a:fillRef idx="1">
+              <a:schemeClr val="accent1"/>
+            </a:fillRef>
+            <a:effectRef idx="0">
+              <a:schemeClr val="accent1"/>
+            </a:effectRef>
+            <a:fontRef idx="minor">
+              <a:schemeClr val="lt1"/>
+            </a:fontRef>
+          </p:style>
+          <p:txBody>
+            <a:bodyPr wrap="square" lIns="91440" tIns="45720" rIns="91440" bIns="45720" numCol="1" vert="horz" anchor="ctr">
+              <a:noAutofit/>
+            </a:bodyPr>
+            <a:lstStyle/>
+            <a:p>
+              <a:pPr marL="0" indent="0" rtl="0" algn="ctr" defTabSz="914400" eaLnBrk="1" latinLnBrk="0" hangingPunct="1">
+                <a:buFontTx/>
+                <a:buNone/>
+              </a:pPr>
+              <a:endParaRPr lang="ko-KR" altLang="en-US" sz="1800">
+                <a:solidFill>
+                  <a:srgbClr val="FFFFFF"/>
+                </a:solidFill>
+                <a:latin typeface="맑은 고딕" charset="0"/>
+                <a:ea typeface="맑은 고딕" charset="0"/>
+              </a:endParaRPr>
+            </a:p>
+          </p:txBody>
+        </p:sp>
+        <p:cxnSp>
+          <p:nvCxnSpPr>
+            <p:cNvPr id="20" name="Rect 0"/>
+            <p:cNvCxnSpPr/>
+            <p:nvPr/>
+          </p:nvCxnSpPr>
+          <p:spPr>
+            <a:xfrm rot="0">
+              <a:off x="1641475" y="1049655"/>
+              <a:ext cx="861060" cy="20955"/>
+            </a:xfrm>
+            <a:prstGeom prst="line"/>
+            <a:ln w="12700" cap="flat" cmpd="sng">
+              <a:solidFill>
+                <a:schemeClr val="tx1">
+                  <a:lumMod val="85000"/>
+                  <a:lumOff val="15000"/>
+                  <a:alpha val="100000"/>
+                </a:schemeClr>
+              </a:solidFill>
+              <a:prstDash val="solid"/>
+            </a:ln>
+          </p:spPr>
+          <p:style>
+            <a:lnRef idx="1">
+              <a:schemeClr val="accent1"/>
+            </a:lnRef>
+            <a:fillRef idx="0">
+              <a:schemeClr val="accent1"/>
+            </a:fillRef>
+            <a:effectRef idx="0">
+              <a:schemeClr val="accent1"/>
+            </a:effectRef>
+            <a:fontRef idx="minor">
+              <a:schemeClr val="tx1"/>
+            </a:fontRef>
+          </p:style>
+        </p:cxnSp>
+        <p:sp>
+          <p:nvSpPr>
+            <p:cNvPr id="22" name="Rect 0"/>
+            <p:cNvSpPr>
+              <a:spLocks/>
+            </p:cNvSpPr>
+            <p:nvPr/>
+          </p:nvSpPr>
+          <p:spPr>
+            <a:xfrm rot="20700000">
+              <a:off x="3676015" y="136525"/>
+              <a:ext cx="74295" cy="74295"/>
+            </a:xfrm>
+            <a:prstGeom prst="rect"/>
+            <a:noFill/>
+            <a:ln w="12700" cap="flat" cmpd="sng">
+              <a:solidFill>
+                <a:schemeClr val="tx1">
+                  <a:lumMod val="85000"/>
+                  <a:lumOff val="15000"/>
+                  <a:alpha val="100000"/>
+                </a:schemeClr>
+              </a:solidFill>
+              <a:prstDash val="solid"/>
+            </a:ln>
+          </p:spPr>
+          <p:style>
+            <a:lnRef idx="2">
+              <a:schemeClr val="accent1">
+                <a:shade val="50000"/>
+              </a:schemeClr>
+            </a:lnRef>
+            <a:fillRef idx="1">
+              <a:schemeClr val="accent1"/>
+            </a:fillRef>
+            <a:effectRef idx="0">
+              <a:schemeClr val="accent1"/>
+            </a:effectRef>
+            <a:fontRef idx="minor">
+              <a:schemeClr val="lt1"/>
+            </a:fontRef>
+          </p:style>
+          <p:txBody>
+            <a:bodyPr wrap="square" lIns="91440" tIns="45720" rIns="91440" bIns="45720" numCol="1" vert="horz" anchor="ctr">
+              <a:noAutofit/>
+            </a:bodyPr>
+            <a:lstStyle/>
+            <a:p>
+              <a:pPr marL="0" indent="0" rtl="0" algn="ctr" defTabSz="914400" eaLnBrk="1" latinLnBrk="0" hangingPunct="1">
+                <a:buFontTx/>
+                <a:buNone/>
+              </a:pPr>
+              <a:endParaRPr lang="ko-KR" altLang="en-US" sz="1800">
+                <a:solidFill>
+                  <a:srgbClr val="FFFFFF"/>
+                </a:solidFill>
+                <a:latin typeface="맑은 고딕" charset="0"/>
+                <a:ea typeface="맑은 고딕" charset="0"/>
+              </a:endParaRPr>
+            </a:p>
+          </p:txBody>
+        </p:sp>
+        <p:sp>
+          <p:nvSpPr>
+            <p:cNvPr id="23" name="Rect 0"/>
+            <p:cNvSpPr>
+              <a:spLocks/>
+            </p:cNvSpPr>
+            <p:nvPr/>
+          </p:nvSpPr>
+          <p:spPr>
+            <a:xfrm rot="7200000">
+              <a:off x="486410" y="454660"/>
+              <a:ext cx="74295" cy="74295"/>
+            </a:xfrm>
+            <a:prstGeom prst="triangle"/>
+            <a:noFill/>
+            <a:ln w="12700" cap="flat" cmpd="sng">
+              <a:solidFill>
+                <a:schemeClr val="tx1">
+                  <a:lumMod val="85000"/>
+                  <a:lumOff val="15000"/>
+                  <a:alpha val="100000"/>
+                </a:schemeClr>
+              </a:solidFill>
+              <a:prstDash val="solid"/>
+            </a:ln>
+          </p:spPr>
+          <p:style>
+            <a:lnRef idx="2">
+              <a:schemeClr val="accent1">
+                <a:shade val="50000"/>
+              </a:schemeClr>
+            </a:lnRef>
+            <a:fillRef idx="1">
+              <a:schemeClr val="accent1"/>
+            </a:fillRef>
+            <a:effectRef idx="0">
+              <a:schemeClr val="accent1"/>
+            </a:effectRef>
+            <a:fontRef idx="minor">
+              <a:schemeClr val="lt1"/>
+            </a:fontRef>
+          </p:style>
+          <p:txBody>
+            <a:bodyPr wrap="square" lIns="91440" tIns="45720" rIns="91440" bIns="45720" numCol="1" vert="horz" anchor="ctr">
+              <a:noAutofit/>
+            </a:bodyPr>
+            <a:lstStyle/>
+            <a:p>
+              <a:pPr marL="0" indent="0" rtl="0" algn="ctr" defTabSz="914400" eaLnBrk="1" latinLnBrk="0" hangingPunct="1">
+                <a:buFontTx/>
+                <a:buNone/>
+              </a:pPr>
+              <a:endParaRPr lang="ko-KR" altLang="en-US" sz="1800">
+                <a:solidFill>
+                  <a:srgbClr val="FFFFFF"/>
+                </a:solidFill>
+                <a:latin typeface="맑은 고딕" charset="0"/>
+                <a:ea typeface="맑은 고딕" charset="0"/>
+              </a:endParaRPr>
+            </a:p>
+          </p:txBody>
+        </p:sp>
+      </p:grpSp>
+      <p:sp>
+        <p:nvSpPr>
+          <p:cNvPr id="15" name="Rect 0"/>
+          <p:cNvSpPr>
+            <a:spLocks/>
+          </p:cNvSpPr>
+          <p:nvPr/>
+        </p:nvSpPr>
+        <p:spPr>
+          <a:xfrm rot="0">
+            <a:off x="940435" y="316230"/>
+            <a:ext cx="1403985" cy="456565"/>
+          </a:xfrm>
+          <a:prstGeom prst="rect"/>
+          <a:ln w="0">
+            <a:noFill/>
+            <a:prstDash/>
+          </a:ln>
+        </p:spPr>
+        <p:txBody>
+          <a:bodyPr wrap="none" lIns="91440" tIns="45720" rIns="91440" bIns="45720" numCol="1" vert="horz" anchor="t">
+            <a:spAutoFit/>
+          </a:bodyPr>
+          <a:lstStyle/>
+          <a:p>
+            <a:pPr marL="0" indent="0" rtl="0" algn="l" defTabSz="914400" eaLnBrk="1" latinLnBrk="0" hangingPunct="1">
+              <a:buFontTx/>
+              <a:buNone/>
+            </a:pPr>
+            <a:r>
+              <a:rPr sz="1800" b="1">
+                <a:solidFill>
+                  <a:srgbClr val="FFFFFF"/>
+                </a:solidFill>
+                <a:latin typeface="맑은 고딕" charset="0"/>
+                <a:ea typeface="맑은 고딕" charset="0"/>
+              </a:rPr>
+              <a:t>CONTENTS</a:t>
+            </a:r>
+            <a:endParaRPr lang="ko-KR" altLang="en-US" sz="1800" b="1">
+              <a:solidFill>
+                <a:srgbClr val="FFFFFF"/>
+              </a:solidFill>
+              <a:latin typeface="맑은 고딕" charset="0"/>
+              <a:ea typeface="맑은 고딕" charset="0"/>
+            </a:endParaRPr>
+          </a:p>
+        </p:txBody>
+      </p:sp>
+      <p:sp>
+        <p:nvSpPr>
+          <p:cNvPr id="24" name="Rect 0"/>
+          <p:cNvSpPr>
+            <a:spLocks/>
+          </p:cNvSpPr>
+          <p:nvPr/>
+        </p:nvSpPr>
+        <p:spPr>
+          <a:xfrm rot="0">
+            <a:off x="3914140" y="30480"/>
+            <a:ext cx="7467600" cy="657860"/>
+          </a:xfrm>
+          <a:prstGeom prst="rect"/>
+        </p:spPr>
+        <p:txBody>
+          <a:bodyPr wrap="square" lIns="91440" tIns="45720" rIns="91440" bIns="45720" numCol="1" vert="horz" anchor="t">
+            <a:spAutoFit/>
+          </a:bodyPr>
+          <a:lstStyle/>
+          <a:p>
+            <a:pPr marL="0" indent="0" rtl="0" algn="l" defTabSz="914400" eaLnBrk="1" latinLnBrk="0" hangingPunct="1">
+              <a:buFontTx/>
+              <a:buNone/>
+            </a:pPr>
+            <a:r>
+              <a:rPr sz="2800" i="1" b="1">
+                <a:solidFill>
+                  <a:srgbClr val="08CDD5"/>
+                </a:solidFill>
+                <a:latin typeface="맑은 고딕" charset="0"/>
+                <a:ea typeface="맑은 고딕" charset="0"/>
+              </a:rPr>
+              <a:t>HTML  </a:t>
+            </a:r>
+            <a:r>
+              <a:rPr sz="900">
+                <a:solidFill>
+                  <a:srgbClr val="000000">
+                    <a:lumMod val="75000"/>
+                    <a:lumOff val="25000"/>
+                  </a:srgbClr>
+                </a:solidFill>
+                <a:latin typeface="맑은 고딕" charset="0"/>
+                <a:ea typeface="맑은 고딕" charset="0"/>
+              </a:rPr>
+              <a:t>Welcome to HTML!! 3일차</a:t>
+            </a:r>
+            <a:endParaRPr lang="ko-KR" altLang="en-US" sz="900">
+              <a:solidFill>
+                <a:srgbClr val="000000">
+                  <a:lumMod val="75000"/>
+                  <a:lumOff val="25000"/>
+                </a:srgbClr>
+              </a:solidFill>
+              <a:latin typeface="맑은 고딕" charset="0"/>
+              <a:ea typeface="맑은 고딕" charset="0"/>
+            </a:endParaRPr>
+          </a:p>
+        </p:txBody>
+      </p:sp>
+      <mc:AlternateContent xmlns:mc="http://schemas.openxmlformats.org/markup-compatibility/2006" xmlns:p14="http://schemas.microsoft.com/office/powerpoint/2010/main">
+        <mc:Choice Requires="p14">
+          <p:contentPart p14:bwMode="auto" r:id="rId4">
+            <p14:nvContentPartPr>
+              <p14:cNvPr id="5" name="Ink 5"/>
+              <p14:cNvContentPartPr/>
+              <p14:nvPr/>
+            </p14:nvContentPartPr>
+            <p14:xfrm>
+              <a:off x="1115695" y="3001010"/>
+              <a:ext cx="635" cy="635"/>
+            </p14:xfrm>
+          </p:contentPart>
+        </mc:Choice>
+        <mc:Fallback>
+          <p:pic>
+            <p:nvPicPr>
+              <p:cNvPr id="5" name="Ink 5"/>
+              <p:cNvPicPr/>
+              <p:nvPr/>
+            </p:nvPicPr>
+            <p:blipFill>
+              <a:blip r:embed="rId5"/>
+              <a:stretch>
+                <a:fillRect/>
+              </a:stretch>
+            </p:blipFill>
+            <p:spPr>
+              <a:xfrm>
+                <a:off x="1115695" y="3001010"/>
+                <a:ext cx="635" cy="635"/>
+              </a:xfrm>
+              <a:prstGeom prst="rect">
+                <a:avLst/>
+              </a:prstGeom>
+            </p:spPr>
+          </p:pic>
+        </mc:Fallback>
+      </mc:AlternateContent>
+      <p:sp>
+        <p:nvSpPr>
+          <p:cNvPr id="32" name="Rect 0"/>
+          <p:cNvSpPr txBox="1">
+            <a:spLocks/>
+          </p:cNvSpPr>
+          <p:nvPr/>
+        </p:nvSpPr>
+        <p:spPr>
+          <a:xfrm rot="0">
+            <a:off x="659130" y="1633855"/>
+            <a:ext cx="7422515" cy="461010"/>
+          </a:xfrm>
+          <a:prstGeom prst="rect"/>
+          <a:noFill/>
+        </p:spPr>
+        <p:txBody>
+          <a:bodyPr wrap="square" lIns="91440" tIns="45720" rIns="91440" bIns="45720" numCol="1" vert="horz" anchor="t">
+            <a:spAutoFit/>
+          </a:bodyPr>
+          <a:lstStyle/>
+          <a:p>
+            <a:pPr marL="0" indent="0" rtl="0" algn="l" defTabSz="914400" eaLnBrk="1" latinLnBrk="0" hangingPunct="1">
+              <a:buFontTx/>
+              <a:buNone/>
+            </a:pPr>
+            <a:r>
+              <a:rPr sz="2400">
+                <a:latin typeface="맑은 고딕" charset="0"/>
+                <a:ea typeface="맑은 고딕" charset="0"/>
+              </a:rPr>
+              <a:t>구구단만들기</a:t>
+            </a:r>
+            <a:endParaRPr lang="ko-KR" altLang="en-US"/>
+          </a:p>
+        </p:txBody>
+      </p:sp>
+      <p:pic>
+        <p:nvPicPr>
+          <p:cNvPr id="33" name="그림 1" descr="C:/Users/dltjs/AppData/Roaming/PolarisOffice/ETemp/19584_15531400/fImage130454289169.png"/>
+          <p:cNvPicPr>
+            <a:picLocks noChangeAspect="1"/>
+          </p:cNvPicPr>
+          <p:nvPr/>
+        </p:nvPicPr>
+        <p:blipFill rotWithShape="1">
+          <a:blip r:embed="rId6" cstate="print">
+            <a:extLst>
+              <a:ext uri="{28A0092B-C50C-407E-A947-70E740481C1C}">
+                <a14:useLocalDpi xmlns:a14="http://schemas.microsoft.com/office/drawing/2010/main" val="0"/>
+              </a:ext>
+            </a:extLst>
+          </a:blip>
+          <a:stretch>
+            <a:fillRect/>
+          </a:stretch>
+        </p:blipFill>
+        <p:spPr>
+          <a:xfrm rot="0">
+            <a:off x="790575" y="2195830"/>
+            <a:ext cx="6715760" cy="2534285"/>
+          </a:xfrm>
+          <a:prstGeom prst="rect"/>
+          <a:noFill/>
+        </p:spPr>
+      </p:pic>
+    </p:spTree>
+  </p:cSld>
+  <p:clrMapOvr>
+    <a:masterClrMapping/>
+  </p:clrMapOvr>
+  <mc:AlternateContent xmlns:mc="http://schemas.openxmlformats.org/markup-compatibility/2006">
+    <mc:Choice xmlns:p14="http://schemas.microsoft.com/office/powerpoint/2010/main" Requires="p14">
+      <p:transition spd="slow" p14:dur="2000"/>
+    </mc:Choice>
+    <mc:Fallback>
+      <p:transition spd="slow"/>
+    </mc:Fallback>
+  </mc:AlternateContent>
+  <p:timing>
+    <p:tnLst>
+      <p:par>
+        <p:cTn id="1" dur="indefinite" restart="never" nodeType="tmRoot"/>
+      </p:par>
+    </p:tnLst>
+  </p:timing>
+</p:sld>
+</file>
+
+<file path=ppt/slides/slide17.xml><?xml version="1.0" encoding="utf-8"?>
+<p:sld xmlns:a="http://schemas.openxmlformats.org/drawingml/2006/main" xmlns:r="http://schemas.openxmlformats.org/officeDocument/2006/relationships" xmlns:p="http://schemas.openxmlformats.org/presentationml/2006/main" xmlns:p14="http://schemas.microsoft.com/office/powerpoint/2010/main">
+  <p:cSld>
+    <p:spTree>
+      <p:nvGrpSpPr>
+        <p:cNvPr id="1" name=""/>
+        <p:cNvGrpSpPr/>
+        <p:nvPr/>
+      </p:nvGrpSpPr>
+      <p:grpSpPr>
+        <a:xfrm>
+          <a:off x="0" y="0"/>
+          <a:ext cx="0" cy="0"/>
+          <a:chOff x="0" y="0"/>
+          <a:chExt cx="0" cy="0"/>
+        </a:xfrm>
+      </p:grpSpPr>
+      <p:grpSp>
+        <p:nvGrpSpPr>
+          <p:cNvPr id="28" name="Group 5"/>
+          <p:cNvGrpSpPr/>
+          <p:nvPr/>
+        </p:nvGrpSpPr>
+        <p:grpSpPr>
+          <a:xfrm>
+            <a:off x="145415" y="684530"/>
+            <a:ext cx="11823700" cy="6005830"/>
+            <a:chOff x="145415" y="684530"/>
+            <a:chExt cx="11823700" cy="6005830"/>
+          </a:xfrm>
+        </p:grpSpPr>
+        <p:sp>
+          <p:nvSpPr>
+            <p:cNvPr id="26" name="Rect 0"/>
+            <p:cNvSpPr>
+              <a:spLocks/>
+            </p:cNvSpPr>
+            <p:nvPr/>
+          </p:nvSpPr>
+          <p:spPr>
+            <a:xfrm rot="0">
+              <a:off x="145415" y="684530"/>
+              <a:ext cx="11762740" cy="5958205"/>
+            </a:xfrm>
+            <a:custGeom>
+              <a:gdLst>
+                <a:gd fmla="*/ 3574143 w 11760204" name="TX0"/>
+                <a:gd fmla="*/ 72571 h 5955850" name="TY0"/>
+                <a:gd fmla="*/ 11716657 w 11760204" name="TX1"/>
+                <a:gd fmla="*/ 72571 h 5955850" name="TY1"/>
+                <a:gd fmla="*/ 11760200 w 11760204" name="TX2"/>
+                <a:gd fmla="*/ 5936343 h 5955850" name="TY2"/>
+                <a:gd fmla="*/ 0 w 11760204" name="TX3"/>
+                <a:gd fmla="*/ 5955846 h 5955850" name="TY3"/>
+                <a:gd fmla="*/ 77107 w 11760204" name="TX4"/>
+                <a:gd fmla="*/ 0 h 5955850" name="TY4"/>
+                <a:gd fmla="*/ 206828 w 11760204" name="TX5"/>
+                <a:gd fmla="*/ 0 h 5955850" name="TY5"/>
+              </a:gdLst>
+              <a:cxnLst>
+                <a:cxn ang="0">
+                  <a:pos x="TX0" y="TY0"/>
+                </a:cxn>
+                <a:cxn ang="0">
+                  <a:pos x="TX1" y="TY1"/>
+                </a:cxn>
+                <a:cxn ang="0">
+                  <a:pos x="TX2" y="TY2"/>
+                </a:cxn>
+                <a:cxn ang="0">
+                  <a:pos x="TX3" y="TY3"/>
+                </a:cxn>
+                <a:cxn ang="0">
+                  <a:pos x="TX4" y="TY4"/>
+                </a:cxn>
+                <a:cxn ang="0">
+                  <a:pos x="TX5" y="TY5"/>
+                </a:cxn>
+              </a:cxnLst>
+              <a:rect l="l" t="t" r="r" b="b"/>
+              <a:pathLst>
+                <a:path w="11760204" h="5955850">
+                  <a:moveTo>
+                    <a:pt x="3574143" y="72571"/>
+                  </a:moveTo>
+                  <a:lnTo>
+                    <a:pt x="11716657" y="72571"/>
+                  </a:lnTo>
+                  <a:lnTo>
+                    <a:pt x="11760200" y="5936343"/>
+                  </a:lnTo>
+                  <a:lnTo>
+                    <a:pt x="0" y="5955846"/>
+                  </a:lnTo>
+                  <a:lnTo>
+                    <a:pt x="77107" y="0"/>
+                  </a:lnTo>
+                  <a:lnTo>
+                    <a:pt x="206828" y="0"/>
+                  </a:lnTo>
+                </a:path>
+              </a:pathLst>
+            </a:custGeom>
+            <a:solidFill>
+              <a:schemeClr val="bg1"/>
+            </a:solidFill>
+            <a:ln w="12700" cap="flat" cmpd="sng">
+              <a:solidFill>
+                <a:schemeClr val="tx1">
+                  <a:lumMod val="85000"/>
+                  <a:lumOff val="15000"/>
+                  <a:alpha val="100000"/>
+                </a:schemeClr>
+              </a:solidFill>
+              <a:prstDash val="solid"/>
+            </a:ln>
+          </p:spPr>
+          <p:style>
+            <a:lnRef idx="2">
+              <a:schemeClr val="accent1">
+                <a:shade val="50000"/>
+              </a:schemeClr>
+            </a:lnRef>
+            <a:fillRef idx="1">
+              <a:schemeClr val="accent1"/>
+            </a:fillRef>
+            <a:effectRef idx="0">
+              <a:schemeClr val="accent1"/>
+            </a:effectRef>
+            <a:fontRef idx="minor">
+              <a:schemeClr val="lt1"/>
+            </a:fontRef>
+          </p:style>
+          <p:txBody>
+            <a:bodyPr wrap="square" lIns="91440" tIns="45720" rIns="91440" bIns="45720" numCol="1" vert="horz" anchor="ctr">
+              <a:noAutofit/>
+            </a:bodyPr>
+            <a:lstStyle/>
+            <a:p>
+              <a:pPr marL="0" indent="0" rtl="0" algn="ctr" defTabSz="914400" eaLnBrk="1" latinLnBrk="0" hangingPunct="1">
+                <a:buFontTx/>
+                <a:buNone/>
+              </a:pPr>
+              <a:endParaRPr lang="ko-KR" altLang="en-US" sz="1800">
+                <a:solidFill>
+                  <a:srgbClr val="FFFFFF"/>
+                </a:solidFill>
+                <a:latin typeface="맑은 고딕" charset="0"/>
+                <a:ea typeface="맑은 고딕" charset="0"/>
+              </a:endParaRPr>
+            </a:p>
+          </p:txBody>
+        </p:sp>
+        <p:sp>
+          <p:nvSpPr>
+            <p:cNvPr id="27" name="Rect 0"/>
+            <p:cNvSpPr>
+              <a:spLocks/>
+            </p:cNvSpPr>
+            <p:nvPr/>
+          </p:nvSpPr>
+          <p:spPr>
+            <a:xfrm rot="0">
+              <a:off x="11634470" y="6376035"/>
+              <a:ext cx="335915" cy="314960"/>
+            </a:xfrm>
+            <a:custGeom>
+              <a:gdLst>
+                <a:gd fmla="*/ 333375 w 333379" name="TX0"/>
+                <a:gd fmla="*/ 0 h 312424" name="TY0"/>
+                <a:gd fmla="*/ 333375 w 333379" name="TX1"/>
+                <a:gd fmla="*/ 312420 h 312424" name="TY1"/>
+                <a:gd fmla="*/ 0 w 333379" name="TX2"/>
+                <a:gd fmla="*/ 309563 h 312424" name="TY2"/>
+              </a:gdLst>
+              <a:cxnLst>
+                <a:cxn ang="0">
+                  <a:pos x="TX0" y="TY0"/>
+                </a:cxn>
+                <a:cxn ang="0">
+                  <a:pos x="TX1" y="TY1"/>
+                </a:cxn>
+                <a:cxn ang="0">
+                  <a:pos x="TX2" y="TY2"/>
+                </a:cxn>
+              </a:cxnLst>
+              <a:rect l="l" t="t" r="r" b="b"/>
+              <a:pathLst>
+                <a:path w="333379" h="312424">
+                  <a:moveTo>
+                    <a:pt x="333375" y="0"/>
+                  </a:moveTo>
+                  <a:lnTo>
+                    <a:pt x="333375" y="312420"/>
+                  </a:lnTo>
+                  <a:lnTo>
+                    <a:pt x="0" y="309563"/>
+                  </a:lnTo>
+                </a:path>
+              </a:pathLst>
+            </a:custGeom>
+            <a:noFill/>
+            <a:ln w="12700" cap="flat" cmpd="sng">
+              <a:solidFill>
+                <a:schemeClr val="tx1">
+                  <a:lumMod val="85000"/>
+                  <a:lumOff val="15000"/>
+                  <a:alpha val="100000"/>
+                </a:schemeClr>
+              </a:solidFill>
+              <a:prstDash val="solid"/>
+            </a:ln>
+          </p:spPr>
+          <p:style>
+            <a:lnRef idx="2">
+              <a:schemeClr val="accent1">
+                <a:shade val="50000"/>
+              </a:schemeClr>
+            </a:lnRef>
+            <a:fillRef idx="1">
+              <a:schemeClr val="accent1"/>
+            </a:fillRef>
+            <a:effectRef idx="0">
+              <a:schemeClr val="accent1"/>
+            </a:effectRef>
+            <a:fontRef idx="minor">
+              <a:schemeClr val="lt1"/>
+            </a:fontRef>
+          </p:style>
+          <p:txBody>
+            <a:bodyPr wrap="square" lIns="91440" tIns="45720" rIns="91440" bIns="45720" numCol="1" vert="horz" anchor="ctr">
+              <a:noAutofit/>
+            </a:bodyPr>
+            <a:lstStyle/>
+            <a:p>
+              <a:pPr marL="0" indent="0" rtl="0" algn="ctr" defTabSz="914400" eaLnBrk="1" latinLnBrk="0" hangingPunct="1">
+                <a:buFontTx/>
+                <a:buNone/>
+              </a:pPr>
+              <a:endParaRPr lang="ko-KR" altLang="en-US" sz="1800">
+                <a:solidFill>
+                  <a:srgbClr val="FFFFFF"/>
+                </a:solidFill>
+                <a:latin typeface="맑은 고딕" charset="0"/>
+                <a:ea typeface="맑은 고딕" charset="0"/>
+              </a:endParaRPr>
+            </a:p>
+          </p:txBody>
+        </p:sp>
+      </p:grpSp>
+      <p:grpSp>
+        <p:nvGrpSpPr>
+          <p:cNvPr id="4" name="Group 5"/>
+          <p:cNvGrpSpPr/>
+          <p:nvPr/>
+        </p:nvGrpSpPr>
+        <p:grpSpPr>
+          <a:xfrm rot="0">
+            <a:off x="486410" y="121920"/>
+            <a:ext cx="3263900" cy="1021715"/>
+            <a:chOff x="486410" y="121920"/>
+            <a:chExt cx="3263900" cy="1021715"/>
+          </a:xfrm>
+        </p:grpSpPr>
+        <p:sp>
+          <p:nvSpPr>
+            <p:cNvPr id="16" name="Rect 0"/>
+            <p:cNvSpPr>
+              <a:spLocks/>
+            </p:cNvSpPr>
+            <p:nvPr/>
+          </p:nvSpPr>
+          <p:spPr>
+            <a:xfrm rot="10800000">
+              <a:off x="624840" y="902970"/>
+              <a:ext cx="932815" cy="235585"/>
+            </a:xfrm>
+            <a:prstGeom prst="triangle">
+              <a:avLst>
+                <a:gd name="adj" fmla="val 31437"/>
+              </a:avLst>
+            </a:prstGeom>
+            <a:solidFill>
+              <a:schemeClr val="tx2">
+                <a:lumMod val="75000"/>
+              </a:schemeClr>
+            </a:solidFill>
+            <a:ln w="0">
+              <a:noFill/>
+              <a:prstDash/>
+            </a:ln>
+          </p:spPr>
+          <p:style>
+            <a:lnRef idx="2">
+              <a:schemeClr val="accent1">
+                <a:shade val="50000"/>
+              </a:schemeClr>
+            </a:lnRef>
+            <a:fillRef idx="1">
+              <a:schemeClr val="accent1"/>
+            </a:fillRef>
+            <a:effectRef idx="0">
+              <a:schemeClr val="accent1"/>
+            </a:effectRef>
+            <a:fontRef idx="minor">
+              <a:schemeClr val="lt1"/>
+            </a:fontRef>
+          </p:style>
+          <p:txBody>
+            <a:bodyPr wrap="square" lIns="91440" tIns="45720" rIns="91440" bIns="45720" numCol="1" vert="horz" anchor="ctr">
+              <a:noAutofit/>
+            </a:bodyPr>
+            <a:lstStyle/>
+            <a:p>
+              <a:pPr marL="0" indent="0" rtl="0" algn="ctr" defTabSz="914400" eaLnBrk="1" latinLnBrk="0" hangingPunct="1">
+                <a:buFontTx/>
+                <a:buNone/>
+              </a:pPr>
+              <a:endParaRPr lang="ko-KR" altLang="en-US" sz="1800">
+                <a:solidFill>
+                  <a:srgbClr val="FFFFFF"/>
+                </a:solidFill>
+                <a:latin typeface="맑은 고딕" charset="0"/>
+                <a:ea typeface="맑은 고딕" charset="0"/>
+              </a:endParaRPr>
+            </a:p>
+          </p:txBody>
+        </p:sp>
+        <p:sp>
+          <p:nvSpPr>
+            <p:cNvPr id="2" name="Rect 0"/>
+            <p:cNvSpPr>
+              <a:spLocks/>
+            </p:cNvSpPr>
+            <p:nvPr/>
+          </p:nvSpPr>
+          <p:spPr>
+            <a:xfrm rot="16200000">
+              <a:off x="1745615" y="-894715"/>
+              <a:ext cx="751205" cy="2986405"/>
+            </a:xfrm>
+            <a:prstGeom prst="trapezoid">
+              <a:avLst>
+                <a:gd name="adj" fmla="val 8729"/>
+              </a:avLst>
+            </a:prstGeom>
+            <a:solidFill>
+              <a:srgbClr val="08CDD5"/>
+            </a:solidFill>
+            <a:ln w="0">
+              <a:noFill/>
+              <a:prstDash/>
+            </a:ln>
+          </p:spPr>
+          <p:style>
+            <a:lnRef idx="2">
+              <a:schemeClr val="accent1">
+                <a:shade val="50000"/>
+              </a:schemeClr>
+            </a:lnRef>
+            <a:fillRef idx="1">
+              <a:schemeClr val="accent1"/>
+            </a:fillRef>
+            <a:effectRef idx="0">
+              <a:schemeClr val="accent1"/>
+            </a:effectRef>
+            <a:fontRef idx="minor">
+              <a:schemeClr val="lt1"/>
+            </a:fontRef>
+          </p:style>
+          <p:txBody>
+            <a:bodyPr wrap="square" lIns="91440" tIns="45720" rIns="91440" bIns="45720" numCol="1" vert="horz" anchor="ctr">
+              <a:noAutofit/>
+            </a:bodyPr>
+            <a:lstStyle/>
+            <a:p>
+              <a:pPr marL="0" indent="0" rtl="0" algn="ctr" defTabSz="914400" eaLnBrk="1" latinLnBrk="0" hangingPunct="1">
+                <a:buFontTx/>
+                <a:buNone/>
+              </a:pPr>
+              <a:endParaRPr lang="ko-KR" altLang="en-US" sz="1800">
+                <a:solidFill>
+                  <a:srgbClr val="FFFFFF"/>
+                </a:solidFill>
+                <a:latin typeface="맑은 고딕" charset="0"/>
+                <a:ea typeface="맑은 고딕" charset="0"/>
+              </a:endParaRPr>
+            </a:p>
+          </p:txBody>
+        </p:sp>
+        <p:cxnSp>
+          <p:nvCxnSpPr>
+            <p:cNvPr id="6" name="Rect 0"/>
+            <p:cNvCxnSpPr/>
+            <p:nvPr/>
+          </p:nvCxnSpPr>
+          <p:spPr>
+            <a:xfrm rot="0" flipV="1">
+              <a:off x="628015" y="172085"/>
+              <a:ext cx="1716405" cy="26670"/>
+            </a:xfrm>
+            <a:prstGeom prst="line"/>
+            <a:ln w="12700" cap="flat" cmpd="sng">
+              <a:solidFill>
+                <a:schemeClr val="tx1">
+                  <a:lumMod val="85000"/>
+                  <a:lumOff val="15000"/>
+                  <a:alpha val="100000"/>
+                </a:schemeClr>
+              </a:solidFill>
+              <a:prstDash val="solid"/>
+            </a:ln>
+          </p:spPr>
+          <p:style>
+            <a:lnRef idx="1">
+              <a:schemeClr val="accent1"/>
+            </a:lnRef>
+            <a:fillRef idx="0">
+              <a:schemeClr val="accent1"/>
+            </a:fillRef>
+            <a:effectRef idx="0">
+              <a:schemeClr val="accent1"/>
+            </a:effectRef>
+            <a:fontRef idx="minor">
+              <a:schemeClr val="tx1"/>
+            </a:fontRef>
+          </p:style>
+        </p:cxnSp>
+        <p:cxnSp>
+          <p:nvCxnSpPr>
+            <p:cNvPr id="8" name="Rect 0"/>
+            <p:cNvCxnSpPr/>
+            <p:nvPr/>
+          </p:nvCxnSpPr>
+          <p:spPr>
+            <a:xfrm rot="0" flipV="1">
+              <a:off x="974090" y="121920"/>
+              <a:ext cx="827405" cy="11430"/>
+            </a:xfrm>
+            <a:prstGeom prst="line"/>
+            <a:ln w="12700" cap="flat" cmpd="sng">
+              <a:solidFill>
+                <a:schemeClr val="tx1">
+                  <a:lumMod val="85000"/>
+                  <a:lumOff val="15000"/>
+                  <a:alpha val="100000"/>
+                </a:schemeClr>
+              </a:solidFill>
+              <a:prstDash val="solid"/>
+            </a:ln>
+          </p:spPr>
+          <p:style>
+            <a:lnRef idx="1">
+              <a:schemeClr val="accent1"/>
+            </a:lnRef>
+            <a:fillRef idx="0">
+              <a:schemeClr val="accent1"/>
+            </a:fillRef>
+            <a:effectRef idx="0">
+              <a:schemeClr val="accent1"/>
+            </a:effectRef>
+            <a:fontRef idx="minor">
+              <a:schemeClr val="tx1"/>
+            </a:fontRef>
+          </p:style>
+        </p:cxnSp>
+        <p:sp>
+          <p:nvSpPr>
+            <p:cNvPr id="13" name="Rect 0"/>
+            <p:cNvSpPr>
+              <a:spLocks/>
+            </p:cNvSpPr>
+            <p:nvPr/>
+          </p:nvSpPr>
+          <p:spPr>
+            <a:xfrm rot="0">
+              <a:off x="2464435" y="121920"/>
+              <a:ext cx="73660" cy="73660"/>
+            </a:xfrm>
+            <a:prstGeom prst="ellipse"/>
+            <a:noFill/>
+            <a:ln w="12700" cap="flat" cmpd="sng">
+              <a:solidFill>
+                <a:schemeClr val="tx1">
+                  <a:lumMod val="85000"/>
+                  <a:lumOff val="15000"/>
+                  <a:alpha val="100000"/>
+                </a:schemeClr>
+              </a:solidFill>
+              <a:prstDash val="solid"/>
+            </a:ln>
+          </p:spPr>
+          <p:style>
+            <a:lnRef idx="2">
+              <a:schemeClr val="accent1">
+                <a:shade val="50000"/>
+              </a:schemeClr>
+            </a:lnRef>
+            <a:fillRef idx="1">
+              <a:schemeClr val="accent1"/>
+            </a:fillRef>
+            <a:effectRef idx="0">
+              <a:schemeClr val="accent1"/>
+            </a:effectRef>
+            <a:fontRef idx="minor">
+              <a:schemeClr val="lt1"/>
+            </a:fontRef>
+          </p:style>
+          <p:txBody>
+            <a:bodyPr wrap="square" lIns="91440" tIns="45720" rIns="91440" bIns="45720" numCol="1" vert="horz" anchor="ctr">
+              <a:noAutofit/>
+            </a:bodyPr>
+            <a:lstStyle/>
+            <a:p>
+              <a:pPr marL="0" indent="0" rtl="0" algn="ctr" defTabSz="914400" eaLnBrk="1" latinLnBrk="0" hangingPunct="1">
+                <a:buFontTx/>
+                <a:buNone/>
+              </a:pPr>
+              <a:endParaRPr lang="ko-KR" altLang="en-US" sz="1800">
+                <a:solidFill>
+                  <a:srgbClr val="FFFFFF"/>
+                </a:solidFill>
+                <a:latin typeface="맑은 고딕" charset="0"/>
+                <a:ea typeface="맑은 고딕" charset="0"/>
+              </a:endParaRPr>
+            </a:p>
+          </p:txBody>
+        </p:sp>
+        <p:sp>
+          <p:nvSpPr>
+            <p:cNvPr id="14" name="Rect 0"/>
+            <p:cNvSpPr>
+              <a:spLocks/>
+            </p:cNvSpPr>
+            <p:nvPr/>
+          </p:nvSpPr>
+          <p:spPr>
+            <a:xfrm rot="20700000">
+              <a:off x="3020695" y="1051560"/>
+              <a:ext cx="73660" cy="73660"/>
+            </a:xfrm>
+            <a:prstGeom prst="triangle"/>
+            <a:noFill/>
+            <a:ln w="12700" cap="flat" cmpd="sng">
+              <a:solidFill>
+                <a:schemeClr val="tx1">
+                  <a:lumMod val="85000"/>
+                  <a:lumOff val="15000"/>
+                  <a:alpha val="100000"/>
+                </a:schemeClr>
+              </a:solidFill>
+              <a:prstDash val="solid"/>
+            </a:ln>
+          </p:spPr>
+          <p:style>
+            <a:lnRef idx="2">
+              <a:schemeClr val="accent1">
+                <a:shade val="50000"/>
+              </a:schemeClr>
+            </a:lnRef>
+            <a:fillRef idx="1">
+              <a:schemeClr val="accent1"/>
+            </a:fillRef>
+            <a:effectRef idx="0">
+              <a:schemeClr val="accent1"/>
+            </a:effectRef>
+            <a:fontRef idx="minor">
+              <a:schemeClr val="lt1"/>
+            </a:fontRef>
+          </p:style>
+          <p:txBody>
+            <a:bodyPr wrap="square" lIns="91440" tIns="45720" rIns="91440" bIns="45720" numCol="1" vert="horz" anchor="ctr">
+              <a:noAutofit/>
+            </a:bodyPr>
+            <a:lstStyle/>
+            <a:p>
+              <a:pPr marL="0" indent="0" rtl="0" algn="ctr" defTabSz="914400" eaLnBrk="1" latinLnBrk="0" hangingPunct="1">
+                <a:buFontTx/>
+                <a:buNone/>
+              </a:pPr>
+              <a:endParaRPr lang="ko-KR" altLang="en-US" sz="1800">
+                <a:solidFill>
+                  <a:srgbClr val="FFFFFF"/>
+                </a:solidFill>
+                <a:latin typeface="맑은 고딕" charset="0"/>
+                <a:ea typeface="맑은 고딕" charset="0"/>
+              </a:endParaRPr>
+            </a:p>
+          </p:txBody>
+        </p:sp>
+        <p:sp>
+          <p:nvSpPr>
+            <p:cNvPr id="17" name="Rect 0"/>
+            <p:cNvSpPr>
+              <a:spLocks/>
+            </p:cNvSpPr>
+            <p:nvPr/>
+          </p:nvSpPr>
+          <p:spPr>
+            <a:xfrm rot="0">
+              <a:off x="574675" y="624205"/>
+              <a:ext cx="291465" cy="443865"/>
+            </a:xfrm>
+            <a:custGeom>
+              <a:gdLst>
+                <a:gd fmla="*/ 0 w 289563" name="TX0"/>
+                <a:gd fmla="*/ 0 h 441963" name="TY0"/>
+                <a:gd fmla="*/ 5715 w 289563" name="TX1"/>
+                <a:gd fmla="*/ 315754 h 441963" name="TY1"/>
+                <a:gd fmla="*/ 289560 w 289563" name="TX2"/>
+                <a:gd fmla="*/ 441960 h 441963" name="TY2"/>
+              </a:gdLst>
+              <a:cxnLst>
+                <a:cxn ang="0">
+                  <a:pos x="TX0" y="TY0"/>
+                </a:cxn>
+                <a:cxn ang="0">
+                  <a:pos x="TX1" y="TY1"/>
+                </a:cxn>
+                <a:cxn ang="0">
+                  <a:pos x="TX2" y="TY2"/>
+                </a:cxn>
+              </a:cxnLst>
+              <a:rect l="l" t="t" r="r" b="b"/>
+              <a:pathLst>
+                <a:path w="289563" h="441963">
+                  <a:moveTo>
+                    <a:pt x="0" y="0"/>
+                  </a:moveTo>
+                  <a:lnTo>
+                    <a:pt x="5715" y="315754"/>
+                  </a:lnTo>
+                  <a:lnTo>
+                    <a:pt x="289560" y="441960"/>
+                  </a:lnTo>
+                </a:path>
+              </a:pathLst>
+            </a:custGeom>
+            <a:noFill/>
+            <a:ln w="12700" cap="flat" cmpd="sng">
+              <a:solidFill>
+                <a:schemeClr val="tx1">
+                  <a:lumMod val="85000"/>
+                  <a:lumOff val="15000"/>
+                  <a:alpha val="100000"/>
+                </a:schemeClr>
+              </a:solidFill>
+              <a:prstDash val="solid"/>
+            </a:ln>
+          </p:spPr>
+          <p:style>
+            <a:lnRef idx="2">
+              <a:schemeClr val="accent1">
+                <a:shade val="50000"/>
+              </a:schemeClr>
+            </a:lnRef>
+            <a:fillRef idx="1">
+              <a:schemeClr val="accent1"/>
+            </a:fillRef>
+            <a:effectRef idx="0">
+              <a:schemeClr val="accent1"/>
+            </a:effectRef>
+            <a:fontRef idx="minor">
+              <a:schemeClr val="lt1"/>
+            </a:fontRef>
+          </p:style>
+          <p:txBody>
+            <a:bodyPr wrap="square" lIns="91440" tIns="45720" rIns="91440" bIns="45720" numCol="1" vert="horz" anchor="ctr">
+              <a:noAutofit/>
+            </a:bodyPr>
+            <a:lstStyle/>
+            <a:p>
+              <a:pPr marL="0" indent="0" rtl="0" algn="ctr" defTabSz="914400" eaLnBrk="1" latinLnBrk="0" hangingPunct="1">
+                <a:buFontTx/>
+                <a:buNone/>
+              </a:pPr>
+              <a:endParaRPr lang="ko-KR" altLang="en-US" sz="1800">
+                <a:solidFill>
+                  <a:srgbClr val="FFFFFF"/>
+                </a:solidFill>
+                <a:latin typeface="맑은 고딕" charset="0"/>
+                <a:ea typeface="맑은 고딕" charset="0"/>
+              </a:endParaRPr>
+            </a:p>
+          </p:txBody>
+        </p:sp>
+        <p:sp>
+          <p:nvSpPr>
+            <p:cNvPr id="18" name="Rect 0"/>
+            <p:cNvSpPr>
+              <a:spLocks/>
+            </p:cNvSpPr>
+            <p:nvPr/>
+          </p:nvSpPr>
+          <p:spPr>
+            <a:xfrm rot="0">
+              <a:off x="1359535" y="989965"/>
+              <a:ext cx="840105" cy="154305"/>
+            </a:xfrm>
+            <a:custGeom>
+              <a:gdLst>
+                <a:gd fmla="*/ 0 w 838203" name="TX0"/>
+                <a:gd fmla="*/ 152400 h 152403" name="TY0"/>
+                <a:gd fmla="*/ 182880 w 838203" name="TX1"/>
+                <a:gd fmla="*/ 0 h 152403" name="TY1"/>
+                <a:gd fmla="*/ 838200 w 838203" name="TX2"/>
+                <a:gd fmla="*/ 15240 h 152403" name="TY2"/>
+              </a:gdLst>
+              <a:cxnLst>
+                <a:cxn ang="0">
+                  <a:pos x="TX0" y="TY0"/>
+                </a:cxn>
+                <a:cxn ang="0">
+                  <a:pos x="TX1" y="TY1"/>
+                </a:cxn>
+                <a:cxn ang="0">
+                  <a:pos x="TX2" y="TY2"/>
+                </a:cxn>
+              </a:cxnLst>
+              <a:rect l="l" t="t" r="r" b="b"/>
+              <a:pathLst>
+                <a:path w="838203" h="152403">
+                  <a:moveTo>
+                    <a:pt x="0" y="152400"/>
+                  </a:moveTo>
+                  <a:lnTo>
+                    <a:pt x="182880" y="0"/>
+                  </a:lnTo>
+                  <a:lnTo>
+                    <a:pt x="838200" y="15240"/>
+                  </a:lnTo>
+                </a:path>
+              </a:pathLst>
+            </a:custGeom>
+            <a:noFill/>
+            <a:ln w="12700" cap="flat" cmpd="sng">
+              <a:solidFill>
+                <a:schemeClr val="tx1">
+                  <a:lumMod val="85000"/>
+                  <a:lumOff val="15000"/>
+                  <a:alpha val="100000"/>
+                </a:schemeClr>
+              </a:solidFill>
+              <a:prstDash val="solid"/>
+            </a:ln>
+          </p:spPr>
+          <p:style>
+            <a:lnRef idx="2">
+              <a:schemeClr val="accent1">
+                <a:shade val="50000"/>
+              </a:schemeClr>
+            </a:lnRef>
+            <a:fillRef idx="1">
+              <a:schemeClr val="accent1"/>
+            </a:fillRef>
+            <a:effectRef idx="0">
+              <a:schemeClr val="accent1"/>
+            </a:effectRef>
+            <a:fontRef idx="minor">
+              <a:schemeClr val="lt1"/>
+            </a:fontRef>
+          </p:style>
+          <p:txBody>
+            <a:bodyPr wrap="square" lIns="91440" tIns="45720" rIns="91440" bIns="45720" numCol="1" vert="horz" anchor="ctr">
+              <a:noAutofit/>
+            </a:bodyPr>
+            <a:lstStyle/>
+            <a:p>
+              <a:pPr marL="0" indent="0" rtl="0" algn="ctr" defTabSz="914400" eaLnBrk="1" latinLnBrk="0" hangingPunct="1">
+                <a:buFontTx/>
+                <a:buNone/>
+              </a:pPr>
+              <a:endParaRPr lang="ko-KR" altLang="en-US" sz="1800">
+                <a:solidFill>
+                  <a:srgbClr val="FFFFFF"/>
+                </a:solidFill>
+                <a:latin typeface="맑은 고딕" charset="0"/>
+                <a:ea typeface="맑은 고딕" charset="0"/>
+              </a:endParaRPr>
+            </a:p>
+          </p:txBody>
+        </p:sp>
+        <p:sp>
+          <p:nvSpPr>
+            <p:cNvPr id="19" name="Rect 0"/>
+            <p:cNvSpPr>
+              <a:spLocks/>
+            </p:cNvSpPr>
+            <p:nvPr/>
+          </p:nvSpPr>
+          <p:spPr>
+            <a:xfrm rot="0">
+              <a:off x="3325495" y="708025"/>
+              <a:ext cx="344805" cy="314325"/>
+            </a:xfrm>
+            <a:custGeom>
+              <a:gdLst>
+                <a:gd fmla="*/ 342900 w 342903" name="TX0"/>
+                <a:gd fmla="*/ 0 h 312423" name="TY0"/>
+                <a:gd fmla="*/ 342900 w 342903" name="TX1"/>
+                <a:gd fmla="*/ 312420 h 312423" name="TY1"/>
+                <a:gd fmla="*/ 0 w 342903" name="TX2"/>
+                <a:gd fmla="*/ 304800 h 312423" name="TY2"/>
+              </a:gdLst>
+              <a:cxnLst>
+                <a:cxn ang="0">
+                  <a:pos x="TX0" y="TY0"/>
+                </a:cxn>
+                <a:cxn ang="0">
+                  <a:pos x="TX1" y="TY1"/>
+                </a:cxn>
+                <a:cxn ang="0">
+                  <a:pos x="TX2" y="TY2"/>
+                </a:cxn>
+              </a:cxnLst>
+              <a:rect l="l" t="t" r="r" b="b"/>
+              <a:pathLst>
+                <a:path w="342903" h="312423">
+                  <a:moveTo>
+                    <a:pt x="342900" y="0"/>
+                  </a:moveTo>
+                  <a:lnTo>
+                    <a:pt x="342900" y="312420"/>
+                  </a:lnTo>
+                  <a:lnTo>
+                    <a:pt x="0" y="304800"/>
+                  </a:lnTo>
+                </a:path>
+              </a:pathLst>
+            </a:custGeom>
+            <a:noFill/>
+            <a:ln w="12700" cap="flat" cmpd="sng">
+              <a:solidFill>
+                <a:schemeClr val="tx1">
+                  <a:lumMod val="85000"/>
+                  <a:lumOff val="15000"/>
+                  <a:alpha val="100000"/>
+                </a:schemeClr>
+              </a:solidFill>
+              <a:prstDash val="solid"/>
+            </a:ln>
+          </p:spPr>
+          <p:style>
+            <a:lnRef idx="2">
+              <a:schemeClr val="accent1">
+                <a:shade val="50000"/>
+              </a:schemeClr>
+            </a:lnRef>
+            <a:fillRef idx="1">
+              <a:schemeClr val="accent1"/>
+            </a:fillRef>
+            <a:effectRef idx="0">
+              <a:schemeClr val="accent1"/>
+            </a:effectRef>
+            <a:fontRef idx="minor">
+              <a:schemeClr val="lt1"/>
+            </a:fontRef>
+          </p:style>
+          <p:txBody>
+            <a:bodyPr wrap="square" lIns="91440" tIns="45720" rIns="91440" bIns="45720" numCol="1" vert="horz" anchor="ctr">
+              <a:noAutofit/>
+            </a:bodyPr>
+            <a:lstStyle/>
+            <a:p>
+              <a:pPr marL="0" indent="0" rtl="0" algn="ctr" defTabSz="914400" eaLnBrk="1" latinLnBrk="0" hangingPunct="1">
+                <a:buFontTx/>
+                <a:buNone/>
+              </a:pPr>
+              <a:endParaRPr lang="ko-KR" altLang="en-US" sz="1800">
+                <a:solidFill>
+                  <a:srgbClr val="FFFFFF"/>
+                </a:solidFill>
+                <a:latin typeface="맑은 고딕" charset="0"/>
+                <a:ea typeface="맑은 고딕" charset="0"/>
+              </a:endParaRPr>
+            </a:p>
+          </p:txBody>
+        </p:sp>
+        <p:cxnSp>
+          <p:nvCxnSpPr>
+            <p:cNvPr id="20" name="Rect 0"/>
+            <p:cNvCxnSpPr/>
+            <p:nvPr/>
+          </p:nvCxnSpPr>
+          <p:spPr>
+            <a:xfrm rot="0">
+              <a:off x="1641475" y="1049655"/>
+              <a:ext cx="860425" cy="20320"/>
+            </a:xfrm>
+            <a:prstGeom prst="line"/>
+            <a:ln w="12700" cap="flat" cmpd="sng">
+              <a:solidFill>
+                <a:schemeClr val="tx1">
+                  <a:lumMod val="85000"/>
+                  <a:lumOff val="15000"/>
+                  <a:alpha val="100000"/>
+                </a:schemeClr>
+              </a:solidFill>
+              <a:prstDash val="solid"/>
+            </a:ln>
+          </p:spPr>
+          <p:style>
+            <a:lnRef idx="1">
+              <a:schemeClr val="accent1"/>
+            </a:lnRef>
+            <a:fillRef idx="0">
+              <a:schemeClr val="accent1"/>
+            </a:fillRef>
+            <a:effectRef idx="0">
+              <a:schemeClr val="accent1"/>
+            </a:effectRef>
+            <a:fontRef idx="minor">
+              <a:schemeClr val="tx1"/>
+            </a:fontRef>
+          </p:style>
+        </p:cxnSp>
+        <p:sp>
+          <p:nvSpPr>
+            <p:cNvPr id="22" name="Rect 0"/>
+            <p:cNvSpPr>
+              <a:spLocks/>
+            </p:cNvSpPr>
+            <p:nvPr/>
+          </p:nvSpPr>
+          <p:spPr>
+            <a:xfrm rot="20700000">
+              <a:off x="3676015" y="136525"/>
+              <a:ext cx="73660" cy="73660"/>
+            </a:xfrm>
+            <a:prstGeom prst="rect"/>
+            <a:noFill/>
+            <a:ln w="12700" cap="flat" cmpd="sng">
+              <a:solidFill>
+                <a:schemeClr val="tx1">
+                  <a:lumMod val="85000"/>
+                  <a:lumOff val="15000"/>
+                  <a:alpha val="100000"/>
+                </a:schemeClr>
+              </a:solidFill>
+              <a:prstDash val="solid"/>
+            </a:ln>
+          </p:spPr>
+          <p:style>
+            <a:lnRef idx="2">
+              <a:schemeClr val="accent1">
+                <a:shade val="50000"/>
+              </a:schemeClr>
+            </a:lnRef>
+            <a:fillRef idx="1">
+              <a:schemeClr val="accent1"/>
+            </a:fillRef>
+            <a:effectRef idx="0">
+              <a:schemeClr val="accent1"/>
+            </a:effectRef>
+            <a:fontRef idx="minor">
+              <a:schemeClr val="lt1"/>
+            </a:fontRef>
+          </p:style>
+          <p:txBody>
+            <a:bodyPr wrap="square" lIns="91440" tIns="45720" rIns="91440" bIns="45720" numCol="1" vert="horz" anchor="ctr">
+              <a:noAutofit/>
+            </a:bodyPr>
+            <a:lstStyle/>
+            <a:p>
+              <a:pPr marL="0" indent="0" rtl="0" algn="ctr" defTabSz="914400" eaLnBrk="1" latinLnBrk="0" hangingPunct="1">
+                <a:buFontTx/>
+                <a:buNone/>
+              </a:pPr>
+              <a:endParaRPr lang="ko-KR" altLang="en-US" sz="1800">
+                <a:solidFill>
+                  <a:srgbClr val="FFFFFF"/>
+                </a:solidFill>
+                <a:latin typeface="맑은 고딕" charset="0"/>
+                <a:ea typeface="맑은 고딕" charset="0"/>
+              </a:endParaRPr>
+            </a:p>
+          </p:txBody>
+        </p:sp>
+        <p:sp>
+          <p:nvSpPr>
+            <p:cNvPr id="23" name="Rect 0"/>
+            <p:cNvSpPr>
+              <a:spLocks/>
+            </p:cNvSpPr>
+            <p:nvPr/>
+          </p:nvSpPr>
+          <p:spPr>
+            <a:xfrm rot="7200000">
+              <a:off x="486410" y="454660"/>
+              <a:ext cx="73660" cy="73660"/>
+            </a:xfrm>
+            <a:prstGeom prst="triangle"/>
+            <a:noFill/>
+            <a:ln w="12700" cap="flat" cmpd="sng">
+              <a:solidFill>
+                <a:schemeClr val="tx1">
+                  <a:lumMod val="85000"/>
+                  <a:lumOff val="15000"/>
+                  <a:alpha val="100000"/>
+                </a:schemeClr>
+              </a:solidFill>
+              <a:prstDash val="solid"/>
+            </a:ln>
+          </p:spPr>
+          <p:style>
+            <a:lnRef idx="2">
+              <a:schemeClr val="accent1">
+                <a:shade val="50000"/>
+              </a:schemeClr>
+            </a:lnRef>
+            <a:fillRef idx="1">
+              <a:schemeClr val="accent1"/>
+            </a:fillRef>
+            <a:effectRef idx="0">
+              <a:schemeClr val="accent1"/>
+            </a:effectRef>
+            <a:fontRef idx="minor">
+              <a:schemeClr val="lt1"/>
+            </a:fontRef>
+          </p:style>
+          <p:txBody>
+            <a:bodyPr wrap="square" lIns="91440" tIns="45720" rIns="91440" bIns="45720" numCol="1" vert="horz" anchor="ctr">
+              <a:noAutofit/>
+            </a:bodyPr>
+            <a:lstStyle/>
+            <a:p>
+              <a:pPr marL="0" indent="0" rtl="0" algn="ctr" defTabSz="914400" eaLnBrk="1" latinLnBrk="0" hangingPunct="1">
+                <a:buFontTx/>
+                <a:buNone/>
+              </a:pPr>
+              <a:endParaRPr lang="ko-KR" altLang="en-US" sz="1800">
+                <a:solidFill>
+                  <a:srgbClr val="FFFFFF"/>
+                </a:solidFill>
+                <a:latin typeface="맑은 고딕" charset="0"/>
+                <a:ea typeface="맑은 고딕" charset="0"/>
+              </a:endParaRPr>
+            </a:p>
+          </p:txBody>
+        </p:sp>
+      </p:grpSp>
+      <p:sp>
+        <p:nvSpPr>
+          <p:cNvPr id="15" name="Rect 0"/>
+          <p:cNvSpPr>
+            <a:spLocks/>
+          </p:cNvSpPr>
+          <p:nvPr/>
+        </p:nvSpPr>
+        <p:spPr>
+          <a:xfrm rot="0">
+            <a:off x="940435" y="316230"/>
+            <a:ext cx="1403350" cy="455930"/>
+          </a:xfrm>
+          <a:prstGeom prst="rect"/>
+          <a:ln w="0">
+            <a:noFill/>
+            <a:prstDash/>
+          </a:ln>
+        </p:spPr>
+        <p:txBody>
+          <a:bodyPr wrap="none" lIns="91440" tIns="45720" rIns="91440" bIns="45720" numCol="1" vert="horz" anchor="t">
+            <a:spAutoFit/>
+          </a:bodyPr>
+          <a:lstStyle/>
+          <a:p>
+            <a:pPr marL="0" indent="0" rtl="0" algn="l" defTabSz="914400" eaLnBrk="1" latinLnBrk="0" hangingPunct="1">
+              <a:buFontTx/>
+              <a:buNone/>
+            </a:pPr>
+            <a:r>
+              <a:rPr sz="1800" b="1">
+                <a:solidFill>
+                  <a:srgbClr val="FFFFFF"/>
+                </a:solidFill>
+                <a:latin typeface="맑은 고딕" charset="0"/>
+                <a:ea typeface="맑은 고딕" charset="0"/>
+              </a:rPr>
+              <a:t>CONTENTS</a:t>
+            </a:r>
+            <a:endParaRPr lang="ko-KR" altLang="en-US" sz="1800" b="1">
+              <a:solidFill>
+                <a:srgbClr val="FFFFFF"/>
+              </a:solidFill>
+              <a:latin typeface="맑은 고딕" charset="0"/>
+              <a:ea typeface="맑은 고딕" charset="0"/>
+            </a:endParaRPr>
+          </a:p>
+        </p:txBody>
+      </p:sp>
+      <p:sp>
+        <p:nvSpPr>
+          <p:cNvPr id="24" name="Rect 0"/>
+          <p:cNvSpPr>
+            <a:spLocks/>
+          </p:cNvSpPr>
+          <p:nvPr/>
+        </p:nvSpPr>
+        <p:spPr>
+          <a:xfrm rot="0">
+            <a:off x="3914140" y="30480"/>
+            <a:ext cx="7466965" cy="657225"/>
+          </a:xfrm>
+          <a:prstGeom prst="rect"/>
+        </p:spPr>
+        <p:txBody>
+          <a:bodyPr wrap="square" lIns="91440" tIns="45720" rIns="91440" bIns="45720" numCol="1" vert="horz" anchor="t">
+            <a:spAutoFit/>
+          </a:bodyPr>
+          <a:lstStyle/>
+          <a:p>
+            <a:pPr marL="0" indent="0" rtl="0" algn="l" defTabSz="914400" eaLnBrk="1" latinLnBrk="0" hangingPunct="1">
+              <a:buFontTx/>
+              <a:buNone/>
+            </a:pPr>
+            <a:r>
+              <a:rPr sz="2800" i="1" b="1">
+                <a:solidFill>
+                  <a:srgbClr val="08CDD5"/>
+                </a:solidFill>
+                <a:latin typeface="맑은 고딕" charset="0"/>
+                <a:ea typeface="맑은 고딕" charset="0"/>
+              </a:rPr>
+              <a:t>HTML  </a:t>
+            </a:r>
+            <a:r>
+              <a:rPr sz="900">
+                <a:solidFill>
+                  <a:srgbClr val="000000">
+                    <a:lumMod val="75000"/>
+                    <a:lumOff val="25000"/>
+                  </a:srgbClr>
+                </a:solidFill>
+                <a:latin typeface="맑은 고딕" charset="0"/>
+                <a:ea typeface="맑은 고딕" charset="0"/>
+              </a:rPr>
+              <a:t>Welcome to HTML!! 3일차</a:t>
+            </a:r>
+            <a:endParaRPr lang="ko-KR" altLang="en-US" sz="900">
+              <a:solidFill>
+                <a:srgbClr val="000000">
+                  <a:lumMod val="75000"/>
+                  <a:lumOff val="25000"/>
+                </a:srgbClr>
+              </a:solidFill>
+              <a:latin typeface="맑은 고딕" charset="0"/>
+              <a:ea typeface="맑은 고딕" charset="0"/>
+            </a:endParaRPr>
+          </a:p>
+        </p:txBody>
+      </p:sp>
+      <mc:AlternateContent xmlns:mc="http://schemas.openxmlformats.org/markup-compatibility/2006" xmlns:p14="http://schemas.microsoft.com/office/powerpoint/2010/main">
+        <mc:Choice Requires="p14">
+          <p:contentPart p14:bwMode="auto" r:id="rId5">
+            <p14:nvContentPartPr>
+              <p14:cNvPr id="5" name="Ink 5"/>
+              <p14:cNvContentPartPr/>
+              <p14:nvPr/>
+            </p14:nvContentPartPr>
+            <p14:xfrm>
+              <a:off x="1115695" y="3001010"/>
+              <a:ext cx="635" cy="635"/>
+            </p14:xfrm>
+          </p:contentPart>
+        </mc:Choice>
+        <mc:Fallback>
+          <p:pic>
+            <p:nvPicPr>
+              <p:cNvPr id="5" name="Ink 5"/>
+              <p:cNvPicPr/>
+              <p:nvPr/>
+            </p:nvPicPr>
+            <p:blipFill>
+              <a:blip r:embed="rId6"/>
+              <a:stretch>
+                <a:fillRect/>
+              </a:stretch>
+            </p:blipFill>
+            <p:spPr>
+              <a:xfrm>
+                <a:off x="1115695" y="3001010"/>
+                <a:ext cx="635" cy="635"/>
+              </a:xfrm>
+              <a:prstGeom prst="rect">
+                <a:avLst/>
+              </a:prstGeom>
+            </p:spPr>
+          </p:pic>
+        </mc:Fallback>
+      </mc:AlternateContent>
+      <p:sp>
+        <p:nvSpPr>
+          <p:cNvPr id="32" name="Rect 0"/>
+          <p:cNvSpPr txBox="1">
+            <a:spLocks/>
+          </p:cNvSpPr>
+          <p:nvPr/>
+        </p:nvSpPr>
+        <p:spPr>
+          <a:xfrm rot="0">
+            <a:off x="659130" y="1633855"/>
+            <a:ext cx="7421880" cy="461010"/>
+          </a:xfrm>
+          <a:prstGeom prst="rect"/>
+          <a:noFill/>
+        </p:spPr>
+        <p:txBody>
+          <a:bodyPr wrap="square" lIns="91440" tIns="45720" rIns="91440" bIns="45720" numCol="1" vert="horz" anchor="t">
+            <a:spAutoFit/>
+          </a:bodyPr>
+          <a:lstStyle/>
+          <a:p>
+            <a:pPr marL="0" indent="0" rtl="0" algn="l" defTabSz="914400" eaLnBrk="1" latinLnBrk="0" hangingPunct="1">
+              <a:buFontTx/>
+              <a:buNone/>
+            </a:pPr>
+            <a:r>
+              <a:rPr sz="2400">
+                <a:latin typeface="맑은 고딕" charset="0"/>
+                <a:ea typeface="맑은 고딕" charset="0"/>
+              </a:rPr>
+              <a:t>배열</a:t>
+            </a:r>
+            <a:endParaRPr lang="ko-KR" altLang="en-US"/>
+          </a:p>
+        </p:txBody>
+      </p:sp>
+      <p:sp>
+        <p:nvSpPr>
+          <p:cNvPr id="25" name="Rect 0"/>
+          <p:cNvSpPr txBox="1">
+            <a:spLocks/>
+          </p:cNvSpPr>
+          <p:nvPr/>
+        </p:nvSpPr>
+        <p:spPr>
+          <a:xfrm rot="0">
+            <a:off x="659130" y="2189480"/>
+            <a:ext cx="10869295" cy="2999105"/>
+          </a:xfrm>
+          <a:prstGeom prst="rect"/>
+          <a:noFill/>
+        </p:spPr>
+        <p:txBody>
+          <a:bodyPr wrap="square" lIns="91440" tIns="45720" rIns="91440" bIns="45720" numCol="1" vert="horz" anchor="t">
+            <a:spAutoFit/>
+          </a:bodyPr>
+          <a:lstStyle/>
+          <a:p>
+            <a:pPr marL="342900" indent="-342900" rtl="0" algn="l" defTabSz="914400" eaLnBrk="1" latinLnBrk="0" hangingPunct="1">
+              <a:lnSpc>
+                <a:spcPct val="150000"/>
+              </a:lnSpc>
+              <a:buFontTx/>
+              <a:buNone/>
+            </a:pPr>
+            <a:r>
+              <a:rPr sz="1800" i="0" b="0">
+                <a:solidFill>
+                  <a:schemeClr val="tx1"/>
+                </a:solidFill>
+                <a:latin typeface="NanumGothic" charset="0"/>
+                <a:ea typeface="NanumGothic" charset="0"/>
+              </a:rPr>
+              <a:t> -  이름과 인덱스로 참조되는 정렬된 값의 집합</a:t>
+            </a:r>
+            <a:endParaRPr lang="ko-KR" altLang="en-US" sz="1800" i="0" b="0">
+              <a:solidFill>
+                <a:schemeClr val="tx1"/>
+              </a:solidFill>
+              <a:latin typeface="NanumGothic" charset="0"/>
+              <a:ea typeface="NanumGothic" charset="0"/>
+            </a:endParaRPr>
+          </a:p>
+          <a:p>
+            <a:pPr marL="342900" indent="-342900" rtl="0" algn="l" defTabSz="914400" eaLnBrk="1" latinLnBrk="0" hangingPunct="1">
+              <a:lnSpc>
+                <a:spcPct val="150000"/>
+              </a:lnSpc>
+              <a:buFontTx/>
+              <a:buNone/>
+            </a:pPr>
+            <a:endParaRPr lang="ko-KR" altLang="en-US" sz="1800" i="0" b="0">
+              <a:solidFill>
+                <a:schemeClr val="tx1"/>
+              </a:solidFill>
+              <a:latin typeface="NanumGothic" charset="0"/>
+              <a:ea typeface="NanumGothic" charset="0"/>
+            </a:endParaRPr>
+          </a:p>
+          <a:p>
+            <a:pPr marL="342900" indent="-342900" rtl="0" algn="l" defTabSz="914400" eaLnBrk="1" latinLnBrk="0" hangingPunct="1">
+              <a:lnSpc>
+                <a:spcPct val="150000"/>
+              </a:lnSpc>
+              <a:buFontTx/>
+              <a:buNone/>
+            </a:pPr>
+            <a:endParaRPr lang="ko-KR" altLang="en-US" sz="1800" i="0" b="0">
+              <a:solidFill>
+                <a:schemeClr val="tx1"/>
+              </a:solidFill>
+              <a:latin typeface="NanumGothic" charset="0"/>
+              <a:ea typeface="NanumGothic" charset="0"/>
+            </a:endParaRPr>
+          </a:p>
+          <a:p>
+            <a:pPr marL="342900" indent="-342900" rtl="0" algn="l" defTabSz="914400" eaLnBrk="1" latinLnBrk="0" hangingPunct="1">
+              <a:lnSpc>
+                <a:spcPct val="150000"/>
+              </a:lnSpc>
+              <a:buFontTx/>
+              <a:buNone/>
+            </a:pPr>
+            <a:endParaRPr lang="ko-KR" altLang="en-US" sz="1800" i="0" b="0">
+              <a:solidFill>
+                <a:schemeClr val="tx1"/>
+              </a:solidFill>
+              <a:latin typeface="NanumGothic" charset="0"/>
+              <a:ea typeface="NanumGothic" charset="0"/>
+            </a:endParaRPr>
+          </a:p>
+          <a:p>
+            <a:pPr marL="342900" indent="-342900" rtl="0" algn="l" defTabSz="914400" eaLnBrk="1" latinLnBrk="0" hangingPunct="1">
+              <a:lnSpc>
+                <a:spcPct val="150000"/>
+              </a:lnSpc>
+              <a:buFontTx/>
+              <a:buNone/>
+            </a:pPr>
+            <a:endParaRPr lang="ko-KR" altLang="en-US" sz="1800" i="0" b="0">
+              <a:solidFill>
+                <a:schemeClr val="tx1"/>
+              </a:solidFill>
+              <a:latin typeface="NanumGothic" charset="0"/>
+              <a:ea typeface="NanumGothic" charset="0"/>
+            </a:endParaRPr>
+          </a:p>
+          <a:p>
+            <a:pPr marL="342900" indent="-342900" rtl="0" algn="l" defTabSz="914400" eaLnBrk="1" latinLnBrk="0" hangingPunct="1">
+              <a:lnSpc>
+                <a:spcPct val="150000"/>
+              </a:lnSpc>
+              <a:buFontTx/>
+              <a:buNone/>
+            </a:pPr>
+            <a:r>
+              <a:rPr/>
+              <a:t>                                              </a:t>
+            </a:r>
+            <a:endParaRPr lang="ko-KR" altLang="en-US"/>
+          </a:p>
+          <a:p>
+            <a:pPr marL="342900" indent="-342900" rtl="0" algn="l" defTabSz="914400" eaLnBrk="1" latinLnBrk="0" hangingPunct="1">
+              <a:lnSpc>
+                <a:spcPct val="150000"/>
+              </a:lnSpc>
+              <a:buFontTx/>
+              <a:buNone/>
+            </a:pPr>
+            <a:endParaRPr lang="ko-KR" altLang="en-US" sz="1800" i="0" b="0">
+              <a:solidFill>
+                <a:schemeClr val="tx1"/>
+              </a:solidFill>
+              <a:latin typeface="NanumGothic" charset="0"/>
+              <a:ea typeface="NanumGothic" charset="0"/>
+            </a:endParaRPr>
+          </a:p>
+        </p:txBody>
+      </p:sp>
+      <p:pic>
+        <p:nvPicPr>
+          <p:cNvPr id="33" name="그림 40"/>
+          <p:cNvPicPr>
+            <a:picLocks noChangeAspect="1"/>
+          </p:cNvPicPr>
+          <p:nvPr/>
+        </p:nvPicPr>
+        <p:blipFill rotWithShape="1">
+          <a:blip r:embed="rId4" cstate="print">
+            <a:extLst>
+              <a:ext uri="{28A0092B-C50C-407E-A947-70E740481C1C}">
+                <a14:useLocalDpi xmlns:a14="http://schemas.microsoft.com/office/drawing/2010/main" val="0"/>
+              </a:ext>
+            </a:extLst>
+          </a:blip>
+          <a:stretch>
+            <a:fillRect/>
+          </a:stretch>
+        </p:blipFill>
+        <p:spPr>
+          <a:xfrm rot="0">
+            <a:off x="1113790" y="3061335"/>
+            <a:ext cx="4458335" cy="1134110"/>
+          </a:xfrm>
+          <a:prstGeom prst="rect"/>
+          <a:noFill/>
+        </p:spPr>
+      </p:pic>
+      <p:sp>
+        <p:nvSpPr>
+          <p:cNvPr id="34" name="도형 1"/>
+          <p:cNvSpPr>
+            <a:spLocks/>
+          </p:cNvSpPr>
+          <p:nvPr/>
+        </p:nvSpPr>
+        <p:spPr>
+          <a:xfrm rot="0">
+            <a:off x="974090" y="4599940"/>
+            <a:ext cx="5053965" cy="1251585"/>
+          </a:xfrm>
+          <a:prstGeom prst="rect"/>
+          <a:noFill/>
+          <a:ln w="57150" cap="flat" cmpd="sng">
+            <a:solidFill>
+              <a:srgbClr val="FF0000">
+                <a:alpha val="100000"/>
+              </a:srgbClr>
+            </a:solidFill>
+            <a:prstDash val="solid"/>
+            <a:miter lim="800000"/>
+          </a:ln>
+        </p:spPr>
+        <p:style>
+          <a:lnRef idx="2">
+            <a:schemeClr val="accent1">
+              <a:shade val="50000"/>
+            </a:schemeClr>
+          </a:lnRef>
+          <a:fillRef idx="1">
+            <a:schemeClr val="accent1"/>
+          </a:fillRef>
+          <a:effectRef idx="0">
+            <a:schemeClr val="accent1"/>
+          </a:effectRef>
+          <a:fontRef idx="minor">
+            <a:schemeClr val="lt1"/>
+          </a:fontRef>
+        </p:style>
+        <p:txBody>
+          <a:bodyPr wrap="square" lIns="91440" tIns="45720" rIns="91440" bIns="45720" vert="horz" anchor="ctr">
+            <a:noAutofit/>
+          </a:bodyPr>
+          <a:lstStyle/>
+          <a:p>
+            <a:pPr marL="0" indent="0" algn="ctr" hangingPunct="1"/>
+            <a:endParaRPr lang="ko-KR" altLang="en-US" sz="1800">
+              <a:latin typeface="맑은 고딕" charset="0"/>
+              <a:ea typeface="맑은 고딕" charset="0"/>
+            </a:endParaRPr>
+          </a:p>
+        </p:txBody>
+      </p:sp>
+      <p:cxnSp>
+        <p:nvCxnSpPr>
+          <p:cNvPr id="35" name="도형 6"/>
+          <p:cNvCxnSpPr/>
+          <p:nvPr/>
+        </p:nvCxnSpPr>
+        <p:spPr>
+          <a:xfrm rot="0">
+            <a:off x="2409825" y="4591685"/>
+            <a:ext cx="635" cy="1235075"/>
+          </a:xfrm>
+          <a:prstGeom prst="line"/>
+          <a:ln w="6350" cap="flat" cmpd="sng">
+            <a:prstDash/>
+            <a:headEnd type="none" w="med" len="med"/>
+            <a:tailEnd type="none" w="med" len="med"/>
+          </a:ln>
+        </p:spPr>
+        <p:style>
+          <a:lnRef idx="1">
+            <a:schemeClr val="accent1"/>
+          </a:lnRef>
+          <a:fillRef idx="0">
+            <a:schemeClr val="accent1"/>
+          </a:fillRef>
+          <a:effectRef idx="0">
+            <a:schemeClr val="accent1"/>
+          </a:effectRef>
+          <a:fontRef idx="minor">
+            <a:schemeClr val="tx1"/>
+          </a:fontRef>
+        </p:style>
+      </p:cxnSp>
+      <p:cxnSp>
+        <p:nvCxnSpPr>
+          <p:cNvPr id="36" name="도형 7"/>
+          <p:cNvCxnSpPr/>
+          <p:nvPr/>
+        </p:nvCxnSpPr>
+        <p:spPr>
+          <a:xfrm rot="0">
+            <a:off x="4244340" y="4620895"/>
+            <a:ext cx="635" cy="1235075"/>
+          </a:xfrm>
+          <a:prstGeom prst="line"/>
+          <a:ln w="6350" cap="flat" cmpd="sng">
+            <a:prstDash/>
+            <a:headEnd type="none" w="med" len="med"/>
+            <a:tailEnd type="none" w="med" len="med"/>
+          </a:ln>
+        </p:spPr>
+        <p:style>
+          <a:lnRef idx="1">
+            <a:schemeClr val="accent1"/>
+          </a:lnRef>
+          <a:fillRef idx="0">
+            <a:schemeClr val="accent1"/>
+          </a:fillRef>
+          <a:effectRef idx="0">
+            <a:schemeClr val="accent1"/>
+          </a:effectRef>
+          <a:fontRef idx="minor">
+            <a:schemeClr val="tx1"/>
+          </a:fontRef>
+        </p:style>
+      </p:cxnSp>
+      <p:sp>
+        <p:nvSpPr>
+          <p:cNvPr id="37" name="텍스트 상자 8"/>
+          <p:cNvSpPr txBox="1">
+            <a:spLocks/>
+          </p:cNvSpPr>
+          <p:nvPr/>
+        </p:nvSpPr>
+        <p:spPr>
+          <a:xfrm rot="0">
+            <a:off x="1318260" y="4939030"/>
+            <a:ext cx="898525" cy="507365"/>
+          </a:xfrm>
+          <a:prstGeom prst="rect"/>
+          <a:noFill/>
+        </p:spPr>
+        <p:txBody>
+          <a:bodyPr wrap="square" lIns="91440" tIns="45720" rIns="91440" bIns="45720" numCol="1" vert="horz" anchor="t">
+            <a:spAutoFit/>
+          </a:bodyPr>
+          <a:lstStyle/>
+          <a:p>
+            <a:pPr marL="342900" indent="-342900" rtl="0" algn="l" defTabSz="914400" eaLnBrk="1" latinLnBrk="0" hangingPunct="1">
+              <a:lnSpc>
+                <a:spcPct val="150000"/>
+              </a:lnSpc>
+              <a:buFontTx/>
+              <a:buNone/>
+            </a:pPr>
+            <a:r>
+              <a:rPr sz="1800" i="0" b="0">
+                <a:solidFill>
+                  <a:schemeClr val="tx1"/>
+                </a:solidFill>
+                <a:latin typeface="NanumGothic" charset="0"/>
+                <a:ea typeface="NanumGothic" charset="0"/>
+              </a:rPr>
+              <a:t>사과</a:t>
+            </a:r>
+            <a:endParaRPr lang="ko-KR" altLang="en-US" sz="1800" i="0" b="0">
+              <a:solidFill>
+                <a:schemeClr val="tx1"/>
+              </a:solidFill>
+              <a:latin typeface="NanumGothic" charset="0"/>
+              <a:ea typeface="NanumGothic" charset="0"/>
+            </a:endParaRPr>
+          </a:p>
+        </p:txBody>
+      </p:sp>
+      <p:sp>
+        <p:nvSpPr>
+          <p:cNvPr id="38" name="텍스트 상자 9"/>
+          <p:cNvSpPr txBox="1">
+            <a:spLocks/>
+          </p:cNvSpPr>
+          <p:nvPr/>
+        </p:nvSpPr>
+        <p:spPr>
+          <a:xfrm rot="0">
+            <a:off x="2900680" y="4935220"/>
+            <a:ext cx="898525" cy="507365"/>
+          </a:xfrm>
+          <a:prstGeom prst="rect"/>
+          <a:noFill/>
+        </p:spPr>
+        <p:txBody>
+          <a:bodyPr wrap="square" lIns="91440" tIns="45720" rIns="91440" bIns="45720" numCol="1" vert="horz" anchor="t">
+            <a:spAutoFit/>
+          </a:bodyPr>
+          <a:lstStyle/>
+          <a:p>
+            <a:pPr marL="342900" indent="-342900" rtl="0" algn="l" defTabSz="914400" eaLnBrk="1" latinLnBrk="0" hangingPunct="1">
+              <a:lnSpc>
+                <a:spcPct val="150000"/>
+              </a:lnSpc>
+              <a:buFontTx/>
+              <a:buNone/>
+            </a:pPr>
+            <a:r>
+              <a:rPr sz="1800" i="0" b="0">
+                <a:solidFill>
+                  <a:schemeClr val="tx1"/>
+                </a:solidFill>
+                <a:latin typeface="NanumGothic" charset="0"/>
+                <a:ea typeface="NanumGothic" charset="0"/>
+              </a:rPr>
+              <a:t>배</a:t>
+            </a:r>
+            <a:endParaRPr lang="ko-KR" altLang="en-US"/>
+          </a:p>
+        </p:txBody>
+      </p:sp>
+      <p:sp>
+        <p:nvSpPr>
+          <p:cNvPr id="39" name="텍스트 상자 10"/>
+          <p:cNvSpPr txBox="1">
+            <a:spLocks/>
+          </p:cNvSpPr>
+          <p:nvPr/>
+        </p:nvSpPr>
+        <p:spPr>
+          <a:xfrm rot="0">
+            <a:off x="4613275" y="5010785"/>
+            <a:ext cx="898525" cy="507365"/>
+          </a:xfrm>
+          <a:prstGeom prst="rect"/>
+          <a:noFill/>
+        </p:spPr>
+        <p:txBody>
+          <a:bodyPr wrap="square" lIns="91440" tIns="45720" rIns="91440" bIns="45720" numCol="1" vert="horz" anchor="t">
+            <a:spAutoFit/>
+          </a:bodyPr>
+          <a:lstStyle/>
+          <a:p>
+            <a:pPr marL="342900" indent="-342900" rtl="0" algn="l" defTabSz="914400" eaLnBrk="1" latinLnBrk="0" hangingPunct="1">
+              <a:lnSpc>
+                <a:spcPct val="150000"/>
+              </a:lnSpc>
+              <a:buFontTx/>
+              <a:buNone/>
+            </a:pPr>
+            <a:r>
+              <a:rPr sz="1800" i="0" b="0">
+                <a:solidFill>
+                  <a:schemeClr val="tx1"/>
+                </a:solidFill>
+                <a:latin typeface="NanumGothic" charset="0"/>
+                <a:ea typeface="NanumGothic" charset="0"/>
+              </a:rPr>
+              <a:t>딸기</a:t>
+            </a:r>
+            <a:endParaRPr lang="ko-KR" altLang="en-US"/>
+          </a:p>
+        </p:txBody>
+      </p:sp>
+      <p:sp>
+        <p:nvSpPr>
+          <p:cNvPr id="40" name="텍스트 상자 11"/>
+          <p:cNvSpPr txBox="1">
+            <a:spLocks/>
+          </p:cNvSpPr>
+          <p:nvPr/>
+        </p:nvSpPr>
+        <p:spPr>
+          <a:xfrm rot="0">
+            <a:off x="1280795" y="5850255"/>
+            <a:ext cx="898525" cy="368935"/>
+          </a:xfrm>
+          <a:prstGeom prst="rect"/>
+          <a:noFill/>
+        </p:spPr>
+        <p:txBody>
+          <a:bodyPr wrap="square" lIns="91440" tIns="45720" rIns="91440" bIns="45720" numCol="1" vert="horz" anchor="t">
+            <a:spAutoFit/>
+          </a:bodyPr>
+          <a:lstStyle/>
+          <a:p>
+            <a:pPr marL="342900" indent="-342900" rtl="0" algn="l" defTabSz="914400" eaLnBrk="1" latinLnBrk="0" hangingPunct="1">
+              <a:lnSpc>
+                <a:spcPct val="150000"/>
+              </a:lnSpc>
+              <a:buFontTx/>
+              <a:buNone/>
+            </a:pPr>
+            <a:r>
+              <a:rPr sz="1200" i="0" b="0">
+                <a:solidFill>
+                  <a:schemeClr val="tx1"/>
+                </a:solidFill>
+                <a:latin typeface="NanumGothic" charset="0"/>
+                <a:ea typeface="NanumGothic" charset="0"/>
+              </a:rPr>
+              <a:t>0번째자리</a:t>
+            </a:r>
+            <a:endParaRPr lang="ko-KR" altLang="en-US" sz="1200" i="0" b="0">
+              <a:solidFill>
+                <a:schemeClr val="tx1"/>
+              </a:solidFill>
+              <a:latin typeface="NanumGothic" charset="0"/>
+              <a:ea typeface="NanumGothic" charset="0"/>
+            </a:endParaRPr>
+          </a:p>
+        </p:txBody>
+      </p:sp>
+      <p:sp>
+        <p:nvSpPr>
+          <p:cNvPr id="41" name="텍스트 상자 12"/>
+          <p:cNvSpPr txBox="1">
+            <a:spLocks/>
+          </p:cNvSpPr>
+          <p:nvPr/>
+        </p:nvSpPr>
+        <p:spPr>
+          <a:xfrm rot="0">
+            <a:off x="2905760" y="5905500"/>
+            <a:ext cx="898525" cy="368935"/>
+          </a:xfrm>
+          <a:prstGeom prst="rect"/>
+          <a:noFill/>
+        </p:spPr>
+        <p:txBody>
+          <a:bodyPr wrap="square" lIns="91440" tIns="45720" rIns="91440" bIns="45720" numCol="1" vert="horz" anchor="t">
+            <a:spAutoFit/>
+          </a:bodyPr>
+          <a:lstStyle/>
+          <a:p>
+            <a:pPr marL="342900" indent="-342900" rtl="0" algn="l" defTabSz="914400" eaLnBrk="1" latinLnBrk="0" hangingPunct="1">
+              <a:lnSpc>
+                <a:spcPct val="150000"/>
+              </a:lnSpc>
+              <a:buFontTx/>
+              <a:buNone/>
+            </a:pPr>
+            <a:r>
+              <a:rPr sz="1200" i="0" b="0">
+                <a:solidFill>
+                  <a:schemeClr val="tx1"/>
+                </a:solidFill>
+                <a:latin typeface="NanumGothic" charset="0"/>
+                <a:ea typeface="NanumGothic" charset="0"/>
+              </a:rPr>
+              <a:t>1번째자리</a:t>
+            </a:r>
+            <a:endParaRPr lang="ko-KR" altLang="en-US" sz="1200" i="0" b="0">
+              <a:solidFill>
+                <a:schemeClr val="tx1"/>
+              </a:solidFill>
+              <a:latin typeface="NanumGothic" charset="0"/>
+              <a:ea typeface="NanumGothic" charset="0"/>
+            </a:endParaRPr>
+          </a:p>
+        </p:txBody>
+      </p:sp>
+      <p:sp>
+        <p:nvSpPr>
+          <p:cNvPr id="42" name="텍스트 상자 13"/>
+          <p:cNvSpPr txBox="1">
+            <a:spLocks/>
+          </p:cNvSpPr>
+          <p:nvPr/>
+        </p:nvSpPr>
+        <p:spPr>
+          <a:xfrm rot="0">
+            <a:off x="4765675" y="5909945"/>
+            <a:ext cx="898525" cy="368935"/>
+          </a:xfrm>
+          <a:prstGeom prst="rect"/>
+          <a:noFill/>
+        </p:spPr>
+        <p:txBody>
+          <a:bodyPr wrap="square" lIns="91440" tIns="45720" rIns="91440" bIns="45720" numCol="1" vert="horz" anchor="t">
+            <a:spAutoFit/>
+          </a:bodyPr>
+          <a:lstStyle/>
+          <a:p>
+            <a:pPr marL="342900" indent="-342900" rtl="0" algn="l" defTabSz="914400" eaLnBrk="1" latinLnBrk="0" hangingPunct="1">
+              <a:lnSpc>
+                <a:spcPct val="150000"/>
+              </a:lnSpc>
+              <a:buFontTx/>
+              <a:buNone/>
+            </a:pPr>
+            <a:r>
+              <a:rPr sz="1200" i="0" b="0">
+                <a:solidFill>
+                  <a:schemeClr val="tx1"/>
+                </a:solidFill>
+                <a:latin typeface="NanumGothic" charset="0"/>
+                <a:ea typeface="NanumGothic" charset="0"/>
+              </a:rPr>
+              <a:t>2번째자리</a:t>
+            </a:r>
+            <a:endParaRPr lang="ko-KR" altLang="en-US" sz="1200" i="0" b="0">
+              <a:solidFill>
+                <a:schemeClr val="tx1"/>
+              </a:solidFill>
+              <a:latin typeface="NanumGothic" charset="0"/>
+              <a:ea typeface="NanumGothic" charset="0"/>
+            </a:endParaRPr>
+          </a:p>
+        </p:txBody>
+      </p:sp>
+    </p:spTree>
+  </p:cSld>
+  <p:clrMapOvr>
+    <a:masterClrMapping/>
+  </p:clrMapOvr>
+  <mc:AlternateContent xmlns:mc="http://schemas.openxmlformats.org/markup-compatibility/2006">
+    <mc:Choice xmlns:p14="http://schemas.microsoft.com/office/powerpoint/2010/main" Requires="p14">
+      <p:transition spd="slow" p14:dur="2000"/>
+    </mc:Choice>
+    <mc:Fallback>
+      <p:transition spd="slow"/>
+    </mc:Fallback>
+  </mc:AlternateContent>
+  <p:timing>
+    <p:tnLst>
+      <p:par>
+        <p:cTn id="1" dur="indefinite" restart="never" nodeType="tmRoot"/>
+      </p:par>
+    </p:tnLst>
+  </p:timing>
+</p:sld>
+</file>
+
+<file path=ppt/slides/slide18.xml><?xml version="1.0" encoding="utf-8"?>
 <p:sld xmlns:a="http://schemas.openxmlformats.org/drawingml/2006/main" xmlns:r="http://schemas.openxmlformats.org/officeDocument/2006/relationships" xmlns:p="http://schemas.openxmlformats.org/presentationml/2006/main">
   <p:cSld>
     <p:spTree>
@@ -28380,7 +33033,7 @@
 </p:sld>
 </file>
 
-<file path=ppt/slides/slide16.xml><?xml version="1.0" encoding="utf-8"?>
+<file path=ppt/slides/slide19.xml><?xml version="1.0" encoding="utf-8"?>
 <p:sld xmlns:a="http://schemas.openxmlformats.org/drawingml/2006/main" xmlns:r="http://schemas.openxmlformats.org/officeDocument/2006/relationships" xmlns:p="http://schemas.openxmlformats.org/presentationml/2006/main" xmlns:p14="http://schemas.microsoft.com/office/powerpoint/2010/main">
   <p:cSld>
     <p:spTree>
@@ -29737,4659 +34390,6 @@
             <a:endParaRPr lang="ko-KR" altLang="en-US" sz="1400">
               <a:latin typeface="맑은 고딕" charset="0"/>
               <a:ea typeface="맑은 고딕" charset="0"/>
-            </a:endParaRPr>
-          </a:p>
-        </p:txBody>
-      </p:sp>
-    </p:spTree>
-  </p:cSld>
-  <p:clrMapOvr>
-    <a:masterClrMapping/>
-  </p:clrMapOvr>
-  <mc:AlternateContent xmlns:mc="http://schemas.openxmlformats.org/markup-compatibility/2006">
-    <mc:Choice xmlns:p14="http://schemas.microsoft.com/office/powerpoint/2010/main" Requires="p14">
-      <p:transition spd="slow" p14:dur="2000"/>
-    </mc:Choice>
-    <mc:Fallback>
-      <p:transition spd="slow"/>
-    </mc:Fallback>
-  </mc:AlternateContent>
-  <p:timing>
-    <p:tnLst>
-      <p:par>
-        <p:cTn id="1" dur="indefinite" restart="never" nodeType="tmRoot"/>
-      </p:par>
-    </p:tnLst>
-  </p:timing>
-</p:sld>
-</file>
-
-<file path=ppt/slides/slide17.xml><?xml version="1.0" encoding="utf-8"?>
-<p:sld xmlns:a="http://schemas.openxmlformats.org/drawingml/2006/main" xmlns:r="http://schemas.openxmlformats.org/officeDocument/2006/relationships" xmlns:p="http://schemas.openxmlformats.org/presentationml/2006/main">
-  <p:cSld>
-    <p:spTree>
-      <p:nvGrpSpPr>
-        <p:cNvPr id="1" name=""/>
-        <p:cNvGrpSpPr/>
-        <p:nvPr/>
-      </p:nvGrpSpPr>
-      <p:grpSpPr>
-        <a:xfrm>
-          <a:off x="0" y="0"/>
-          <a:ext cx="0" cy="0"/>
-          <a:chOff x="0" y="0"/>
-          <a:chExt cx="0" cy="0"/>
-        </a:xfrm>
-      </p:grpSpPr>
-      <p:grpSp>
-        <p:nvGrpSpPr>
-          <p:cNvPr id="28" name="그룹 4"/>
-          <p:cNvGrpSpPr/>
-          <p:nvPr/>
-        </p:nvGrpSpPr>
-        <p:grpSpPr>
-          <a:xfrm rot="0">
-            <a:off x="145415" y="684530"/>
-            <a:ext cx="11824335" cy="6006465"/>
-            <a:chOff x="145415" y="684530"/>
-            <a:chExt cx="11824335" cy="6006465"/>
-          </a:xfrm>
-        </p:grpSpPr>
-        <p:sp>
-          <p:nvSpPr>
-            <p:cNvPr id="29" name="도형 2"/>
-            <p:cNvSpPr>
-              <a:spLocks/>
-            </p:cNvSpPr>
-            <p:nvPr/>
-          </p:nvSpPr>
-          <p:spPr>
-            <a:xfrm rot="0">
-              <a:off x="145415" y="684530"/>
-              <a:ext cx="11762740" cy="5958205"/>
-            </a:xfrm>
-            <a:custGeom>
-              <a:gdLst>
-                <a:gd fmla="*/ 3574143 w 11760204" name="TX0"/>
-                <a:gd fmla="*/ 72571 h 5955850" name="TY0"/>
-                <a:gd fmla="*/ 11716657 w 11760204" name="TX1"/>
-                <a:gd fmla="*/ 72571 h 5955850" name="TY1"/>
-                <a:gd fmla="*/ 11760200 w 11760204" name="TX2"/>
-                <a:gd fmla="*/ 5936343 h 5955850" name="TY2"/>
-                <a:gd fmla="*/ 0 w 11760204" name="TX3"/>
-                <a:gd fmla="*/ 5955846 h 5955850" name="TY3"/>
-                <a:gd fmla="*/ 77107 w 11760204" name="TX4"/>
-                <a:gd fmla="*/ 0 h 5955850" name="TY4"/>
-                <a:gd fmla="*/ 206828 w 11760204" name="TX5"/>
-                <a:gd fmla="*/ 0 h 5955850" name="TY5"/>
-              </a:gdLst>
-              <a:cxnLst>
-                <a:cxn ang="0">
-                  <a:pos x="TX0" y="TY0"/>
-                </a:cxn>
-                <a:cxn ang="0">
-                  <a:pos x="TX1" y="TY1"/>
-                </a:cxn>
-                <a:cxn ang="0">
-                  <a:pos x="TX2" y="TY2"/>
-                </a:cxn>
-                <a:cxn ang="0">
-                  <a:pos x="TX3" y="TY3"/>
-                </a:cxn>
-                <a:cxn ang="0">
-                  <a:pos x="TX4" y="TY4"/>
-                </a:cxn>
-                <a:cxn ang="0">
-                  <a:pos x="TX5" y="TY5"/>
-                </a:cxn>
-              </a:cxnLst>
-              <a:rect l="l" t="t" r="r" b="b"/>
-              <a:pathLst>
-                <a:path w="11760204" h="5955850">
-                  <a:moveTo>
-                    <a:pt x="3574143" y="72571"/>
-                  </a:moveTo>
-                  <a:lnTo>
-                    <a:pt x="11716657" y="72571"/>
-                  </a:lnTo>
-                  <a:lnTo>
-                    <a:pt x="11760200" y="5936343"/>
-                  </a:lnTo>
-                  <a:lnTo>
-                    <a:pt x="0" y="5955846"/>
-                  </a:lnTo>
-                  <a:lnTo>
-                    <a:pt x="77107" y="0"/>
-                  </a:lnTo>
-                  <a:lnTo>
-                    <a:pt x="206828" y="0"/>
-                  </a:lnTo>
-                </a:path>
-              </a:pathLst>
-            </a:custGeom>
-            <a:solidFill>
-              <a:schemeClr val="bg1"/>
-            </a:solidFill>
-            <a:ln w="12700" cap="flat" cmpd="sng">
-              <a:solidFill>
-                <a:schemeClr val="tx1">
-                  <a:lumMod val="85000"/>
-                  <a:lumOff val="15000"/>
-                  <a:alpha val="100000"/>
-                </a:schemeClr>
-              </a:solidFill>
-              <a:prstDash val="solid"/>
-            </a:ln>
-          </p:spPr>
-          <p:style>
-            <a:lnRef idx="2">
-              <a:schemeClr val="accent1">
-                <a:shade val="50000"/>
-              </a:schemeClr>
-            </a:lnRef>
-            <a:fillRef idx="1">
-              <a:schemeClr val="accent1"/>
-            </a:fillRef>
-            <a:effectRef idx="0">
-              <a:schemeClr val="accent1"/>
-            </a:effectRef>
-            <a:fontRef idx="minor">
-              <a:schemeClr val="lt1"/>
-            </a:fontRef>
-          </p:style>
-          <p:txBody>
-            <a:bodyPr wrap="square" lIns="91440" tIns="45720" rIns="91440" bIns="45720" vert="horz" anchor="ctr">
-              <a:noAutofit/>
-            </a:bodyPr>
-            <a:lstStyle/>
-            <a:p>
-              <a:pPr marL="0" indent="0" rtl="0" algn="ctr" defTabSz="914400" eaLnBrk="1" latinLnBrk="0" hangingPunct="1">
-                <a:buFontTx/>
-                <a:buNone/>
-              </a:pPr>
-              <a:endParaRPr lang="ko-KR" altLang="en-US" sz="1800">
-                <a:solidFill>
-                  <a:srgbClr val="FFFFFF"/>
-                </a:solidFill>
-                <a:latin typeface="맑은 고딕" charset="0"/>
-                <a:ea typeface="맑은 고딕" charset="0"/>
-              </a:endParaRPr>
-            </a:p>
-          </p:txBody>
-        </p:sp>
-        <p:sp>
-          <p:nvSpPr>
-            <p:cNvPr id="30" name="도형 3"/>
-            <p:cNvSpPr>
-              <a:spLocks/>
-            </p:cNvSpPr>
-            <p:nvPr/>
-          </p:nvSpPr>
-          <p:spPr>
-            <a:xfrm rot="0">
-              <a:off x="11634470" y="6376035"/>
-              <a:ext cx="335915" cy="314960"/>
-            </a:xfrm>
-            <a:custGeom>
-              <a:gdLst>
-                <a:gd fmla="*/ 333375 w 333379" name="TX0"/>
-                <a:gd fmla="*/ 0 h 312424" name="TY0"/>
-                <a:gd fmla="*/ 333375 w 333379" name="TX1"/>
-                <a:gd fmla="*/ 312420 h 312424" name="TY1"/>
-                <a:gd fmla="*/ 0 w 333379" name="TX2"/>
-                <a:gd fmla="*/ 309563 h 312424" name="TY2"/>
-              </a:gdLst>
-              <a:cxnLst>
-                <a:cxn ang="0">
-                  <a:pos x="TX0" y="TY0"/>
-                </a:cxn>
-                <a:cxn ang="0">
-                  <a:pos x="TX1" y="TY1"/>
-                </a:cxn>
-                <a:cxn ang="0">
-                  <a:pos x="TX2" y="TY2"/>
-                </a:cxn>
-              </a:cxnLst>
-              <a:rect l="l" t="t" r="r" b="b"/>
-              <a:pathLst>
-                <a:path w="333379" h="312424">
-                  <a:moveTo>
-                    <a:pt x="333375" y="0"/>
-                  </a:moveTo>
-                  <a:lnTo>
-                    <a:pt x="333375" y="312420"/>
-                  </a:lnTo>
-                  <a:lnTo>
-                    <a:pt x="0" y="309563"/>
-                  </a:lnTo>
-                </a:path>
-              </a:pathLst>
-            </a:custGeom>
-            <a:noFill/>
-            <a:ln w="12700" cap="flat" cmpd="sng">
-              <a:solidFill>
-                <a:schemeClr val="tx1">
-                  <a:lumMod val="85000"/>
-                  <a:lumOff val="15000"/>
-                  <a:alpha val="100000"/>
-                </a:schemeClr>
-              </a:solidFill>
-              <a:prstDash val="solid"/>
-            </a:ln>
-          </p:spPr>
-          <p:style>
-            <a:lnRef idx="2">
-              <a:schemeClr val="accent1">
-                <a:shade val="50000"/>
-              </a:schemeClr>
-            </a:lnRef>
-            <a:fillRef idx="1">
-              <a:schemeClr val="accent1"/>
-            </a:fillRef>
-            <a:effectRef idx="0">
-              <a:schemeClr val="accent1"/>
-            </a:effectRef>
-            <a:fontRef idx="minor">
-              <a:schemeClr val="lt1"/>
-            </a:fontRef>
-          </p:style>
-          <p:txBody>
-            <a:bodyPr wrap="square" lIns="91440" tIns="45720" rIns="91440" bIns="45720" vert="horz" anchor="ctr">
-              <a:noAutofit/>
-            </a:bodyPr>
-            <a:lstStyle/>
-            <a:p>
-              <a:pPr marL="0" indent="0" rtl="0" algn="ctr" defTabSz="914400" eaLnBrk="1" latinLnBrk="0" hangingPunct="1">
-                <a:buFontTx/>
-                <a:buNone/>
-              </a:pPr>
-              <a:endParaRPr lang="ko-KR" altLang="en-US" sz="1800">
-                <a:solidFill>
-                  <a:srgbClr val="FFFFFF"/>
-                </a:solidFill>
-                <a:latin typeface="맑은 고딕" charset="0"/>
-                <a:ea typeface="맑은 고딕" charset="0"/>
-              </a:endParaRPr>
-            </a:p>
-          </p:txBody>
-        </p:sp>
-      </p:grpSp>
-      <p:grpSp>
-        <p:nvGrpSpPr>
-          <p:cNvPr id="31" name="그룹 17"/>
-          <p:cNvGrpSpPr/>
-          <p:nvPr/>
-        </p:nvGrpSpPr>
-        <p:grpSpPr>
-          <a:xfrm rot="0">
-            <a:off x="486410" y="121920"/>
-            <a:ext cx="3264535" cy="1022350"/>
-            <a:chOff x="486410" y="121920"/>
-            <a:chExt cx="3264535" cy="1022350"/>
-          </a:xfrm>
-        </p:grpSpPr>
-        <p:sp>
-          <p:nvSpPr>
-            <p:cNvPr id="32" name="도형 5"/>
-            <p:cNvSpPr>
-              <a:spLocks/>
-            </p:cNvSpPr>
-            <p:nvPr/>
-          </p:nvSpPr>
-          <p:spPr>
-            <a:xfrm rot="10800000">
-              <a:off x="624840" y="902970"/>
-              <a:ext cx="933450" cy="236220"/>
-            </a:xfrm>
-            <a:prstGeom prst="triangle">
-              <a:avLst>
-                <a:gd name="adj" fmla="val 31437"/>
-              </a:avLst>
-            </a:prstGeom>
-            <a:solidFill>
-              <a:schemeClr val="tx2">
-                <a:lumMod val="75000"/>
-              </a:schemeClr>
-            </a:solidFill>
-            <a:ln w="0">
-              <a:noFill/>
-              <a:prstDash/>
-            </a:ln>
-          </p:spPr>
-          <p:style>
-            <a:lnRef idx="2">
-              <a:schemeClr val="accent1">
-                <a:shade val="50000"/>
-              </a:schemeClr>
-            </a:lnRef>
-            <a:fillRef idx="1">
-              <a:schemeClr val="accent1"/>
-            </a:fillRef>
-            <a:effectRef idx="0">
-              <a:schemeClr val="accent1"/>
-            </a:effectRef>
-            <a:fontRef idx="minor">
-              <a:schemeClr val="lt1"/>
-            </a:fontRef>
-          </p:style>
-          <p:txBody>
-            <a:bodyPr wrap="square" lIns="91440" tIns="45720" rIns="91440" bIns="45720" vert="horz" anchor="ctr">
-              <a:noAutofit/>
-            </a:bodyPr>
-            <a:lstStyle/>
-            <a:p>
-              <a:pPr marL="0" indent="0" rtl="0" algn="ctr" defTabSz="914400" eaLnBrk="1" latinLnBrk="0" hangingPunct="1">
-                <a:buFontTx/>
-                <a:buNone/>
-              </a:pPr>
-              <a:endParaRPr lang="ko-KR" altLang="en-US" sz="1800">
-                <a:solidFill>
-                  <a:srgbClr val="FFFFFF"/>
-                </a:solidFill>
-                <a:latin typeface="맑은 고딕" charset="0"/>
-                <a:ea typeface="맑은 고딕" charset="0"/>
-              </a:endParaRPr>
-            </a:p>
-          </p:txBody>
-        </p:sp>
-        <p:sp>
-          <p:nvSpPr>
-            <p:cNvPr id="33" name="도형 6"/>
-            <p:cNvSpPr>
-              <a:spLocks/>
-            </p:cNvSpPr>
-            <p:nvPr/>
-          </p:nvSpPr>
-          <p:spPr>
-            <a:xfrm rot="16200000">
-              <a:off x="1745615" y="-894715"/>
-              <a:ext cx="751840" cy="2987040"/>
-            </a:xfrm>
-            <a:prstGeom prst="trapezoid">
-              <a:avLst>
-                <a:gd name="adj" fmla="val 8729"/>
-              </a:avLst>
-            </a:prstGeom>
-            <a:solidFill>
-              <a:srgbClr val="08CDD5"/>
-            </a:solidFill>
-            <a:ln w="0">
-              <a:noFill/>
-              <a:prstDash/>
-            </a:ln>
-          </p:spPr>
-          <p:style>
-            <a:lnRef idx="2">
-              <a:schemeClr val="accent1">
-                <a:shade val="50000"/>
-              </a:schemeClr>
-            </a:lnRef>
-            <a:fillRef idx="1">
-              <a:schemeClr val="accent1"/>
-            </a:fillRef>
-            <a:effectRef idx="0">
-              <a:schemeClr val="accent1"/>
-            </a:effectRef>
-            <a:fontRef idx="minor">
-              <a:schemeClr val="lt1"/>
-            </a:fontRef>
-          </p:style>
-          <p:txBody>
-            <a:bodyPr wrap="square" lIns="91440" tIns="45720" rIns="91440" bIns="45720" vert="horz" anchor="ctr">
-              <a:noAutofit/>
-            </a:bodyPr>
-            <a:lstStyle/>
-            <a:p>
-              <a:pPr marL="0" indent="0" rtl="0" algn="ctr" defTabSz="914400" eaLnBrk="1" latinLnBrk="0" hangingPunct="1">
-                <a:buFontTx/>
-                <a:buNone/>
-              </a:pPr>
-              <a:endParaRPr lang="ko-KR" altLang="en-US" sz="1800">
-                <a:solidFill>
-                  <a:srgbClr val="FFFFFF"/>
-                </a:solidFill>
-                <a:latin typeface="맑은 고딕" charset="0"/>
-                <a:ea typeface="맑은 고딕" charset="0"/>
-              </a:endParaRPr>
-            </a:p>
-          </p:txBody>
-        </p:sp>
-        <p:cxnSp>
-          <p:nvCxnSpPr>
-            <p:cNvPr id="34" name="도형 7"/>
-            <p:cNvCxnSpPr/>
-            <p:nvPr/>
-          </p:nvCxnSpPr>
-          <p:spPr>
-            <a:xfrm rot="0" flipV="1">
-              <a:off x="628015" y="172085"/>
-              <a:ext cx="1717040" cy="27305"/>
-            </a:xfrm>
-            <a:prstGeom prst="line"/>
-            <a:ln w="12700" cap="flat" cmpd="sng">
-              <a:solidFill>
-                <a:schemeClr val="tx1">
-                  <a:lumMod val="85000"/>
-                  <a:lumOff val="15000"/>
-                  <a:alpha val="100000"/>
-                </a:schemeClr>
-              </a:solidFill>
-              <a:prstDash val="solid"/>
-            </a:ln>
-          </p:spPr>
-          <p:style>
-            <a:lnRef idx="1">
-              <a:schemeClr val="accent1"/>
-            </a:lnRef>
-            <a:fillRef idx="0">
-              <a:schemeClr val="accent1"/>
-            </a:fillRef>
-            <a:effectRef idx="0">
-              <a:schemeClr val="accent1"/>
-            </a:effectRef>
-            <a:fontRef idx="minor">
-              <a:schemeClr val="tx1"/>
-            </a:fontRef>
-          </p:style>
-        </p:cxnSp>
-        <p:cxnSp>
-          <p:nvCxnSpPr>
-            <p:cNvPr id="35" name="도형 8"/>
-            <p:cNvCxnSpPr/>
-            <p:nvPr/>
-          </p:nvCxnSpPr>
-          <p:spPr>
-            <a:xfrm rot="0" flipV="1">
-              <a:off x="974090" y="121920"/>
-              <a:ext cx="828040" cy="12065"/>
-            </a:xfrm>
-            <a:prstGeom prst="line"/>
-            <a:ln w="12700" cap="flat" cmpd="sng">
-              <a:solidFill>
-                <a:schemeClr val="tx1">
-                  <a:lumMod val="85000"/>
-                  <a:lumOff val="15000"/>
-                  <a:alpha val="100000"/>
-                </a:schemeClr>
-              </a:solidFill>
-              <a:prstDash val="solid"/>
-            </a:ln>
-          </p:spPr>
-          <p:style>
-            <a:lnRef idx="1">
-              <a:schemeClr val="accent1"/>
-            </a:lnRef>
-            <a:fillRef idx="0">
-              <a:schemeClr val="accent1"/>
-            </a:fillRef>
-            <a:effectRef idx="0">
-              <a:schemeClr val="accent1"/>
-            </a:effectRef>
-            <a:fontRef idx="minor">
-              <a:schemeClr val="tx1"/>
-            </a:fontRef>
-          </p:style>
-        </p:cxnSp>
-        <p:sp>
-          <p:nvSpPr>
-            <p:cNvPr id="36" name="도형 9"/>
-            <p:cNvSpPr>
-              <a:spLocks/>
-            </p:cNvSpPr>
-            <p:nvPr/>
-          </p:nvSpPr>
-          <p:spPr>
-            <a:xfrm rot="0">
-              <a:off x="2464435" y="121920"/>
-              <a:ext cx="74295" cy="74295"/>
-            </a:xfrm>
-            <a:prstGeom prst="ellipse"/>
-            <a:noFill/>
-            <a:ln w="12700" cap="flat" cmpd="sng">
-              <a:solidFill>
-                <a:schemeClr val="tx1">
-                  <a:lumMod val="85000"/>
-                  <a:lumOff val="15000"/>
-                  <a:alpha val="100000"/>
-                </a:schemeClr>
-              </a:solidFill>
-              <a:prstDash val="solid"/>
-            </a:ln>
-          </p:spPr>
-          <p:style>
-            <a:lnRef idx="2">
-              <a:schemeClr val="accent1">
-                <a:shade val="50000"/>
-              </a:schemeClr>
-            </a:lnRef>
-            <a:fillRef idx="1">
-              <a:schemeClr val="accent1"/>
-            </a:fillRef>
-            <a:effectRef idx="0">
-              <a:schemeClr val="accent1"/>
-            </a:effectRef>
-            <a:fontRef idx="minor">
-              <a:schemeClr val="lt1"/>
-            </a:fontRef>
-          </p:style>
-          <p:txBody>
-            <a:bodyPr wrap="square" lIns="91440" tIns="45720" rIns="91440" bIns="45720" vert="horz" anchor="ctr">
-              <a:noAutofit/>
-            </a:bodyPr>
-            <a:lstStyle/>
-            <a:p>
-              <a:pPr marL="0" indent="0" rtl="0" algn="ctr" defTabSz="914400" eaLnBrk="1" latinLnBrk="0" hangingPunct="1">
-                <a:buFontTx/>
-                <a:buNone/>
-              </a:pPr>
-              <a:endParaRPr lang="ko-KR" altLang="en-US" sz="1800">
-                <a:solidFill>
-                  <a:srgbClr val="FFFFFF"/>
-                </a:solidFill>
-                <a:latin typeface="맑은 고딕" charset="0"/>
-                <a:ea typeface="맑은 고딕" charset="0"/>
-              </a:endParaRPr>
-            </a:p>
-          </p:txBody>
-        </p:sp>
-        <p:sp>
-          <p:nvSpPr>
-            <p:cNvPr id="37" name="도형 10"/>
-            <p:cNvSpPr>
-              <a:spLocks/>
-            </p:cNvSpPr>
-            <p:nvPr/>
-          </p:nvSpPr>
-          <p:spPr>
-            <a:xfrm rot="20700000">
-              <a:off x="3020695" y="1051560"/>
-              <a:ext cx="74295" cy="74295"/>
-            </a:xfrm>
-            <a:prstGeom prst="triangle"/>
-            <a:noFill/>
-            <a:ln w="12700" cap="flat" cmpd="sng">
-              <a:solidFill>
-                <a:schemeClr val="tx1">
-                  <a:lumMod val="85000"/>
-                  <a:lumOff val="15000"/>
-                  <a:alpha val="100000"/>
-                </a:schemeClr>
-              </a:solidFill>
-              <a:prstDash val="solid"/>
-            </a:ln>
-          </p:spPr>
-          <p:style>
-            <a:lnRef idx="2">
-              <a:schemeClr val="accent1">
-                <a:shade val="50000"/>
-              </a:schemeClr>
-            </a:lnRef>
-            <a:fillRef idx="1">
-              <a:schemeClr val="accent1"/>
-            </a:fillRef>
-            <a:effectRef idx="0">
-              <a:schemeClr val="accent1"/>
-            </a:effectRef>
-            <a:fontRef idx="minor">
-              <a:schemeClr val="lt1"/>
-            </a:fontRef>
-          </p:style>
-          <p:txBody>
-            <a:bodyPr wrap="square" lIns="91440" tIns="45720" rIns="91440" bIns="45720" vert="horz" anchor="ctr">
-              <a:noAutofit/>
-            </a:bodyPr>
-            <a:lstStyle/>
-            <a:p>
-              <a:pPr marL="0" indent="0" rtl="0" algn="ctr" defTabSz="914400" eaLnBrk="1" latinLnBrk="0" hangingPunct="1">
-                <a:buFontTx/>
-                <a:buNone/>
-              </a:pPr>
-              <a:endParaRPr lang="ko-KR" altLang="en-US" sz="1800">
-                <a:solidFill>
-                  <a:srgbClr val="FFFFFF"/>
-                </a:solidFill>
-                <a:latin typeface="맑은 고딕" charset="0"/>
-                <a:ea typeface="맑은 고딕" charset="0"/>
-              </a:endParaRPr>
-            </a:p>
-          </p:txBody>
-        </p:sp>
-        <p:sp>
-          <p:nvSpPr>
-            <p:cNvPr id="38" name="도형 11"/>
-            <p:cNvSpPr>
-              <a:spLocks/>
-            </p:cNvSpPr>
-            <p:nvPr/>
-          </p:nvSpPr>
-          <p:spPr>
-            <a:xfrm rot="0">
-              <a:off x="574675" y="624205"/>
-              <a:ext cx="292100" cy="444500"/>
-            </a:xfrm>
-            <a:custGeom>
-              <a:gdLst>
-                <a:gd fmla="*/ 0 w 289564" name="TX0"/>
-                <a:gd fmla="*/ 0 h 441964" name="TY0"/>
-                <a:gd fmla="*/ 5715 w 289564" name="TX1"/>
-                <a:gd fmla="*/ 315754 h 441964" name="TY1"/>
-                <a:gd fmla="*/ 289560 w 289564" name="TX2"/>
-                <a:gd fmla="*/ 441960 h 441964" name="TY2"/>
-              </a:gdLst>
-              <a:cxnLst>
-                <a:cxn ang="0">
-                  <a:pos x="TX0" y="TY0"/>
-                </a:cxn>
-                <a:cxn ang="0">
-                  <a:pos x="TX1" y="TY1"/>
-                </a:cxn>
-                <a:cxn ang="0">
-                  <a:pos x="TX2" y="TY2"/>
-                </a:cxn>
-              </a:cxnLst>
-              <a:rect l="l" t="t" r="r" b="b"/>
-              <a:pathLst>
-                <a:path w="289564" h="441964">
-                  <a:moveTo>
-                    <a:pt x="0" y="0"/>
-                  </a:moveTo>
-                  <a:lnTo>
-                    <a:pt x="5715" y="315754"/>
-                  </a:lnTo>
-                  <a:lnTo>
-                    <a:pt x="289560" y="441960"/>
-                  </a:lnTo>
-                </a:path>
-              </a:pathLst>
-            </a:custGeom>
-            <a:noFill/>
-            <a:ln w="12700" cap="flat" cmpd="sng">
-              <a:solidFill>
-                <a:schemeClr val="tx1">
-                  <a:lumMod val="85000"/>
-                  <a:lumOff val="15000"/>
-                  <a:alpha val="100000"/>
-                </a:schemeClr>
-              </a:solidFill>
-              <a:prstDash val="solid"/>
-            </a:ln>
-          </p:spPr>
-          <p:style>
-            <a:lnRef idx="2">
-              <a:schemeClr val="accent1">
-                <a:shade val="50000"/>
-              </a:schemeClr>
-            </a:lnRef>
-            <a:fillRef idx="1">
-              <a:schemeClr val="accent1"/>
-            </a:fillRef>
-            <a:effectRef idx="0">
-              <a:schemeClr val="accent1"/>
-            </a:effectRef>
-            <a:fontRef idx="minor">
-              <a:schemeClr val="lt1"/>
-            </a:fontRef>
-          </p:style>
-          <p:txBody>
-            <a:bodyPr wrap="square" lIns="91440" tIns="45720" rIns="91440" bIns="45720" vert="horz" anchor="ctr">
-              <a:noAutofit/>
-            </a:bodyPr>
-            <a:lstStyle/>
-            <a:p>
-              <a:pPr marL="0" indent="0" rtl="0" algn="ctr" defTabSz="914400" eaLnBrk="1" latinLnBrk="0" hangingPunct="1">
-                <a:buFontTx/>
-                <a:buNone/>
-              </a:pPr>
-              <a:endParaRPr lang="ko-KR" altLang="en-US" sz="1800">
-                <a:solidFill>
-                  <a:srgbClr val="FFFFFF"/>
-                </a:solidFill>
-                <a:latin typeface="맑은 고딕" charset="0"/>
-                <a:ea typeface="맑은 고딕" charset="0"/>
-              </a:endParaRPr>
-            </a:p>
-          </p:txBody>
-        </p:sp>
-        <p:sp>
-          <p:nvSpPr>
-            <p:cNvPr id="39" name="도형 12"/>
-            <p:cNvSpPr>
-              <a:spLocks/>
-            </p:cNvSpPr>
-            <p:nvPr/>
-          </p:nvSpPr>
-          <p:spPr>
-            <a:xfrm rot="0">
-              <a:off x="1359535" y="989965"/>
-              <a:ext cx="840740" cy="154940"/>
-            </a:xfrm>
-            <a:custGeom>
-              <a:gdLst>
-                <a:gd fmla="*/ 0 w 838204" name="TX0"/>
-                <a:gd fmla="*/ 152400 h 152404" name="TY0"/>
-                <a:gd fmla="*/ 182880 w 838204" name="TX1"/>
-                <a:gd fmla="*/ 0 h 152404" name="TY1"/>
-                <a:gd fmla="*/ 838200 w 838204" name="TX2"/>
-                <a:gd fmla="*/ 15240 h 152404" name="TY2"/>
-              </a:gdLst>
-              <a:cxnLst>
-                <a:cxn ang="0">
-                  <a:pos x="TX0" y="TY0"/>
-                </a:cxn>
-                <a:cxn ang="0">
-                  <a:pos x="TX1" y="TY1"/>
-                </a:cxn>
-                <a:cxn ang="0">
-                  <a:pos x="TX2" y="TY2"/>
-                </a:cxn>
-              </a:cxnLst>
-              <a:rect l="l" t="t" r="r" b="b"/>
-              <a:pathLst>
-                <a:path w="838204" h="152404">
-                  <a:moveTo>
-                    <a:pt x="0" y="152400"/>
-                  </a:moveTo>
-                  <a:lnTo>
-                    <a:pt x="182880" y="0"/>
-                  </a:lnTo>
-                  <a:lnTo>
-                    <a:pt x="838200" y="15240"/>
-                  </a:lnTo>
-                </a:path>
-              </a:pathLst>
-            </a:custGeom>
-            <a:noFill/>
-            <a:ln w="12700" cap="flat" cmpd="sng">
-              <a:solidFill>
-                <a:schemeClr val="tx1">
-                  <a:lumMod val="85000"/>
-                  <a:lumOff val="15000"/>
-                  <a:alpha val="100000"/>
-                </a:schemeClr>
-              </a:solidFill>
-              <a:prstDash val="solid"/>
-            </a:ln>
-          </p:spPr>
-          <p:style>
-            <a:lnRef idx="2">
-              <a:schemeClr val="accent1">
-                <a:shade val="50000"/>
-              </a:schemeClr>
-            </a:lnRef>
-            <a:fillRef idx="1">
-              <a:schemeClr val="accent1"/>
-            </a:fillRef>
-            <a:effectRef idx="0">
-              <a:schemeClr val="accent1"/>
-            </a:effectRef>
-            <a:fontRef idx="minor">
-              <a:schemeClr val="lt1"/>
-            </a:fontRef>
-          </p:style>
-          <p:txBody>
-            <a:bodyPr wrap="square" lIns="91440" tIns="45720" rIns="91440" bIns="45720" vert="horz" anchor="ctr">
-              <a:noAutofit/>
-            </a:bodyPr>
-            <a:lstStyle/>
-            <a:p>
-              <a:pPr marL="0" indent="0" rtl="0" algn="ctr" defTabSz="914400" eaLnBrk="1" latinLnBrk="0" hangingPunct="1">
-                <a:buFontTx/>
-                <a:buNone/>
-              </a:pPr>
-              <a:endParaRPr lang="ko-KR" altLang="en-US" sz="1800">
-                <a:solidFill>
-                  <a:srgbClr val="FFFFFF"/>
-                </a:solidFill>
-                <a:latin typeface="맑은 고딕" charset="0"/>
-                <a:ea typeface="맑은 고딕" charset="0"/>
-              </a:endParaRPr>
-            </a:p>
-          </p:txBody>
-        </p:sp>
-        <p:sp>
-          <p:nvSpPr>
-            <p:cNvPr id="40" name="도형 13"/>
-            <p:cNvSpPr>
-              <a:spLocks/>
-            </p:cNvSpPr>
-            <p:nvPr/>
-          </p:nvSpPr>
-          <p:spPr>
-            <a:xfrm rot="0">
-              <a:off x="3325495" y="708025"/>
-              <a:ext cx="345440" cy="314960"/>
-            </a:xfrm>
-            <a:custGeom>
-              <a:gdLst>
-                <a:gd fmla="*/ 342900 w 342904" name="TX0"/>
-                <a:gd fmla="*/ 0 h 312424" name="TY0"/>
-                <a:gd fmla="*/ 342900 w 342904" name="TX1"/>
-                <a:gd fmla="*/ 312420 h 312424" name="TY1"/>
-                <a:gd fmla="*/ 0 w 342904" name="TX2"/>
-                <a:gd fmla="*/ 304800 h 312424" name="TY2"/>
-              </a:gdLst>
-              <a:cxnLst>
-                <a:cxn ang="0">
-                  <a:pos x="TX0" y="TY0"/>
-                </a:cxn>
-                <a:cxn ang="0">
-                  <a:pos x="TX1" y="TY1"/>
-                </a:cxn>
-                <a:cxn ang="0">
-                  <a:pos x="TX2" y="TY2"/>
-                </a:cxn>
-              </a:cxnLst>
-              <a:rect l="l" t="t" r="r" b="b"/>
-              <a:pathLst>
-                <a:path w="342904" h="312424">
-                  <a:moveTo>
-                    <a:pt x="342900" y="0"/>
-                  </a:moveTo>
-                  <a:lnTo>
-                    <a:pt x="342900" y="312420"/>
-                  </a:lnTo>
-                  <a:lnTo>
-                    <a:pt x="0" y="304800"/>
-                  </a:lnTo>
-                </a:path>
-              </a:pathLst>
-            </a:custGeom>
-            <a:noFill/>
-            <a:ln w="12700" cap="flat" cmpd="sng">
-              <a:solidFill>
-                <a:schemeClr val="tx1">
-                  <a:lumMod val="85000"/>
-                  <a:lumOff val="15000"/>
-                  <a:alpha val="100000"/>
-                </a:schemeClr>
-              </a:solidFill>
-              <a:prstDash val="solid"/>
-            </a:ln>
-          </p:spPr>
-          <p:style>
-            <a:lnRef idx="2">
-              <a:schemeClr val="accent1">
-                <a:shade val="50000"/>
-              </a:schemeClr>
-            </a:lnRef>
-            <a:fillRef idx="1">
-              <a:schemeClr val="accent1"/>
-            </a:fillRef>
-            <a:effectRef idx="0">
-              <a:schemeClr val="accent1"/>
-            </a:effectRef>
-            <a:fontRef idx="minor">
-              <a:schemeClr val="lt1"/>
-            </a:fontRef>
-          </p:style>
-          <p:txBody>
-            <a:bodyPr wrap="square" lIns="91440" tIns="45720" rIns="91440" bIns="45720" vert="horz" anchor="ctr">
-              <a:noAutofit/>
-            </a:bodyPr>
-            <a:lstStyle/>
-            <a:p>
-              <a:pPr marL="0" indent="0" rtl="0" algn="ctr" defTabSz="914400" eaLnBrk="1" latinLnBrk="0" hangingPunct="1">
-                <a:buFontTx/>
-                <a:buNone/>
-              </a:pPr>
-              <a:endParaRPr lang="ko-KR" altLang="en-US" sz="1800">
-                <a:solidFill>
-                  <a:srgbClr val="FFFFFF"/>
-                </a:solidFill>
-                <a:latin typeface="맑은 고딕" charset="0"/>
-                <a:ea typeface="맑은 고딕" charset="0"/>
-              </a:endParaRPr>
-            </a:p>
-          </p:txBody>
-        </p:sp>
-        <p:cxnSp>
-          <p:nvCxnSpPr>
-            <p:cNvPr id="41" name="도형 14"/>
-            <p:cNvCxnSpPr/>
-            <p:nvPr/>
-          </p:nvCxnSpPr>
-          <p:spPr>
-            <a:xfrm rot="0">
-              <a:off x="1641475" y="1049655"/>
-              <a:ext cx="861060" cy="20955"/>
-            </a:xfrm>
-            <a:prstGeom prst="line"/>
-            <a:ln w="12700" cap="flat" cmpd="sng">
-              <a:solidFill>
-                <a:schemeClr val="tx1">
-                  <a:lumMod val="85000"/>
-                  <a:lumOff val="15000"/>
-                  <a:alpha val="100000"/>
-                </a:schemeClr>
-              </a:solidFill>
-              <a:prstDash val="solid"/>
-            </a:ln>
-          </p:spPr>
-          <p:style>
-            <a:lnRef idx="1">
-              <a:schemeClr val="accent1"/>
-            </a:lnRef>
-            <a:fillRef idx="0">
-              <a:schemeClr val="accent1"/>
-            </a:fillRef>
-            <a:effectRef idx="0">
-              <a:schemeClr val="accent1"/>
-            </a:effectRef>
-            <a:fontRef idx="minor">
-              <a:schemeClr val="tx1"/>
-            </a:fontRef>
-          </p:style>
-        </p:cxnSp>
-        <p:sp>
-          <p:nvSpPr>
-            <p:cNvPr id="42" name="도형 15"/>
-            <p:cNvSpPr>
-              <a:spLocks/>
-            </p:cNvSpPr>
-            <p:nvPr/>
-          </p:nvSpPr>
-          <p:spPr>
-            <a:xfrm rot="20700000">
-              <a:off x="3676015" y="136525"/>
-              <a:ext cx="74295" cy="74295"/>
-            </a:xfrm>
-            <a:prstGeom prst="rect"/>
-            <a:noFill/>
-            <a:ln w="12700" cap="flat" cmpd="sng">
-              <a:solidFill>
-                <a:schemeClr val="tx1">
-                  <a:lumMod val="85000"/>
-                  <a:lumOff val="15000"/>
-                  <a:alpha val="100000"/>
-                </a:schemeClr>
-              </a:solidFill>
-              <a:prstDash val="solid"/>
-            </a:ln>
-          </p:spPr>
-          <p:style>
-            <a:lnRef idx="2">
-              <a:schemeClr val="accent1">
-                <a:shade val="50000"/>
-              </a:schemeClr>
-            </a:lnRef>
-            <a:fillRef idx="1">
-              <a:schemeClr val="accent1"/>
-            </a:fillRef>
-            <a:effectRef idx="0">
-              <a:schemeClr val="accent1"/>
-            </a:effectRef>
-            <a:fontRef idx="minor">
-              <a:schemeClr val="lt1"/>
-            </a:fontRef>
-          </p:style>
-          <p:txBody>
-            <a:bodyPr wrap="square" lIns="91440" tIns="45720" rIns="91440" bIns="45720" vert="horz" anchor="ctr">
-              <a:noAutofit/>
-            </a:bodyPr>
-            <a:lstStyle/>
-            <a:p>
-              <a:pPr marL="0" indent="0" rtl="0" algn="ctr" defTabSz="914400" eaLnBrk="1" latinLnBrk="0" hangingPunct="1">
-                <a:buFontTx/>
-                <a:buNone/>
-              </a:pPr>
-              <a:endParaRPr lang="ko-KR" altLang="en-US" sz="1800">
-                <a:solidFill>
-                  <a:srgbClr val="FFFFFF"/>
-                </a:solidFill>
-                <a:latin typeface="맑은 고딕" charset="0"/>
-                <a:ea typeface="맑은 고딕" charset="0"/>
-              </a:endParaRPr>
-            </a:p>
-          </p:txBody>
-        </p:sp>
-        <p:sp>
-          <p:nvSpPr>
-            <p:cNvPr id="43" name="도형 16"/>
-            <p:cNvSpPr>
-              <a:spLocks/>
-            </p:cNvSpPr>
-            <p:nvPr/>
-          </p:nvSpPr>
-          <p:spPr>
-            <a:xfrm rot="7200000">
-              <a:off x="486410" y="454660"/>
-              <a:ext cx="74295" cy="74295"/>
-            </a:xfrm>
-            <a:prstGeom prst="triangle"/>
-            <a:noFill/>
-            <a:ln w="12700" cap="flat" cmpd="sng">
-              <a:solidFill>
-                <a:schemeClr val="tx1">
-                  <a:lumMod val="85000"/>
-                  <a:lumOff val="15000"/>
-                  <a:alpha val="100000"/>
-                </a:schemeClr>
-              </a:solidFill>
-              <a:prstDash val="solid"/>
-            </a:ln>
-          </p:spPr>
-          <p:style>
-            <a:lnRef idx="2">
-              <a:schemeClr val="accent1">
-                <a:shade val="50000"/>
-              </a:schemeClr>
-            </a:lnRef>
-            <a:fillRef idx="1">
-              <a:schemeClr val="accent1"/>
-            </a:fillRef>
-            <a:effectRef idx="0">
-              <a:schemeClr val="accent1"/>
-            </a:effectRef>
-            <a:fontRef idx="minor">
-              <a:schemeClr val="lt1"/>
-            </a:fontRef>
-          </p:style>
-          <p:txBody>
-            <a:bodyPr wrap="square" lIns="91440" tIns="45720" rIns="91440" bIns="45720" vert="horz" anchor="ctr">
-              <a:noAutofit/>
-            </a:bodyPr>
-            <a:lstStyle/>
-            <a:p>
-              <a:pPr marL="0" indent="0" rtl="0" algn="ctr" defTabSz="914400" eaLnBrk="1" latinLnBrk="0" hangingPunct="1">
-                <a:buFontTx/>
-                <a:buNone/>
-              </a:pPr>
-              <a:endParaRPr lang="ko-KR" altLang="en-US" sz="1800">
-                <a:solidFill>
-                  <a:srgbClr val="FFFFFF"/>
-                </a:solidFill>
-                <a:latin typeface="맑은 고딕" charset="0"/>
-                <a:ea typeface="맑은 고딕" charset="0"/>
-              </a:endParaRPr>
-            </a:p>
-          </p:txBody>
-        </p:sp>
-      </p:grpSp>
-      <p:sp>
-        <p:nvSpPr>
-          <p:cNvPr id="44" name="도형 18"/>
-          <p:cNvSpPr>
-            <a:spLocks/>
-          </p:cNvSpPr>
-          <p:nvPr/>
-        </p:nvSpPr>
-        <p:spPr>
-          <a:xfrm rot="0">
-            <a:off x="940435" y="316230"/>
-            <a:ext cx="1403985" cy="456565"/>
-          </a:xfrm>
-          <a:prstGeom prst="rect"/>
-          <a:ln w="0">
-            <a:noFill/>
-            <a:prstDash/>
-          </a:ln>
-        </p:spPr>
-        <p:txBody>
-          <a:bodyPr wrap="none" lIns="91440" tIns="45720" rIns="91440" bIns="45720" vert="horz" anchor="t">
-            <a:spAutoFit/>
-          </a:bodyPr>
-          <a:lstStyle/>
-          <a:p>
-            <a:pPr marL="0" indent="0" rtl="0" algn="l" defTabSz="914400" eaLnBrk="1" latinLnBrk="0" hangingPunct="1">
-              <a:buFontTx/>
-              <a:buNone/>
-            </a:pPr>
-            <a:r>
-              <a:rPr sz="1800" b="1">
-                <a:solidFill>
-                  <a:srgbClr val="FFFFFF"/>
-                </a:solidFill>
-                <a:latin typeface="맑은 고딕" charset="0"/>
-                <a:ea typeface="맑은 고딕" charset="0"/>
-              </a:rPr>
-              <a:t>CONTENTS</a:t>
-            </a:r>
-            <a:endParaRPr lang="ko-KR" altLang="en-US" sz="1800" b="1">
-              <a:solidFill>
-                <a:srgbClr val="FFFFFF"/>
-              </a:solidFill>
-              <a:latin typeface="맑은 고딕" charset="0"/>
-              <a:ea typeface="맑은 고딕" charset="0"/>
-            </a:endParaRPr>
-          </a:p>
-        </p:txBody>
-      </p:sp>
-      <p:sp>
-        <p:nvSpPr>
-          <p:cNvPr id="45" name="도형 19"/>
-          <p:cNvSpPr>
-            <a:spLocks/>
-          </p:cNvSpPr>
-          <p:nvPr/>
-        </p:nvSpPr>
-        <p:spPr>
-          <a:xfrm rot="0">
-            <a:off x="3914140" y="30480"/>
-            <a:ext cx="7467600" cy="657860"/>
-          </a:xfrm>
-          <a:prstGeom prst="rect"/>
-        </p:spPr>
-        <p:txBody>
-          <a:bodyPr wrap="square" lIns="91440" tIns="45720" rIns="91440" bIns="45720" vert="horz" anchor="t">
-            <a:spAutoFit/>
-          </a:bodyPr>
-          <a:lstStyle/>
-          <a:p>
-            <a:pPr marL="0" indent="0" rtl="0" algn="l" defTabSz="914400" eaLnBrk="1" latinLnBrk="0" hangingPunct="1">
-              <a:buFontTx/>
-              <a:buNone/>
-            </a:pPr>
-            <a:r>
-              <a:rPr sz="2800" i="1" b="1">
-                <a:solidFill>
-                  <a:srgbClr val="08CDD5"/>
-                </a:solidFill>
-                <a:latin typeface="맑은 고딕" charset="0"/>
-                <a:ea typeface="맑은 고딕" charset="0"/>
-              </a:rPr>
-              <a:t>HTML  </a:t>
-            </a:r>
-            <a:r>
-              <a:rPr sz="900">
-                <a:solidFill>
-                  <a:srgbClr val="000000">
-                    <a:lumMod val="75000"/>
-                    <a:lumOff val="25000"/>
-                  </a:srgbClr>
-                </a:solidFill>
-                <a:latin typeface="맑은 고딕" charset="0"/>
-                <a:ea typeface="맑은 고딕" charset="0"/>
-              </a:rPr>
-              <a:t>Welcome to HTML!! 3일차</a:t>
-            </a:r>
-            <a:endParaRPr lang="ko-KR" altLang="en-US" sz="900">
-              <a:solidFill>
-                <a:srgbClr val="000000">
-                  <a:lumMod val="75000"/>
-                  <a:lumOff val="25000"/>
-                </a:srgbClr>
-              </a:solidFill>
-              <a:latin typeface="맑은 고딕" charset="0"/>
-              <a:ea typeface="맑은 고딕" charset="0"/>
-            </a:endParaRPr>
-          </a:p>
-        </p:txBody>
-      </p:sp>
-      <mc:AlternateContent xmlns:mc="http://schemas.openxmlformats.org/markup-compatibility/2006" xmlns:p14="http://schemas.microsoft.com/office/powerpoint/2010/main">
-        <mc:Choice Requires="p14">
-          <p:contentPart p14:bwMode="auto" r:id="rId2">
-            <p14:nvContentPartPr>
-              <p14:cNvPr id="46" name="잉크 20"/>
-              <p14:cNvContentPartPr/>
-              <p14:nvPr/>
-            </p14:nvContentPartPr>
-            <p14:xfrm>
-              <a:off x="1115695" y="3001010"/>
-              <a:ext cx="635" cy="635"/>
-            </p14:xfrm>
-          </p:contentPart>
-        </mc:Choice>
-        <mc:Fallback>
-          <p:pic>
-            <p:nvPicPr>
-              <p:cNvPr id="46" name="잉크 20"/>
-              <p:cNvPicPr/>
-              <p:nvPr/>
-            </p:nvPicPr>
-            <p:blipFill>
-              <a:blip r:embed="rId3"/>
-              <a:stretch>
-                <a:fillRect/>
-              </a:stretch>
-            </p:blipFill>
-            <p:spPr>
-              <a:xfrm>
-                <a:off x="1115695" y="3001010"/>
-                <a:ext cx="635" cy="635"/>
-              </a:xfrm>
-              <a:prstGeom prst="rect">
-                <a:avLst/>
-              </a:prstGeom>
-            </p:spPr>
-          </p:pic>
-        </mc:Fallback>
-      </mc:AlternateContent>
-      <p:sp>
-        <p:nvSpPr>
-          <p:cNvPr id="47" name="텍스트 상자 21"/>
-          <p:cNvSpPr txBox="1">
-            <a:spLocks/>
-          </p:cNvSpPr>
-          <p:nvPr/>
-        </p:nvSpPr>
-        <p:spPr>
-          <a:xfrm rot="0">
-            <a:off x="659130" y="1633855"/>
-            <a:ext cx="7422515" cy="461645"/>
-          </a:xfrm>
-          <a:prstGeom prst="rect"/>
-          <a:noFill/>
-        </p:spPr>
-        <p:txBody>
-          <a:bodyPr wrap="square" lIns="91440" tIns="45720" rIns="91440" bIns="45720" vert="horz" anchor="t">
-            <a:spAutoFit/>
-          </a:bodyPr>
-          <a:lstStyle/>
-          <a:p>
-            <a:pPr marL="0" indent="0" rtl="0" algn="l" defTabSz="914400" eaLnBrk="1" latinLnBrk="0" hangingPunct="1">
-              <a:buFontTx/>
-              <a:buNone/>
-            </a:pPr>
-            <a:r>
-              <a:rPr sz="2400">
-                <a:latin typeface="맑은 고딕" charset="0"/>
-                <a:ea typeface="맑은 고딕" charset="0"/>
-              </a:rPr>
-              <a:t>함수</a:t>
-            </a:r>
-            <a:endParaRPr lang="ko-KR" altLang="en-US" sz="2400">
-              <a:latin typeface="맑은 고딕" charset="0"/>
-              <a:ea typeface="맑은 고딕" charset="0"/>
-            </a:endParaRPr>
-          </a:p>
-        </p:txBody>
-      </p:sp>
-      <p:sp>
-        <p:nvSpPr>
-          <p:cNvPr id="48" name="텍스트 상자 22"/>
-          <p:cNvSpPr txBox="1">
-            <a:spLocks/>
-          </p:cNvSpPr>
-          <p:nvPr/>
-        </p:nvSpPr>
-        <p:spPr>
-          <a:xfrm rot="0">
-            <a:off x="659130" y="2189480"/>
-            <a:ext cx="10869930" cy="4245610"/>
-          </a:xfrm>
-          <a:prstGeom prst="rect"/>
-          <a:noFill/>
-        </p:spPr>
-        <p:txBody>
-          <a:bodyPr wrap="square" lIns="91440" tIns="45720" rIns="91440" bIns="45720" vert="horz" anchor="t">
-            <a:spAutoFit/>
-          </a:bodyPr>
-          <a:lstStyle/>
-          <a:p>
-            <a:pPr marL="342900" indent="-342900" rtl="0" algn="l" defTabSz="914400" eaLnBrk="1" latinLnBrk="0" hangingPunct="1">
-              <a:buFontTx/>
-              <a:buNone/>
-            </a:pPr>
-            <a:r>
-              <a:rPr sz="1800" i="0" b="0">
-                <a:solidFill>
-                  <a:schemeClr val="tx1"/>
-                </a:solidFill>
-                <a:latin typeface="NanumGothic" charset="0"/>
-                <a:ea typeface="NanumGothic" charset="0"/>
-              </a:rPr>
-              <a:t> - 하나의 특별한 목적의 작업을 수행하도록 설계된 독립적인 블록   </a:t>
-            </a:r>
-            <a:endParaRPr lang="ko-KR" altLang="en-US" sz="1800" i="0" b="0">
-              <a:solidFill>
-                <a:schemeClr val="tx1"/>
-              </a:solidFill>
-              <a:latin typeface="NanumGothic" charset="0"/>
-              <a:ea typeface="NanumGothic" charset="0"/>
-            </a:endParaRPr>
-          </a:p>
-          <a:p>
-            <a:pPr marL="342900" indent="-342900" rtl="0" algn="l" defTabSz="914400" eaLnBrk="1" latinLnBrk="0" hangingPunct="1">
-              <a:buFontTx/>
-              <a:buNone/>
-            </a:pPr>
-            <a:r>
-              <a:rPr sz="1800" i="0" b="0">
-                <a:solidFill>
-                  <a:schemeClr val="tx1"/>
-                </a:solidFill>
-                <a:latin typeface="NanumGothic" charset="0"/>
-                <a:ea typeface="NanumGothic" charset="0"/>
-              </a:rPr>
-              <a:t>-  필요할 때마다 호출하여 해당 작업을 반복해서 수행할 수 있음</a:t>
-            </a:r>
-            <a:endParaRPr lang="ko-KR" altLang="en-US" sz="1800" i="0" b="0">
-              <a:solidFill>
-                <a:schemeClr val="tx1"/>
-              </a:solidFill>
-              <a:latin typeface="NanumGothic" charset="0"/>
-              <a:ea typeface="NanumGothic" charset="0"/>
-            </a:endParaRPr>
-          </a:p>
-          <a:p>
-            <a:pPr marL="342900" indent="-342900" rtl="0" algn="l" defTabSz="914400" eaLnBrk="1" latinLnBrk="0" hangingPunct="1">
-              <a:buFontTx/>
-              <a:buNone/>
-            </a:pPr>
-            <a:r>
-              <a:rPr sz="1800" i="0" b="0">
-                <a:solidFill>
-                  <a:schemeClr val="tx1"/>
-                </a:solidFill>
-                <a:latin typeface="NanumGothic" charset="0"/>
-                <a:ea typeface="NanumGothic" charset="0"/>
-              </a:rPr>
-              <a:t>- </a:t>
-            </a:r>
-            <a:r>
-              <a:rPr sz="1800">
-                <a:latin typeface="맑은 고딕" charset="0"/>
-                <a:ea typeface="맑은 고딕" charset="0"/>
-              </a:rPr>
-              <a:t>호출방법  : 함수명();   </a:t>
-            </a:r>
-            <a:r>
-              <a:rPr sz="1800" i="0" b="0">
-                <a:solidFill>
-                  <a:schemeClr val="tx1"/>
-                </a:solidFill>
-                <a:latin typeface="NanumGothic" charset="0"/>
-                <a:ea typeface="NanumGothic" charset="0"/>
-              </a:rPr>
-              <a:t>     </a:t>
-            </a:r>
-            <a:endParaRPr lang="ko-KR" altLang="en-US" sz="1800" i="0" b="0">
-              <a:solidFill>
-                <a:schemeClr val="tx1"/>
-              </a:solidFill>
-              <a:latin typeface="NanumGothic" charset="0"/>
-              <a:ea typeface="NanumGothic" charset="0"/>
-            </a:endParaRPr>
-          </a:p>
-          <a:p>
-            <a:pPr marL="342900" indent="-342900" rtl="0" algn="l" defTabSz="914400" eaLnBrk="1" latinLnBrk="0" hangingPunct="1">
-              <a:buFontTx/>
-              <a:buNone/>
-            </a:pPr>
-            <a:endParaRPr lang="ko-KR" altLang="en-US" sz="1800" i="0" b="0">
-              <a:solidFill>
-                <a:schemeClr val="tx1"/>
-              </a:solidFill>
-              <a:latin typeface="NanumGothic" charset="0"/>
-              <a:ea typeface="NanumGothic" charset="0"/>
-            </a:endParaRPr>
-          </a:p>
-          <a:p>
-            <a:pPr marL="342900" indent="-342900" rtl="0" algn="l" defTabSz="914400" eaLnBrk="1" latinLnBrk="0" hangingPunct="1">
-              <a:buFontTx/>
-              <a:buNone/>
-            </a:pPr>
-            <a:endParaRPr lang="ko-KR" altLang="en-US" sz="1800" i="0" b="0">
-              <a:solidFill>
-                <a:schemeClr val="tx1"/>
-              </a:solidFill>
-              <a:latin typeface="NanumGothic" charset="0"/>
-              <a:ea typeface="NanumGothic" charset="0"/>
-            </a:endParaRPr>
-          </a:p>
-          <a:p>
-            <a:pPr marL="342900" indent="-342900" rtl="0" algn="l" defTabSz="914400" eaLnBrk="1" latinLnBrk="0" hangingPunct="1">
-              <a:buFontTx/>
-              <a:buNone/>
-            </a:pPr>
-            <a:endParaRPr lang="ko-KR" altLang="en-US" sz="1800" i="0" b="0">
-              <a:solidFill>
-                <a:schemeClr val="tx1"/>
-              </a:solidFill>
-              <a:latin typeface="NanumGothic" charset="0"/>
-              <a:ea typeface="NanumGothic" charset="0"/>
-            </a:endParaRPr>
-          </a:p>
-          <a:p>
-            <a:pPr marL="342900" indent="-342900" rtl="0" algn="l" defTabSz="914400" eaLnBrk="1" latinLnBrk="0" hangingPunct="1">
-              <a:buFontTx/>
-              <a:buNone/>
-            </a:pPr>
-            <a:endParaRPr lang="ko-KR" altLang="en-US" sz="1800" i="0" b="0">
-              <a:solidFill>
-                <a:schemeClr val="tx1"/>
-              </a:solidFill>
-              <a:latin typeface="NanumGothic" charset="0"/>
-              <a:ea typeface="NanumGothic" charset="0"/>
-            </a:endParaRPr>
-          </a:p>
-          <a:p>
-            <a:pPr marL="342900" indent="-342900" rtl="0" algn="l" defTabSz="914400" eaLnBrk="1" latinLnBrk="0" hangingPunct="1">
-              <a:buFontTx/>
-              <a:buNone/>
-            </a:pPr>
-            <a:endParaRPr lang="ko-KR" altLang="en-US" sz="1800" i="0" b="0">
-              <a:solidFill>
-                <a:schemeClr val="tx1"/>
-              </a:solidFill>
-              <a:latin typeface="NanumGothic" charset="0"/>
-              <a:ea typeface="NanumGothic" charset="0"/>
-            </a:endParaRPr>
-          </a:p>
-          <a:p>
-            <a:pPr marL="342900" indent="-342900" rtl="0" algn="l" defTabSz="914400" eaLnBrk="1" latinLnBrk="0" hangingPunct="1">
-              <a:buFontTx/>
-              <a:buNone/>
-            </a:pPr>
-            <a:r>
-              <a:rPr sz="1800">
-                <a:latin typeface="맑은 고딕" charset="0"/>
-                <a:ea typeface="맑은 고딕" charset="0"/>
-              </a:rPr>
-              <a:t>                                              </a:t>
-            </a:r>
-            <a:endParaRPr lang="ko-KR" altLang="en-US" sz="1800">
-              <a:latin typeface="맑은 고딕" charset="0"/>
-              <a:ea typeface="맑은 고딕" charset="0"/>
-            </a:endParaRPr>
-          </a:p>
-          <a:p>
-            <a:pPr marL="342900" indent="-342900" rtl="0" algn="l" defTabSz="914400" eaLnBrk="1" latinLnBrk="0" hangingPunct="1">
-              <a:buFontTx/>
-              <a:buNone/>
-            </a:pPr>
-            <a:endParaRPr lang="ko-KR" altLang="en-US" sz="1800" i="0" b="0">
-              <a:solidFill>
-                <a:schemeClr val="tx1"/>
-              </a:solidFill>
-              <a:latin typeface="NanumGothic" charset="0"/>
-              <a:ea typeface="NanumGothic" charset="0"/>
-            </a:endParaRPr>
-          </a:p>
-        </p:txBody>
-      </p:sp>
-      <p:sp>
-        <p:nvSpPr>
-          <p:cNvPr id="49" name="텍스트 상자 23"/>
-          <p:cNvSpPr txBox="1">
-            <a:spLocks/>
-          </p:cNvSpPr>
-          <p:nvPr/>
-        </p:nvSpPr>
-        <p:spPr>
-          <a:xfrm rot="0">
-            <a:off x="346075" y="6191250"/>
-            <a:ext cx="8946515" cy="278130"/>
-          </a:xfrm>
-          <a:prstGeom prst="rect"/>
-          <a:noFill/>
-        </p:spPr>
-        <p:txBody>
-          <a:bodyPr wrap="square" lIns="0" tIns="0" rIns="0" bIns="0" vert="horz" anchor="t">
-            <a:noAutofit/>
-          </a:bodyPr>
-          <a:lstStyle/>
-          <a:p>
-            <a:pPr marL="0" indent="0" rtl="0" algn="l" defTabSz="914400" eaLnBrk="1" latinLnBrk="0" hangingPunct="1">
-              <a:buFontTx/>
-              <a:buNone/>
-            </a:pPr>
-            <a:r>
-              <a:rPr sz="1800">
-                <a:latin typeface="맑은 고딕" charset="0"/>
-                <a:ea typeface="맑은 고딕" charset="0"/>
-              </a:rPr>
-              <a:t>http://www.tcpschool.com/javascript/js_function_basic</a:t>
-            </a:r>
-            <a:endParaRPr lang="ko-KR" altLang="en-US" sz="1800">
-              <a:latin typeface="맑은 고딕" charset="0"/>
-              <a:ea typeface="맑은 고딕" charset="0"/>
-            </a:endParaRPr>
-          </a:p>
-        </p:txBody>
-      </p:sp>
-      <p:pic>
-        <p:nvPicPr>
-          <p:cNvPr id="50" name="그림 24" descr="C:/Users/dltjs/AppData/Roaming/PolarisOffice/ETemp/19584_15531400/fImage71134518467.png"/>
-          <p:cNvPicPr>
-            <a:picLocks noChangeAspect="1"/>
-          </p:cNvPicPr>
-          <p:nvPr/>
-        </p:nvPicPr>
-        <p:blipFill rotWithShape="1">
-          <a:blip r:embed="rId4" cstate="hqprint">
-            <a:extLst>
-              <a:ext uri="{28A0092B-C50C-407E-A947-70E740481C1C}">
-                <a14:useLocalDpi xmlns:a14="http://schemas.microsoft.com/office/drawing/2010/main"/>
-              </a:ext>
-            </a:extLst>
-          </a:blip>
-          <a:srcRect l="2990"/>
-          <a:stretch>
-            <a:fillRect/>
-          </a:stretch>
-        </p:blipFill>
-        <p:spPr>
-          <a:xfrm rot="0">
-            <a:off x="840105" y="3836670"/>
-            <a:ext cx="2699385" cy="1182370"/>
-          </a:xfrm>
-          <a:prstGeom prst="rect"/>
-          <a:noFill/>
-        </p:spPr>
-      </p:pic>
-      <p:pic>
-        <p:nvPicPr>
-          <p:cNvPr id="51" name="그림 25" descr="C:/Users/dltjs/AppData/Roaming/PolarisOffice/ETemp/19584_15531400/fImage159044526334.png"/>
-          <p:cNvPicPr>
-            <a:picLocks noChangeAspect="1"/>
-          </p:cNvPicPr>
-          <p:nvPr/>
-        </p:nvPicPr>
-        <p:blipFill rotWithShape="1">
-          <a:blip r:embed="rId5" cstate="hqprint">
-            <a:extLst>
-              <a:ext uri="{28A0092B-C50C-407E-A947-70E740481C1C}">
-                <a14:useLocalDpi xmlns:a14="http://schemas.microsoft.com/office/drawing/2010/main"/>
-              </a:ext>
-            </a:extLst>
-          </a:blip>
-          <a:stretch>
-            <a:fillRect/>
-          </a:stretch>
-        </p:blipFill>
-        <p:spPr>
-          <a:xfrm rot="0">
-            <a:off x="4892675" y="3728085"/>
-            <a:ext cx="6587490" cy="1401445"/>
-          </a:xfrm>
-          <a:prstGeom prst="rect"/>
-          <a:noFill/>
-        </p:spPr>
-      </p:pic>
-    </p:spTree>
-  </p:cSld>
-  <p:clrMapOvr>
-    <a:masterClrMapping/>
-  </p:clrMapOvr>
-  <mc:AlternateContent xmlns:mc="http://schemas.openxmlformats.org/markup-compatibility/2006">
-    <mc:Choice xmlns:p14="http://schemas.microsoft.com/office/powerpoint/2010/main" Requires="p14">
-      <p:transition spd="slow" p14:dur="0"/>
-    </mc:Choice>
-    <mc:Fallback>
-      <p:transition spd="slow"/>
-    </mc:Fallback>
-  </mc:AlternateContent>
-</p:sld>
-</file>
-
-<file path=ppt/slides/slide18.xml><?xml version="1.0" encoding="utf-8"?>
-<p:sld xmlns:a="http://schemas.openxmlformats.org/drawingml/2006/main" xmlns:r="http://schemas.openxmlformats.org/officeDocument/2006/relationships" xmlns:p="http://schemas.openxmlformats.org/presentationml/2006/main" xmlns:p14="http://schemas.microsoft.com/office/powerpoint/2010/main">
-  <p:cSld>
-    <p:spTree>
-      <p:nvGrpSpPr>
-        <p:cNvPr id="1" name=""/>
-        <p:cNvGrpSpPr/>
-        <p:nvPr/>
-      </p:nvGrpSpPr>
-      <p:grpSpPr>
-        <a:xfrm>
-          <a:off x="0" y="0"/>
-          <a:ext cx="0" cy="0"/>
-          <a:chOff x="0" y="0"/>
-          <a:chExt cx="0" cy="0"/>
-        </a:xfrm>
-      </p:grpSpPr>
-      <p:grpSp>
-        <p:nvGrpSpPr>
-          <p:cNvPr id="28" name="Group 5"/>
-          <p:cNvGrpSpPr/>
-          <p:nvPr/>
-        </p:nvGrpSpPr>
-        <p:grpSpPr>
-          <a:xfrm rot="0">
-            <a:off x="145415" y="684530"/>
-            <a:ext cx="11824335" cy="6006465"/>
-            <a:chOff x="145415" y="684530"/>
-            <a:chExt cx="11824335" cy="6006465"/>
-          </a:xfrm>
-        </p:grpSpPr>
-        <p:sp>
-          <p:nvSpPr>
-            <p:cNvPr id="26" name="Rect 0"/>
-            <p:cNvSpPr>
-              <a:spLocks/>
-            </p:cNvSpPr>
-            <p:nvPr/>
-          </p:nvSpPr>
-          <p:spPr>
-            <a:xfrm rot="0">
-              <a:off x="145415" y="684530"/>
-              <a:ext cx="11762740" cy="5958205"/>
-            </a:xfrm>
-            <a:custGeom>
-              <a:gdLst>
-                <a:gd fmla="*/ 3574143 w 11760204" name="TX0"/>
-                <a:gd fmla="*/ 72571 h 5955850" name="TY0"/>
-                <a:gd fmla="*/ 11716657 w 11760204" name="TX1"/>
-                <a:gd fmla="*/ 72571 h 5955850" name="TY1"/>
-                <a:gd fmla="*/ 11760200 w 11760204" name="TX2"/>
-                <a:gd fmla="*/ 5936343 h 5955850" name="TY2"/>
-                <a:gd fmla="*/ 0 w 11760204" name="TX3"/>
-                <a:gd fmla="*/ 5955846 h 5955850" name="TY3"/>
-                <a:gd fmla="*/ 77107 w 11760204" name="TX4"/>
-                <a:gd fmla="*/ 0 h 5955850" name="TY4"/>
-                <a:gd fmla="*/ 206828 w 11760204" name="TX5"/>
-                <a:gd fmla="*/ 0 h 5955850" name="TY5"/>
-              </a:gdLst>
-              <a:cxnLst>
-                <a:cxn ang="0">
-                  <a:pos x="TX0" y="TY0"/>
-                </a:cxn>
-                <a:cxn ang="0">
-                  <a:pos x="TX1" y="TY1"/>
-                </a:cxn>
-                <a:cxn ang="0">
-                  <a:pos x="TX2" y="TY2"/>
-                </a:cxn>
-                <a:cxn ang="0">
-                  <a:pos x="TX3" y="TY3"/>
-                </a:cxn>
-                <a:cxn ang="0">
-                  <a:pos x="TX4" y="TY4"/>
-                </a:cxn>
-                <a:cxn ang="0">
-                  <a:pos x="TX5" y="TY5"/>
-                </a:cxn>
-              </a:cxnLst>
-              <a:rect l="l" t="t" r="r" b="b"/>
-              <a:pathLst>
-                <a:path w="11760204" h="5955850">
-                  <a:moveTo>
-                    <a:pt x="3574143" y="72571"/>
-                  </a:moveTo>
-                  <a:lnTo>
-                    <a:pt x="11716657" y="72571"/>
-                  </a:lnTo>
-                  <a:lnTo>
-                    <a:pt x="11760200" y="5936343"/>
-                  </a:lnTo>
-                  <a:lnTo>
-                    <a:pt x="0" y="5955846"/>
-                  </a:lnTo>
-                  <a:lnTo>
-                    <a:pt x="77107" y="0"/>
-                  </a:lnTo>
-                  <a:lnTo>
-                    <a:pt x="206828" y="0"/>
-                  </a:lnTo>
-                </a:path>
-              </a:pathLst>
-            </a:custGeom>
-            <a:solidFill>
-              <a:schemeClr val="bg1"/>
-            </a:solidFill>
-            <a:ln w="12700" cap="flat" cmpd="sng">
-              <a:solidFill>
-                <a:schemeClr val="tx1">
-                  <a:lumMod val="85000"/>
-                  <a:lumOff val="15000"/>
-                  <a:alpha val="100000"/>
-                </a:schemeClr>
-              </a:solidFill>
-              <a:prstDash val="solid"/>
-            </a:ln>
-          </p:spPr>
-          <p:style>
-            <a:lnRef idx="2">
-              <a:schemeClr val="accent1">
-                <a:shade val="50000"/>
-              </a:schemeClr>
-            </a:lnRef>
-            <a:fillRef idx="1">
-              <a:schemeClr val="accent1"/>
-            </a:fillRef>
-            <a:effectRef idx="0">
-              <a:schemeClr val="accent1"/>
-            </a:effectRef>
-            <a:fontRef idx="minor">
-              <a:schemeClr val="lt1"/>
-            </a:fontRef>
-          </p:style>
-          <p:txBody>
-            <a:bodyPr wrap="square" lIns="91440" tIns="45720" rIns="91440" bIns="45720" numCol="1" vert="horz" anchor="ctr">
-              <a:noAutofit/>
-            </a:bodyPr>
-            <a:lstStyle/>
-            <a:p>
-              <a:pPr marL="0" indent="0" rtl="0" algn="ctr" defTabSz="914400" eaLnBrk="1" latinLnBrk="0" hangingPunct="1">
-                <a:buFontTx/>
-                <a:buNone/>
-              </a:pPr>
-              <a:endParaRPr lang="ko-KR" altLang="en-US" sz="1800">
-                <a:solidFill>
-                  <a:srgbClr val="FFFFFF"/>
-                </a:solidFill>
-                <a:latin typeface="맑은 고딕" charset="0"/>
-                <a:ea typeface="맑은 고딕" charset="0"/>
-              </a:endParaRPr>
-            </a:p>
-          </p:txBody>
-        </p:sp>
-        <p:sp>
-          <p:nvSpPr>
-            <p:cNvPr id="27" name="Rect 0"/>
-            <p:cNvSpPr>
-              <a:spLocks/>
-            </p:cNvSpPr>
-            <p:nvPr/>
-          </p:nvSpPr>
-          <p:spPr>
-            <a:xfrm rot="0">
-              <a:off x="11634470" y="6376035"/>
-              <a:ext cx="335915" cy="314960"/>
-            </a:xfrm>
-            <a:custGeom>
-              <a:gdLst>
-                <a:gd fmla="*/ 333375 w 333379" name="TX0"/>
-                <a:gd fmla="*/ 0 h 312424" name="TY0"/>
-                <a:gd fmla="*/ 333375 w 333379" name="TX1"/>
-                <a:gd fmla="*/ 312420 h 312424" name="TY1"/>
-                <a:gd fmla="*/ 0 w 333379" name="TX2"/>
-                <a:gd fmla="*/ 309563 h 312424" name="TY2"/>
-              </a:gdLst>
-              <a:cxnLst>
-                <a:cxn ang="0">
-                  <a:pos x="TX0" y="TY0"/>
-                </a:cxn>
-                <a:cxn ang="0">
-                  <a:pos x="TX1" y="TY1"/>
-                </a:cxn>
-                <a:cxn ang="0">
-                  <a:pos x="TX2" y="TY2"/>
-                </a:cxn>
-              </a:cxnLst>
-              <a:rect l="l" t="t" r="r" b="b"/>
-              <a:pathLst>
-                <a:path w="333379" h="312424">
-                  <a:moveTo>
-                    <a:pt x="333375" y="0"/>
-                  </a:moveTo>
-                  <a:lnTo>
-                    <a:pt x="333375" y="312420"/>
-                  </a:lnTo>
-                  <a:lnTo>
-                    <a:pt x="0" y="309563"/>
-                  </a:lnTo>
-                </a:path>
-              </a:pathLst>
-            </a:custGeom>
-            <a:noFill/>
-            <a:ln w="12700" cap="flat" cmpd="sng">
-              <a:solidFill>
-                <a:schemeClr val="tx1">
-                  <a:lumMod val="85000"/>
-                  <a:lumOff val="15000"/>
-                  <a:alpha val="100000"/>
-                </a:schemeClr>
-              </a:solidFill>
-              <a:prstDash val="solid"/>
-            </a:ln>
-          </p:spPr>
-          <p:style>
-            <a:lnRef idx="2">
-              <a:schemeClr val="accent1">
-                <a:shade val="50000"/>
-              </a:schemeClr>
-            </a:lnRef>
-            <a:fillRef idx="1">
-              <a:schemeClr val="accent1"/>
-            </a:fillRef>
-            <a:effectRef idx="0">
-              <a:schemeClr val="accent1"/>
-            </a:effectRef>
-            <a:fontRef idx="minor">
-              <a:schemeClr val="lt1"/>
-            </a:fontRef>
-          </p:style>
-          <p:txBody>
-            <a:bodyPr wrap="square" lIns="91440" tIns="45720" rIns="91440" bIns="45720" numCol="1" vert="horz" anchor="ctr">
-              <a:noAutofit/>
-            </a:bodyPr>
-            <a:lstStyle/>
-            <a:p>
-              <a:pPr marL="0" indent="0" rtl="0" algn="ctr" defTabSz="914400" eaLnBrk="1" latinLnBrk="0" hangingPunct="1">
-                <a:buFontTx/>
-                <a:buNone/>
-              </a:pPr>
-              <a:endParaRPr lang="ko-KR" altLang="en-US" sz="1800">
-                <a:solidFill>
-                  <a:srgbClr val="FFFFFF"/>
-                </a:solidFill>
-                <a:latin typeface="맑은 고딕" charset="0"/>
-                <a:ea typeface="맑은 고딕" charset="0"/>
-              </a:endParaRPr>
-            </a:p>
-          </p:txBody>
-        </p:sp>
-      </p:grpSp>
-      <p:grpSp>
-        <p:nvGrpSpPr>
-          <p:cNvPr id="4" name="Group 5"/>
-          <p:cNvGrpSpPr/>
-          <p:nvPr/>
-        </p:nvGrpSpPr>
-        <p:grpSpPr>
-          <a:xfrm rot="0">
-            <a:off x="486410" y="121920"/>
-            <a:ext cx="3264535" cy="1022350"/>
-            <a:chOff x="486410" y="121920"/>
-            <a:chExt cx="3264535" cy="1022350"/>
-          </a:xfrm>
-        </p:grpSpPr>
-        <p:sp>
-          <p:nvSpPr>
-            <p:cNvPr id="16" name="Rect 0"/>
-            <p:cNvSpPr>
-              <a:spLocks/>
-            </p:cNvSpPr>
-            <p:nvPr/>
-          </p:nvSpPr>
-          <p:spPr>
-            <a:xfrm rot="10800000">
-              <a:off x="624840" y="902970"/>
-              <a:ext cx="933450" cy="236220"/>
-            </a:xfrm>
-            <a:prstGeom prst="triangle">
-              <a:avLst>
-                <a:gd name="adj" fmla="val 31437"/>
-              </a:avLst>
-            </a:prstGeom>
-            <a:solidFill>
-              <a:schemeClr val="tx2">
-                <a:lumMod val="75000"/>
-              </a:schemeClr>
-            </a:solidFill>
-            <a:ln w="0">
-              <a:noFill/>
-              <a:prstDash/>
-            </a:ln>
-          </p:spPr>
-          <p:style>
-            <a:lnRef idx="2">
-              <a:schemeClr val="accent1">
-                <a:shade val="50000"/>
-              </a:schemeClr>
-            </a:lnRef>
-            <a:fillRef idx="1">
-              <a:schemeClr val="accent1"/>
-            </a:fillRef>
-            <a:effectRef idx="0">
-              <a:schemeClr val="accent1"/>
-            </a:effectRef>
-            <a:fontRef idx="minor">
-              <a:schemeClr val="lt1"/>
-            </a:fontRef>
-          </p:style>
-          <p:txBody>
-            <a:bodyPr wrap="square" lIns="91440" tIns="45720" rIns="91440" bIns="45720" numCol="1" vert="horz" anchor="ctr">
-              <a:noAutofit/>
-            </a:bodyPr>
-            <a:lstStyle/>
-            <a:p>
-              <a:pPr marL="0" indent="0" rtl="0" algn="ctr" defTabSz="914400" eaLnBrk="1" latinLnBrk="0" hangingPunct="1">
-                <a:buFontTx/>
-                <a:buNone/>
-              </a:pPr>
-              <a:endParaRPr lang="ko-KR" altLang="en-US" sz="1800">
-                <a:solidFill>
-                  <a:srgbClr val="FFFFFF"/>
-                </a:solidFill>
-                <a:latin typeface="맑은 고딕" charset="0"/>
-                <a:ea typeface="맑은 고딕" charset="0"/>
-              </a:endParaRPr>
-            </a:p>
-          </p:txBody>
-        </p:sp>
-        <p:sp>
-          <p:nvSpPr>
-            <p:cNvPr id="2" name="Rect 0"/>
-            <p:cNvSpPr>
-              <a:spLocks/>
-            </p:cNvSpPr>
-            <p:nvPr/>
-          </p:nvSpPr>
-          <p:spPr>
-            <a:xfrm rot="16200000">
-              <a:off x="1745615" y="-894715"/>
-              <a:ext cx="751840" cy="2987040"/>
-            </a:xfrm>
-            <a:prstGeom prst="trapezoid">
-              <a:avLst>
-                <a:gd name="adj" fmla="val 8729"/>
-              </a:avLst>
-            </a:prstGeom>
-            <a:solidFill>
-              <a:srgbClr val="08CDD5"/>
-            </a:solidFill>
-            <a:ln w="0">
-              <a:noFill/>
-              <a:prstDash/>
-            </a:ln>
-          </p:spPr>
-          <p:style>
-            <a:lnRef idx="2">
-              <a:schemeClr val="accent1">
-                <a:shade val="50000"/>
-              </a:schemeClr>
-            </a:lnRef>
-            <a:fillRef idx="1">
-              <a:schemeClr val="accent1"/>
-            </a:fillRef>
-            <a:effectRef idx="0">
-              <a:schemeClr val="accent1"/>
-            </a:effectRef>
-            <a:fontRef idx="minor">
-              <a:schemeClr val="lt1"/>
-            </a:fontRef>
-          </p:style>
-          <p:txBody>
-            <a:bodyPr wrap="square" lIns="91440" tIns="45720" rIns="91440" bIns="45720" numCol="1" vert="horz" anchor="ctr">
-              <a:noAutofit/>
-            </a:bodyPr>
-            <a:lstStyle/>
-            <a:p>
-              <a:pPr marL="0" indent="0" rtl="0" algn="ctr" defTabSz="914400" eaLnBrk="1" latinLnBrk="0" hangingPunct="1">
-                <a:buFontTx/>
-                <a:buNone/>
-              </a:pPr>
-              <a:endParaRPr lang="ko-KR" altLang="en-US" sz="1800">
-                <a:solidFill>
-                  <a:srgbClr val="FFFFFF"/>
-                </a:solidFill>
-                <a:latin typeface="맑은 고딕" charset="0"/>
-                <a:ea typeface="맑은 고딕" charset="0"/>
-              </a:endParaRPr>
-            </a:p>
-          </p:txBody>
-        </p:sp>
-        <p:cxnSp>
-          <p:nvCxnSpPr>
-            <p:cNvPr id="6" name="Rect 0"/>
-            <p:cNvCxnSpPr/>
-            <p:nvPr/>
-          </p:nvCxnSpPr>
-          <p:spPr>
-            <a:xfrm rot="0" flipV="1">
-              <a:off x="628015" y="172085"/>
-              <a:ext cx="1717040" cy="27305"/>
-            </a:xfrm>
-            <a:prstGeom prst="line"/>
-            <a:ln w="12700" cap="flat" cmpd="sng">
-              <a:solidFill>
-                <a:schemeClr val="tx1">
-                  <a:lumMod val="85000"/>
-                  <a:lumOff val="15000"/>
-                  <a:alpha val="100000"/>
-                </a:schemeClr>
-              </a:solidFill>
-              <a:prstDash val="solid"/>
-            </a:ln>
-          </p:spPr>
-          <p:style>
-            <a:lnRef idx="1">
-              <a:schemeClr val="accent1"/>
-            </a:lnRef>
-            <a:fillRef idx="0">
-              <a:schemeClr val="accent1"/>
-            </a:fillRef>
-            <a:effectRef idx="0">
-              <a:schemeClr val="accent1"/>
-            </a:effectRef>
-            <a:fontRef idx="minor">
-              <a:schemeClr val="tx1"/>
-            </a:fontRef>
-          </p:style>
-        </p:cxnSp>
-        <p:cxnSp>
-          <p:nvCxnSpPr>
-            <p:cNvPr id="8" name="Rect 0"/>
-            <p:cNvCxnSpPr/>
-            <p:nvPr/>
-          </p:nvCxnSpPr>
-          <p:spPr>
-            <a:xfrm rot="0" flipV="1">
-              <a:off x="974090" y="121920"/>
-              <a:ext cx="828040" cy="12065"/>
-            </a:xfrm>
-            <a:prstGeom prst="line"/>
-            <a:ln w="12700" cap="flat" cmpd="sng">
-              <a:solidFill>
-                <a:schemeClr val="tx1">
-                  <a:lumMod val="85000"/>
-                  <a:lumOff val="15000"/>
-                  <a:alpha val="100000"/>
-                </a:schemeClr>
-              </a:solidFill>
-              <a:prstDash val="solid"/>
-            </a:ln>
-          </p:spPr>
-          <p:style>
-            <a:lnRef idx="1">
-              <a:schemeClr val="accent1"/>
-            </a:lnRef>
-            <a:fillRef idx="0">
-              <a:schemeClr val="accent1"/>
-            </a:fillRef>
-            <a:effectRef idx="0">
-              <a:schemeClr val="accent1"/>
-            </a:effectRef>
-            <a:fontRef idx="minor">
-              <a:schemeClr val="tx1"/>
-            </a:fontRef>
-          </p:style>
-        </p:cxnSp>
-        <p:sp>
-          <p:nvSpPr>
-            <p:cNvPr id="13" name="Rect 0"/>
-            <p:cNvSpPr>
-              <a:spLocks/>
-            </p:cNvSpPr>
-            <p:nvPr/>
-          </p:nvSpPr>
-          <p:spPr>
-            <a:xfrm rot="0">
-              <a:off x="2464435" y="121920"/>
-              <a:ext cx="74295" cy="74295"/>
-            </a:xfrm>
-            <a:prstGeom prst="ellipse"/>
-            <a:noFill/>
-            <a:ln w="12700" cap="flat" cmpd="sng">
-              <a:solidFill>
-                <a:schemeClr val="tx1">
-                  <a:lumMod val="85000"/>
-                  <a:lumOff val="15000"/>
-                  <a:alpha val="100000"/>
-                </a:schemeClr>
-              </a:solidFill>
-              <a:prstDash val="solid"/>
-            </a:ln>
-          </p:spPr>
-          <p:style>
-            <a:lnRef idx="2">
-              <a:schemeClr val="accent1">
-                <a:shade val="50000"/>
-              </a:schemeClr>
-            </a:lnRef>
-            <a:fillRef idx="1">
-              <a:schemeClr val="accent1"/>
-            </a:fillRef>
-            <a:effectRef idx="0">
-              <a:schemeClr val="accent1"/>
-            </a:effectRef>
-            <a:fontRef idx="minor">
-              <a:schemeClr val="lt1"/>
-            </a:fontRef>
-          </p:style>
-          <p:txBody>
-            <a:bodyPr wrap="square" lIns="91440" tIns="45720" rIns="91440" bIns="45720" numCol="1" vert="horz" anchor="ctr">
-              <a:noAutofit/>
-            </a:bodyPr>
-            <a:lstStyle/>
-            <a:p>
-              <a:pPr marL="0" indent="0" rtl="0" algn="ctr" defTabSz="914400" eaLnBrk="1" latinLnBrk="0" hangingPunct="1">
-                <a:buFontTx/>
-                <a:buNone/>
-              </a:pPr>
-              <a:endParaRPr lang="ko-KR" altLang="en-US" sz="1800">
-                <a:solidFill>
-                  <a:srgbClr val="FFFFFF"/>
-                </a:solidFill>
-                <a:latin typeface="맑은 고딕" charset="0"/>
-                <a:ea typeface="맑은 고딕" charset="0"/>
-              </a:endParaRPr>
-            </a:p>
-          </p:txBody>
-        </p:sp>
-        <p:sp>
-          <p:nvSpPr>
-            <p:cNvPr id="14" name="Rect 0"/>
-            <p:cNvSpPr>
-              <a:spLocks/>
-            </p:cNvSpPr>
-            <p:nvPr/>
-          </p:nvSpPr>
-          <p:spPr>
-            <a:xfrm rot="20700000">
-              <a:off x="3020695" y="1051560"/>
-              <a:ext cx="74295" cy="74295"/>
-            </a:xfrm>
-            <a:prstGeom prst="triangle"/>
-            <a:noFill/>
-            <a:ln w="12700" cap="flat" cmpd="sng">
-              <a:solidFill>
-                <a:schemeClr val="tx1">
-                  <a:lumMod val="85000"/>
-                  <a:lumOff val="15000"/>
-                  <a:alpha val="100000"/>
-                </a:schemeClr>
-              </a:solidFill>
-              <a:prstDash val="solid"/>
-            </a:ln>
-          </p:spPr>
-          <p:style>
-            <a:lnRef idx="2">
-              <a:schemeClr val="accent1">
-                <a:shade val="50000"/>
-              </a:schemeClr>
-            </a:lnRef>
-            <a:fillRef idx="1">
-              <a:schemeClr val="accent1"/>
-            </a:fillRef>
-            <a:effectRef idx="0">
-              <a:schemeClr val="accent1"/>
-            </a:effectRef>
-            <a:fontRef idx="minor">
-              <a:schemeClr val="lt1"/>
-            </a:fontRef>
-          </p:style>
-          <p:txBody>
-            <a:bodyPr wrap="square" lIns="91440" tIns="45720" rIns="91440" bIns="45720" numCol="1" vert="horz" anchor="ctr">
-              <a:noAutofit/>
-            </a:bodyPr>
-            <a:lstStyle/>
-            <a:p>
-              <a:pPr marL="0" indent="0" rtl="0" algn="ctr" defTabSz="914400" eaLnBrk="1" latinLnBrk="0" hangingPunct="1">
-                <a:buFontTx/>
-                <a:buNone/>
-              </a:pPr>
-              <a:endParaRPr lang="ko-KR" altLang="en-US" sz="1800">
-                <a:solidFill>
-                  <a:srgbClr val="FFFFFF"/>
-                </a:solidFill>
-                <a:latin typeface="맑은 고딕" charset="0"/>
-                <a:ea typeface="맑은 고딕" charset="0"/>
-              </a:endParaRPr>
-            </a:p>
-          </p:txBody>
-        </p:sp>
-        <p:sp>
-          <p:nvSpPr>
-            <p:cNvPr id="17" name="Rect 0"/>
-            <p:cNvSpPr>
-              <a:spLocks/>
-            </p:cNvSpPr>
-            <p:nvPr/>
-          </p:nvSpPr>
-          <p:spPr>
-            <a:xfrm rot="0">
-              <a:off x="574675" y="624205"/>
-              <a:ext cx="292100" cy="444500"/>
-            </a:xfrm>
-            <a:custGeom>
-              <a:gdLst>
-                <a:gd fmla="*/ 0 w 289564" name="TX0"/>
-                <a:gd fmla="*/ 0 h 441964" name="TY0"/>
-                <a:gd fmla="*/ 5715 w 289564" name="TX1"/>
-                <a:gd fmla="*/ 315754 h 441964" name="TY1"/>
-                <a:gd fmla="*/ 289560 w 289564" name="TX2"/>
-                <a:gd fmla="*/ 441960 h 441964" name="TY2"/>
-              </a:gdLst>
-              <a:cxnLst>
-                <a:cxn ang="0">
-                  <a:pos x="TX0" y="TY0"/>
-                </a:cxn>
-                <a:cxn ang="0">
-                  <a:pos x="TX1" y="TY1"/>
-                </a:cxn>
-                <a:cxn ang="0">
-                  <a:pos x="TX2" y="TY2"/>
-                </a:cxn>
-              </a:cxnLst>
-              <a:rect l="l" t="t" r="r" b="b"/>
-              <a:pathLst>
-                <a:path w="289564" h="441964">
-                  <a:moveTo>
-                    <a:pt x="0" y="0"/>
-                  </a:moveTo>
-                  <a:lnTo>
-                    <a:pt x="5715" y="315754"/>
-                  </a:lnTo>
-                  <a:lnTo>
-                    <a:pt x="289560" y="441960"/>
-                  </a:lnTo>
-                </a:path>
-              </a:pathLst>
-            </a:custGeom>
-            <a:noFill/>
-            <a:ln w="12700" cap="flat" cmpd="sng">
-              <a:solidFill>
-                <a:schemeClr val="tx1">
-                  <a:lumMod val="85000"/>
-                  <a:lumOff val="15000"/>
-                  <a:alpha val="100000"/>
-                </a:schemeClr>
-              </a:solidFill>
-              <a:prstDash val="solid"/>
-            </a:ln>
-          </p:spPr>
-          <p:style>
-            <a:lnRef idx="2">
-              <a:schemeClr val="accent1">
-                <a:shade val="50000"/>
-              </a:schemeClr>
-            </a:lnRef>
-            <a:fillRef idx="1">
-              <a:schemeClr val="accent1"/>
-            </a:fillRef>
-            <a:effectRef idx="0">
-              <a:schemeClr val="accent1"/>
-            </a:effectRef>
-            <a:fontRef idx="minor">
-              <a:schemeClr val="lt1"/>
-            </a:fontRef>
-          </p:style>
-          <p:txBody>
-            <a:bodyPr wrap="square" lIns="91440" tIns="45720" rIns="91440" bIns="45720" numCol="1" vert="horz" anchor="ctr">
-              <a:noAutofit/>
-            </a:bodyPr>
-            <a:lstStyle/>
-            <a:p>
-              <a:pPr marL="0" indent="0" rtl="0" algn="ctr" defTabSz="914400" eaLnBrk="1" latinLnBrk="0" hangingPunct="1">
-                <a:buFontTx/>
-                <a:buNone/>
-              </a:pPr>
-              <a:endParaRPr lang="ko-KR" altLang="en-US" sz="1800">
-                <a:solidFill>
-                  <a:srgbClr val="FFFFFF"/>
-                </a:solidFill>
-                <a:latin typeface="맑은 고딕" charset="0"/>
-                <a:ea typeface="맑은 고딕" charset="0"/>
-              </a:endParaRPr>
-            </a:p>
-          </p:txBody>
-        </p:sp>
-        <p:sp>
-          <p:nvSpPr>
-            <p:cNvPr id="18" name="Rect 0"/>
-            <p:cNvSpPr>
-              <a:spLocks/>
-            </p:cNvSpPr>
-            <p:nvPr/>
-          </p:nvSpPr>
-          <p:spPr>
-            <a:xfrm rot="0">
-              <a:off x="1359535" y="989965"/>
-              <a:ext cx="840740" cy="154940"/>
-            </a:xfrm>
-            <a:custGeom>
-              <a:gdLst>
-                <a:gd fmla="*/ 0 w 838204" name="TX0"/>
-                <a:gd fmla="*/ 152400 h 152404" name="TY0"/>
-                <a:gd fmla="*/ 182880 w 838204" name="TX1"/>
-                <a:gd fmla="*/ 0 h 152404" name="TY1"/>
-                <a:gd fmla="*/ 838200 w 838204" name="TX2"/>
-                <a:gd fmla="*/ 15240 h 152404" name="TY2"/>
-              </a:gdLst>
-              <a:cxnLst>
-                <a:cxn ang="0">
-                  <a:pos x="TX0" y="TY0"/>
-                </a:cxn>
-                <a:cxn ang="0">
-                  <a:pos x="TX1" y="TY1"/>
-                </a:cxn>
-                <a:cxn ang="0">
-                  <a:pos x="TX2" y="TY2"/>
-                </a:cxn>
-              </a:cxnLst>
-              <a:rect l="l" t="t" r="r" b="b"/>
-              <a:pathLst>
-                <a:path w="838204" h="152404">
-                  <a:moveTo>
-                    <a:pt x="0" y="152400"/>
-                  </a:moveTo>
-                  <a:lnTo>
-                    <a:pt x="182880" y="0"/>
-                  </a:lnTo>
-                  <a:lnTo>
-                    <a:pt x="838200" y="15240"/>
-                  </a:lnTo>
-                </a:path>
-              </a:pathLst>
-            </a:custGeom>
-            <a:noFill/>
-            <a:ln w="12700" cap="flat" cmpd="sng">
-              <a:solidFill>
-                <a:schemeClr val="tx1">
-                  <a:lumMod val="85000"/>
-                  <a:lumOff val="15000"/>
-                  <a:alpha val="100000"/>
-                </a:schemeClr>
-              </a:solidFill>
-              <a:prstDash val="solid"/>
-            </a:ln>
-          </p:spPr>
-          <p:style>
-            <a:lnRef idx="2">
-              <a:schemeClr val="accent1">
-                <a:shade val="50000"/>
-              </a:schemeClr>
-            </a:lnRef>
-            <a:fillRef idx="1">
-              <a:schemeClr val="accent1"/>
-            </a:fillRef>
-            <a:effectRef idx="0">
-              <a:schemeClr val="accent1"/>
-            </a:effectRef>
-            <a:fontRef idx="minor">
-              <a:schemeClr val="lt1"/>
-            </a:fontRef>
-          </p:style>
-          <p:txBody>
-            <a:bodyPr wrap="square" lIns="91440" tIns="45720" rIns="91440" bIns="45720" numCol="1" vert="horz" anchor="ctr">
-              <a:noAutofit/>
-            </a:bodyPr>
-            <a:lstStyle/>
-            <a:p>
-              <a:pPr marL="0" indent="0" rtl="0" algn="ctr" defTabSz="914400" eaLnBrk="1" latinLnBrk="0" hangingPunct="1">
-                <a:buFontTx/>
-                <a:buNone/>
-              </a:pPr>
-              <a:endParaRPr lang="ko-KR" altLang="en-US" sz="1800">
-                <a:solidFill>
-                  <a:srgbClr val="FFFFFF"/>
-                </a:solidFill>
-                <a:latin typeface="맑은 고딕" charset="0"/>
-                <a:ea typeface="맑은 고딕" charset="0"/>
-              </a:endParaRPr>
-            </a:p>
-          </p:txBody>
-        </p:sp>
-        <p:sp>
-          <p:nvSpPr>
-            <p:cNvPr id="19" name="Rect 0"/>
-            <p:cNvSpPr>
-              <a:spLocks/>
-            </p:cNvSpPr>
-            <p:nvPr/>
-          </p:nvSpPr>
-          <p:spPr>
-            <a:xfrm rot="0">
-              <a:off x="3325495" y="708025"/>
-              <a:ext cx="345440" cy="314960"/>
-            </a:xfrm>
-            <a:custGeom>
-              <a:gdLst>
-                <a:gd fmla="*/ 342900 w 342904" name="TX0"/>
-                <a:gd fmla="*/ 0 h 312424" name="TY0"/>
-                <a:gd fmla="*/ 342900 w 342904" name="TX1"/>
-                <a:gd fmla="*/ 312420 h 312424" name="TY1"/>
-                <a:gd fmla="*/ 0 w 342904" name="TX2"/>
-                <a:gd fmla="*/ 304800 h 312424" name="TY2"/>
-              </a:gdLst>
-              <a:cxnLst>
-                <a:cxn ang="0">
-                  <a:pos x="TX0" y="TY0"/>
-                </a:cxn>
-                <a:cxn ang="0">
-                  <a:pos x="TX1" y="TY1"/>
-                </a:cxn>
-                <a:cxn ang="0">
-                  <a:pos x="TX2" y="TY2"/>
-                </a:cxn>
-              </a:cxnLst>
-              <a:rect l="l" t="t" r="r" b="b"/>
-              <a:pathLst>
-                <a:path w="342904" h="312424">
-                  <a:moveTo>
-                    <a:pt x="342900" y="0"/>
-                  </a:moveTo>
-                  <a:lnTo>
-                    <a:pt x="342900" y="312420"/>
-                  </a:lnTo>
-                  <a:lnTo>
-                    <a:pt x="0" y="304800"/>
-                  </a:lnTo>
-                </a:path>
-              </a:pathLst>
-            </a:custGeom>
-            <a:noFill/>
-            <a:ln w="12700" cap="flat" cmpd="sng">
-              <a:solidFill>
-                <a:schemeClr val="tx1">
-                  <a:lumMod val="85000"/>
-                  <a:lumOff val="15000"/>
-                  <a:alpha val="100000"/>
-                </a:schemeClr>
-              </a:solidFill>
-              <a:prstDash val="solid"/>
-            </a:ln>
-          </p:spPr>
-          <p:style>
-            <a:lnRef idx="2">
-              <a:schemeClr val="accent1">
-                <a:shade val="50000"/>
-              </a:schemeClr>
-            </a:lnRef>
-            <a:fillRef idx="1">
-              <a:schemeClr val="accent1"/>
-            </a:fillRef>
-            <a:effectRef idx="0">
-              <a:schemeClr val="accent1"/>
-            </a:effectRef>
-            <a:fontRef idx="minor">
-              <a:schemeClr val="lt1"/>
-            </a:fontRef>
-          </p:style>
-          <p:txBody>
-            <a:bodyPr wrap="square" lIns="91440" tIns="45720" rIns="91440" bIns="45720" numCol="1" vert="horz" anchor="ctr">
-              <a:noAutofit/>
-            </a:bodyPr>
-            <a:lstStyle/>
-            <a:p>
-              <a:pPr marL="0" indent="0" rtl="0" algn="ctr" defTabSz="914400" eaLnBrk="1" latinLnBrk="0" hangingPunct="1">
-                <a:buFontTx/>
-                <a:buNone/>
-              </a:pPr>
-              <a:endParaRPr lang="ko-KR" altLang="en-US" sz="1800">
-                <a:solidFill>
-                  <a:srgbClr val="FFFFFF"/>
-                </a:solidFill>
-                <a:latin typeface="맑은 고딕" charset="0"/>
-                <a:ea typeface="맑은 고딕" charset="0"/>
-              </a:endParaRPr>
-            </a:p>
-          </p:txBody>
-        </p:sp>
-        <p:cxnSp>
-          <p:nvCxnSpPr>
-            <p:cNvPr id="20" name="Rect 0"/>
-            <p:cNvCxnSpPr/>
-            <p:nvPr/>
-          </p:nvCxnSpPr>
-          <p:spPr>
-            <a:xfrm rot="0">
-              <a:off x="1641475" y="1049655"/>
-              <a:ext cx="861060" cy="20955"/>
-            </a:xfrm>
-            <a:prstGeom prst="line"/>
-            <a:ln w="12700" cap="flat" cmpd="sng">
-              <a:solidFill>
-                <a:schemeClr val="tx1">
-                  <a:lumMod val="85000"/>
-                  <a:lumOff val="15000"/>
-                  <a:alpha val="100000"/>
-                </a:schemeClr>
-              </a:solidFill>
-              <a:prstDash val="solid"/>
-            </a:ln>
-          </p:spPr>
-          <p:style>
-            <a:lnRef idx="1">
-              <a:schemeClr val="accent1"/>
-            </a:lnRef>
-            <a:fillRef idx="0">
-              <a:schemeClr val="accent1"/>
-            </a:fillRef>
-            <a:effectRef idx="0">
-              <a:schemeClr val="accent1"/>
-            </a:effectRef>
-            <a:fontRef idx="minor">
-              <a:schemeClr val="tx1"/>
-            </a:fontRef>
-          </p:style>
-        </p:cxnSp>
-        <p:sp>
-          <p:nvSpPr>
-            <p:cNvPr id="22" name="Rect 0"/>
-            <p:cNvSpPr>
-              <a:spLocks/>
-            </p:cNvSpPr>
-            <p:nvPr/>
-          </p:nvSpPr>
-          <p:spPr>
-            <a:xfrm rot="20700000">
-              <a:off x="3676015" y="136525"/>
-              <a:ext cx="74295" cy="74295"/>
-            </a:xfrm>
-            <a:prstGeom prst="rect"/>
-            <a:noFill/>
-            <a:ln w="12700" cap="flat" cmpd="sng">
-              <a:solidFill>
-                <a:schemeClr val="tx1">
-                  <a:lumMod val="85000"/>
-                  <a:lumOff val="15000"/>
-                  <a:alpha val="100000"/>
-                </a:schemeClr>
-              </a:solidFill>
-              <a:prstDash val="solid"/>
-            </a:ln>
-          </p:spPr>
-          <p:style>
-            <a:lnRef idx="2">
-              <a:schemeClr val="accent1">
-                <a:shade val="50000"/>
-              </a:schemeClr>
-            </a:lnRef>
-            <a:fillRef idx="1">
-              <a:schemeClr val="accent1"/>
-            </a:fillRef>
-            <a:effectRef idx="0">
-              <a:schemeClr val="accent1"/>
-            </a:effectRef>
-            <a:fontRef idx="minor">
-              <a:schemeClr val="lt1"/>
-            </a:fontRef>
-          </p:style>
-          <p:txBody>
-            <a:bodyPr wrap="square" lIns="91440" tIns="45720" rIns="91440" bIns="45720" numCol="1" vert="horz" anchor="ctr">
-              <a:noAutofit/>
-            </a:bodyPr>
-            <a:lstStyle/>
-            <a:p>
-              <a:pPr marL="0" indent="0" rtl="0" algn="ctr" defTabSz="914400" eaLnBrk="1" latinLnBrk="0" hangingPunct="1">
-                <a:buFontTx/>
-                <a:buNone/>
-              </a:pPr>
-              <a:endParaRPr lang="ko-KR" altLang="en-US" sz="1800">
-                <a:solidFill>
-                  <a:srgbClr val="FFFFFF"/>
-                </a:solidFill>
-                <a:latin typeface="맑은 고딕" charset="0"/>
-                <a:ea typeface="맑은 고딕" charset="0"/>
-              </a:endParaRPr>
-            </a:p>
-          </p:txBody>
-        </p:sp>
-        <p:sp>
-          <p:nvSpPr>
-            <p:cNvPr id="23" name="Rect 0"/>
-            <p:cNvSpPr>
-              <a:spLocks/>
-            </p:cNvSpPr>
-            <p:nvPr/>
-          </p:nvSpPr>
-          <p:spPr>
-            <a:xfrm rot="7200000">
-              <a:off x="486410" y="454660"/>
-              <a:ext cx="74295" cy="74295"/>
-            </a:xfrm>
-            <a:prstGeom prst="triangle"/>
-            <a:noFill/>
-            <a:ln w="12700" cap="flat" cmpd="sng">
-              <a:solidFill>
-                <a:schemeClr val="tx1">
-                  <a:lumMod val="85000"/>
-                  <a:lumOff val="15000"/>
-                  <a:alpha val="100000"/>
-                </a:schemeClr>
-              </a:solidFill>
-              <a:prstDash val="solid"/>
-            </a:ln>
-          </p:spPr>
-          <p:style>
-            <a:lnRef idx="2">
-              <a:schemeClr val="accent1">
-                <a:shade val="50000"/>
-              </a:schemeClr>
-            </a:lnRef>
-            <a:fillRef idx="1">
-              <a:schemeClr val="accent1"/>
-            </a:fillRef>
-            <a:effectRef idx="0">
-              <a:schemeClr val="accent1"/>
-            </a:effectRef>
-            <a:fontRef idx="minor">
-              <a:schemeClr val="lt1"/>
-            </a:fontRef>
-          </p:style>
-          <p:txBody>
-            <a:bodyPr wrap="square" lIns="91440" tIns="45720" rIns="91440" bIns="45720" numCol="1" vert="horz" anchor="ctr">
-              <a:noAutofit/>
-            </a:bodyPr>
-            <a:lstStyle/>
-            <a:p>
-              <a:pPr marL="0" indent="0" rtl="0" algn="ctr" defTabSz="914400" eaLnBrk="1" latinLnBrk="0" hangingPunct="1">
-                <a:buFontTx/>
-                <a:buNone/>
-              </a:pPr>
-              <a:endParaRPr lang="ko-KR" altLang="en-US" sz="1800">
-                <a:solidFill>
-                  <a:srgbClr val="FFFFFF"/>
-                </a:solidFill>
-                <a:latin typeface="맑은 고딕" charset="0"/>
-                <a:ea typeface="맑은 고딕" charset="0"/>
-              </a:endParaRPr>
-            </a:p>
-          </p:txBody>
-        </p:sp>
-      </p:grpSp>
-      <p:sp>
-        <p:nvSpPr>
-          <p:cNvPr id="15" name="Rect 0"/>
-          <p:cNvSpPr>
-            <a:spLocks/>
-          </p:cNvSpPr>
-          <p:nvPr/>
-        </p:nvSpPr>
-        <p:spPr>
-          <a:xfrm rot="0">
-            <a:off x="940435" y="316230"/>
-            <a:ext cx="1403985" cy="456565"/>
-          </a:xfrm>
-          <a:prstGeom prst="rect"/>
-          <a:ln w="0">
-            <a:noFill/>
-            <a:prstDash/>
-          </a:ln>
-        </p:spPr>
-        <p:txBody>
-          <a:bodyPr wrap="none" lIns="91440" tIns="45720" rIns="91440" bIns="45720" numCol="1" vert="horz" anchor="t">
-            <a:spAutoFit/>
-          </a:bodyPr>
-          <a:lstStyle/>
-          <a:p>
-            <a:pPr marL="0" indent="0" rtl="0" algn="l" defTabSz="914400" eaLnBrk="1" latinLnBrk="0" hangingPunct="1">
-              <a:buFontTx/>
-              <a:buNone/>
-            </a:pPr>
-            <a:r>
-              <a:rPr sz="1800" b="1">
-                <a:solidFill>
-                  <a:srgbClr val="FFFFFF"/>
-                </a:solidFill>
-                <a:latin typeface="맑은 고딕" charset="0"/>
-                <a:ea typeface="맑은 고딕" charset="0"/>
-              </a:rPr>
-              <a:t>CONTENTS</a:t>
-            </a:r>
-            <a:endParaRPr lang="ko-KR" altLang="en-US" sz="1800" b="1">
-              <a:solidFill>
-                <a:srgbClr val="FFFFFF"/>
-              </a:solidFill>
-              <a:latin typeface="맑은 고딕" charset="0"/>
-              <a:ea typeface="맑은 고딕" charset="0"/>
-            </a:endParaRPr>
-          </a:p>
-        </p:txBody>
-      </p:sp>
-      <p:sp>
-        <p:nvSpPr>
-          <p:cNvPr id="24" name="Rect 0"/>
-          <p:cNvSpPr>
-            <a:spLocks/>
-          </p:cNvSpPr>
-          <p:nvPr/>
-        </p:nvSpPr>
-        <p:spPr>
-          <a:xfrm rot="0">
-            <a:off x="3914140" y="30480"/>
-            <a:ext cx="7467600" cy="657860"/>
-          </a:xfrm>
-          <a:prstGeom prst="rect"/>
-        </p:spPr>
-        <p:txBody>
-          <a:bodyPr wrap="square" lIns="91440" tIns="45720" rIns="91440" bIns="45720" numCol="1" vert="horz" anchor="t">
-            <a:spAutoFit/>
-          </a:bodyPr>
-          <a:lstStyle/>
-          <a:p>
-            <a:pPr marL="0" indent="0" rtl="0" algn="l" defTabSz="914400" eaLnBrk="1" latinLnBrk="0" hangingPunct="1">
-              <a:buFontTx/>
-              <a:buNone/>
-            </a:pPr>
-            <a:r>
-              <a:rPr sz="2800" i="1" b="1">
-                <a:solidFill>
-                  <a:srgbClr val="08CDD5"/>
-                </a:solidFill>
-                <a:latin typeface="맑은 고딕" charset="0"/>
-                <a:ea typeface="맑은 고딕" charset="0"/>
-              </a:rPr>
-              <a:t>HTML  </a:t>
-            </a:r>
-            <a:r>
-              <a:rPr sz="900">
-                <a:solidFill>
-                  <a:srgbClr val="000000">
-                    <a:lumMod val="75000"/>
-                    <a:lumOff val="25000"/>
-                  </a:srgbClr>
-                </a:solidFill>
-                <a:latin typeface="맑은 고딕" charset="0"/>
-                <a:ea typeface="맑은 고딕" charset="0"/>
-              </a:rPr>
-              <a:t>Welcome to HTML!! 3일차</a:t>
-            </a:r>
-            <a:endParaRPr lang="ko-KR" altLang="en-US" sz="900">
-              <a:solidFill>
-                <a:srgbClr val="000000">
-                  <a:lumMod val="75000"/>
-                  <a:lumOff val="25000"/>
-                </a:srgbClr>
-              </a:solidFill>
-              <a:latin typeface="맑은 고딕" charset="0"/>
-              <a:ea typeface="맑은 고딕" charset="0"/>
-            </a:endParaRPr>
-          </a:p>
-        </p:txBody>
-      </p:sp>
-      <mc:AlternateContent xmlns:mc="http://schemas.openxmlformats.org/markup-compatibility/2006" xmlns:p14="http://schemas.microsoft.com/office/powerpoint/2010/main">
-        <mc:Choice Requires="p14">
-          <p:contentPart p14:bwMode="auto" r:id="rId4">
-            <p14:nvContentPartPr>
-              <p14:cNvPr id="5" name="Ink 5"/>
-              <p14:cNvContentPartPr/>
-              <p14:nvPr/>
-            </p14:nvContentPartPr>
-            <p14:xfrm>
-              <a:off x="1115695" y="3001010"/>
-              <a:ext cx="635" cy="635"/>
-            </p14:xfrm>
-          </p:contentPart>
-        </mc:Choice>
-        <mc:Fallback>
-          <p:pic>
-            <p:nvPicPr>
-              <p:cNvPr id="5" name="Ink 5"/>
-              <p:cNvPicPr/>
-              <p:nvPr/>
-            </p:nvPicPr>
-            <p:blipFill>
-              <a:blip r:embed="rId5"/>
-              <a:stretch>
-                <a:fillRect/>
-              </a:stretch>
-            </p:blipFill>
-            <p:spPr>
-              <a:xfrm>
-                <a:off x="1115695" y="3001010"/>
-                <a:ext cx="635" cy="635"/>
-              </a:xfrm>
-              <a:prstGeom prst="rect">
-                <a:avLst/>
-              </a:prstGeom>
-            </p:spPr>
-          </p:pic>
-        </mc:Fallback>
-      </mc:AlternateContent>
-      <p:sp>
-        <p:nvSpPr>
-          <p:cNvPr id="32" name="Rect 0"/>
-          <p:cNvSpPr txBox="1">
-            <a:spLocks/>
-          </p:cNvSpPr>
-          <p:nvPr/>
-        </p:nvSpPr>
-        <p:spPr>
-          <a:xfrm rot="0">
-            <a:off x="659130" y="1633855"/>
-            <a:ext cx="7422515" cy="461010"/>
-          </a:xfrm>
-          <a:prstGeom prst="rect"/>
-          <a:noFill/>
-        </p:spPr>
-        <p:txBody>
-          <a:bodyPr wrap="square" lIns="91440" tIns="45720" rIns="91440" bIns="45720" numCol="1" vert="horz" anchor="t">
-            <a:spAutoFit/>
-          </a:bodyPr>
-          <a:lstStyle/>
-          <a:p>
-            <a:pPr marL="0" indent="0" rtl="0" algn="l" defTabSz="914400" eaLnBrk="1" latinLnBrk="0" hangingPunct="1">
-              <a:buFontTx/>
-              <a:buNone/>
-            </a:pPr>
-            <a:r>
-              <a:rPr sz="2400">
-                <a:latin typeface="맑은 고딕" charset="0"/>
-                <a:ea typeface="맑은 고딕" charset="0"/>
-              </a:rPr>
-              <a:t>구구단만들기</a:t>
-            </a:r>
-            <a:endParaRPr lang="ko-KR" altLang="en-US"/>
-          </a:p>
-        </p:txBody>
-      </p:sp>
-      <p:pic>
-        <p:nvPicPr>
-          <p:cNvPr id="33" name="그림 1" descr="C:/Users/dltjs/AppData/Roaming/PolarisOffice/ETemp/19584_15531400/fImage130454289169.png"/>
-          <p:cNvPicPr>
-            <a:picLocks noChangeAspect="1"/>
-          </p:cNvPicPr>
-          <p:nvPr/>
-        </p:nvPicPr>
-        <p:blipFill rotWithShape="1">
-          <a:blip r:embed="rId6" cstate="print">
-            <a:extLst>
-              <a:ext uri="{28A0092B-C50C-407E-A947-70E740481C1C}">
-                <a14:useLocalDpi xmlns:a14="http://schemas.microsoft.com/office/drawing/2010/main" val="0"/>
-              </a:ext>
-            </a:extLst>
-          </a:blip>
-          <a:stretch>
-            <a:fillRect/>
-          </a:stretch>
-        </p:blipFill>
-        <p:spPr>
-          <a:xfrm rot="0">
-            <a:off x="790575" y="2195830"/>
-            <a:ext cx="6715760" cy="2534285"/>
-          </a:xfrm>
-          <a:prstGeom prst="rect"/>
-          <a:noFill/>
-        </p:spPr>
-      </p:pic>
-    </p:spTree>
-  </p:cSld>
-  <p:clrMapOvr>
-    <a:masterClrMapping/>
-  </p:clrMapOvr>
-  <mc:AlternateContent xmlns:mc="http://schemas.openxmlformats.org/markup-compatibility/2006">
-    <mc:Choice xmlns:p14="http://schemas.microsoft.com/office/powerpoint/2010/main" Requires="p14">
-      <p:transition spd="slow" p14:dur="2000"/>
-    </mc:Choice>
-    <mc:Fallback>
-      <p:transition spd="slow"/>
-    </mc:Fallback>
-  </mc:AlternateContent>
-  <p:timing>
-    <p:tnLst>
-      <p:par>
-        <p:cTn id="1" dur="indefinite" restart="never" nodeType="tmRoot"/>
-      </p:par>
-    </p:tnLst>
-  </p:timing>
-</p:sld>
-</file>
-
-<file path=ppt/slides/slide19.xml><?xml version="1.0" encoding="utf-8"?>
-<p:sld xmlns:a="http://schemas.openxmlformats.org/drawingml/2006/main" xmlns:r="http://schemas.openxmlformats.org/officeDocument/2006/relationships" xmlns:p="http://schemas.openxmlformats.org/presentationml/2006/main" xmlns:p14="http://schemas.microsoft.com/office/powerpoint/2010/main">
-  <p:cSld>
-    <p:spTree>
-      <p:nvGrpSpPr>
-        <p:cNvPr id="1" name=""/>
-        <p:cNvGrpSpPr/>
-        <p:nvPr/>
-      </p:nvGrpSpPr>
-      <p:grpSpPr>
-        <a:xfrm>
-          <a:off x="0" y="0"/>
-          <a:ext cx="0" cy="0"/>
-          <a:chOff x="0" y="0"/>
-          <a:chExt cx="0" cy="0"/>
-        </a:xfrm>
-      </p:grpSpPr>
-      <p:grpSp>
-        <p:nvGrpSpPr>
-          <p:cNvPr id="28" name="Group 5"/>
-          <p:cNvGrpSpPr/>
-          <p:nvPr/>
-        </p:nvGrpSpPr>
-        <p:grpSpPr>
-          <a:xfrm>
-            <a:off x="145415" y="684530"/>
-            <a:ext cx="11823700" cy="6005830"/>
-            <a:chOff x="145415" y="684530"/>
-            <a:chExt cx="11823700" cy="6005830"/>
-          </a:xfrm>
-        </p:grpSpPr>
-        <p:sp>
-          <p:nvSpPr>
-            <p:cNvPr id="26" name="Rect 0"/>
-            <p:cNvSpPr>
-              <a:spLocks/>
-            </p:cNvSpPr>
-            <p:nvPr/>
-          </p:nvSpPr>
-          <p:spPr>
-            <a:xfrm rot="0">
-              <a:off x="145415" y="684530"/>
-              <a:ext cx="11762740" cy="5958205"/>
-            </a:xfrm>
-            <a:custGeom>
-              <a:gdLst>
-                <a:gd fmla="*/ 3574143 w 11760204" name="TX0"/>
-                <a:gd fmla="*/ 72571 h 5955850" name="TY0"/>
-                <a:gd fmla="*/ 11716657 w 11760204" name="TX1"/>
-                <a:gd fmla="*/ 72571 h 5955850" name="TY1"/>
-                <a:gd fmla="*/ 11760200 w 11760204" name="TX2"/>
-                <a:gd fmla="*/ 5936343 h 5955850" name="TY2"/>
-                <a:gd fmla="*/ 0 w 11760204" name="TX3"/>
-                <a:gd fmla="*/ 5955846 h 5955850" name="TY3"/>
-                <a:gd fmla="*/ 77107 w 11760204" name="TX4"/>
-                <a:gd fmla="*/ 0 h 5955850" name="TY4"/>
-                <a:gd fmla="*/ 206828 w 11760204" name="TX5"/>
-                <a:gd fmla="*/ 0 h 5955850" name="TY5"/>
-              </a:gdLst>
-              <a:cxnLst>
-                <a:cxn ang="0">
-                  <a:pos x="TX0" y="TY0"/>
-                </a:cxn>
-                <a:cxn ang="0">
-                  <a:pos x="TX1" y="TY1"/>
-                </a:cxn>
-                <a:cxn ang="0">
-                  <a:pos x="TX2" y="TY2"/>
-                </a:cxn>
-                <a:cxn ang="0">
-                  <a:pos x="TX3" y="TY3"/>
-                </a:cxn>
-                <a:cxn ang="0">
-                  <a:pos x="TX4" y="TY4"/>
-                </a:cxn>
-                <a:cxn ang="0">
-                  <a:pos x="TX5" y="TY5"/>
-                </a:cxn>
-              </a:cxnLst>
-              <a:rect l="l" t="t" r="r" b="b"/>
-              <a:pathLst>
-                <a:path w="11760204" h="5955850">
-                  <a:moveTo>
-                    <a:pt x="3574143" y="72571"/>
-                  </a:moveTo>
-                  <a:lnTo>
-                    <a:pt x="11716657" y="72571"/>
-                  </a:lnTo>
-                  <a:lnTo>
-                    <a:pt x="11760200" y="5936343"/>
-                  </a:lnTo>
-                  <a:lnTo>
-                    <a:pt x="0" y="5955846"/>
-                  </a:lnTo>
-                  <a:lnTo>
-                    <a:pt x="77107" y="0"/>
-                  </a:lnTo>
-                  <a:lnTo>
-                    <a:pt x="206828" y="0"/>
-                  </a:lnTo>
-                </a:path>
-              </a:pathLst>
-            </a:custGeom>
-            <a:solidFill>
-              <a:schemeClr val="bg1"/>
-            </a:solidFill>
-            <a:ln w="12700" cap="flat" cmpd="sng">
-              <a:solidFill>
-                <a:schemeClr val="tx1">
-                  <a:lumMod val="85000"/>
-                  <a:lumOff val="15000"/>
-                  <a:alpha val="100000"/>
-                </a:schemeClr>
-              </a:solidFill>
-              <a:prstDash val="solid"/>
-            </a:ln>
-          </p:spPr>
-          <p:style>
-            <a:lnRef idx="2">
-              <a:schemeClr val="accent1">
-                <a:shade val="50000"/>
-              </a:schemeClr>
-            </a:lnRef>
-            <a:fillRef idx="1">
-              <a:schemeClr val="accent1"/>
-            </a:fillRef>
-            <a:effectRef idx="0">
-              <a:schemeClr val="accent1"/>
-            </a:effectRef>
-            <a:fontRef idx="minor">
-              <a:schemeClr val="lt1"/>
-            </a:fontRef>
-          </p:style>
-          <p:txBody>
-            <a:bodyPr wrap="square" lIns="91440" tIns="45720" rIns="91440" bIns="45720" numCol="1" vert="horz" anchor="ctr">
-              <a:noAutofit/>
-            </a:bodyPr>
-            <a:lstStyle/>
-            <a:p>
-              <a:pPr marL="0" indent="0" rtl="0" algn="ctr" defTabSz="914400" eaLnBrk="1" latinLnBrk="0" hangingPunct="1">
-                <a:buFontTx/>
-                <a:buNone/>
-              </a:pPr>
-              <a:endParaRPr lang="ko-KR" altLang="en-US" sz="1800">
-                <a:solidFill>
-                  <a:srgbClr val="FFFFFF"/>
-                </a:solidFill>
-                <a:latin typeface="맑은 고딕" charset="0"/>
-                <a:ea typeface="맑은 고딕" charset="0"/>
-              </a:endParaRPr>
-            </a:p>
-          </p:txBody>
-        </p:sp>
-        <p:sp>
-          <p:nvSpPr>
-            <p:cNvPr id="27" name="Rect 0"/>
-            <p:cNvSpPr>
-              <a:spLocks/>
-            </p:cNvSpPr>
-            <p:nvPr/>
-          </p:nvSpPr>
-          <p:spPr>
-            <a:xfrm rot="0">
-              <a:off x="11634470" y="6376035"/>
-              <a:ext cx="335915" cy="314960"/>
-            </a:xfrm>
-            <a:custGeom>
-              <a:gdLst>
-                <a:gd fmla="*/ 333375 w 333379" name="TX0"/>
-                <a:gd fmla="*/ 0 h 312424" name="TY0"/>
-                <a:gd fmla="*/ 333375 w 333379" name="TX1"/>
-                <a:gd fmla="*/ 312420 h 312424" name="TY1"/>
-                <a:gd fmla="*/ 0 w 333379" name="TX2"/>
-                <a:gd fmla="*/ 309563 h 312424" name="TY2"/>
-              </a:gdLst>
-              <a:cxnLst>
-                <a:cxn ang="0">
-                  <a:pos x="TX0" y="TY0"/>
-                </a:cxn>
-                <a:cxn ang="0">
-                  <a:pos x="TX1" y="TY1"/>
-                </a:cxn>
-                <a:cxn ang="0">
-                  <a:pos x="TX2" y="TY2"/>
-                </a:cxn>
-              </a:cxnLst>
-              <a:rect l="l" t="t" r="r" b="b"/>
-              <a:pathLst>
-                <a:path w="333379" h="312424">
-                  <a:moveTo>
-                    <a:pt x="333375" y="0"/>
-                  </a:moveTo>
-                  <a:lnTo>
-                    <a:pt x="333375" y="312420"/>
-                  </a:lnTo>
-                  <a:lnTo>
-                    <a:pt x="0" y="309563"/>
-                  </a:lnTo>
-                </a:path>
-              </a:pathLst>
-            </a:custGeom>
-            <a:noFill/>
-            <a:ln w="12700" cap="flat" cmpd="sng">
-              <a:solidFill>
-                <a:schemeClr val="tx1">
-                  <a:lumMod val="85000"/>
-                  <a:lumOff val="15000"/>
-                  <a:alpha val="100000"/>
-                </a:schemeClr>
-              </a:solidFill>
-              <a:prstDash val="solid"/>
-            </a:ln>
-          </p:spPr>
-          <p:style>
-            <a:lnRef idx="2">
-              <a:schemeClr val="accent1">
-                <a:shade val="50000"/>
-              </a:schemeClr>
-            </a:lnRef>
-            <a:fillRef idx="1">
-              <a:schemeClr val="accent1"/>
-            </a:fillRef>
-            <a:effectRef idx="0">
-              <a:schemeClr val="accent1"/>
-            </a:effectRef>
-            <a:fontRef idx="minor">
-              <a:schemeClr val="lt1"/>
-            </a:fontRef>
-          </p:style>
-          <p:txBody>
-            <a:bodyPr wrap="square" lIns="91440" tIns="45720" rIns="91440" bIns="45720" numCol="1" vert="horz" anchor="ctr">
-              <a:noAutofit/>
-            </a:bodyPr>
-            <a:lstStyle/>
-            <a:p>
-              <a:pPr marL="0" indent="0" rtl="0" algn="ctr" defTabSz="914400" eaLnBrk="1" latinLnBrk="0" hangingPunct="1">
-                <a:buFontTx/>
-                <a:buNone/>
-              </a:pPr>
-              <a:endParaRPr lang="ko-KR" altLang="en-US" sz="1800">
-                <a:solidFill>
-                  <a:srgbClr val="FFFFFF"/>
-                </a:solidFill>
-                <a:latin typeface="맑은 고딕" charset="0"/>
-                <a:ea typeface="맑은 고딕" charset="0"/>
-              </a:endParaRPr>
-            </a:p>
-          </p:txBody>
-        </p:sp>
-      </p:grpSp>
-      <p:grpSp>
-        <p:nvGrpSpPr>
-          <p:cNvPr id="4" name="Group 5"/>
-          <p:cNvGrpSpPr/>
-          <p:nvPr/>
-        </p:nvGrpSpPr>
-        <p:grpSpPr>
-          <a:xfrm rot="0">
-            <a:off x="486410" y="121920"/>
-            <a:ext cx="3263900" cy="1021715"/>
-            <a:chOff x="486410" y="121920"/>
-            <a:chExt cx="3263900" cy="1021715"/>
-          </a:xfrm>
-        </p:grpSpPr>
-        <p:sp>
-          <p:nvSpPr>
-            <p:cNvPr id="16" name="Rect 0"/>
-            <p:cNvSpPr>
-              <a:spLocks/>
-            </p:cNvSpPr>
-            <p:nvPr/>
-          </p:nvSpPr>
-          <p:spPr>
-            <a:xfrm rot="10800000">
-              <a:off x="624840" y="902970"/>
-              <a:ext cx="932815" cy="235585"/>
-            </a:xfrm>
-            <a:prstGeom prst="triangle">
-              <a:avLst>
-                <a:gd name="adj" fmla="val 31437"/>
-              </a:avLst>
-            </a:prstGeom>
-            <a:solidFill>
-              <a:schemeClr val="tx2">
-                <a:lumMod val="75000"/>
-              </a:schemeClr>
-            </a:solidFill>
-            <a:ln w="0">
-              <a:noFill/>
-              <a:prstDash/>
-            </a:ln>
-          </p:spPr>
-          <p:style>
-            <a:lnRef idx="2">
-              <a:schemeClr val="accent1">
-                <a:shade val="50000"/>
-              </a:schemeClr>
-            </a:lnRef>
-            <a:fillRef idx="1">
-              <a:schemeClr val="accent1"/>
-            </a:fillRef>
-            <a:effectRef idx="0">
-              <a:schemeClr val="accent1"/>
-            </a:effectRef>
-            <a:fontRef idx="minor">
-              <a:schemeClr val="lt1"/>
-            </a:fontRef>
-          </p:style>
-          <p:txBody>
-            <a:bodyPr wrap="square" lIns="91440" tIns="45720" rIns="91440" bIns="45720" numCol="1" vert="horz" anchor="ctr">
-              <a:noAutofit/>
-            </a:bodyPr>
-            <a:lstStyle/>
-            <a:p>
-              <a:pPr marL="0" indent="0" rtl="0" algn="ctr" defTabSz="914400" eaLnBrk="1" latinLnBrk="0" hangingPunct="1">
-                <a:buFontTx/>
-                <a:buNone/>
-              </a:pPr>
-              <a:endParaRPr lang="ko-KR" altLang="en-US" sz="1800">
-                <a:solidFill>
-                  <a:srgbClr val="FFFFFF"/>
-                </a:solidFill>
-                <a:latin typeface="맑은 고딕" charset="0"/>
-                <a:ea typeface="맑은 고딕" charset="0"/>
-              </a:endParaRPr>
-            </a:p>
-          </p:txBody>
-        </p:sp>
-        <p:sp>
-          <p:nvSpPr>
-            <p:cNvPr id="2" name="Rect 0"/>
-            <p:cNvSpPr>
-              <a:spLocks/>
-            </p:cNvSpPr>
-            <p:nvPr/>
-          </p:nvSpPr>
-          <p:spPr>
-            <a:xfrm rot="16200000">
-              <a:off x="1745615" y="-894715"/>
-              <a:ext cx="751205" cy="2986405"/>
-            </a:xfrm>
-            <a:prstGeom prst="trapezoid">
-              <a:avLst>
-                <a:gd name="adj" fmla="val 8729"/>
-              </a:avLst>
-            </a:prstGeom>
-            <a:solidFill>
-              <a:srgbClr val="08CDD5"/>
-            </a:solidFill>
-            <a:ln w="0">
-              <a:noFill/>
-              <a:prstDash/>
-            </a:ln>
-          </p:spPr>
-          <p:style>
-            <a:lnRef idx="2">
-              <a:schemeClr val="accent1">
-                <a:shade val="50000"/>
-              </a:schemeClr>
-            </a:lnRef>
-            <a:fillRef idx="1">
-              <a:schemeClr val="accent1"/>
-            </a:fillRef>
-            <a:effectRef idx="0">
-              <a:schemeClr val="accent1"/>
-            </a:effectRef>
-            <a:fontRef idx="minor">
-              <a:schemeClr val="lt1"/>
-            </a:fontRef>
-          </p:style>
-          <p:txBody>
-            <a:bodyPr wrap="square" lIns="91440" tIns="45720" rIns="91440" bIns="45720" numCol="1" vert="horz" anchor="ctr">
-              <a:noAutofit/>
-            </a:bodyPr>
-            <a:lstStyle/>
-            <a:p>
-              <a:pPr marL="0" indent="0" rtl="0" algn="ctr" defTabSz="914400" eaLnBrk="1" latinLnBrk="0" hangingPunct="1">
-                <a:buFontTx/>
-                <a:buNone/>
-              </a:pPr>
-              <a:endParaRPr lang="ko-KR" altLang="en-US" sz="1800">
-                <a:solidFill>
-                  <a:srgbClr val="FFFFFF"/>
-                </a:solidFill>
-                <a:latin typeface="맑은 고딕" charset="0"/>
-                <a:ea typeface="맑은 고딕" charset="0"/>
-              </a:endParaRPr>
-            </a:p>
-          </p:txBody>
-        </p:sp>
-        <p:cxnSp>
-          <p:nvCxnSpPr>
-            <p:cNvPr id="6" name="Rect 0"/>
-            <p:cNvCxnSpPr/>
-            <p:nvPr/>
-          </p:nvCxnSpPr>
-          <p:spPr>
-            <a:xfrm rot="0" flipV="1">
-              <a:off x="628015" y="172085"/>
-              <a:ext cx="1716405" cy="26670"/>
-            </a:xfrm>
-            <a:prstGeom prst="line"/>
-            <a:ln w="12700" cap="flat" cmpd="sng">
-              <a:solidFill>
-                <a:schemeClr val="tx1">
-                  <a:lumMod val="85000"/>
-                  <a:lumOff val="15000"/>
-                  <a:alpha val="100000"/>
-                </a:schemeClr>
-              </a:solidFill>
-              <a:prstDash val="solid"/>
-            </a:ln>
-          </p:spPr>
-          <p:style>
-            <a:lnRef idx="1">
-              <a:schemeClr val="accent1"/>
-            </a:lnRef>
-            <a:fillRef idx="0">
-              <a:schemeClr val="accent1"/>
-            </a:fillRef>
-            <a:effectRef idx="0">
-              <a:schemeClr val="accent1"/>
-            </a:effectRef>
-            <a:fontRef idx="minor">
-              <a:schemeClr val="tx1"/>
-            </a:fontRef>
-          </p:style>
-        </p:cxnSp>
-        <p:cxnSp>
-          <p:nvCxnSpPr>
-            <p:cNvPr id="8" name="Rect 0"/>
-            <p:cNvCxnSpPr/>
-            <p:nvPr/>
-          </p:nvCxnSpPr>
-          <p:spPr>
-            <a:xfrm rot="0" flipV="1">
-              <a:off x="974090" y="121920"/>
-              <a:ext cx="827405" cy="11430"/>
-            </a:xfrm>
-            <a:prstGeom prst="line"/>
-            <a:ln w="12700" cap="flat" cmpd="sng">
-              <a:solidFill>
-                <a:schemeClr val="tx1">
-                  <a:lumMod val="85000"/>
-                  <a:lumOff val="15000"/>
-                  <a:alpha val="100000"/>
-                </a:schemeClr>
-              </a:solidFill>
-              <a:prstDash val="solid"/>
-            </a:ln>
-          </p:spPr>
-          <p:style>
-            <a:lnRef idx="1">
-              <a:schemeClr val="accent1"/>
-            </a:lnRef>
-            <a:fillRef idx="0">
-              <a:schemeClr val="accent1"/>
-            </a:fillRef>
-            <a:effectRef idx="0">
-              <a:schemeClr val="accent1"/>
-            </a:effectRef>
-            <a:fontRef idx="minor">
-              <a:schemeClr val="tx1"/>
-            </a:fontRef>
-          </p:style>
-        </p:cxnSp>
-        <p:sp>
-          <p:nvSpPr>
-            <p:cNvPr id="13" name="Rect 0"/>
-            <p:cNvSpPr>
-              <a:spLocks/>
-            </p:cNvSpPr>
-            <p:nvPr/>
-          </p:nvSpPr>
-          <p:spPr>
-            <a:xfrm rot="0">
-              <a:off x="2464435" y="121920"/>
-              <a:ext cx="73660" cy="73660"/>
-            </a:xfrm>
-            <a:prstGeom prst="ellipse"/>
-            <a:noFill/>
-            <a:ln w="12700" cap="flat" cmpd="sng">
-              <a:solidFill>
-                <a:schemeClr val="tx1">
-                  <a:lumMod val="85000"/>
-                  <a:lumOff val="15000"/>
-                  <a:alpha val="100000"/>
-                </a:schemeClr>
-              </a:solidFill>
-              <a:prstDash val="solid"/>
-            </a:ln>
-          </p:spPr>
-          <p:style>
-            <a:lnRef idx="2">
-              <a:schemeClr val="accent1">
-                <a:shade val="50000"/>
-              </a:schemeClr>
-            </a:lnRef>
-            <a:fillRef idx="1">
-              <a:schemeClr val="accent1"/>
-            </a:fillRef>
-            <a:effectRef idx="0">
-              <a:schemeClr val="accent1"/>
-            </a:effectRef>
-            <a:fontRef idx="minor">
-              <a:schemeClr val="lt1"/>
-            </a:fontRef>
-          </p:style>
-          <p:txBody>
-            <a:bodyPr wrap="square" lIns="91440" tIns="45720" rIns="91440" bIns="45720" numCol="1" vert="horz" anchor="ctr">
-              <a:noAutofit/>
-            </a:bodyPr>
-            <a:lstStyle/>
-            <a:p>
-              <a:pPr marL="0" indent="0" rtl="0" algn="ctr" defTabSz="914400" eaLnBrk="1" latinLnBrk="0" hangingPunct="1">
-                <a:buFontTx/>
-                <a:buNone/>
-              </a:pPr>
-              <a:endParaRPr lang="ko-KR" altLang="en-US" sz="1800">
-                <a:solidFill>
-                  <a:srgbClr val="FFFFFF"/>
-                </a:solidFill>
-                <a:latin typeface="맑은 고딕" charset="0"/>
-                <a:ea typeface="맑은 고딕" charset="0"/>
-              </a:endParaRPr>
-            </a:p>
-          </p:txBody>
-        </p:sp>
-        <p:sp>
-          <p:nvSpPr>
-            <p:cNvPr id="14" name="Rect 0"/>
-            <p:cNvSpPr>
-              <a:spLocks/>
-            </p:cNvSpPr>
-            <p:nvPr/>
-          </p:nvSpPr>
-          <p:spPr>
-            <a:xfrm rot="20700000">
-              <a:off x="3020695" y="1051560"/>
-              <a:ext cx="73660" cy="73660"/>
-            </a:xfrm>
-            <a:prstGeom prst="triangle"/>
-            <a:noFill/>
-            <a:ln w="12700" cap="flat" cmpd="sng">
-              <a:solidFill>
-                <a:schemeClr val="tx1">
-                  <a:lumMod val="85000"/>
-                  <a:lumOff val="15000"/>
-                  <a:alpha val="100000"/>
-                </a:schemeClr>
-              </a:solidFill>
-              <a:prstDash val="solid"/>
-            </a:ln>
-          </p:spPr>
-          <p:style>
-            <a:lnRef idx="2">
-              <a:schemeClr val="accent1">
-                <a:shade val="50000"/>
-              </a:schemeClr>
-            </a:lnRef>
-            <a:fillRef idx="1">
-              <a:schemeClr val="accent1"/>
-            </a:fillRef>
-            <a:effectRef idx="0">
-              <a:schemeClr val="accent1"/>
-            </a:effectRef>
-            <a:fontRef idx="minor">
-              <a:schemeClr val="lt1"/>
-            </a:fontRef>
-          </p:style>
-          <p:txBody>
-            <a:bodyPr wrap="square" lIns="91440" tIns="45720" rIns="91440" bIns="45720" numCol="1" vert="horz" anchor="ctr">
-              <a:noAutofit/>
-            </a:bodyPr>
-            <a:lstStyle/>
-            <a:p>
-              <a:pPr marL="0" indent="0" rtl="0" algn="ctr" defTabSz="914400" eaLnBrk="1" latinLnBrk="0" hangingPunct="1">
-                <a:buFontTx/>
-                <a:buNone/>
-              </a:pPr>
-              <a:endParaRPr lang="ko-KR" altLang="en-US" sz="1800">
-                <a:solidFill>
-                  <a:srgbClr val="FFFFFF"/>
-                </a:solidFill>
-                <a:latin typeface="맑은 고딕" charset="0"/>
-                <a:ea typeface="맑은 고딕" charset="0"/>
-              </a:endParaRPr>
-            </a:p>
-          </p:txBody>
-        </p:sp>
-        <p:sp>
-          <p:nvSpPr>
-            <p:cNvPr id="17" name="Rect 0"/>
-            <p:cNvSpPr>
-              <a:spLocks/>
-            </p:cNvSpPr>
-            <p:nvPr/>
-          </p:nvSpPr>
-          <p:spPr>
-            <a:xfrm rot="0">
-              <a:off x="574675" y="624205"/>
-              <a:ext cx="291465" cy="443865"/>
-            </a:xfrm>
-            <a:custGeom>
-              <a:gdLst>
-                <a:gd fmla="*/ 0 w 289563" name="TX0"/>
-                <a:gd fmla="*/ 0 h 441963" name="TY0"/>
-                <a:gd fmla="*/ 5715 w 289563" name="TX1"/>
-                <a:gd fmla="*/ 315754 h 441963" name="TY1"/>
-                <a:gd fmla="*/ 289560 w 289563" name="TX2"/>
-                <a:gd fmla="*/ 441960 h 441963" name="TY2"/>
-              </a:gdLst>
-              <a:cxnLst>
-                <a:cxn ang="0">
-                  <a:pos x="TX0" y="TY0"/>
-                </a:cxn>
-                <a:cxn ang="0">
-                  <a:pos x="TX1" y="TY1"/>
-                </a:cxn>
-                <a:cxn ang="0">
-                  <a:pos x="TX2" y="TY2"/>
-                </a:cxn>
-              </a:cxnLst>
-              <a:rect l="l" t="t" r="r" b="b"/>
-              <a:pathLst>
-                <a:path w="289563" h="441963">
-                  <a:moveTo>
-                    <a:pt x="0" y="0"/>
-                  </a:moveTo>
-                  <a:lnTo>
-                    <a:pt x="5715" y="315754"/>
-                  </a:lnTo>
-                  <a:lnTo>
-                    <a:pt x="289560" y="441960"/>
-                  </a:lnTo>
-                </a:path>
-              </a:pathLst>
-            </a:custGeom>
-            <a:noFill/>
-            <a:ln w="12700" cap="flat" cmpd="sng">
-              <a:solidFill>
-                <a:schemeClr val="tx1">
-                  <a:lumMod val="85000"/>
-                  <a:lumOff val="15000"/>
-                  <a:alpha val="100000"/>
-                </a:schemeClr>
-              </a:solidFill>
-              <a:prstDash val="solid"/>
-            </a:ln>
-          </p:spPr>
-          <p:style>
-            <a:lnRef idx="2">
-              <a:schemeClr val="accent1">
-                <a:shade val="50000"/>
-              </a:schemeClr>
-            </a:lnRef>
-            <a:fillRef idx="1">
-              <a:schemeClr val="accent1"/>
-            </a:fillRef>
-            <a:effectRef idx="0">
-              <a:schemeClr val="accent1"/>
-            </a:effectRef>
-            <a:fontRef idx="minor">
-              <a:schemeClr val="lt1"/>
-            </a:fontRef>
-          </p:style>
-          <p:txBody>
-            <a:bodyPr wrap="square" lIns="91440" tIns="45720" rIns="91440" bIns="45720" numCol="1" vert="horz" anchor="ctr">
-              <a:noAutofit/>
-            </a:bodyPr>
-            <a:lstStyle/>
-            <a:p>
-              <a:pPr marL="0" indent="0" rtl="0" algn="ctr" defTabSz="914400" eaLnBrk="1" latinLnBrk="0" hangingPunct="1">
-                <a:buFontTx/>
-                <a:buNone/>
-              </a:pPr>
-              <a:endParaRPr lang="ko-KR" altLang="en-US" sz="1800">
-                <a:solidFill>
-                  <a:srgbClr val="FFFFFF"/>
-                </a:solidFill>
-                <a:latin typeface="맑은 고딕" charset="0"/>
-                <a:ea typeface="맑은 고딕" charset="0"/>
-              </a:endParaRPr>
-            </a:p>
-          </p:txBody>
-        </p:sp>
-        <p:sp>
-          <p:nvSpPr>
-            <p:cNvPr id="18" name="Rect 0"/>
-            <p:cNvSpPr>
-              <a:spLocks/>
-            </p:cNvSpPr>
-            <p:nvPr/>
-          </p:nvSpPr>
-          <p:spPr>
-            <a:xfrm rot="0">
-              <a:off x="1359535" y="989965"/>
-              <a:ext cx="840105" cy="154305"/>
-            </a:xfrm>
-            <a:custGeom>
-              <a:gdLst>
-                <a:gd fmla="*/ 0 w 838203" name="TX0"/>
-                <a:gd fmla="*/ 152400 h 152403" name="TY0"/>
-                <a:gd fmla="*/ 182880 w 838203" name="TX1"/>
-                <a:gd fmla="*/ 0 h 152403" name="TY1"/>
-                <a:gd fmla="*/ 838200 w 838203" name="TX2"/>
-                <a:gd fmla="*/ 15240 h 152403" name="TY2"/>
-              </a:gdLst>
-              <a:cxnLst>
-                <a:cxn ang="0">
-                  <a:pos x="TX0" y="TY0"/>
-                </a:cxn>
-                <a:cxn ang="0">
-                  <a:pos x="TX1" y="TY1"/>
-                </a:cxn>
-                <a:cxn ang="0">
-                  <a:pos x="TX2" y="TY2"/>
-                </a:cxn>
-              </a:cxnLst>
-              <a:rect l="l" t="t" r="r" b="b"/>
-              <a:pathLst>
-                <a:path w="838203" h="152403">
-                  <a:moveTo>
-                    <a:pt x="0" y="152400"/>
-                  </a:moveTo>
-                  <a:lnTo>
-                    <a:pt x="182880" y="0"/>
-                  </a:lnTo>
-                  <a:lnTo>
-                    <a:pt x="838200" y="15240"/>
-                  </a:lnTo>
-                </a:path>
-              </a:pathLst>
-            </a:custGeom>
-            <a:noFill/>
-            <a:ln w="12700" cap="flat" cmpd="sng">
-              <a:solidFill>
-                <a:schemeClr val="tx1">
-                  <a:lumMod val="85000"/>
-                  <a:lumOff val="15000"/>
-                  <a:alpha val="100000"/>
-                </a:schemeClr>
-              </a:solidFill>
-              <a:prstDash val="solid"/>
-            </a:ln>
-          </p:spPr>
-          <p:style>
-            <a:lnRef idx="2">
-              <a:schemeClr val="accent1">
-                <a:shade val="50000"/>
-              </a:schemeClr>
-            </a:lnRef>
-            <a:fillRef idx="1">
-              <a:schemeClr val="accent1"/>
-            </a:fillRef>
-            <a:effectRef idx="0">
-              <a:schemeClr val="accent1"/>
-            </a:effectRef>
-            <a:fontRef idx="minor">
-              <a:schemeClr val="lt1"/>
-            </a:fontRef>
-          </p:style>
-          <p:txBody>
-            <a:bodyPr wrap="square" lIns="91440" tIns="45720" rIns="91440" bIns="45720" numCol="1" vert="horz" anchor="ctr">
-              <a:noAutofit/>
-            </a:bodyPr>
-            <a:lstStyle/>
-            <a:p>
-              <a:pPr marL="0" indent="0" rtl="0" algn="ctr" defTabSz="914400" eaLnBrk="1" latinLnBrk="0" hangingPunct="1">
-                <a:buFontTx/>
-                <a:buNone/>
-              </a:pPr>
-              <a:endParaRPr lang="ko-KR" altLang="en-US" sz="1800">
-                <a:solidFill>
-                  <a:srgbClr val="FFFFFF"/>
-                </a:solidFill>
-                <a:latin typeface="맑은 고딕" charset="0"/>
-                <a:ea typeface="맑은 고딕" charset="0"/>
-              </a:endParaRPr>
-            </a:p>
-          </p:txBody>
-        </p:sp>
-        <p:sp>
-          <p:nvSpPr>
-            <p:cNvPr id="19" name="Rect 0"/>
-            <p:cNvSpPr>
-              <a:spLocks/>
-            </p:cNvSpPr>
-            <p:nvPr/>
-          </p:nvSpPr>
-          <p:spPr>
-            <a:xfrm rot="0">
-              <a:off x="3325495" y="708025"/>
-              <a:ext cx="344805" cy="314325"/>
-            </a:xfrm>
-            <a:custGeom>
-              <a:gdLst>
-                <a:gd fmla="*/ 342900 w 342903" name="TX0"/>
-                <a:gd fmla="*/ 0 h 312423" name="TY0"/>
-                <a:gd fmla="*/ 342900 w 342903" name="TX1"/>
-                <a:gd fmla="*/ 312420 h 312423" name="TY1"/>
-                <a:gd fmla="*/ 0 w 342903" name="TX2"/>
-                <a:gd fmla="*/ 304800 h 312423" name="TY2"/>
-              </a:gdLst>
-              <a:cxnLst>
-                <a:cxn ang="0">
-                  <a:pos x="TX0" y="TY0"/>
-                </a:cxn>
-                <a:cxn ang="0">
-                  <a:pos x="TX1" y="TY1"/>
-                </a:cxn>
-                <a:cxn ang="0">
-                  <a:pos x="TX2" y="TY2"/>
-                </a:cxn>
-              </a:cxnLst>
-              <a:rect l="l" t="t" r="r" b="b"/>
-              <a:pathLst>
-                <a:path w="342903" h="312423">
-                  <a:moveTo>
-                    <a:pt x="342900" y="0"/>
-                  </a:moveTo>
-                  <a:lnTo>
-                    <a:pt x="342900" y="312420"/>
-                  </a:lnTo>
-                  <a:lnTo>
-                    <a:pt x="0" y="304800"/>
-                  </a:lnTo>
-                </a:path>
-              </a:pathLst>
-            </a:custGeom>
-            <a:noFill/>
-            <a:ln w="12700" cap="flat" cmpd="sng">
-              <a:solidFill>
-                <a:schemeClr val="tx1">
-                  <a:lumMod val="85000"/>
-                  <a:lumOff val="15000"/>
-                  <a:alpha val="100000"/>
-                </a:schemeClr>
-              </a:solidFill>
-              <a:prstDash val="solid"/>
-            </a:ln>
-          </p:spPr>
-          <p:style>
-            <a:lnRef idx="2">
-              <a:schemeClr val="accent1">
-                <a:shade val="50000"/>
-              </a:schemeClr>
-            </a:lnRef>
-            <a:fillRef idx="1">
-              <a:schemeClr val="accent1"/>
-            </a:fillRef>
-            <a:effectRef idx="0">
-              <a:schemeClr val="accent1"/>
-            </a:effectRef>
-            <a:fontRef idx="minor">
-              <a:schemeClr val="lt1"/>
-            </a:fontRef>
-          </p:style>
-          <p:txBody>
-            <a:bodyPr wrap="square" lIns="91440" tIns="45720" rIns="91440" bIns="45720" numCol="1" vert="horz" anchor="ctr">
-              <a:noAutofit/>
-            </a:bodyPr>
-            <a:lstStyle/>
-            <a:p>
-              <a:pPr marL="0" indent="0" rtl="0" algn="ctr" defTabSz="914400" eaLnBrk="1" latinLnBrk="0" hangingPunct="1">
-                <a:buFontTx/>
-                <a:buNone/>
-              </a:pPr>
-              <a:endParaRPr lang="ko-KR" altLang="en-US" sz="1800">
-                <a:solidFill>
-                  <a:srgbClr val="FFFFFF"/>
-                </a:solidFill>
-                <a:latin typeface="맑은 고딕" charset="0"/>
-                <a:ea typeface="맑은 고딕" charset="0"/>
-              </a:endParaRPr>
-            </a:p>
-          </p:txBody>
-        </p:sp>
-        <p:cxnSp>
-          <p:nvCxnSpPr>
-            <p:cNvPr id="20" name="Rect 0"/>
-            <p:cNvCxnSpPr/>
-            <p:nvPr/>
-          </p:nvCxnSpPr>
-          <p:spPr>
-            <a:xfrm rot="0">
-              <a:off x="1641475" y="1049655"/>
-              <a:ext cx="860425" cy="20320"/>
-            </a:xfrm>
-            <a:prstGeom prst="line"/>
-            <a:ln w="12700" cap="flat" cmpd="sng">
-              <a:solidFill>
-                <a:schemeClr val="tx1">
-                  <a:lumMod val="85000"/>
-                  <a:lumOff val="15000"/>
-                  <a:alpha val="100000"/>
-                </a:schemeClr>
-              </a:solidFill>
-              <a:prstDash val="solid"/>
-            </a:ln>
-          </p:spPr>
-          <p:style>
-            <a:lnRef idx="1">
-              <a:schemeClr val="accent1"/>
-            </a:lnRef>
-            <a:fillRef idx="0">
-              <a:schemeClr val="accent1"/>
-            </a:fillRef>
-            <a:effectRef idx="0">
-              <a:schemeClr val="accent1"/>
-            </a:effectRef>
-            <a:fontRef idx="minor">
-              <a:schemeClr val="tx1"/>
-            </a:fontRef>
-          </p:style>
-        </p:cxnSp>
-        <p:sp>
-          <p:nvSpPr>
-            <p:cNvPr id="22" name="Rect 0"/>
-            <p:cNvSpPr>
-              <a:spLocks/>
-            </p:cNvSpPr>
-            <p:nvPr/>
-          </p:nvSpPr>
-          <p:spPr>
-            <a:xfrm rot="20700000">
-              <a:off x="3676015" y="136525"/>
-              <a:ext cx="73660" cy="73660"/>
-            </a:xfrm>
-            <a:prstGeom prst="rect"/>
-            <a:noFill/>
-            <a:ln w="12700" cap="flat" cmpd="sng">
-              <a:solidFill>
-                <a:schemeClr val="tx1">
-                  <a:lumMod val="85000"/>
-                  <a:lumOff val="15000"/>
-                  <a:alpha val="100000"/>
-                </a:schemeClr>
-              </a:solidFill>
-              <a:prstDash val="solid"/>
-            </a:ln>
-          </p:spPr>
-          <p:style>
-            <a:lnRef idx="2">
-              <a:schemeClr val="accent1">
-                <a:shade val="50000"/>
-              </a:schemeClr>
-            </a:lnRef>
-            <a:fillRef idx="1">
-              <a:schemeClr val="accent1"/>
-            </a:fillRef>
-            <a:effectRef idx="0">
-              <a:schemeClr val="accent1"/>
-            </a:effectRef>
-            <a:fontRef idx="minor">
-              <a:schemeClr val="lt1"/>
-            </a:fontRef>
-          </p:style>
-          <p:txBody>
-            <a:bodyPr wrap="square" lIns="91440" tIns="45720" rIns="91440" bIns="45720" numCol="1" vert="horz" anchor="ctr">
-              <a:noAutofit/>
-            </a:bodyPr>
-            <a:lstStyle/>
-            <a:p>
-              <a:pPr marL="0" indent="0" rtl="0" algn="ctr" defTabSz="914400" eaLnBrk="1" latinLnBrk="0" hangingPunct="1">
-                <a:buFontTx/>
-                <a:buNone/>
-              </a:pPr>
-              <a:endParaRPr lang="ko-KR" altLang="en-US" sz="1800">
-                <a:solidFill>
-                  <a:srgbClr val="FFFFFF"/>
-                </a:solidFill>
-                <a:latin typeface="맑은 고딕" charset="0"/>
-                <a:ea typeface="맑은 고딕" charset="0"/>
-              </a:endParaRPr>
-            </a:p>
-          </p:txBody>
-        </p:sp>
-        <p:sp>
-          <p:nvSpPr>
-            <p:cNvPr id="23" name="Rect 0"/>
-            <p:cNvSpPr>
-              <a:spLocks/>
-            </p:cNvSpPr>
-            <p:nvPr/>
-          </p:nvSpPr>
-          <p:spPr>
-            <a:xfrm rot="7200000">
-              <a:off x="486410" y="454660"/>
-              <a:ext cx="73660" cy="73660"/>
-            </a:xfrm>
-            <a:prstGeom prst="triangle"/>
-            <a:noFill/>
-            <a:ln w="12700" cap="flat" cmpd="sng">
-              <a:solidFill>
-                <a:schemeClr val="tx1">
-                  <a:lumMod val="85000"/>
-                  <a:lumOff val="15000"/>
-                  <a:alpha val="100000"/>
-                </a:schemeClr>
-              </a:solidFill>
-              <a:prstDash val="solid"/>
-            </a:ln>
-          </p:spPr>
-          <p:style>
-            <a:lnRef idx="2">
-              <a:schemeClr val="accent1">
-                <a:shade val="50000"/>
-              </a:schemeClr>
-            </a:lnRef>
-            <a:fillRef idx="1">
-              <a:schemeClr val="accent1"/>
-            </a:fillRef>
-            <a:effectRef idx="0">
-              <a:schemeClr val="accent1"/>
-            </a:effectRef>
-            <a:fontRef idx="minor">
-              <a:schemeClr val="lt1"/>
-            </a:fontRef>
-          </p:style>
-          <p:txBody>
-            <a:bodyPr wrap="square" lIns="91440" tIns="45720" rIns="91440" bIns="45720" numCol="1" vert="horz" anchor="ctr">
-              <a:noAutofit/>
-            </a:bodyPr>
-            <a:lstStyle/>
-            <a:p>
-              <a:pPr marL="0" indent="0" rtl="0" algn="ctr" defTabSz="914400" eaLnBrk="1" latinLnBrk="0" hangingPunct="1">
-                <a:buFontTx/>
-                <a:buNone/>
-              </a:pPr>
-              <a:endParaRPr lang="ko-KR" altLang="en-US" sz="1800">
-                <a:solidFill>
-                  <a:srgbClr val="FFFFFF"/>
-                </a:solidFill>
-                <a:latin typeface="맑은 고딕" charset="0"/>
-                <a:ea typeface="맑은 고딕" charset="0"/>
-              </a:endParaRPr>
-            </a:p>
-          </p:txBody>
-        </p:sp>
-      </p:grpSp>
-      <p:sp>
-        <p:nvSpPr>
-          <p:cNvPr id="15" name="Rect 0"/>
-          <p:cNvSpPr>
-            <a:spLocks/>
-          </p:cNvSpPr>
-          <p:nvPr/>
-        </p:nvSpPr>
-        <p:spPr>
-          <a:xfrm rot="0">
-            <a:off x="940435" y="316230"/>
-            <a:ext cx="1403350" cy="455930"/>
-          </a:xfrm>
-          <a:prstGeom prst="rect"/>
-          <a:ln w="0">
-            <a:noFill/>
-            <a:prstDash/>
-          </a:ln>
-        </p:spPr>
-        <p:txBody>
-          <a:bodyPr wrap="none" lIns="91440" tIns="45720" rIns="91440" bIns="45720" numCol="1" vert="horz" anchor="t">
-            <a:spAutoFit/>
-          </a:bodyPr>
-          <a:lstStyle/>
-          <a:p>
-            <a:pPr marL="0" indent="0" rtl="0" algn="l" defTabSz="914400" eaLnBrk="1" latinLnBrk="0" hangingPunct="1">
-              <a:buFontTx/>
-              <a:buNone/>
-            </a:pPr>
-            <a:r>
-              <a:rPr sz="1800" b="1">
-                <a:solidFill>
-                  <a:srgbClr val="FFFFFF"/>
-                </a:solidFill>
-                <a:latin typeface="맑은 고딕" charset="0"/>
-                <a:ea typeface="맑은 고딕" charset="0"/>
-              </a:rPr>
-              <a:t>CONTENTS</a:t>
-            </a:r>
-            <a:endParaRPr lang="ko-KR" altLang="en-US" sz="1800" b="1">
-              <a:solidFill>
-                <a:srgbClr val="FFFFFF"/>
-              </a:solidFill>
-              <a:latin typeface="맑은 고딕" charset="0"/>
-              <a:ea typeface="맑은 고딕" charset="0"/>
-            </a:endParaRPr>
-          </a:p>
-        </p:txBody>
-      </p:sp>
-      <p:sp>
-        <p:nvSpPr>
-          <p:cNvPr id="24" name="Rect 0"/>
-          <p:cNvSpPr>
-            <a:spLocks/>
-          </p:cNvSpPr>
-          <p:nvPr/>
-        </p:nvSpPr>
-        <p:spPr>
-          <a:xfrm rot="0">
-            <a:off x="3914140" y="30480"/>
-            <a:ext cx="7466965" cy="657225"/>
-          </a:xfrm>
-          <a:prstGeom prst="rect"/>
-        </p:spPr>
-        <p:txBody>
-          <a:bodyPr wrap="square" lIns="91440" tIns="45720" rIns="91440" bIns="45720" numCol="1" vert="horz" anchor="t">
-            <a:spAutoFit/>
-          </a:bodyPr>
-          <a:lstStyle/>
-          <a:p>
-            <a:pPr marL="0" indent="0" rtl="0" algn="l" defTabSz="914400" eaLnBrk="1" latinLnBrk="0" hangingPunct="1">
-              <a:buFontTx/>
-              <a:buNone/>
-            </a:pPr>
-            <a:r>
-              <a:rPr sz="2800" i="1" b="1">
-                <a:solidFill>
-                  <a:srgbClr val="08CDD5"/>
-                </a:solidFill>
-                <a:latin typeface="맑은 고딕" charset="0"/>
-                <a:ea typeface="맑은 고딕" charset="0"/>
-              </a:rPr>
-              <a:t>HTML  </a:t>
-            </a:r>
-            <a:r>
-              <a:rPr sz="900">
-                <a:solidFill>
-                  <a:srgbClr val="000000">
-                    <a:lumMod val="75000"/>
-                    <a:lumOff val="25000"/>
-                  </a:srgbClr>
-                </a:solidFill>
-                <a:latin typeface="맑은 고딕" charset="0"/>
-                <a:ea typeface="맑은 고딕" charset="0"/>
-              </a:rPr>
-              <a:t>Welcome to HTML!! 3일차</a:t>
-            </a:r>
-            <a:endParaRPr lang="ko-KR" altLang="en-US" sz="900">
-              <a:solidFill>
-                <a:srgbClr val="000000">
-                  <a:lumMod val="75000"/>
-                  <a:lumOff val="25000"/>
-                </a:srgbClr>
-              </a:solidFill>
-              <a:latin typeface="맑은 고딕" charset="0"/>
-              <a:ea typeface="맑은 고딕" charset="0"/>
-            </a:endParaRPr>
-          </a:p>
-        </p:txBody>
-      </p:sp>
-      <mc:AlternateContent xmlns:mc="http://schemas.openxmlformats.org/markup-compatibility/2006" xmlns:p14="http://schemas.microsoft.com/office/powerpoint/2010/main">
-        <mc:Choice Requires="p14">
-          <p:contentPart p14:bwMode="auto" r:id="rId5">
-            <p14:nvContentPartPr>
-              <p14:cNvPr id="5" name="Ink 5"/>
-              <p14:cNvContentPartPr/>
-              <p14:nvPr/>
-            </p14:nvContentPartPr>
-            <p14:xfrm>
-              <a:off x="1115695" y="3001010"/>
-              <a:ext cx="635" cy="635"/>
-            </p14:xfrm>
-          </p:contentPart>
-        </mc:Choice>
-        <mc:Fallback>
-          <p:pic>
-            <p:nvPicPr>
-              <p:cNvPr id="5" name="Ink 5"/>
-              <p:cNvPicPr/>
-              <p:nvPr/>
-            </p:nvPicPr>
-            <p:blipFill>
-              <a:blip r:embed="rId6"/>
-              <a:stretch>
-                <a:fillRect/>
-              </a:stretch>
-            </p:blipFill>
-            <p:spPr>
-              <a:xfrm>
-                <a:off x="1115695" y="3001010"/>
-                <a:ext cx="635" cy="635"/>
-              </a:xfrm>
-              <a:prstGeom prst="rect">
-                <a:avLst/>
-              </a:prstGeom>
-            </p:spPr>
-          </p:pic>
-        </mc:Fallback>
-      </mc:AlternateContent>
-      <p:sp>
-        <p:nvSpPr>
-          <p:cNvPr id="32" name="Rect 0"/>
-          <p:cNvSpPr txBox="1">
-            <a:spLocks/>
-          </p:cNvSpPr>
-          <p:nvPr/>
-        </p:nvSpPr>
-        <p:spPr>
-          <a:xfrm rot="0">
-            <a:off x="659130" y="1633855"/>
-            <a:ext cx="7421880" cy="461010"/>
-          </a:xfrm>
-          <a:prstGeom prst="rect"/>
-          <a:noFill/>
-        </p:spPr>
-        <p:txBody>
-          <a:bodyPr wrap="square" lIns="91440" tIns="45720" rIns="91440" bIns="45720" numCol="1" vert="horz" anchor="t">
-            <a:spAutoFit/>
-          </a:bodyPr>
-          <a:lstStyle/>
-          <a:p>
-            <a:pPr marL="0" indent="0" rtl="0" algn="l" defTabSz="914400" eaLnBrk="1" latinLnBrk="0" hangingPunct="1">
-              <a:buFontTx/>
-              <a:buNone/>
-            </a:pPr>
-            <a:r>
-              <a:rPr sz="2400">
-                <a:latin typeface="맑은 고딕" charset="0"/>
-                <a:ea typeface="맑은 고딕" charset="0"/>
-              </a:rPr>
-              <a:t>배열</a:t>
-            </a:r>
-            <a:endParaRPr lang="ko-KR" altLang="en-US"/>
-          </a:p>
-        </p:txBody>
-      </p:sp>
-      <p:sp>
-        <p:nvSpPr>
-          <p:cNvPr id="25" name="Rect 0"/>
-          <p:cNvSpPr txBox="1">
-            <a:spLocks/>
-          </p:cNvSpPr>
-          <p:nvPr/>
-        </p:nvSpPr>
-        <p:spPr>
-          <a:xfrm rot="0">
-            <a:off x="659130" y="2189480"/>
-            <a:ext cx="10869295" cy="2999105"/>
-          </a:xfrm>
-          <a:prstGeom prst="rect"/>
-          <a:noFill/>
-        </p:spPr>
-        <p:txBody>
-          <a:bodyPr wrap="square" lIns="91440" tIns="45720" rIns="91440" bIns="45720" numCol="1" vert="horz" anchor="t">
-            <a:spAutoFit/>
-          </a:bodyPr>
-          <a:lstStyle/>
-          <a:p>
-            <a:pPr marL="342900" indent="-342900" rtl="0" algn="l" defTabSz="914400" eaLnBrk="1" latinLnBrk="0" hangingPunct="1">
-              <a:lnSpc>
-                <a:spcPct val="150000"/>
-              </a:lnSpc>
-              <a:buFontTx/>
-              <a:buNone/>
-            </a:pPr>
-            <a:r>
-              <a:rPr sz="1800" i="0" b="0">
-                <a:solidFill>
-                  <a:schemeClr val="tx1"/>
-                </a:solidFill>
-                <a:latin typeface="NanumGothic" charset="0"/>
-                <a:ea typeface="NanumGothic" charset="0"/>
-              </a:rPr>
-              <a:t> -  이름과 인덱스로 참조되는 정렬된 값의 집합</a:t>
-            </a:r>
-            <a:endParaRPr lang="ko-KR" altLang="en-US" sz="1800" i="0" b="0">
-              <a:solidFill>
-                <a:schemeClr val="tx1"/>
-              </a:solidFill>
-              <a:latin typeface="NanumGothic" charset="0"/>
-              <a:ea typeface="NanumGothic" charset="0"/>
-            </a:endParaRPr>
-          </a:p>
-          <a:p>
-            <a:pPr marL="342900" indent="-342900" rtl="0" algn="l" defTabSz="914400" eaLnBrk="1" latinLnBrk="0" hangingPunct="1">
-              <a:lnSpc>
-                <a:spcPct val="150000"/>
-              </a:lnSpc>
-              <a:buFontTx/>
-              <a:buNone/>
-            </a:pPr>
-            <a:endParaRPr lang="ko-KR" altLang="en-US" sz="1800" i="0" b="0">
-              <a:solidFill>
-                <a:schemeClr val="tx1"/>
-              </a:solidFill>
-              <a:latin typeface="NanumGothic" charset="0"/>
-              <a:ea typeface="NanumGothic" charset="0"/>
-            </a:endParaRPr>
-          </a:p>
-          <a:p>
-            <a:pPr marL="342900" indent="-342900" rtl="0" algn="l" defTabSz="914400" eaLnBrk="1" latinLnBrk="0" hangingPunct="1">
-              <a:lnSpc>
-                <a:spcPct val="150000"/>
-              </a:lnSpc>
-              <a:buFontTx/>
-              <a:buNone/>
-            </a:pPr>
-            <a:endParaRPr lang="ko-KR" altLang="en-US" sz="1800" i="0" b="0">
-              <a:solidFill>
-                <a:schemeClr val="tx1"/>
-              </a:solidFill>
-              <a:latin typeface="NanumGothic" charset="0"/>
-              <a:ea typeface="NanumGothic" charset="0"/>
-            </a:endParaRPr>
-          </a:p>
-          <a:p>
-            <a:pPr marL="342900" indent="-342900" rtl="0" algn="l" defTabSz="914400" eaLnBrk="1" latinLnBrk="0" hangingPunct="1">
-              <a:lnSpc>
-                <a:spcPct val="150000"/>
-              </a:lnSpc>
-              <a:buFontTx/>
-              <a:buNone/>
-            </a:pPr>
-            <a:endParaRPr lang="ko-KR" altLang="en-US" sz="1800" i="0" b="0">
-              <a:solidFill>
-                <a:schemeClr val="tx1"/>
-              </a:solidFill>
-              <a:latin typeface="NanumGothic" charset="0"/>
-              <a:ea typeface="NanumGothic" charset="0"/>
-            </a:endParaRPr>
-          </a:p>
-          <a:p>
-            <a:pPr marL="342900" indent="-342900" rtl="0" algn="l" defTabSz="914400" eaLnBrk="1" latinLnBrk="0" hangingPunct="1">
-              <a:lnSpc>
-                <a:spcPct val="150000"/>
-              </a:lnSpc>
-              <a:buFontTx/>
-              <a:buNone/>
-            </a:pPr>
-            <a:endParaRPr lang="ko-KR" altLang="en-US" sz="1800" i="0" b="0">
-              <a:solidFill>
-                <a:schemeClr val="tx1"/>
-              </a:solidFill>
-              <a:latin typeface="NanumGothic" charset="0"/>
-              <a:ea typeface="NanumGothic" charset="0"/>
-            </a:endParaRPr>
-          </a:p>
-          <a:p>
-            <a:pPr marL="342900" indent="-342900" rtl="0" algn="l" defTabSz="914400" eaLnBrk="1" latinLnBrk="0" hangingPunct="1">
-              <a:lnSpc>
-                <a:spcPct val="150000"/>
-              </a:lnSpc>
-              <a:buFontTx/>
-              <a:buNone/>
-            </a:pPr>
-            <a:r>
-              <a:rPr/>
-              <a:t>                                              </a:t>
-            </a:r>
-            <a:endParaRPr lang="ko-KR" altLang="en-US"/>
-          </a:p>
-          <a:p>
-            <a:pPr marL="342900" indent="-342900" rtl="0" algn="l" defTabSz="914400" eaLnBrk="1" latinLnBrk="0" hangingPunct="1">
-              <a:lnSpc>
-                <a:spcPct val="150000"/>
-              </a:lnSpc>
-              <a:buFontTx/>
-              <a:buNone/>
-            </a:pPr>
-            <a:endParaRPr lang="ko-KR" altLang="en-US" sz="1800" i="0" b="0">
-              <a:solidFill>
-                <a:schemeClr val="tx1"/>
-              </a:solidFill>
-              <a:latin typeface="NanumGothic" charset="0"/>
-              <a:ea typeface="NanumGothic" charset="0"/>
-            </a:endParaRPr>
-          </a:p>
-        </p:txBody>
-      </p:sp>
-      <p:pic>
-        <p:nvPicPr>
-          <p:cNvPr id="33" name="그림 40"/>
-          <p:cNvPicPr>
-            <a:picLocks noChangeAspect="1"/>
-          </p:cNvPicPr>
-          <p:nvPr/>
-        </p:nvPicPr>
-        <p:blipFill rotWithShape="1">
-          <a:blip r:embed="rId4" cstate="print">
-            <a:extLst>
-              <a:ext uri="{28A0092B-C50C-407E-A947-70E740481C1C}">
-                <a14:useLocalDpi xmlns:a14="http://schemas.microsoft.com/office/drawing/2010/main" val="0"/>
-              </a:ext>
-            </a:extLst>
-          </a:blip>
-          <a:stretch>
-            <a:fillRect/>
-          </a:stretch>
-        </p:blipFill>
-        <p:spPr>
-          <a:xfrm rot="0">
-            <a:off x="1113790" y="3061335"/>
-            <a:ext cx="4458335" cy="1134110"/>
-          </a:xfrm>
-          <a:prstGeom prst="rect"/>
-          <a:noFill/>
-        </p:spPr>
-      </p:pic>
-      <p:sp>
-        <p:nvSpPr>
-          <p:cNvPr id="34" name="도형 1"/>
-          <p:cNvSpPr>
-            <a:spLocks/>
-          </p:cNvSpPr>
-          <p:nvPr/>
-        </p:nvSpPr>
-        <p:spPr>
-          <a:xfrm rot="0">
-            <a:off x="974090" y="4599940"/>
-            <a:ext cx="5053965" cy="1251585"/>
-          </a:xfrm>
-          <a:prstGeom prst="rect"/>
-          <a:noFill/>
-          <a:ln w="57150" cap="flat" cmpd="sng">
-            <a:solidFill>
-              <a:srgbClr val="FF0000">
-                <a:alpha val="100000"/>
-              </a:srgbClr>
-            </a:solidFill>
-            <a:prstDash val="solid"/>
-            <a:miter lim="800000"/>
-          </a:ln>
-        </p:spPr>
-        <p:style>
-          <a:lnRef idx="2">
-            <a:schemeClr val="accent1">
-              <a:shade val="50000"/>
-            </a:schemeClr>
-          </a:lnRef>
-          <a:fillRef idx="1">
-            <a:schemeClr val="accent1"/>
-          </a:fillRef>
-          <a:effectRef idx="0">
-            <a:schemeClr val="accent1"/>
-          </a:effectRef>
-          <a:fontRef idx="minor">
-            <a:schemeClr val="lt1"/>
-          </a:fontRef>
-        </p:style>
-        <p:txBody>
-          <a:bodyPr wrap="square" lIns="91440" tIns="45720" rIns="91440" bIns="45720" vert="horz" anchor="ctr">
-            <a:noAutofit/>
-          </a:bodyPr>
-          <a:lstStyle/>
-          <a:p>
-            <a:pPr marL="0" indent="0" algn="ctr" hangingPunct="1"/>
-            <a:endParaRPr lang="ko-KR" altLang="en-US" sz="1800">
-              <a:latin typeface="맑은 고딕" charset="0"/>
-              <a:ea typeface="맑은 고딕" charset="0"/>
-            </a:endParaRPr>
-          </a:p>
-        </p:txBody>
-      </p:sp>
-      <p:cxnSp>
-        <p:nvCxnSpPr>
-          <p:cNvPr id="35" name="도형 6"/>
-          <p:cNvCxnSpPr/>
-          <p:nvPr/>
-        </p:nvCxnSpPr>
-        <p:spPr>
-          <a:xfrm rot="0">
-            <a:off x="2409825" y="4591685"/>
-            <a:ext cx="635" cy="1235075"/>
-          </a:xfrm>
-          <a:prstGeom prst="line"/>
-          <a:ln w="6350" cap="flat" cmpd="sng">
-            <a:prstDash/>
-            <a:headEnd type="none" w="med" len="med"/>
-            <a:tailEnd type="none" w="med" len="med"/>
-          </a:ln>
-        </p:spPr>
-        <p:style>
-          <a:lnRef idx="1">
-            <a:schemeClr val="accent1"/>
-          </a:lnRef>
-          <a:fillRef idx="0">
-            <a:schemeClr val="accent1"/>
-          </a:fillRef>
-          <a:effectRef idx="0">
-            <a:schemeClr val="accent1"/>
-          </a:effectRef>
-          <a:fontRef idx="minor">
-            <a:schemeClr val="tx1"/>
-          </a:fontRef>
-        </p:style>
-      </p:cxnSp>
-      <p:cxnSp>
-        <p:nvCxnSpPr>
-          <p:cNvPr id="36" name="도형 7"/>
-          <p:cNvCxnSpPr/>
-          <p:nvPr/>
-        </p:nvCxnSpPr>
-        <p:spPr>
-          <a:xfrm rot="0">
-            <a:off x="4244340" y="4620895"/>
-            <a:ext cx="635" cy="1235075"/>
-          </a:xfrm>
-          <a:prstGeom prst="line"/>
-          <a:ln w="6350" cap="flat" cmpd="sng">
-            <a:prstDash/>
-            <a:headEnd type="none" w="med" len="med"/>
-            <a:tailEnd type="none" w="med" len="med"/>
-          </a:ln>
-        </p:spPr>
-        <p:style>
-          <a:lnRef idx="1">
-            <a:schemeClr val="accent1"/>
-          </a:lnRef>
-          <a:fillRef idx="0">
-            <a:schemeClr val="accent1"/>
-          </a:fillRef>
-          <a:effectRef idx="0">
-            <a:schemeClr val="accent1"/>
-          </a:effectRef>
-          <a:fontRef idx="minor">
-            <a:schemeClr val="tx1"/>
-          </a:fontRef>
-        </p:style>
-      </p:cxnSp>
-      <p:sp>
-        <p:nvSpPr>
-          <p:cNvPr id="37" name="텍스트 상자 8"/>
-          <p:cNvSpPr txBox="1">
-            <a:spLocks/>
-          </p:cNvSpPr>
-          <p:nvPr/>
-        </p:nvSpPr>
-        <p:spPr>
-          <a:xfrm rot="0">
-            <a:off x="1318260" y="4939030"/>
-            <a:ext cx="898525" cy="507365"/>
-          </a:xfrm>
-          <a:prstGeom prst="rect"/>
-          <a:noFill/>
-        </p:spPr>
-        <p:txBody>
-          <a:bodyPr wrap="square" lIns="91440" tIns="45720" rIns="91440" bIns="45720" numCol="1" vert="horz" anchor="t">
-            <a:spAutoFit/>
-          </a:bodyPr>
-          <a:lstStyle/>
-          <a:p>
-            <a:pPr marL="342900" indent="-342900" rtl="0" algn="l" defTabSz="914400" eaLnBrk="1" latinLnBrk="0" hangingPunct="1">
-              <a:lnSpc>
-                <a:spcPct val="150000"/>
-              </a:lnSpc>
-              <a:buFontTx/>
-              <a:buNone/>
-            </a:pPr>
-            <a:r>
-              <a:rPr sz="1800" i="0" b="0">
-                <a:solidFill>
-                  <a:schemeClr val="tx1"/>
-                </a:solidFill>
-                <a:latin typeface="NanumGothic" charset="0"/>
-                <a:ea typeface="NanumGothic" charset="0"/>
-              </a:rPr>
-              <a:t>사과</a:t>
-            </a:r>
-            <a:endParaRPr lang="ko-KR" altLang="en-US" sz="1800" i="0" b="0">
-              <a:solidFill>
-                <a:schemeClr val="tx1"/>
-              </a:solidFill>
-              <a:latin typeface="NanumGothic" charset="0"/>
-              <a:ea typeface="NanumGothic" charset="0"/>
-            </a:endParaRPr>
-          </a:p>
-        </p:txBody>
-      </p:sp>
-      <p:sp>
-        <p:nvSpPr>
-          <p:cNvPr id="38" name="텍스트 상자 9"/>
-          <p:cNvSpPr txBox="1">
-            <a:spLocks/>
-          </p:cNvSpPr>
-          <p:nvPr/>
-        </p:nvSpPr>
-        <p:spPr>
-          <a:xfrm rot="0">
-            <a:off x="2900680" y="4935220"/>
-            <a:ext cx="898525" cy="507365"/>
-          </a:xfrm>
-          <a:prstGeom prst="rect"/>
-          <a:noFill/>
-        </p:spPr>
-        <p:txBody>
-          <a:bodyPr wrap="square" lIns="91440" tIns="45720" rIns="91440" bIns="45720" numCol="1" vert="horz" anchor="t">
-            <a:spAutoFit/>
-          </a:bodyPr>
-          <a:lstStyle/>
-          <a:p>
-            <a:pPr marL="342900" indent="-342900" rtl="0" algn="l" defTabSz="914400" eaLnBrk="1" latinLnBrk="0" hangingPunct="1">
-              <a:lnSpc>
-                <a:spcPct val="150000"/>
-              </a:lnSpc>
-              <a:buFontTx/>
-              <a:buNone/>
-            </a:pPr>
-            <a:r>
-              <a:rPr sz="1800" i="0" b="0">
-                <a:solidFill>
-                  <a:schemeClr val="tx1"/>
-                </a:solidFill>
-                <a:latin typeface="NanumGothic" charset="0"/>
-                <a:ea typeface="NanumGothic" charset="0"/>
-              </a:rPr>
-              <a:t>배</a:t>
-            </a:r>
-            <a:endParaRPr lang="ko-KR" altLang="en-US"/>
-          </a:p>
-        </p:txBody>
-      </p:sp>
-      <p:sp>
-        <p:nvSpPr>
-          <p:cNvPr id="39" name="텍스트 상자 10"/>
-          <p:cNvSpPr txBox="1">
-            <a:spLocks/>
-          </p:cNvSpPr>
-          <p:nvPr/>
-        </p:nvSpPr>
-        <p:spPr>
-          <a:xfrm rot="0">
-            <a:off x="4613275" y="5010785"/>
-            <a:ext cx="898525" cy="507365"/>
-          </a:xfrm>
-          <a:prstGeom prst="rect"/>
-          <a:noFill/>
-        </p:spPr>
-        <p:txBody>
-          <a:bodyPr wrap="square" lIns="91440" tIns="45720" rIns="91440" bIns="45720" numCol="1" vert="horz" anchor="t">
-            <a:spAutoFit/>
-          </a:bodyPr>
-          <a:lstStyle/>
-          <a:p>
-            <a:pPr marL="342900" indent="-342900" rtl="0" algn="l" defTabSz="914400" eaLnBrk="1" latinLnBrk="0" hangingPunct="1">
-              <a:lnSpc>
-                <a:spcPct val="150000"/>
-              </a:lnSpc>
-              <a:buFontTx/>
-              <a:buNone/>
-            </a:pPr>
-            <a:r>
-              <a:rPr sz="1800" i="0" b="0">
-                <a:solidFill>
-                  <a:schemeClr val="tx1"/>
-                </a:solidFill>
-                <a:latin typeface="NanumGothic" charset="0"/>
-                <a:ea typeface="NanumGothic" charset="0"/>
-              </a:rPr>
-              <a:t>딸기</a:t>
-            </a:r>
-            <a:endParaRPr lang="ko-KR" altLang="en-US"/>
-          </a:p>
-        </p:txBody>
-      </p:sp>
-      <p:sp>
-        <p:nvSpPr>
-          <p:cNvPr id="40" name="텍스트 상자 11"/>
-          <p:cNvSpPr txBox="1">
-            <a:spLocks/>
-          </p:cNvSpPr>
-          <p:nvPr/>
-        </p:nvSpPr>
-        <p:spPr>
-          <a:xfrm rot="0">
-            <a:off x="1280795" y="5850255"/>
-            <a:ext cx="898525" cy="368935"/>
-          </a:xfrm>
-          <a:prstGeom prst="rect"/>
-          <a:noFill/>
-        </p:spPr>
-        <p:txBody>
-          <a:bodyPr wrap="square" lIns="91440" tIns="45720" rIns="91440" bIns="45720" numCol="1" vert="horz" anchor="t">
-            <a:spAutoFit/>
-          </a:bodyPr>
-          <a:lstStyle/>
-          <a:p>
-            <a:pPr marL="342900" indent="-342900" rtl="0" algn="l" defTabSz="914400" eaLnBrk="1" latinLnBrk="0" hangingPunct="1">
-              <a:lnSpc>
-                <a:spcPct val="150000"/>
-              </a:lnSpc>
-              <a:buFontTx/>
-              <a:buNone/>
-            </a:pPr>
-            <a:r>
-              <a:rPr sz="1200" i="0" b="0">
-                <a:solidFill>
-                  <a:schemeClr val="tx1"/>
-                </a:solidFill>
-                <a:latin typeface="NanumGothic" charset="0"/>
-                <a:ea typeface="NanumGothic" charset="0"/>
-              </a:rPr>
-              <a:t>0번째자리</a:t>
-            </a:r>
-            <a:endParaRPr lang="ko-KR" altLang="en-US" sz="1200" i="0" b="0">
-              <a:solidFill>
-                <a:schemeClr val="tx1"/>
-              </a:solidFill>
-              <a:latin typeface="NanumGothic" charset="0"/>
-              <a:ea typeface="NanumGothic" charset="0"/>
-            </a:endParaRPr>
-          </a:p>
-        </p:txBody>
-      </p:sp>
-      <p:sp>
-        <p:nvSpPr>
-          <p:cNvPr id="41" name="텍스트 상자 12"/>
-          <p:cNvSpPr txBox="1">
-            <a:spLocks/>
-          </p:cNvSpPr>
-          <p:nvPr/>
-        </p:nvSpPr>
-        <p:spPr>
-          <a:xfrm rot="0">
-            <a:off x="2905760" y="5905500"/>
-            <a:ext cx="898525" cy="368935"/>
-          </a:xfrm>
-          <a:prstGeom prst="rect"/>
-          <a:noFill/>
-        </p:spPr>
-        <p:txBody>
-          <a:bodyPr wrap="square" lIns="91440" tIns="45720" rIns="91440" bIns="45720" numCol="1" vert="horz" anchor="t">
-            <a:spAutoFit/>
-          </a:bodyPr>
-          <a:lstStyle/>
-          <a:p>
-            <a:pPr marL="342900" indent="-342900" rtl="0" algn="l" defTabSz="914400" eaLnBrk="1" latinLnBrk="0" hangingPunct="1">
-              <a:lnSpc>
-                <a:spcPct val="150000"/>
-              </a:lnSpc>
-              <a:buFontTx/>
-              <a:buNone/>
-            </a:pPr>
-            <a:r>
-              <a:rPr sz="1200" i="0" b="0">
-                <a:solidFill>
-                  <a:schemeClr val="tx1"/>
-                </a:solidFill>
-                <a:latin typeface="NanumGothic" charset="0"/>
-                <a:ea typeface="NanumGothic" charset="0"/>
-              </a:rPr>
-              <a:t>1번째자리</a:t>
-            </a:r>
-            <a:endParaRPr lang="ko-KR" altLang="en-US" sz="1200" i="0" b="0">
-              <a:solidFill>
-                <a:schemeClr val="tx1"/>
-              </a:solidFill>
-              <a:latin typeface="NanumGothic" charset="0"/>
-              <a:ea typeface="NanumGothic" charset="0"/>
-            </a:endParaRPr>
-          </a:p>
-        </p:txBody>
-      </p:sp>
-      <p:sp>
-        <p:nvSpPr>
-          <p:cNvPr id="42" name="텍스트 상자 13"/>
-          <p:cNvSpPr txBox="1">
-            <a:spLocks/>
-          </p:cNvSpPr>
-          <p:nvPr/>
-        </p:nvSpPr>
-        <p:spPr>
-          <a:xfrm rot="0">
-            <a:off x="4765675" y="5909945"/>
-            <a:ext cx="898525" cy="368935"/>
-          </a:xfrm>
-          <a:prstGeom prst="rect"/>
-          <a:noFill/>
-        </p:spPr>
-        <p:txBody>
-          <a:bodyPr wrap="square" lIns="91440" tIns="45720" rIns="91440" bIns="45720" numCol="1" vert="horz" anchor="t">
-            <a:spAutoFit/>
-          </a:bodyPr>
-          <a:lstStyle/>
-          <a:p>
-            <a:pPr marL="342900" indent="-342900" rtl="0" algn="l" defTabSz="914400" eaLnBrk="1" latinLnBrk="0" hangingPunct="1">
-              <a:lnSpc>
-                <a:spcPct val="150000"/>
-              </a:lnSpc>
-              <a:buFontTx/>
-              <a:buNone/>
-            </a:pPr>
-            <a:r>
-              <a:rPr sz="1200" i="0" b="0">
-                <a:solidFill>
-                  <a:schemeClr val="tx1"/>
-                </a:solidFill>
-                <a:latin typeface="NanumGothic" charset="0"/>
-                <a:ea typeface="NanumGothic" charset="0"/>
-              </a:rPr>
-              <a:t>2번째자리</a:t>
-            </a:r>
-            <a:endParaRPr lang="ko-KR" altLang="en-US" sz="1200" i="0" b="0">
-              <a:solidFill>
-                <a:schemeClr val="tx1"/>
-              </a:solidFill>
-              <a:latin typeface="NanumGothic" charset="0"/>
-              <a:ea typeface="NanumGothic" charset="0"/>
             </a:endParaRPr>
           </a:p>
         </p:txBody>

--- a/강의자료_자바스크립트.pptx
+++ b/강의자료_자바스크립트.pptx
@@ -2,12 +2,12 @@
 <file path=ppt/presentation.xml><?xml version="1.0" encoding="utf-8"?>
 <p:presentation xmlns:a="http://schemas.openxmlformats.org/drawingml/2006/main" xmlns:r="http://schemas.openxmlformats.org/officeDocument/2006/relationships" xmlns:p="http://schemas.openxmlformats.org/presentationml/2006/main" xmlns:p14="http://schemas.microsoft.com/office/powerpoint/2010/main" saveSubsetFonts="1">
   <p:sldMasterIdLst>
-    <p:sldMasterId id="2147485717" r:id="rId68"/>
-    <p:sldMasterId id="2147485718" r:id="rId70"/>
-    <p:sldMasterId id="2147485719" r:id="rId72"/>
-    <p:sldMasterId id="2147485720" r:id="rId74"/>
-    <p:sldMasterId id="2147485721" r:id="rId76"/>
-    <p:sldMasterId id="2147485722" r:id="rId78"/>
+    <p:sldMasterId id="2147485777" r:id="rId68"/>
+    <p:sldMasterId id="2147485778" r:id="rId70"/>
+    <p:sldMasterId id="2147485779" r:id="rId72"/>
+    <p:sldMasterId id="2147485780" r:id="rId74"/>
+    <p:sldMasterId id="2147485781" r:id="rId76"/>
+    <p:sldMasterId id="2147485782" r:id="rId78"/>
   </p:sldMasterIdLst>
   <p:sldIdLst>
     <p:sldId id="368" r:id="rId80"/>
@@ -25566,7 +25566,7 @@
 </file>
 
 <file path=ppt/slides/slide14.xml><?xml version="1.0" encoding="utf-8"?>
-<p:sld xmlns:a="http://schemas.openxmlformats.org/drawingml/2006/main" xmlns:r="http://schemas.openxmlformats.org/officeDocument/2006/relationships" xmlns:p="http://schemas.openxmlformats.org/presentationml/2006/main">
+<p:sld xmlns:a="http://schemas.openxmlformats.org/drawingml/2006/main" xmlns:r="http://schemas.openxmlformats.org/officeDocument/2006/relationships" xmlns:p="http://schemas.openxmlformats.org/presentationml/2006/main" xmlns:p14="http://schemas.microsoft.com/office/powerpoint/2010/main">
   <p:cSld>
     <p:spTree>
       <p:nvGrpSpPr>
@@ -26718,7 +26718,7 @@
       </p:sp>
       <mc:AlternateContent xmlns:mc="http://schemas.openxmlformats.org/markup-compatibility/2006" xmlns:p14="http://schemas.microsoft.com/office/powerpoint/2010/main">
         <mc:Choice Requires="p14">
-          <p:contentPart p14:bwMode="auto" r:id="rId2">
+          <p:contentPart p14:bwMode="auto" r:id="rId6">
             <p14:nvContentPartPr>
               <p14:cNvPr id="46" name="잉크 20"/>
               <p14:cNvContentPartPr/>
@@ -26738,7 +26738,7 @@
               <p:nvPr/>
             </p:nvPicPr>
             <p:blipFill>
-              <a:blip r:embed="rId3"/>
+              <a:blip r:embed="rId7"/>
               <a:stretch>
                 <a:fillRect/>
               </a:stretch>
@@ -27041,47 +27041,17 @@
       </p:sp>
       <p:pic>
         <p:nvPicPr>
-          <p:cNvPr id="50" name="그림 24" descr="C:/Users/dltjs/AppData/Roaming/PolarisOffice/ETemp/19584_15531400/fImage71134518467.png"/>
+          <p:cNvPr id="51" name="그림 4" descr="C:/Users/dltjs/AppData/Roaming/PolarisOffice/ETemp/17828_14344032/fImage82276315724.png"/>
           <p:cNvPicPr>
             <a:picLocks noChangeAspect="1"/>
           </p:cNvPicPr>
           <p:nvPr/>
         </p:nvPicPr>
         <p:blipFill rotWithShape="1">
-          <a:blip r:embed="rId4" cstate="hqprint">
+          <a:blip r:embed="rId8" cstate="print">
             <a:extLst>
               <a:ext uri="{28A0092B-C50C-407E-A947-70E740481C1C}">
-                <a14:useLocalDpi xmlns:a14="http://schemas.microsoft.com/office/drawing/2010/main"/>
-              </a:ext>
-            </a:extLst>
-          </a:blip>
-          <a:srcRect l="2990"/>
-          <a:stretch>
-            <a:fillRect/>
-          </a:stretch>
-        </p:blipFill>
-        <p:spPr>
-          <a:xfrm rot="0">
-            <a:off x="840105" y="3836670"/>
-            <a:ext cx="2699385" cy="1182370"/>
-          </a:xfrm>
-          <a:prstGeom prst="rect"/>
-          <a:noFill/>
-        </p:spPr>
-      </p:pic>
-      <p:pic>
-        <p:nvPicPr>
-          <p:cNvPr id="51" name="그림 25" descr="C:/Users/dltjs/AppData/Roaming/PolarisOffice/ETemp/19584_15531400/fImage159044526334.png"/>
-          <p:cNvPicPr>
-            <a:picLocks noChangeAspect="1"/>
-          </p:cNvPicPr>
-          <p:nvPr/>
-        </p:nvPicPr>
-        <p:blipFill rotWithShape="1">
-          <a:blip r:embed="rId5" cstate="hqprint">
-            <a:extLst>
-              <a:ext uri="{28A0092B-C50C-407E-A947-70E740481C1C}">
-                <a14:useLocalDpi xmlns:a14="http://schemas.microsoft.com/office/drawing/2010/main"/>
+                <a14:useLocalDpi xmlns:a14="http://schemas.microsoft.com/office/drawing/2010/main" val="0"/>
               </a:ext>
             </a:extLst>
           </a:blip>
@@ -27091,13 +27061,128 @@
         </p:blipFill>
         <p:spPr>
           <a:xfrm rot="0">
-            <a:off x="4892675" y="3728085"/>
-            <a:ext cx="6587490" cy="1401445"/>
+            <a:off x="842010" y="3430270"/>
+            <a:ext cx="3477260" cy="1972310"/>
           </a:xfrm>
           <a:prstGeom prst="rect"/>
           <a:noFill/>
         </p:spPr>
       </p:pic>
+      <p:pic>
+        <p:nvPicPr>
+          <p:cNvPr id="52" name="그림 5" descr="C:/Users/dltjs/AppData/Roaming/PolarisOffice/ETemp/17828_14344032/fImage163346321478.png"/>
+          <p:cNvPicPr>
+            <a:picLocks noChangeAspect="1"/>
+          </p:cNvPicPr>
+          <p:nvPr/>
+        </p:nvPicPr>
+        <p:blipFill rotWithShape="1">
+          <a:blip r:embed="rId9" cstate="print">
+            <a:extLst>
+              <a:ext uri="{28A0092B-C50C-407E-A947-70E740481C1C}">
+                <a14:useLocalDpi xmlns:a14="http://schemas.microsoft.com/office/drawing/2010/main" val="0"/>
+              </a:ext>
+            </a:extLst>
+          </a:blip>
+          <a:stretch>
+            <a:fillRect/>
+          </a:stretch>
+        </p:blipFill>
+        <p:spPr>
+          <a:xfrm rot="0">
+            <a:off x="4506595" y="3500120"/>
+            <a:ext cx="5192395" cy="1868805"/>
+          </a:xfrm>
+          <a:prstGeom prst="rect"/>
+          <a:noFill/>
+        </p:spPr>
+      </p:pic>
+      <p:sp>
+        <p:nvSpPr>
+          <p:cNvPr id="53" name="텍스트 상자 6"/>
+          <p:cNvSpPr txBox="1">
+            <a:spLocks/>
+          </p:cNvSpPr>
+          <p:nvPr/>
+        </p:nvSpPr>
+        <p:spPr>
+          <a:xfrm rot="0">
+            <a:off x="4506595" y="5464810"/>
+            <a:ext cx="3261995" cy="276860"/>
+          </a:xfrm>
+          <a:prstGeom prst="rect"/>
+          <a:noFill/>
+        </p:spPr>
+        <p:txBody>
+          <a:bodyPr wrap="square" lIns="91440" tIns="45720" rIns="91440" bIns="45720" numCol="1" vert="horz" anchor="t">
+            <a:spAutoFit/>
+          </a:bodyPr>
+          <a:lstStyle/>
+          <a:p>
+            <a:pPr marL="342900" indent="-342900" rtl="0" algn="l" defTabSz="914400" eaLnBrk="1" latinLnBrk="0" hangingPunct="1">
+              <a:buFontTx/>
+              <a:buNone/>
+            </a:pPr>
+            <a:r>
+              <a:rPr sz="1200" i="0" b="0">
+                <a:solidFill>
+                  <a:schemeClr val="tx1"/>
+                </a:solidFill>
+                <a:latin typeface="NanumGothic" charset="0"/>
+                <a:ea typeface="NanumGothic" charset="0"/>
+              </a:rPr>
+              <a:t>계산을 해서 그 값을 전달하기 위한 목적</a:t>
+            </a:r>
+            <a:endParaRPr lang="ko-KR" altLang="en-US" sz="1200" i="0" b="0">
+              <a:solidFill>
+                <a:schemeClr val="tx1"/>
+              </a:solidFill>
+              <a:latin typeface="NanumGothic" charset="0"/>
+              <a:ea typeface="NanumGothic" charset="0"/>
+            </a:endParaRPr>
+          </a:p>
+        </p:txBody>
+      </p:sp>
+      <p:sp>
+        <p:nvSpPr>
+          <p:cNvPr id="54" name="텍스트 상자 7"/>
+          <p:cNvSpPr txBox="1">
+            <a:spLocks/>
+          </p:cNvSpPr>
+          <p:nvPr/>
+        </p:nvSpPr>
+        <p:spPr>
+          <a:xfrm rot="0">
+            <a:off x="941070" y="5519420"/>
+            <a:ext cx="3261995" cy="276860"/>
+          </a:xfrm>
+          <a:prstGeom prst="rect"/>
+          <a:noFill/>
+        </p:spPr>
+        <p:txBody>
+          <a:bodyPr wrap="square" lIns="91440" tIns="45720" rIns="91440" bIns="45720" numCol="1" vert="horz" anchor="t">
+            <a:spAutoFit/>
+          </a:bodyPr>
+          <a:lstStyle/>
+          <a:p>
+            <a:pPr marL="342900" indent="-342900" rtl="0" algn="l" defTabSz="914400" eaLnBrk="1" latinLnBrk="0" hangingPunct="1">
+              <a:buFontTx/>
+              <a:buNone/>
+            </a:pPr>
+            <a:r>
+              <a:rPr sz="1200" i="0" b="0">
+                <a:solidFill>
+                  <a:schemeClr val="tx1"/>
+                </a:solidFill>
+                <a:latin typeface="NanumGothic" charset="0"/>
+                <a:ea typeface="NanumGothic" charset="0"/>
+              </a:rPr>
+              <a:t>단순히 어떠한 기능을 수행하기 위한 목적</a:t>
+            </a:r>
+            <a:endParaRPr lang="ko-KR" altLang="en-US"/>
+          </a:p>
+        </p:txBody>
+      </p:sp>
     </p:spTree>
   </p:cSld>
   <p:clrMapOvr>
@@ -27105,12 +27190,19 @@
   </p:clrMapOvr>
   <mc:AlternateContent xmlns:mc="http://schemas.openxmlformats.org/markup-compatibility/2006">
     <mc:Choice xmlns:p14="http://schemas.microsoft.com/office/powerpoint/2010/main" Requires="p14">
-      <p:transition spd="slow" p14:dur="0"/>
+      <p:transition spd="slow" p14:dur="1000"/>
     </mc:Choice>
     <mc:Fallback>
       <p:transition spd="slow"/>
     </mc:Fallback>
   </mc:AlternateContent>
+  <p:timing>
+    <p:tnLst>
+      <p:par>
+        <p:cTn id="1" dur="indefinite" restart="never" nodeType="tmRoot"/>
+      </p:par>
+    </p:tnLst>
+  </p:timing>
 </p:sld>
 </file>
 

--- a/강의자료_자바스크립트.pptx
+++ b/강의자료_자바스크립트.pptx
@@ -24313,7 +24313,7 @@
         </p:nvGrpSpPr>
         <p:grpSpPr>
           <a:xfrm>
-            <a:off x="145415" y="684530"/>
+            <a:off x="83820" y="693651"/>
             <a:ext cx="11824970" cy="6007100"/>
             <a:chOff x="145415" y="684530"/>
             <a:chExt cx="11824970" cy="6007100"/>
@@ -25580,16 +25580,46 @@
               <a:buNone/>
             </a:pPr>
             <a:r>
-              <a:rPr sz="1800" b="0" i="0">
+              <a:rPr sz="1800" b="0" i="0" dirty="0">
                 <a:solidFill>
                   <a:schemeClr val="tx1"/>
                 </a:solidFill>
                 <a:latin typeface="NanumGothic" charset="0"/>
                 <a:ea typeface="NanumGothic" charset="0"/>
               </a:rPr>
-              <a:t>- 산술연산자                                                                    - 논리연산자</a:t>
-            </a:r>
-            <a:endParaRPr lang="ko-KR" altLang="en-US" sz="1800" b="0" i="0">
+              <a:t>- </a:t>
+            </a:r>
+            <a:r>
+              <a:rPr sz="1800" b="0" i="0" dirty="0" err="1">
+                <a:solidFill>
+                  <a:schemeClr val="tx1"/>
+                </a:solidFill>
+                <a:latin typeface="NanumGothic" charset="0"/>
+                <a:ea typeface="NanumGothic" charset="0"/>
+              </a:rPr>
+              <a:t>산술연산자</a:t>
+            </a:r>
+            <a:r>
+              <a:rPr sz="1800" b="0" i="0" dirty="0">
+                <a:solidFill>
+                  <a:schemeClr val="tx1"/>
+                </a:solidFill>
+                <a:latin typeface="NanumGothic" charset="0"/>
+                <a:ea typeface="NanumGothic" charset="0"/>
+              </a:rPr>
+              <a:t>                                                                    - </a:t>
+            </a:r>
+            <a:r>
+              <a:rPr sz="1800" b="0" i="0" dirty="0" err="1">
+                <a:solidFill>
+                  <a:schemeClr val="tx1"/>
+                </a:solidFill>
+                <a:latin typeface="NanumGothic" charset="0"/>
+                <a:ea typeface="NanumGothic" charset="0"/>
+              </a:rPr>
+              <a:t>논리연산자</a:t>
+            </a:r>
+            <a:endParaRPr lang="ko-KR" altLang="en-US" sz="1800" b="0" i="0" dirty="0">
               <a:solidFill>
                 <a:schemeClr val="tx1"/>
               </a:solidFill>
@@ -25605,7 +25635,7 @@
               <a:buFontTx/>
               <a:buNone/>
             </a:pPr>
-            <a:endParaRPr lang="ko-KR" altLang="en-US" sz="1800" b="0" i="0">
+            <a:endParaRPr lang="ko-KR" altLang="en-US" sz="1800" b="0" i="0" dirty="0">
               <a:solidFill>
                 <a:schemeClr val="tx1"/>
               </a:solidFill>
@@ -25621,7 +25651,7 @@
               <a:buFontTx/>
               <a:buNone/>
             </a:pPr>
-            <a:endParaRPr lang="ko-KR" altLang="en-US" sz="1800" b="0" i="0">
+            <a:endParaRPr lang="ko-KR" altLang="en-US" sz="1800" b="0" i="0" dirty="0">
               <a:solidFill>
                 <a:schemeClr val="tx1"/>
               </a:solidFill>
@@ -25637,7 +25667,7 @@
               <a:buFontTx/>
               <a:buNone/>
             </a:pPr>
-            <a:endParaRPr lang="ko-KR" altLang="en-US" sz="1800" b="0" i="0">
+            <a:endParaRPr lang="ko-KR" altLang="en-US" sz="1800" b="0" i="0" dirty="0">
               <a:solidFill>
                 <a:schemeClr val="tx1"/>
               </a:solidFill>
@@ -25653,7 +25683,7 @@
               <a:buFontTx/>
               <a:buNone/>
             </a:pPr>
-            <a:endParaRPr lang="ko-KR" altLang="en-US" sz="1800" b="0" i="0">
+            <a:endParaRPr lang="ko-KR" altLang="en-US" sz="1800" b="0" i="0" dirty="0">
               <a:solidFill>
                 <a:schemeClr val="tx1"/>
               </a:solidFill>
@@ -25669,7 +25699,7 @@
               <a:buFontTx/>
               <a:buNone/>
             </a:pPr>
-            <a:endParaRPr lang="ko-KR" altLang="en-US" sz="1800" b="0" i="0">
+            <a:endParaRPr lang="ko-KR" altLang="en-US" sz="1800" b="0" i="0" dirty="0">
               <a:solidFill>
                 <a:schemeClr val="tx1"/>
               </a:solidFill>
@@ -25685,7 +25715,7 @@
               <a:buFontTx/>
               <a:buNone/>
             </a:pPr>
-            <a:endParaRPr lang="ko-KR" altLang="en-US" sz="1800" b="0" i="0">
+            <a:endParaRPr lang="ko-KR" altLang="en-US" sz="1800" b="0" i="0" dirty="0">
               <a:solidFill>
                 <a:schemeClr val="tx1"/>
               </a:solidFill>
@@ -25701,7 +25731,7 @@
               <a:buFontTx/>
               <a:buNone/>
             </a:pPr>
-            <a:endParaRPr lang="ko-KR" altLang="en-US" sz="1800" b="0" i="0">
+            <a:endParaRPr lang="ko-KR" altLang="en-US" sz="1800" b="0" i="0" dirty="0">
               <a:solidFill>
                 <a:schemeClr val="tx1"/>
               </a:solidFill>
@@ -25826,7 +25856,7 @@
         </p:blipFill>
         <p:spPr>
           <a:xfrm>
-            <a:off x="782320" y="4551391"/>
+            <a:off x="782320" y="4551247"/>
             <a:ext cx="2543175" cy="1085850"/>
           </a:xfrm>
           <a:prstGeom prst="rect">
@@ -25863,6 +25893,54 @@
             <a:avLst/>
           </a:prstGeom>
           <a:noFill/>
+        </p:spPr>
+      </p:pic>
+      <p:pic>
+        <p:nvPicPr>
+          <p:cNvPr id="7" name="그림 6"/>
+          <p:cNvPicPr>
+            <a:picLocks noChangeAspect="1"/>
+          </p:cNvPicPr>
+          <p:nvPr/>
+        </p:nvPicPr>
+        <p:blipFill>
+          <a:blip r:embed="rId12"/>
+          <a:stretch>
+            <a:fillRect/>
+          </a:stretch>
+        </p:blipFill>
+        <p:spPr>
+          <a:xfrm>
+            <a:off x="6354445" y="5707206"/>
+            <a:ext cx="2486025" cy="805222"/>
+          </a:xfrm>
+          <a:prstGeom prst="rect">
+            <a:avLst/>
+          </a:prstGeom>
+        </p:spPr>
+      </p:pic>
+      <p:pic>
+        <p:nvPicPr>
+          <p:cNvPr id="9" name="그림 8"/>
+          <p:cNvPicPr>
+            <a:picLocks noChangeAspect="1"/>
+          </p:cNvPicPr>
+          <p:nvPr/>
+        </p:nvPicPr>
+        <p:blipFill>
+          <a:blip r:embed="rId13"/>
+          <a:stretch>
+            <a:fillRect/>
+          </a:stretch>
+        </p:blipFill>
+        <p:spPr>
+          <a:xfrm>
+            <a:off x="8887459" y="5705648"/>
+            <a:ext cx="2021206" cy="791890"/>
+          </a:xfrm>
+          <a:prstGeom prst="rect">
+            <a:avLst/>
+          </a:prstGeom>
         </p:spPr>
       </p:pic>
     </p:spTree>

--- a/강의자료_자바스크립트.pptx
+++ b/강의자료_자바스크립트.pptx
@@ -21871,7 +21871,7 @@
                 <a:buFontTx/>
                 <a:buNone/>
               </a:pPr>
-              <a:endParaRPr lang="ko-KR" altLang="en-US">
+              <a:endParaRPr lang="ko-KR" altLang="en-US" dirty="0">
                 <a:solidFill>
                   <a:srgbClr val="FFFFFF"/>
                 </a:solidFill>
@@ -21931,7 +21931,7 @@
                 <a:buFontTx/>
                 <a:buNone/>
               </a:pPr>
-              <a:endParaRPr lang="ko-KR" altLang="en-US">
+              <a:endParaRPr lang="ko-KR" altLang="en-US" dirty="0">
                 <a:solidFill>
                   <a:srgbClr val="FFFFFF"/>
                 </a:solidFill>
@@ -22073,7 +22073,7 @@
                 <a:buFontTx/>
                 <a:buNone/>
               </a:pPr>
-              <a:endParaRPr lang="ko-KR" altLang="en-US">
+              <a:endParaRPr lang="ko-KR" altLang="en-US" dirty="0">
                 <a:solidFill>
                   <a:srgbClr val="FFFFFF"/>
                 </a:solidFill>
@@ -22135,7 +22135,7 @@
                 <a:buFontTx/>
                 <a:buNone/>
               </a:pPr>
-              <a:endParaRPr lang="ko-KR" altLang="en-US">
+              <a:endParaRPr lang="ko-KR" altLang="en-US" dirty="0">
                 <a:solidFill>
                   <a:srgbClr val="FFFFFF"/>
                 </a:solidFill>
@@ -22231,7 +22231,7 @@
                 <a:buFontTx/>
                 <a:buNone/>
               </a:pPr>
-              <a:endParaRPr lang="ko-KR" altLang="en-US">
+              <a:endParaRPr lang="ko-KR" altLang="en-US" dirty="0">
                 <a:solidFill>
                   <a:srgbClr val="FFFFFF"/>
                 </a:solidFill>
@@ -22327,7 +22327,7 @@
                 <a:buFontTx/>
                 <a:buNone/>
               </a:pPr>
-              <a:endParaRPr lang="ko-KR" altLang="en-US">
+              <a:endParaRPr lang="ko-KR" altLang="en-US" dirty="0">
                 <a:solidFill>
                   <a:srgbClr val="FFFFFF"/>
                 </a:solidFill>
@@ -22423,7 +22423,7 @@
                 <a:buFontTx/>
                 <a:buNone/>
               </a:pPr>
-              <a:endParaRPr lang="ko-KR" altLang="en-US">
+              <a:endParaRPr lang="ko-KR" altLang="en-US" dirty="0">
                 <a:solidFill>
                   <a:srgbClr val="FFFFFF"/>
                 </a:solidFill>
@@ -22525,7 +22525,7 @@
                 <a:buFontTx/>
                 <a:buNone/>
               </a:pPr>
-              <a:endParaRPr lang="ko-KR" altLang="en-US">
+              <a:endParaRPr lang="ko-KR" altLang="en-US" dirty="0">
                 <a:solidFill>
                   <a:srgbClr val="FFFFFF"/>
                 </a:solidFill>
@@ -22587,7 +22587,7 @@
                 <a:buFontTx/>
                 <a:buNone/>
               </a:pPr>
-              <a:endParaRPr lang="ko-KR" altLang="en-US">
+              <a:endParaRPr lang="ko-KR" altLang="en-US" dirty="0">
                 <a:solidFill>
                   <a:srgbClr val="FFFFFF"/>
                 </a:solidFill>
@@ -22631,12 +22631,20 @@
               <a:buNone/>
             </a:pPr>
             <a:r>
+              <a:rPr lang="en-US" altLang="ko-KR" b="1" dirty="0" err="1">
+                <a:solidFill>
+                  <a:srgbClr val="FFFFFF"/>
+                </a:solidFill>
+              </a:rPr>
+              <a:t>javascript</a:t>
+            </a:r>
+            <a:r>
               <a:rPr lang="en-US" altLang="ko-KR" b="1">
                 <a:solidFill>
                   <a:srgbClr val="FFFFFF"/>
                 </a:solidFill>
               </a:rPr>
-              <a:t>javascript </a:t>
+              <a:t> </a:t>
             </a:r>
             <a:endParaRPr lang="ko-KR" altLang="en-US" b="1">
               <a:solidFill>
@@ -36782,33 +36790,26 @@
       </p:sp>
       <p:pic>
         <p:nvPicPr>
-          <p:cNvPr id="33" name="그림 17" descr="C:/Users/dltjs/AppData/Roaming/PolarisOffice/ETemp/18936_15923032/fImage185586539358.png"/>
+          <p:cNvPr id="3" name="그림 2"/>
           <p:cNvPicPr>
             <a:picLocks noChangeAspect="1"/>
           </p:cNvPicPr>
           <p:nvPr/>
         </p:nvPicPr>
-        <p:blipFill rotWithShape="1">
-          <a:blip r:embed="rId4" cstate="print">
-            <a:extLst>
-              <a:ext uri="{28A0092B-C50C-407E-A947-70E740481C1C}">
-                <a14:useLocalDpi xmlns:a14="http://schemas.microsoft.com/office/drawing/2010/main" val="0"/>
-              </a:ext>
-            </a:extLst>
-          </a:blip>
+        <p:blipFill>
+          <a:blip r:embed="rId4"/>
           <a:stretch>
             <a:fillRect/>
           </a:stretch>
         </p:blipFill>
         <p:spPr>
           <a:xfrm>
-            <a:off x="869950" y="2900680"/>
-            <a:ext cx="7011035" cy="2400935"/>
+            <a:off x="720725" y="2757170"/>
+            <a:ext cx="6354784" cy="1997710"/>
           </a:xfrm>
           <a:prstGeom prst="rect">
             <a:avLst/>
           </a:prstGeom>
-          <a:noFill/>
         </p:spPr>
       </p:pic>
     </p:spTree>
@@ -36859,7 +36860,7 @@
         </p:nvGrpSpPr>
         <p:grpSpPr>
           <a:xfrm>
-            <a:off x="136525" y="675640"/>
+            <a:off x="136525" y="643770"/>
             <a:ext cx="11822430" cy="6004560"/>
             <a:chOff x="136525" y="675640"/>
             <a:chExt cx="11822430" cy="6004560"/>
@@ -38062,7 +38063,7 @@
         </p:nvSpPr>
         <p:spPr>
           <a:xfrm>
-            <a:off x="659130" y="2305685"/>
+            <a:off x="659130" y="1584841"/>
             <a:ext cx="7420610" cy="462280"/>
           </a:xfrm>
           <a:prstGeom prst="rect">
@@ -38081,13 +38082,34 @@
               <a:buNone/>
             </a:pPr>
             <a:r>
-              <a:rPr sz="2400">
-                <a:latin typeface="맑은 고딕" charset="0"/>
-                <a:ea typeface="맑은 고딕" charset="0"/>
-              </a:rPr>
-              <a:t>JAVASCRIPT 선택자 종류</a:t>
-            </a:r>
-            <a:endParaRPr lang="ko-KR" altLang="en-US" sz="2400">
+              <a:rPr sz="2400" dirty="0">
+                <a:latin typeface="맑은 고딕" charset="0"/>
+                <a:ea typeface="맑은 고딕" charset="0"/>
+              </a:rPr>
+              <a:t>JAVASCRIPT </a:t>
+            </a:r>
+            <a:r>
+              <a:rPr sz="2400" dirty="0" err="1">
+                <a:latin typeface="맑은 고딕" charset="0"/>
+                <a:ea typeface="맑은 고딕" charset="0"/>
+              </a:rPr>
+              <a:t>선택자</a:t>
+            </a:r>
+            <a:r>
+              <a:rPr sz="2400" dirty="0">
+                <a:latin typeface="맑은 고딕" charset="0"/>
+                <a:ea typeface="맑은 고딕" charset="0"/>
+              </a:rPr>
+              <a:t> </a:t>
+            </a:r>
+            <a:r>
+              <a:rPr sz="2400" dirty="0" err="1">
+                <a:latin typeface="맑은 고딕" charset="0"/>
+                <a:ea typeface="맑은 고딕" charset="0"/>
+              </a:rPr>
+              <a:t>종류</a:t>
+            </a:r>
+            <a:endParaRPr lang="ko-KR" altLang="en-US" sz="2400" dirty="0">
               <a:latin typeface="맑은 고딕" charset="0"/>
               <a:ea typeface="맑은 고딕" charset="0"/>
             </a:endParaRPr>
@@ -38104,7 +38126,7 @@
         </p:nvSpPr>
         <p:spPr>
           <a:xfrm>
-            <a:off x="659130" y="2878455"/>
+            <a:off x="659130" y="2157611"/>
             <a:ext cx="10869295" cy="1598930"/>
           </a:xfrm>
           <a:prstGeom prst="rect">
@@ -38123,13 +38145,13 @@
               <a:buAutoNum type="arabicPeriod"/>
             </a:pPr>
             <a:r>
-              <a:rPr sz="1400">
+              <a:rPr sz="1400" dirty="0" err="1">
                 <a:latin typeface="맑은 고딕" charset="0"/>
                 <a:ea typeface="맑은 고딕" charset="0"/>
               </a:rPr>
               <a:t>document.getElementsByTagName</a:t>
             </a:r>
-            <a:endParaRPr lang="ko-KR" altLang="en-US" sz="1400">
+            <a:endParaRPr lang="ko-KR" altLang="en-US" sz="1400" dirty="0">
               <a:latin typeface="맑은 고딕" charset="0"/>
               <a:ea typeface="맑은 고딕" charset="0"/>
             </a:endParaRPr>
@@ -38139,7 +38161,7 @@
               <a:buFont typeface="+mj-lt"/>
               <a:buAutoNum type="arabicPeriod"/>
             </a:pPr>
-            <a:endParaRPr lang="ko-KR" altLang="en-US" sz="1400">
+            <a:endParaRPr lang="ko-KR" altLang="en-US" sz="1400" dirty="0">
               <a:latin typeface="맑은 고딕" charset="0"/>
               <a:ea typeface="맑은 고딕" charset="0"/>
             </a:endParaRPr>
@@ -38150,13 +38172,13 @@
               <a:buAutoNum type="arabicPeriod"/>
             </a:pPr>
             <a:r>
-              <a:rPr sz="1400">
+              <a:rPr sz="1400" dirty="0" err="1">
                 <a:latin typeface="맑은 고딕" charset="0"/>
                 <a:ea typeface="맑은 고딕" charset="0"/>
               </a:rPr>
               <a:t>document.getElementsByClassName</a:t>
             </a:r>
-            <a:endParaRPr lang="ko-KR" altLang="en-US" sz="1400">
+            <a:endParaRPr lang="ko-KR" altLang="en-US" sz="1400" dirty="0">
               <a:latin typeface="맑은 고딕" charset="0"/>
               <a:ea typeface="맑은 고딕" charset="0"/>
             </a:endParaRPr>
@@ -38166,7 +38188,7 @@
               <a:buFont typeface="+mj-lt"/>
               <a:buAutoNum type="arabicPeriod"/>
             </a:pPr>
-            <a:endParaRPr lang="ko-KR" altLang="en-US" sz="1400">
+            <a:endParaRPr lang="ko-KR" altLang="en-US" sz="1400" dirty="0">
               <a:latin typeface="맑은 고딕" charset="0"/>
               <a:ea typeface="맑은 고딕" charset="0"/>
             </a:endParaRPr>
@@ -38177,13 +38199,20 @@
               <a:buAutoNum type="arabicPeriod"/>
             </a:pPr>
             <a:r>
-              <a:rPr sz="1400">
-                <a:latin typeface="맑은 고딕" charset="0"/>
-                <a:ea typeface="맑은 고딕" charset="0"/>
-              </a:rPr>
-              <a:t>document.getElementById </a:t>
-            </a:r>
-            <a:endParaRPr lang="ko-KR" altLang="en-US" sz="1400">
+              <a:rPr sz="1400" dirty="0" err="1">
+                <a:latin typeface="맑은 고딕" charset="0"/>
+                <a:ea typeface="맑은 고딕" charset="0"/>
+              </a:rPr>
+              <a:t>document.getElementById</a:t>
+            </a:r>
+            <a:r>
+              <a:rPr sz="1400" dirty="0">
+                <a:latin typeface="맑은 고딕" charset="0"/>
+                <a:ea typeface="맑은 고딕" charset="0"/>
+              </a:rPr>
+              <a:t> </a:t>
+            </a:r>
+            <a:endParaRPr lang="ko-KR" altLang="en-US" sz="1400" dirty="0">
               <a:latin typeface="맑은 고딕" charset="0"/>
               <a:ea typeface="맑은 고딕" charset="0"/>
             </a:endParaRPr>
@@ -38193,7 +38222,7 @@
               <a:buFont typeface="+mj-lt"/>
               <a:buAutoNum type="arabicPeriod"/>
             </a:pPr>
-            <a:endParaRPr lang="ko-KR" altLang="en-US" sz="1400">
+            <a:endParaRPr lang="ko-KR" altLang="en-US" sz="1400" dirty="0">
               <a:latin typeface="맑은 고딕" charset="0"/>
               <a:ea typeface="맑은 고딕" charset="0"/>
             </a:endParaRPr>
@@ -38204,7 +38233,7 @@
               <a:buAutoNum type="arabicPeriod"/>
             </a:pPr>
             <a:r>
-              <a:rPr sz="1400">
+              <a:rPr sz="1400" dirty="0" err="1">
                 <a:solidFill>
                   <a:srgbClr val="FF0000"/>
                 </a:solidFill>
@@ -38214,13 +38243,13 @@
               <a:t>document.querySelector</a:t>
             </a:r>
             <a:r>
-              <a:rPr sz="1400">
+              <a:rPr sz="1400" dirty="0">
                 <a:latin typeface="맑은 고딕" charset="0"/>
                 <a:ea typeface="맑은 고딕" charset="0"/>
               </a:rPr>
               <a:t> </a:t>
             </a:r>
-            <a:endParaRPr lang="ko-KR" altLang="en-US" sz="1400">
+            <a:endParaRPr lang="ko-KR" altLang="en-US" sz="1400" dirty="0">
               <a:latin typeface="맑은 고딕" charset="0"/>
               <a:ea typeface="맑은 고딕" charset="0"/>
             </a:endParaRPr>
@@ -43543,7 +43572,7 @@
                 <a:buFontTx/>
                 <a:buNone/>
               </a:pPr>
-              <a:endParaRPr lang="ko-KR" altLang="en-US" sz="1800">
+              <a:endParaRPr lang="ko-KR" altLang="en-US" sz="1800" dirty="0">
                 <a:solidFill>
                   <a:srgbClr val="FFFFFF"/>
                 </a:solidFill>
@@ -43641,7 +43670,7 @@
                 <a:buFontTx/>
                 <a:buNone/>
               </a:pPr>
-              <a:endParaRPr lang="ko-KR" altLang="en-US" sz="1800">
+              <a:endParaRPr lang="ko-KR" altLang="en-US" sz="1800" dirty="0">
                 <a:solidFill>
                   <a:srgbClr val="FFFFFF"/>
                 </a:solidFill>
@@ -43720,7 +43749,7 @@
                 <a:buFontTx/>
                 <a:buNone/>
               </a:pPr>
-              <a:endParaRPr lang="ko-KR" altLang="en-US" sz="1800">
+              <a:endParaRPr lang="ko-KR" altLang="en-US" sz="1800" dirty="0">
                 <a:solidFill>
                   <a:srgbClr val="FFFFFF"/>
                 </a:solidFill>
@@ -43782,7 +43811,7 @@
                 <a:buFontTx/>
                 <a:buNone/>
               </a:pPr>
-              <a:endParaRPr lang="ko-KR" altLang="en-US" sz="1800">
+              <a:endParaRPr lang="ko-KR" altLang="en-US" sz="1800" dirty="0">
                 <a:solidFill>
                   <a:srgbClr val="FFFFFF"/>
                 </a:solidFill>
@@ -43926,7 +43955,7 @@
                 <a:buFontTx/>
                 <a:buNone/>
               </a:pPr>
-              <a:endParaRPr lang="ko-KR" altLang="en-US" sz="1800">
+              <a:endParaRPr lang="ko-KR" altLang="en-US" sz="1800" dirty="0">
                 <a:solidFill>
                   <a:srgbClr val="FFFFFF"/>
                 </a:solidFill>
@@ -43990,7 +44019,7 @@
                 <a:buFontTx/>
                 <a:buNone/>
               </a:pPr>
-              <a:endParaRPr lang="ko-KR" altLang="en-US" sz="1800">
+              <a:endParaRPr lang="ko-KR" altLang="en-US" sz="1800" dirty="0">
                 <a:solidFill>
                   <a:srgbClr val="FFFFFF"/>
                 </a:solidFill>
@@ -44088,7 +44117,7 @@
                 <a:buFontTx/>
                 <a:buNone/>
               </a:pPr>
-              <a:endParaRPr lang="ko-KR" altLang="en-US" sz="1800">
+              <a:endParaRPr lang="ko-KR" altLang="en-US" sz="1800" dirty="0">
                 <a:solidFill>
                   <a:srgbClr val="FFFFFF"/>
                 </a:solidFill>
@@ -44186,7 +44215,7 @@
                 <a:buFontTx/>
                 <a:buNone/>
               </a:pPr>
-              <a:endParaRPr lang="ko-KR" altLang="en-US" sz="1800">
+              <a:endParaRPr lang="ko-KR" altLang="en-US" sz="1800" dirty="0">
                 <a:solidFill>
                   <a:srgbClr val="FFFFFF"/>
                 </a:solidFill>
@@ -44284,7 +44313,7 @@
                 <a:buFontTx/>
                 <a:buNone/>
               </a:pPr>
-              <a:endParaRPr lang="ko-KR" altLang="en-US" sz="1800">
+              <a:endParaRPr lang="ko-KR" altLang="en-US" sz="1800" dirty="0">
                 <a:solidFill>
                   <a:srgbClr val="FFFFFF"/>
                 </a:solidFill>
@@ -44388,7 +44417,7 @@
                 <a:buFontTx/>
                 <a:buNone/>
               </a:pPr>
-              <a:endParaRPr lang="ko-KR" altLang="en-US" sz="1800">
+              <a:endParaRPr lang="ko-KR" altLang="en-US" sz="1800" dirty="0">
                 <a:solidFill>
                   <a:srgbClr val="FFFFFF"/>
                 </a:solidFill>
@@ -44452,7 +44481,7 @@
                 <a:buFontTx/>
                 <a:buNone/>
               </a:pPr>
-              <a:endParaRPr lang="ko-KR" altLang="en-US" sz="1800">
+              <a:endParaRPr lang="ko-KR" altLang="en-US" sz="1800" dirty="0">
                 <a:solidFill>
                   <a:srgbClr val="FFFFFF"/>
                 </a:solidFill>
@@ -44495,7 +44524,7 @@
               <a:buNone/>
             </a:pPr>
             <a:r>
-              <a:rPr sz="1800" b="1">
+              <a:rPr sz="1800" b="1" dirty="0">
                 <a:solidFill>
                   <a:srgbClr val="FFFFFF"/>
                 </a:solidFill>
@@ -44504,7 +44533,7 @@
               </a:rPr>
               <a:t>CONTENTS</a:t>
             </a:r>
-            <a:endParaRPr lang="ko-KR" altLang="en-US" sz="1800" b="1">
+            <a:endParaRPr lang="ko-KR" altLang="en-US" sz="1800" b="1" dirty="0">
               <a:solidFill>
                 <a:srgbClr val="FFFFFF"/>
               </a:solidFill>
@@ -44542,7 +44571,7 @@
               <a:buNone/>
             </a:pPr>
             <a:r>
-              <a:rPr sz="2800" b="1" i="1">
+              <a:rPr sz="2800" b="1" i="1" dirty="0">
                 <a:solidFill>
                   <a:srgbClr val="08CDD5"/>
                 </a:solidFill>
@@ -44552,7 +44581,7 @@
               <a:t>HTML  </a:t>
             </a:r>
             <a:r>
-              <a:rPr sz="900">
+              <a:rPr sz="900" dirty="0">
                 <a:solidFill>
                   <a:srgbClr val="000000">
                     <a:lumMod val="75000"/>
@@ -44564,7 +44593,7 @@
               </a:rPr>
               <a:t>Welcome to HTML!! 3일차</a:t>
             </a:r>
-            <a:endParaRPr lang="ko-KR" altLang="en-US" sz="900">
+            <a:endParaRPr lang="ko-KR" altLang="en-US" sz="900" dirty="0">
               <a:solidFill>
                 <a:srgbClr val="000000">
                   <a:lumMod val="75000"/>
@@ -44606,13 +44635,20 @@
               <a:buNone/>
             </a:pPr>
             <a:r>
-              <a:rPr sz="2400">
-                <a:latin typeface="맑은 고딕" charset="0"/>
-                <a:ea typeface="맑은 고딕" charset="0"/>
-              </a:rPr>
-              <a:t>JAVASCRIPT 문법</a:t>
-            </a:r>
-            <a:endParaRPr lang="ko-KR" altLang="en-US" sz="2400">
+              <a:rPr sz="2400" dirty="0">
+                <a:latin typeface="맑은 고딕" charset="0"/>
+                <a:ea typeface="맑은 고딕" charset="0"/>
+              </a:rPr>
+              <a:t>JAVASCRIPT </a:t>
+            </a:r>
+            <a:r>
+              <a:rPr sz="2400" dirty="0" err="1">
+                <a:latin typeface="맑은 고딕" charset="0"/>
+                <a:ea typeface="맑은 고딕" charset="0"/>
+              </a:rPr>
+              <a:t>문법</a:t>
+            </a:r>
+            <a:endParaRPr lang="ko-KR" altLang="en-US" sz="2400" dirty="0">
               <a:latin typeface="맑은 고딕" charset="0"/>
               <a:ea typeface="맑은 고딕" charset="0"/>
             </a:endParaRPr>
